--- a/examples/3guo.pptx
+++ b/examples/3guo.pptx
@@ -1,25 +1,25 @@
 
 <file path=ppt/presentation.xml><?xml version="1.0" encoding="utf-8"?>
-<p:presentation xmlns:p15="http://schemas.microsoft.com/office/powerpoint/2012/main" xmlns:a="http://schemas.openxmlformats.org/drawingml/2006/main" xmlns:p="http://schemas.openxmlformats.org/presentationml/2006/main" xmlns:r="http://schemas.openxmlformats.org/officeDocument/2006/relationships" xmlns:mc="http://schemas.openxmlformats.org/markup-compatibility/2006" firstSlideNum="1" mc:Ignorable="p15">
+<p:presentation xmlns:a="http://schemas.openxmlformats.org/drawingml/2006/main" xmlns:r="http://schemas.openxmlformats.org/officeDocument/2006/relationships" xmlns:p="http://schemas.openxmlformats.org/presentationml/2006/main">
   <p:sldMasterIdLst>
-    <p:sldMasterId id="2147483648" r:id="rId0"/>
+    <p:sldMasterId id="2147483648" r:id="rId1"/>
   </p:sldMasterIdLst>
   <p:notesMasterIdLst>
-    <p:notesMasterId r:id="rId13"/>
+    <p:notesMasterId r:id="rId15"/>
   </p:notesMasterIdLst>
   <p:sldIdLst>
-    <p:sldId id="256" r:id="rId1"/>
-    <p:sldId id="257" r:id="rId2"/>
-    <p:sldId id="258" r:id="rId3"/>
-    <p:sldId id="259" r:id="rId4"/>
-    <p:sldId id="260" r:id="rId5"/>
-    <p:sldId id="261" r:id="rId6"/>
-    <p:sldId id="262" r:id="rId7"/>
-    <p:sldId id="263" r:id="rId8"/>
-    <p:sldId id="264" r:id="rId9"/>
-    <p:sldId id="265" r:id="rId10"/>
-    <p:sldId id="266" r:id="rId11"/>
-    <p:sldId id="267" r:id="rId12"/>
+    <p:sldId id="256" r:id="rId3"/>
+    <p:sldId id="257" r:id="rId4"/>
+    <p:sldId id="258" r:id="rId5"/>
+    <p:sldId id="259" r:id="rId6"/>
+    <p:sldId id="260" r:id="rId7"/>
+    <p:sldId id="261" r:id="rId8"/>
+    <p:sldId id="262" r:id="rId9"/>
+    <p:sldId id="263" r:id="rId10"/>
+    <p:sldId id="264" r:id="rId11"/>
+    <p:sldId id="265" r:id="rId12"/>
+    <p:sldId id="266" r:id="rId13"/>
+    <p:sldId id="267" r:id="rId14"/>
   </p:sldIdLst>
   <p:sldSz cx="12192000" cy="6858000" type="screen16x9"/>
   <p:notesSz cx="6858000" cy="9144000"/>
@@ -27,7 +27,7 @@
     <a:defPPr>
       <a:defRPr lang="zh-CN"/>
     </a:defPPr>
-    <a:lvl1pPr marL="0" algn="l" defTabSz="914400" rtl="false" eaLnBrk="true" latinLnBrk="false" hangingPunct="true">
+    <a:lvl1pPr marL="0" algn="l" defTabSz="914400" rtl="0" eaLnBrk="1" latinLnBrk="0" hangingPunct="1">
       <a:defRPr sz="1800" kern="1200">
         <a:solidFill>
           <a:schemeClr val="tx1"/>
@@ -37,7 +37,7 @@
         <a:cs typeface="+mn-cs"/>
       </a:defRPr>
     </a:lvl1pPr>
-    <a:lvl2pPr marL="457200" algn="l" defTabSz="914400" rtl="false" eaLnBrk="true" latinLnBrk="false" hangingPunct="true">
+    <a:lvl2pPr marL="457200" algn="l" defTabSz="914400" rtl="0" eaLnBrk="1" latinLnBrk="0" hangingPunct="1">
       <a:defRPr sz="1800" kern="1200">
         <a:solidFill>
           <a:schemeClr val="tx1"/>
@@ -47,7 +47,7 @@
         <a:cs typeface="+mn-cs"/>
       </a:defRPr>
     </a:lvl2pPr>
-    <a:lvl3pPr marL="914400" algn="l" defTabSz="914400" rtl="false" eaLnBrk="true" latinLnBrk="false" hangingPunct="true">
+    <a:lvl3pPr marL="914400" algn="l" defTabSz="914400" rtl="0" eaLnBrk="1" latinLnBrk="0" hangingPunct="1">
       <a:defRPr sz="1800" kern="1200">
         <a:solidFill>
           <a:schemeClr val="tx1"/>
@@ -57,7 +57,7 @@
         <a:cs typeface="+mn-cs"/>
       </a:defRPr>
     </a:lvl3pPr>
-    <a:lvl4pPr marL="1371600" algn="l" defTabSz="914400" rtl="false" eaLnBrk="true" latinLnBrk="false" hangingPunct="true">
+    <a:lvl4pPr marL="1371600" algn="l" defTabSz="914400" rtl="0" eaLnBrk="1" latinLnBrk="0" hangingPunct="1">
       <a:defRPr sz="1800" kern="1200">
         <a:solidFill>
           <a:schemeClr val="tx1"/>
@@ -67,7 +67,7 @@
         <a:cs typeface="+mn-cs"/>
       </a:defRPr>
     </a:lvl4pPr>
-    <a:lvl5pPr marL="1828800" algn="l" defTabSz="914400" rtl="false" eaLnBrk="true" latinLnBrk="false" hangingPunct="true">
+    <a:lvl5pPr marL="1828800" algn="l" defTabSz="914400" rtl="0" eaLnBrk="1" latinLnBrk="0" hangingPunct="1">
       <a:defRPr sz="1800" kern="1200">
         <a:solidFill>
           <a:schemeClr val="tx1"/>
@@ -77,7 +77,7 @@
         <a:cs typeface="+mn-cs"/>
       </a:defRPr>
     </a:lvl5pPr>
-    <a:lvl6pPr marL="2286000" algn="l" defTabSz="914400" rtl="false" eaLnBrk="true" latinLnBrk="false" hangingPunct="true">
+    <a:lvl6pPr marL="2286000" algn="l" defTabSz="914400" rtl="0" eaLnBrk="1" latinLnBrk="0" hangingPunct="1">
       <a:defRPr sz="1800" kern="1200">
         <a:solidFill>
           <a:schemeClr val="tx1"/>
@@ -87,7 +87,7 @@
         <a:cs typeface="+mn-cs"/>
       </a:defRPr>
     </a:lvl6pPr>
-    <a:lvl7pPr marL="2743200" algn="l" defTabSz="914400" rtl="false" eaLnBrk="true" latinLnBrk="false" hangingPunct="true">
+    <a:lvl7pPr marL="2743200" algn="l" defTabSz="914400" rtl="0" eaLnBrk="1" latinLnBrk="0" hangingPunct="1">
       <a:defRPr sz="1800" kern="1200">
         <a:solidFill>
           <a:schemeClr val="tx1"/>
@@ -97,7 +97,7 @@
         <a:cs typeface="+mn-cs"/>
       </a:defRPr>
     </a:lvl7pPr>
-    <a:lvl8pPr marL="3200400" algn="l" defTabSz="914400" rtl="false" eaLnBrk="true" latinLnBrk="false" hangingPunct="true">
+    <a:lvl8pPr marL="3200400" algn="l" defTabSz="914400" rtl="0" eaLnBrk="1" latinLnBrk="0" hangingPunct="1">
       <a:defRPr sz="1800" kern="1200">
         <a:solidFill>
           <a:schemeClr val="tx1"/>
@@ -107,7 +107,7 @@
         <a:cs typeface="+mn-cs"/>
       </a:defRPr>
     </a:lvl8pPr>
-    <a:lvl9pPr marL="3657600" algn="l" defTabSz="914400" rtl="false" eaLnBrk="true" latinLnBrk="false" hangingPunct="true">
+    <a:lvl9pPr marL="3657600" algn="l" defTabSz="914400" rtl="0" eaLnBrk="1" latinLnBrk="0" hangingPunct="1">
       <a:defRPr sz="1800" kern="1200">
         <a:solidFill>
           <a:schemeClr val="tx1"/>
@@ -120,13 +120,13 @@
   </p:defaultTextStyle>
   <p:extLst>
     <p:ext uri="{EFAFB233-063F-42B5-8137-9DF3F51BA10A}">
-      <p15:sldGuideLst>
-        <p15:guide id="1" orient="horz" pos="2160" userDrawn="true">
+      <p15:sldGuideLst xmlns:p15="http://schemas.microsoft.com/office/powerpoint/2012/main">
+        <p15:guide id="1" orient="horz" pos="2160" userDrawn="1">
           <p15:clr>
             <a:srgbClr val="A4A3A4"/>
           </p15:clr>
         </p15:guide>
-        <p15:guide id="2" pos="3840" userDrawn="true">
+        <p15:guide id="2" pos="3840" userDrawn="1">
           <p15:clr>
             <a:srgbClr val="A4A3A4"/>
           </p15:clr>
@@ -137,9 +137,1114 @@
 </p:presentation>
 </file>
 
+<file path=ppt/charts/chart1.xml><?xml version="1.0" encoding="utf-8"?>
+<c:chartSpace xmlns:c="http://schemas.openxmlformats.org/drawingml/2006/chart" xmlns:a="http://schemas.openxmlformats.org/drawingml/2006/main" xmlns:r="http://schemas.openxmlformats.org/officeDocument/2006/relationships">
+  <c:date1904 val="0"/>
+  <c:lang val="zh-CN"/>
+  <c:roundedCorners val="0"/>
+  <mc:AlternateContent xmlns:mc="http://schemas.openxmlformats.org/markup-compatibility/2006">
+    <mc:Choice xmlns:c14="http://schemas.microsoft.com/office/drawing/2007/8/2/chart" Requires="c14">
+      <c14:style val="102"/>
+    </mc:Choice>
+    <mc:Fallback>
+      <c:style val="2"/>
+    </mc:Fallback>
+  </mc:AlternateContent>
+  <c:chart>
+    <c:title>
+      <c:layout/>
+      <c:overlay val="0"/>
+      <c:spPr>
+        <a:noFill/>
+        <a:ln>
+          <a:noFill/>
+        </a:ln>
+        <a:effectLst/>
+      </c:spPr>
+      <c:txPr>
+        <a:bodyPr rot="0" spcFirstLastPara="0" vertOverflow="ellipsis" vert="horz" wrap="square" anchor="ctr" anchorCtr="1"/>
+        <a:lstStyle/>
+        <a:p>
+          <a:pPr>
+            <a:defRPr lang="zh-CN" sz="1400" b="1" i="0" u="none" strike="noStrike" kern="1200" baseline="0">
+              <a:solidFill>
+                <a:schemeClr val="dk1">
+                  <a:lumMod val="75000"/>
+                  <a:lumOff val="25000"/>
+                </a:schemeClr>
+              </a:solidFill>
+              <a:latin typeface="+mn-lt"/>
+              <a:ea typeface="+mn-ea"/>
+              <a:cs typeface="+mn-cs"/>
+            </a:defRPr>
+          </a:pPr>
+        </a:p>
+      </c:txPr>
+    </c:title>
+    <c:autoTitleDeleted val="0"/>
+    <c:plotArea>
+      <c:layout/>
+      <c:barChart>
+        <c:barDir val="col"/>
+        <c:grouping val="clustered"/>
+        <c:varyColors val="0"/>
+        <c:ser>
+          <c:idx val="0"/>
+          <c:order val="0"/>
+          <c:tx>
+            <c:strRef>
+              <c:f>Sheet1!$B$1</c:f>
+              <c:strCache>
+                <c:ptCount val="1"/>
+                <c:pt idx="0">
+                  <c:v>系列 1</c:v>
+                </c:pt>
+              </c:strCache>
+            </c:strRef>
+          </c:tx>
+          <c:spPr>
+            <a:gradFill>
+              <a:gsLst>
+                <a:gs pos="100000">
+                  <a:schemeClr val="accent1"/>
+                </a:gs>
+                <a:gs pos="0">
+                  <a:schemeClr val="accent1">
+                    <a:hueOff val="-1670000"/>
+                  </a:schemeClr>
+                </a:gs>
+              </a:gsLst>
+              <a:lin ang="5400000" scaled="0"/>
+            </a:gradFill>
+            <a:ln>
+              <a:gradFill>
+                <a:gsLst>
+                  <a:gs pos="100000">
+                    <a:schemeClr val="accent1">
+                      <a:lumMod val="75000"/>
+                    </a:schemeClr>
+                  </a:gs>
+                  <a:gs pos="0">
+                    <a:schemeClr val="accent1">
+                      <a:lumMod val="75000"/>
+                      <a:hueOff val="-1670000"/>
+                    </a:schemeClr>
+                  </a:gs>
+                </a:gsLst>
+                <a:lin ang="4620000" scaled="0"/>
+              </a:gradFill>
+            </a:ln>
+            <a:effectLst/>
+          </c:spPr>
+          <c:invertIfNegative val="0"/>
+          <c:dLbls>
+            <c:delete val="1"/>
+          </c:dLbls>
+          <c:cat>
+            <c:strRef>
+              <c:f>Sheet1!$A$2:$A$5</c:f>
+              <c:strCache>
+                <c:ptCount val="4"/>
+                <c:pt idx="0">
+                  <c:v>类别1</c:v>
+                </c:pt>
+                <c:pt idx="1">
+                  <c:v>类别2</c:v>
+                </c:pt>
+                <c:pt idx="2">
+                  <c:v>类别3</c:v>
+                </c:pt>
+                <c:pt idx="3">
+                  <c:v>类别4</c:v>
+                </c:pt>
+              </c:strCache>
+            </c:strRef>
+          </c:cat>
+          <c:val>
+            <c:numRef>
+              <c:f>Sheet1!$B$2:$B$5</c:f>
+              <c:numCache>
+                <c:formatCode>General</c:formatCode>
+                <c:ptCount val="4"/>
+                <c:pt idx="0">
+                  <c:v>4.3</c:v>
+                </c:pt>
+                <c:pt idx="1">
+                  <c:v>2.5</c:v>
+                </c:pt>
+                <c:pt idx="2">
+                  <c:v>3.5</c:v>
+                </c:pt>
+                <c:pt idx="3">
+                  <c:v>4.5</c:v>
+                </c:pt>
+              </c:numCache>
+            </c:numRef>
+          </c:val>
+        </c:ser>
+        <c:ser>
+          <c:idx val="1"/>
+          <c:order val="1"/>
+          <c:tx>
+            <c:strRef>
+              <c:f>Sheet1!$C$1</c:f>
+              <c:strCache>
+                <c:ptCount val="1"/>
+                <c:pt idx="0">
+                  <c:v>系列 2</c:v>
+                </c:pt>
+              </c:strCache>
+            </c:strRef>
+          </c:tx>
+          <c:spPr>
+            <a:gradFill>
+              <a:gsLst>
+                <a:gs pos="100000">
+                  <a:schemeClr val="accent2"/>
+                </a:gs>
+                <a:gs pos="0">
+                  <a:schemeClr val="accent2">
+                    <a:hueOff val="-1670000"/>
+                  </a:schemeClr>
+                </a:gs>
+              </a:gsLst>
+              <a:lin ang="5400000" scaled="0"/>
+            </a:gradFill>
+            <a:ln>
+              <a:gradFill>
+                <a:gsLst>
+                  <a:gs pos="100000">
+                    <a:schemeClr val="accent2">
+                      <a:lumMod val="75000"/>
+                    </a:schemeClr>
+                  </a:gs>
+                  <a:gs pos="0">
+                    <a:schemeClr val="accent2">
+                      <a:lumMod val="75000"/>
+                      <a:hueOff val="-1670000"/>
+                    </a:schemeClr>
+                  </a:gs>
+                </a:gsLst>
+                <a:lin ang="4620000" scaled="0"/>
+              </a:gradFill>
+            </a:ln>
+            <a:effectLst/>
+          </c:spPr>
+          <c:invertIfNegative val="0"/>
+          <c:dLbls>
+            <c:delete val="1"/>
+          </c:dLbls>
+          <c:cat>
+            <c:strRef>
+              <c:f>Sheet1!$A$2:$A$5</c:f>
+              <c:strCache>
+                <c:ptCount val="4"/>
+                <c:pt idx="0">
+                  <c:v>类别1</c:v>
+                </c:pt>
+                <c:pt idx="1">
+                  <c:v>类别2</c:v>
+                </c:pt>
+                <c:pt idx="2">
+                  <c:v>类别3</c:v>
+                </c:pt>
+                <c:pt idx="3">
+                  <c:v>类别4</c:v>
+                </c:pt>
+              </c:strCache>
+            </c:strRef>
+          </c:cat>
+          <c:val>
+            <c:numRef>
+              <c:f>Sheet1!$C$2:$C$5</c:f>
+              <c:numCache>
+                <c:formatCode>General</c:formatCode>
+                <c:ptCount val="4"/>
+                <c:pt idx="0">
+                  <c:v>2.4</c:v>
+                </c:pt>
+                <c:pt idx="1">
+                  <c:v>4.4</c:v>
+                </c:pt>
+                <c:pt idx="2">
+                  <c:v>1.8</c:v>
+                </c:pt>
+                <c:pt idx="3">
+                  <c:v>2.8</c:v>
+                </c:pt>
+              </c:numCache>
+            </c:numRef>
+          </c:val>
+        </c:ser>
+        <c:ser>
+          <c:idx val="2"/>
+          <c:order val="2"/>
+          <c:tx>
+            <c:strRef>
+              <c:f>Sheet1!$D$1</c:f>
+              <c:strCache>
+                <c:ptCount val="1"/>
+                <c:pt idx="0">
+                  <c:v>系列 3</c:v>
+                </c:pt>
+              </c:strCache>
+            </c:strRef>
+          </c:tx>
+          <c:spPr>
+            <a:gradFill>
+              <a:gsLst>
+                <a:gs pos="100000">
+                  <a:schemeClr val="accent3"/>
+                </a:gs>
+                <a:gs pos="0">
+                  <a:schemeClr val="accent3">
+                    <a:hueOff val="-1670000"/>
+                  </a:schemeClr>
+                </a:gs>
+              </a:gsLst>
+              <a:lin ang="5400000" scaled="0"/>
+            </a:gradFill>
+            <a:ln>
+              <a:gradFill>
+                <a:gsLst>
+                  <a:gs pos="100000">
+                    <a:schemeClr val="accent3">
+                      <a:lumMod val="75000"/>
+                    </a:schemeClr>
+                  </a:gs>
+                  <a:gs pos="0">
+                    <a:schemeClr val="accent3">
+                      <a:lumMod val="75000"/>
+                      <a:hueOff val="-1670000"/>
+                    </a:schemeClr>
+                  </a:gs>
+                </a:gsLst>
+                <a:lin ang="4620000" scaled="0"/>
+              </a:gradFill>
+            </a:ln>
+            <a:effectLst/>
+          </c:spPr>
+          <c:invertIfNegative val="0"/>
+          <c:dLbls>
+            <c:delete val="1"/>
+          </c:dLbls>
+          <c:cat>
+            <c:strRef>
+              <c:f>Sheet1!$A$2:$A$5</c:f>
+              <c:strCache>
+                <c:ptCount val="4"/>
+                <c:pt idx="0">
+                  <c:v>类别1</c:v>
+                </c:pt>
+                <c:pt idx="1">
+                  <c:v>类别2</c:v>
+                </c:pt>
+                <c:pt idx="2">
+                  <c:v>类别3</c:v>
+                </c:pt>
+                <c:pt idx="3">
+                  <c:v>类别4</c:v>
+                </c:pt>
+              </c:strCache>
+            </c:strRef>
+          </c:cat>
+          <c:val>
+            <c:numRef>
+              <c:f>Sheet1!$D$2:$D$5</c:f>
+              <c:numCache>
+                <c:formatCode>General</c:formatCode>
+                <c:ptCount val="4"/>
+                <c:pt idx="0">
+                  <c:v>2</c:v>
+                </c:pt>
+                <c:pt idx="1">
+                  <c:v>2</c:v>
+                </c:pt>
+                <c:pt idx="2">
+                  <c:v>3</c:v>
+                </c:pt>
+                <c:pt idx="3">
+                  <c:v>5</c:v>
+                </c:pt>
+              </c:numCache>
+            </c:numRef>
+          </c:val>
+        </c:ser>
+        <c:dLbls>
+          <c:showLegendKey val="0"/>
+          <c:showVal val="0"/>
+          <c:showCatName val="0"/>
+          <c:showSerName val="0"/>
+          <c:showPercent val="0"/>
+          <c:showBubbleSize val="0"/>
+        </c:dLbls>
+        <c:gapWidth val="500"/>
+        <c:overlap val="-50"/>
+        <c:axId val="503521951"/>
+        <c:axId val="680268459"/>
+      </c:barChart>
+      <c:catAx>
+        <c:axId val="503521951"/>
+        <c:scaling>
+          <c:orientation val="minMax"/>
+        </c:scaling>
+        <c:delete val="0"/>
+        <c:axPos val="b"/>
+        <c:majorTickMark val="none"/>
+        <c:minorTickMark val="none"/>
+        <c:tickLblPos val="nextTo"/>
+        <c:spPr>
+          <a:noFill/>
+          <a:ln w="9525" cap="flat" cmpd="sng" algn="ctr">
+            <a:solidFill>
+              <a:schemeClr val="dk1">
+                <a:lumMod val="15000"/>
+                <a:lumOff val="85000"/>
+              </a:schemeClr>
+            </a:solidFill>
+            <a:round/>
+          </a:ln>
+          <a:effectLst/>
+        </c:spPr>
+        <c:txPr>
+          <a:bodyPr rot="-60000000" spcFirstLastPara="0" vertOverflow="ellipsis" vert="horz" wrap="square" anchor="ctr" anchorCtr="1"/>
+          <a:lstStyle/>
+          <a:p>
+            <a:pPr>
+              <a:defRPr lang="zh-CN" sz="900" b="0" i="0" u="none" strike="noStrike" kern="1200" baseline="0">
+                <a:solidFill>
+                  <a:schemeClr val="dk1">
+                    <a:lumMod val="65000"/>
+                    <a:lumOff val="35000"/>
+                  </a:schemeClr>
+                </a:solidFill>
+                <a:latin typeface="+mn-lt"/>
+                <a:ea typeface="+mn-ea"/>
+                <a:cs typeface="+mn-cs"/>
+              </a:defRPr>
+            </a:pPr>
+          </a:p>
+        </c:txPr>
+        <c:crossAx val="680268459"/>
+        <c:crosses val="autoZero"/>
+        <c:auto val="1"/>
+        <c:lblAlgn val="ctr"/>
+        <c:lblOffset val="100"/>
+        <c:noMultiLvlLbl val="0"/>
+      </c:catAx>
+      <c:valAx>
+        <c:axId val="680268459"/>
+        <c:scaling>
+          <c:orientation val="minMax"/>
+        </c:scaling>
+        <c:delete val="0"/>
+        <c:axPos val="l"/>
+        <c:majorGridlines>
+          <c:spPr>
+            <a:ln w="9525" cap="flat" cmpd="sng" algn="ctr">
+              <a:solidFill>
+                <a:schemeClr val="lt1">
+                  <a:lumMod val="90200"/>
+                </a:schemeClr>
+              </a:solidFill>
+              <a:round/>
+            </a:ln>
+            <a:effectLst/>
+          </c:spPr>
+        </c:majorGridlines>
+        <c:numFmt formatCode="General" sourceLinked="1"/>
+        <c:majorTickMark val="none"/>
+        <c:minorTickMark val="none"/>
+        <c:tickLblPos val="nextTo"/>
+        <c:spPr>
+          <a:noFill/>
+          <a:ln>
+            <a:noFill/>
+          </a:ln>
+          <a:effectLst/>
+        </c:spPr>
+        <c:txPr>
+          <a:bodyPr rot="-60000000" spcFirstLastPara="0" vertOverflow="ellipsis" vert="horz" wrap="square" anchor="ctr" anchorCtr="1"/>
+          <a:lstStyle/>
+          <a:p>
+            <a:pPr>
+              <a:defRPr lang="zh-CN" sz="900" b="0" i="0" u="none" strike="noStrike" kern="1200" baseline="0">
+                <a:solidFill>
+                  <a:schemeClr val="dk1">
+                    <a:lumMod val="65000"/>
+                    <a:lumOff val="35000"/>
+                  </a:schemeClr>
+                </a:solidFill>
+                <a:latin typeface="+mn-lt"/>
+                <a:ea typeface="+mn-ea"/>
+                <a:cs typeface="+mn-cs"/>
+              </a:defRPr>
+            </a:pPr>
+          </a:p>
+        </c:txPr>
+        <c:crossAx val="503521951"/>
+        <c:crosses val="autoZero"/>
+        <c:crossBetween val="between"/>
+      </c:valAx>
+      <c:spPr>
+        <a:noFill/>
+        <a:ln>
+          <a:noFill/>
+        </a:ln>
+        <a:effectLst/>
+      </c:spPr>
+    </c:plotArea>
+    <c:legend>
+      <c:legendPos val="b"/>
+      <c:layout/>
+      <c:overlay val="0"/>
+      <c:spPr>
+        <a:noFill/>
+        <a:ln>
+          <a:noFill/>
+        </a:ln>
+        <a:effectLst/>
+      </c:spPr>
+      <c:txPr>
+        <a:bodyPr rot="0" spcFirstLastPara="0" vertOverflow="ellipsis" vert="horz" wrap="square" anchor="ctr" anchorCtr="1"/>
+        <a:lstStyle/>
+        <a:p>
+          <a:pPr>
+            <a:defRPr lang="zh-CN" sz="900" b="0" i="0" u="none" strike="noStrike" kern="1200" baseline="0">
+              <a:solidFill>
+                <a:schemeClr val="dk1">
+                  <a:lumMod val="65000"/>
+                  <a:lumOff val="35000"/>
+                </a:schemeClr>
+              </a:solidFill>
+              <a:latin typeface="+mn-lt"/>
+              <a:ea typeface="+mn-ea"/>
+              <a:cs typeface="+mn-cs"/>
+            </a:defRPr>
+          </a:pPr>
+        </a:p>
+      </c:txPr>
+    </c:legend>
+    <c:plotVisOnly val="1"/>
+    <c:dispBlanksAs val="gap"/>
+    <c:showDLblsOverMax val="0"/>
+  </c:chart>
+  <c:spPr>
+    <a:solidFill>
+      <a:schemeClr val="lt1">
+        <a:lumMod val="96000"/>
+      </a:schemeClr>
+    </a:solidFill>
+    <a:ln w="9525" cap="flat" cmpd="sng" algn="ctr">
+      <a:solidFill>
+        <a:schemeClr val="tx1">
+          <a:lumMod val="15000"/>
+          <a:lumOff val="85000"/>
+        </a:schemeClr>
+      </a:solidFill>
+      <a:round/>
+    </a:ln>
+    <a:effectLst/>
+  </c:spPr>
+  <c:txPr>
+    <a:bodyPr/>
+    <a:lstStyle/>
+    <a:p>
+      <a:pPr>
+        <a:defRPr lang="zh-CN"/>
+      </a:pPr>
+    </a:p>
+  </c:txPr>
+  <c:externalData r:id="rId1">
+    <c:autoUpdate val="0"/>
+  </c:externalData>
+</c:chartSpace>
+</file>
+
+<file path=ppt/charts/colors1.xml><?xml version="1.0" encoding="utf-8"?>
+<cs:colorStyle xmlns:cs="http://schemas.microsoft.com/office/drawing/2012/chartStyle" xmlns:a="http://schemas.openxmlformats.org/drawingml/2006/main" meth="cycle" id="10">
+  <a:schemeClr val="accent1"/>
+  <a:schemeClr val="accent2"/>
+  <a:schemeClr val="accent3"/>
+  <a:schemeClr val="accent4"/>
+  <a:schemeClr val="accent5"/>
+  <a:schemeClr val="accent6"/>
+  <cs:variation/>
+  <cs:variation>
+    <a:lumMod val="60000"/>
+  </cs:variation>
+  <cs:variation>
+    <a:lumMod val="80000"/>
+    <a:lumOff val="20000"/>
+  </cs:variation>
+  <cs:variation>
+    <a:lumMod val="80000"/>
+  </cs:variation>
+  <cs:variation>
+    <a:lumMod val="60000"/>
+    <a:lumOff val="40000"/>
+  </cs:variation>
+  <cs:variation>
+    <a:lumMod val="50000"/>
+  </cs:variation>
+  <cs:variation>
+    <a:lumMod val="70000"/>
+    <a:lumOff val="30000"/>
+  </cs:variation>
+  <cs:variation>
+    <a:lumMod val="70000"/>
+  </cs:variation>
+  <cs:variation>
+    <a:lumMod val="50000"/>
+    <a:lumOff val="50000"/>
+  </cs:variation>
+</cs:colorStyle>
+</file>
+
+<file path=ppt/charts/style1.xml><?xml version="1.0" encoding="utf-8"?>
+<cs:chartStyle xmlns:cs="http://schemas.microsoft.com/office/drawing/2012/chartStyle" xmlns:a="http://schemas.openxmlformats.org/drawingml/2006/main" id="10007">
+  <cs:axisTitle>
+    <cs:lnRef idx="0"/>
+    <cs:fillRef idx="0"/>
+    <cs:effectRef idx="0"/>
+    <cs:fontRef idx="minor">
+      <a:schemeClr val="dk1">
+        <a:lumMod val="65000"/>
+        <a:lumOff val="35000"/>
+      </a:schemeClr>
+    </cs:fontRef>
+    <cs:defRPr sz="1000" kern="1200"/>
+  </cs:axisTitle>
+  <cs:categoryAxis>
+    <cs:lnRef idx="0"/>
+    <cs:fillRef idx="0"/>
+    <cs:effectRef idx="0"/>
+    <cs:fontRef idx="minor">
+      <a:schemeClr val="dk1">
+        <a:lumMod val="65000"/>
+        <a:lumOff val="35000"/>
+      </a:schemeClr>
+    </cs:fontRef>
+    <cs:spPr>
+      <a:ln w="9525" cap="flat" cmpd="sng" algn="ctr">
+        <a:solidFill>
+          <a:schemeClr val="dk1">
+            <a:lumMod val="15000"/>
+            <a:lumOff val="85000"/>
+          </a:schemeClr>
+        </a:solidFill>
+        <a:round/>
+      </a:ln>
+    </cs:spPr>
+    <cs:defRPr sz="900" kern="1200"/>
+  </cs:categoryAxis>
+  <cs:chartArea mods="allowNoFillOverride allowNoLineOverride">
+    <cs:lnRef idx="0"/>
+    <cs:fillRef idx="0"/>
+    <cs:effectRef idx="0"/>
+    <cs:fontRef idx="minor">
+      <a:schemeClr val="tx1"/>
+    </cs:fontRef>
+    <cs:spPr>
+      <a:solidFill>
+        <a:schemeClr val="lt1">
+          <a:lumMod val="96000"/>
+        </a:schemeClr>
+      </a:solidFill>
+      <a:ln w="9525" cap="flat" cmpd="sng" algn="ctr">
+        <a:solidFill>
+          <a:schemeClr val="tx1">
+            <a:lumMod val="15000"/>
+            <a:lumOff val="85000"/>
+          </a:schemeClr>
+        </a:solidFill>
+        <a:round/>
+      </a:ln>
+    </cs:spPr>
+    <cs:defRPr sz="1000" kern="1200"/>
+  </cs:chartArea>
+  <cs:dataLabel>
+    <cs:lnRef idx="0"/>
+    <cs:fillRef idx="0"/>
+    <cs:effectRef idx="0"/>
+    <cs:fontRef idx="minor">
+      <a:schemeClr val="dk1">
+        <a:lumMod val="75000"/>
+        <a:lumOff val="25000"/>
+      </a:schemeClr>
+    </cs:fontRef>
+    <cs:defRPr sz="1000" kern="1200"/>
+  </cs:dataLabel>
+  <cs:dataLabelCallout>
+    <cs:lnRef idx="0"/>
+    <cs:fillRef idx="0"/>
+    <cs:effectRef idx="0"/>
+    <cs:fontRef idx="minor">
+      <a:schemeClr val="dk1">
+        <a:lumMod val="65000"/>
+        <a:lumOff val="35000"/>
+      </a:schemeClr>
+    </cs:fontRef>
+    <cs:spPr>
+      <a:solidFill>
+        <a:schemeClr val="lt1"/>
+      </a:solidFill>
+      <a:ln>
+        <a:solidFill>
+          <a:schemeClr val="dk1">
+            <a:lumMod val="25000"/>
+            <a:lumOff val="75000"/>
+          </a:schemeClr>
+        </a:solidFill>
+      </a:ln>
+    </cs:spPr>
+    <cs:defRPr sz="1000" kern="1200"/>
+    <cs:bodyPr rot="0" spcFirstLastPara="1" vertOverflow="clip" horzOverflow="clip" vert="horz" wrap="square" lIns="36576" tIns="18288" rIns="36576" bIns="18288" anchor="ctr" anchorCtr="1">
+      <a:spAutoFit/>
+    </cs:bodyPr>
+  </cs:dataLabelCallout>
+  <cs:dataPoint>
+    <cs:lnRef idx="0">
+      <cs:styleClr val="auto"/>
+    </cs:lnRef>
+    <cs:fillRef idx="0">
+      <cs:styleClr val="auto"/>
+    </cs:fillRef>
+    <cs:effectRef idx="0"/>
+    <cs:fontRef idx="minor">
+      <a:schemeClr val="dk1"/>
+    </cs:fontRef>
+    <cs:spPr>
+      <a:gradFill>
+        <a:gsLst>
+          <a:gs pos="100000">
+            <a:schemeClr val="phClr"/>
+          </a:gs>
+          <a:gs pos="0">
+            <a:schemeClr val="phClr">
+              <a:hueOff val="-1670000"/>
+            </a:schemeClr>
+          </a:gs>
+        </a:gsLst>
+        <a:lin ang="5400000" scaled="0"/>
+      </a:gradFill>
+      <a:ln>
+        <a:gradFill>
+          <a:gsLst>
+            <a:gs pos="100000">
+              <a:schemeClr val="phClr">
+                <a:lumMod val="75000"/>
+              </a:schemeClr>
+            </a:gs>
+            <a:gs pos="0">
+              <a:schemeClr val="phClr">
+                <a:lumMod val="75000"/>
+                <a:hueOff val="-1670000"/>
+              </a:schemeClr>
+            </a:gs>
+          </a:gsLst>
+          <a:lin ang="4620000" scaled="0"/>
+        </a:gradFill>
+      </a:ln>
+      <a:effectLst/>
+    </cs:spPr>
+  </cs:dataPoint>
+  <cs:dataPoint3D>
+    <cs:lnRef idx="0"/>
+    <cs:fillRef idx="1">
+      <cs:styleClr val="auto"/>
+    </cs:fillRef>
+    <cs:effectRef idx="0"/>
+    <cs:fontRef idx="minor">
+      <a:schemeClr val="tx1"/>
+    </cs:fontRef>
+  </cs:dataPoint3D>
+  <cs:dataPointLine>
+    <cs:lnRef idx="0">
+      <cs:styleClr val="auto"/>
+    </cs:lnRef>
+    <cs:fillRef idx="1"/>
+    <cs:effectRef idx="0"/>
+    <cs:fontRef idx="minor">
+      <a:schemeClr val="tx1"/>
+    </cs:fontRef>
+    <cs:spPr>
+      <a:ln w="28575" cap="rnd">
+        <a:solidFill>
+          <a:schemeClr val="phClr"/>
+        </a:solidFill>
+        <a:round/>
+      </a:ln>
+    </cs:spPr>
+  </cs:dataPointLine>
+  <cs:dataPointMarker>
+    <cs:lnRef idx="0">
+      <cs:styleClr val="auto"/>
+    </cs:lnRef>
+    <cs:fillRef idx="1">
+      <cs:styleClr val="auto"/>
+    </cs:fillRef>
+    <cs:effectRef idx="0"/>
+    <cs:fontRef idx="minor">
+      <a:schemeClr val="tx1"/>
+    </cs:fontRef>
+    <cs:spPr>
+      <a:ln w="9525">
+        <a:solidFill>
+          <a:schemeClr val="phClr"/>
+        </a:solidFill>
+      </a:ln>
+    </cs:spPr>
+  </cs:dataPointMarker>
+  <cs:dataPointMarkerLayout symbol="circle" size="5"/>
+  <cs:dataPointWireframe>
+    <cs:lnRef idx="0">
+      <cs:styleClr val="auto"/>
+    </cs:lnRef>
+    <cs:fillRef idx="1"/>
+    <cs:effectRef idx="0"/>
+    <cs:fontRef idx="minor">
+      <a:schemeClr val="tx1"/>
+    </cs:fontRef>
+    <cs:spPr>
+      <a:ln w="9525" cap="rnd">
+        <a:solidFill>
+          <a:schemeClr val="phClr"/>
+        </a:solidFill>
+        <a:round/>
+      </a:ln>
+    </cs:spPr>
+  </cs:dataPointWireframe>
+  <cs:dataTable>
+    <cs:lnRef idx="0"/>
+    <cs:fillRef idx="0"/>
+    <cs:effectRef idx="0"/>
+    <cs:fontRef idx="minor">
+      <a:schemeClr val="dk1">
+        <a:lumMod val="65000"/>
+        <a:lumOff val="35000"/>
+      </a:schemeClr>
+    </cs:fontRef>
+    <cs:spPr>
+      <a:noFill/>
+      <a:ln w="9525" cap="flat" cmpd="sng" algn="ctr">
+        <a:solidFill>
+          <a:schemeClr val="dk1">
+            <a:lumMod val="15000"/>
+            <a:lumOff val="85000"/>
+          </a:schemeClr>
+        </a:solidFill>
+        <a:round/>
+      </a:ln>
+    </cs:spPr>
+    <cs:defRPr sz="900" kern="1200"/>
+  </cs:dataTable>
+  <cs:downBar>
+    <cs:lnRef idx="0"/>
+    <cs:fillRef idx="0"/>
+    <cs:effectRef idx="0"/>
+    <cs:fontRef idx="minor">
+      <a:schemeClr val="dk1"/>
+    </cs:fontRef>
+    <cs:spPr>
+      <a:solidFill>
+        <a:schemeClr val="dk1">
+          <a:lumMod val="65000"/>
+          <a:lumOff val="35000"/>
+        </a:schemeClr>
+      </a:solidFill>
+      <a:ln w="9525">
+        <a:solidFill>
+          <a:schemeClr val="tx1">
+            <a:lumMod val="65000"/>
+            <a:lumOff val="35000"/>
+          </a:schemeClr>
+        </a:solidFill>
+      </a:ln>
+    </cs:spPr>
+  </cs:downBar>
+  <cs:dropLine>
+    <cs:lnRef idx="0"/>
+    <cs:fillRef idx="0"/>
+    <cs:effectRef idx="0"/>
+    <cs:fontRef idx="minor">
+      <a:schemeClr val="tx1"/>
+    </cs:fontRef>
+    <cs:spPr>
+      <a:ln w="9525">
+        <a:solidFill>
+          <a:schemeClr val="dk1">
+            <a:lumMod val="35000"/>
+            <a:lumOff val="65000"/>
+          </a:schemeClr>
+        </a:solidFill>
+      </a:ln>
+    </cs:spPr>
+  </cs:dropLine>
+  <cs:errorBar>
+    <cs:lnRef idx="0"/>
+    <cs:fillRef idx="0"/>
+    <cs:effectRef idx="0"/>
+    <cs:fontRef idx="minor">
+      <a:schemeClr val="tx1"/>
+    </cs:fontRef>
+    <cs:spPr>
+      <a:ln w="9525" cap="flat" cmpd="sng" algn="ctr">
+        <a:solidFill>
+          <a:schemeClr val="dk1">
+            <a:lumMod val="65000"/>
+            <a:lumOff val="35000"/>
+          </a:schemeClr>
+        </a:solidFill>
+        <a:round/>
+      </a:ln>
+    </cs:spPr>
+  </cs:errorBar>
+  <cs:floor>
+    <cs:lnRef idx="0"/>
+    <cs:fillRef idx="0"/>
+    <cs:effectRef idx="0"/>
+    <cs:fontRef idx="minor">
+      <a:schemeClr val="tx1"/>
+    </cs:fontRef>
+    <cs:spPr>
+      <a:noFill/>
+      <a:ln>
+        <a:noFill/>
+      </a:ln>
+    </cs:spPr>
+  </cs:floor>
+  <cs:gridlineMajor>
+    <cs:lnRef idx="0"/>
+    <cs:fillRef idx="0"/>
+    <cs:effectRef idx="0"/>
+    <cs:fontRef idx="minor">
+      <a:schemeClr val="tx1"/>
+    </cs:fontRef>
+    <cs:spPr>
+      <a:ln w="9525" cap="flat" cmpd="sng" algn="ctr">
+        <a:solidFill>
+          <a:schemeClr val="lt1">
+            <a:lumMod val="90200"/>
+          </a:schemeClr>
+        </a:solidFill>
+        <a:round/>
+      </a:ln>
+    </cs:spPr>
+  </cs:gridlineMajor>
+  <cs:gridlineMinor>
+    <cs:lnRef idx="0"/>
+    <cs:fillRef idx="0"/>
+    <cs:effectRef idx="0"/>
+    <cs:fontRef idx="minor">
+      <a:schemeClr val="tx1"/>
+    </cs:fontRef>
+    <cs:spPr>
+      <a:ln w="9525" cap="flat" cmpd="sng" algn="ctr">
+        <a:solidFill>
+          <a:schemeClr val="tx1">
+            <a:lumMod val="5000"/>
+            <a:lumOff val="95000"/>
+          </a:schemeClr>
+        </a:solidFill>
+        <a:round/>
+      </a:ln>
+    </cs:spPr>
+  </cs:gridlineMinor>
+  <cs:hiLoLine>
+    <cs:lnRef idx="0"/>
+    <cs:fillRef idx="0"/>
+    <cs:effectRef idx="0"/>
+    <cs:fontRef idx="minor">
+      <a:schemeClr val="tx1"/>
+    </cs:fontRef>
+    <cs:spPr>
+      <a:ln w="9525">
+        <a:solidFill>
+          <a:schemeClr val="dk1">
+            <a:lumMod val="75000"/>
+            <a:lumOff val="25000"/>
+          </a:schemeClr>
+        </a:solidFill>
+      </a:ln>
+    </cs:spPr>
+  </cs:hiLoLine>
+  <cs:leaderLine>
+    <cs:lnRef idx="0"/>
+    <cs:fillRef idx="0"/>
+    <cs:effectRef idx="0"/>
+    <cs:fontRef idx="minor">
+      <a:schemeClr val="tx1"/>
+    </cs:fontRef>
+    <cs:spPr>
+      <a:ln w="9525">
+        <a:solidFill>
+          <a:schemeClr val="dk1">
+            <a:lumMod val="35000"/>
+            <a:lumOff val="65000"/>
+          </a:schemeClr>
+        </a:solidFill>
+      </a:ln>
+    </cs:spPr>
+  </cs:leaderLine>
+  <cs:legend>
+    <cs:lnRef idx="0"/>
+    <cs:fillRef idx="0"/>
+    <cs:effectRef idx="0"/>
+    <cs:fontRef idx="minor">
+      <a:schemeClr val="dk1">
+        <a:lumMod val="65000"/>
+        <a:lumOff val="35000"/>
+      </a:schemeClr>
+    </cs:fontRef>
+    <cs:defRPr sz="900" kern="1200"/>
+  </cs:legend>
+  <cs:plotArea mods="allowNoFillOverride allowNoLineOverride">
+    <cs:lnRef idx="0"/>
+    <cs:fillRef idx="0"/>
+    <cs:effectRef idx="0"/>
+    <cs:fontRef idx="minor">
+      <a:schemeClr val="tx1"/>
+    </cs:fontRef>
+  </cs:plotArea>
+  <cs:plotArea3D mods="allowNoFillOverride allowNoLineOverride">
+    <cs:lnRef idx="0"/>
+    <cs:fillRef idx="0"/>
+    <cs:effectRef idx="0"/>
+    <cs:fontRef idx="minor">
+      <a:schemeClr val="tx1"/>
+    </cs:fontRef>
+  </cs:plotArea3D>
+  <cs:seriesAxis>
+    <cs:lnRef idx="0"/>
+    <cs:fillRef idx="0"/>
+    <cs:effectRef idx="0"/>
+    <cs:fontRef idx="minor">
+      <a:schemeClr val="dk1">
+        <a:lumMod val="65000"/>
+        <a:lumOff val="35000"/>
+      </a:schemeClr>
+    </cs:fontRef>
+    <cs:defRPr sz="900" kern="1200"/>
+  </cs:seriesAxis>
+  <cs:seriesLine>
+    <cs:lnRef idx="0"/>
+    <cs:fillRef idx="0"/>
+    <cs:effectRef idx="0"/>
+    <cs:fontRef idx="minor">
+      <a:schemeClr val="tx1"/>
+    </cs:fontRef>
+    <cs:spPr>
+      <a:ln w="9525">
+        <a:solidFill>
+          <a:schemeClr val="dk1">
+            <a:lumMod val="35000"/>
+            <a:lumOff val="65000"/>
+          </a:schemeClr>
+        </a:solidFill>
+      </a:ln>
+    </cs:spPr>
+  </cs:seriesLine>
+  <cs:title>
+    <cs:lnRef idx="0"/>
+    <cs:fillRef idx="0"/>
+    <cs:effectRef idx="0"/>
+    <cs:fontRef idx="minor">
+      <a:schemeClr val="dk1">
+        <a:lumMod val="75000"/>
+        <a:lumOff val="25000"/>
+      </a:schemeClr>
+    </cs:fontRef>
+    <cs:defRPr sz="1400" b="1" kern="1200" baseline="0"/>
+  </cs:title>
+  <cs:trendline>
+    <cs:lnRef idx="0">
+      <cs:styleClr val="auto"/>
+    </cs:lnRef>
+    <cs:fillRef idx="0"/>
+    <cs:effectRef idx="0"/>
+    <cs:fontRef idx="minor">
+      <a:schemeClr val="tx1"/>
+    </cs:fontRef>
+    <cs:spPr>
+      <a:ln w="19050" cap="rnd">
+        <a:solidFill>
+          <a:schemeClr val="phClr"/>
+        </a:solidFill>
+        <a:prstDash val="sysDot"/>
+      </a:ln>
+    </cs:spPr>
+  </cs:trendline>
+  <cs:trendlineLabel>
+    <cs:lnRef idx="0"/>
+    <cs:fillRef idx="0"/>
+    <cs:effectRef idx="0"/>
+    <cs:fontRef idx="minor">
+      <a:schemeClr val="dk1">
+        <a:lumMod val="65000"/>
+        <a:lumOff val="35000"/>
+      </a:schemeClr>
+    </cs:fontRef>
+    <cs:defRPr sz="900" kern="1200"/>
+  </cs:trendlineLabel>
+  <cs:upBar>
+    <cs:lnRef idx="0"/>
+    <cs:fillRef idx="0"/>
+    <cs:effectRef idx="0"/>
+    <cs:fontRef idx="minor">
+      <a:schemeClr val="dk1"/>
+    </cs:fontRef>
+    <cs:spPr>
+      <a:solidFill>
+        <a:schemeClr val="lt1"/>
+      </a:solidFill>
+      <a:ln w="9525">
+        <a:solidFill>
+          <a:schemeClr val="tx1">
+            <a:lumMod val="15000"/>
+            <a:lumOff val="85000"/>
+          </a:schemeClr>
+        </a:solidFill>
+      </a:ln>
+    </cs:spPr>
+  </cs:upBar>
+  <cs:valueAxis>
+    <cs:lnRef idx="0"/>
+    <cs:fillRef idx="0"/>
+    <cs:effectRef idx="0"/>
+    <cs:fontRef idx="minor">
+      <a:schemeClr val="dk1">
+        <a:lumMod val="65000"/>
+        <a:lumOff val="35000"/>
+      </a:schemeClr>
+    </cs:fontRef>
+    <cs:defRPr sz="900" kern="1200"/>
+  </cs:valueAxis>
+  <cs:wall>
+    <cs:lnRef idx="0"/>
+    <cs:fillRef idx="0"/>
+    <cs:effectRef idx="0"/>
+    <cs:fontRef idx="minor">
+      <a:schemeClr val="tx1"/>
+    </cs:fontRef>
+    <cs:spPr>
+      <a:noFill/>
+      <a:ln>
+        <a:noFill/>
+      </a:ln>
+    </cs:spPr>
+  </cs:wall>
+</cs:chartStyle>
+</file>
+
 <file path=ppt/notesMasters/notesMaster1.xml><?xml version="1.0" encoding="utf-8"?>
-<p:notesMaster xmlns:a="http://schemas.openxmlformats.org/drawingml/2006/main" xmlns:p="http://schemas.openxmlformats.org/presentationml/2006/main">
+<p:notesMaster xmlns:a="http://schemas.openxmlformats.org/drawingml/2006/main" xmlns:r="http://schemas.openxmlformats.org/officeDocument/2006/relationships" xmlns:p="http://schemas.openxmlformats.org/presentationml/2006/main">
   <p:cSld>
+    <p:bg>
+      <p:bgRef idx="1001">
+        <a:schemeClr val="bg1"/>
+      </p:bgRef>
+    </p:bg>
     <p:spTree>
       <p:nvGrpSpPr>
         <p:cNvPr id="1" name=""/>
@@ -158,7 +1263,7 @@
   </p:cSld>
   <p:clrMap bg1="lt1" tx1="dk1" bg2="lt2" tx2="dk2" accent1="accent1" accent2="accent2" accent3="accent3" accent4="accent4" accent5="accent5" accent6="accent6" hlink="hlink" folHlink="folHlink"/>
   <p:notesStyle>
-    <a:lvl1pPr marL="0" algn="l" defTabSz="914400" rtl="false" eaLnBrk="true" latinLnBrk="false" hangingPunct="true">
+    <a:lvl1pPr marL="0" algn="l" defTabSz="914400" rtl="0" eaLnBrk="1" latinLnBrk="0" hangingPunct="1">
       <a:defRPr sz="1200" kern="1200">
         <a:solidFill>
           <a:schemeClr val="tx1"/>
@@ -168,7 +1273,7 @@
         <a:cs typeface="+mn-cs"/>
       </a:defRPr>
     </a:lvl1pPr>
-    <a:lvl2pPr marL="457200" algn="l" defTabSz="914400" rtl="false" eaLnBrk="true" latinLnBrk="false" hangingPunct="true">
+    <a:lvl2pPr marL="457200" algn="l" defTabSz="914400" rtl="0" eaLnBrk="1" latinLnBrk="0" hangingPunct="1">
       <a:defRPr sz="1200" kern="1200">
         <a:solidFill>
           <a:schemeClr val="tx1"/>
@@ -178,7 +1283,7 @@
         <a:cs typeface="+mn-cs"/>
       </a:defRPr>
     </a:lvl2pPr>
-    <a:lvl3pPr marL="914400" algn="l" defTabSz="914400" rtl="false" eaLnBrk="true" latinLnBrk="false" hangingPunct="true">
+    <a:lvl3pPr marL="914400" algn="l" defTabSz="914400" rtl="0" eaLnBrk="1" latinLnBrk="0" hangingPunct="1">
       <a:defRPr sz="1200" kern="1200">
         <a:solidFill>
           <a:schemeClr val="tx1"/>
@@ -188,7 +1293,7 @@
         <a:cs typeface="+mn-cs"/>
       </a:defRPr>
     </a:lvl3pPr>
-    <a:lvl4pPr marL="1371600" algn="l" defTabSz="914400" rtl="false" eaLnBrk="true" latinLnBrk="false" hangingPunct="true">
+    <a:lvl4pPr marL="1371600" algn="l" defTabSz="914400" rtl="0" eaLnBrk="1" latinLnBrk="0" hangingPunct="1">
       <a:defRPr sz="1200" kern="1200">
         <a:solidFill>
           <a:schemeClr val="tx1"/>
@@ -198,7 +1303,7 @@
         <a:cs typeface="+mn-cs"/>
       </a:defRPr>
     </a:lvl4pPr>
-    <a:lvl5pPr marL="1828800" algn="l" defTabSz="914400" rtl="false" eaLnBrk="true" latinLnBrk="false" hangingPunct="true">
+    <a:lvl5pPr marL="1828800" algn="l" defTabSz="914400" rtl="0" eaLnBrk="1" latinLnBrk="0" hangingPunct="1">
       <a:defRPr sz="1200" kern="1200">
         <a:solidFill>
           <a:schemeClr val="tx1"/>
@@ -208,7 +1313,7 @@
         <a:cs typeface="+mn-cs"/>
       </a:defRPr>
     </a:lvl5pPr>
-    <a:lvl6pPr marL="2286000" algn="l" defTabSz="914400" rtl="false" eaLnBrk="true" latinLnBrk="false" hangingPunct="true">
+    <a:lvl6pPr marL="2286000" algn="l" defTabSz="914400" rtl="0" eaLnBrk="1" latinLnBrk="0" hangingPunct="1">
       <a:defRPr sz="1200" kern="1200">
         <a:solidFill>
           <a:schemeClr val="tx1"/>
@@ -218,7 +1323,7 @@
         <a:cs typeface="+mn-cs"/>
       </a:defRPr>
     </a:lvl6pPr>
-    <a:lvl7pPr marL="2743200" algn="l" defTabSz="914400" rtl="false" eaLnBrk="true" latinLnBrk="false" hangingPunct="true">
+    <a:lvl7pPr marL="2743200" algn="l" defTabSz="914400" rtl="0" eaLnBrk="1" latinLnBrk="0" hangingPunct="1">
       <a:defRPr sz="1200" kern="1200">
         <a:solidFill>
           <a:schemeClr val="tx1"/>
@@ -228,7 +1333,7 @@
         <a:cs typeface="+mn-cs"/>
       </a:defRPr>
     </a:lvl7pPr>
-    <a:lvl8pPr marL="3200400" algn="l" defTabSz="914400" rtl="false" eaLnBrk="true" latinLnBrk="false" hangingPunct="true">
+    <a:lvl8pPr marL="3200400" algn="l" defTabSz="914400" rtl="0" eaLnBrk="1" latinLnBrk="0" hangingPunct="1">
       <a:defRPr sz="1200" kern="1200">
         <a:solidFill>
           <a:schemeClr val="tx1"/>
@@ -238,7 +1343,7 @@
         <a:cs typeface="+mn-cs"/>
       </a:defRPr>
     </a:lvl8pPr>
-    <a:lvl9pPr marL="3657600" algn="l" defTabSz="914400" rtl="false" eaLnBrk="true" latinLnBrk="false" hangingPunct="true">
+    <a:lvl9pPr marL="3657600" algn="l" defTabSz="914400" rtl="0" eaLnBrk="1" latinLnBrk="0" hangingPunct="1">
       <a:defRPr sz="1200" kern="1200">
         <a:solidFill>
           <a:schemeClr val="tx1"/>
@@ -253,7 +1358,7 @@
 </file>
 
 <file path=ppt/slideLayouts/slideLayout1.xml><?xml version="1.0" encoding="utf-8"?>
-<p:sldLayout xmlns:p15="http://schemas.microsoft.com/office/powerpoint/2012/main" xmlns:a="http://schemas.openxmlformats.org/drawingml/2006/main" xmlns:p="http://schemas.openxmlformats.org/presentationml/2006/main" xmlns:r="http://schemas.openxmlformats.org/officeDocument/2006/relationships" xmlns:mc="http://schemas.openxmlformats.org/markup-compatibility/2006" mc:Ignorable="p15">
+<p:sldLayout xmlns:a="http://schemas.openxmlformats.org/drawingml/2006/main" xmlns:r="http://schemas.openxmlformats.org/officeDocument/2006/relationships" xmlns:p="http://schemas.openxmlformats.org/presentationml/2006/main">
   <p:cSld name="封面">
     <p:spTree>
       <p:nvGrpSpPr>
@@ -273,14 +1378,16 @@
         <p:nvPicPr>
           <p:cNvPr id="2" name="图片 22"/>
           <p:cNvPicPr>
-            <a:picLocks noChangeAspect="true"/>
+            <a:picLocks noChangeAspect="1"/>
           </p:cNvPicPr>
-          <p:nvPr userDrawn="true"/>
+          <p:nvPr userDrawn="1"/>
         </p:nvPicPr>
         <p:blipFill>
-          <a:blip r:embed="rId1"/>
+          <a:blip r:embed="rId2"/>
           <a:srcRect/>
-          <a:stretch/>
+          <a:stretch>
+            <a:fillRect/>
+          </a:stretch>
         </p:blipFill>
         <p:spPr>
           <a:xfrm>
@@ -296,7 +1403,7 @@
         <p:nvSpPr>
           <p:cNvPr id="3" name="矩形 4"/>
           <p:cNvSpPr/>
-          <p:nvPr userDrawn="true"/>
+          <p:nvPr userDrawn="1"/>
         </p:nvSpPr>
         <p:spPr>
           <a:xfrm>
@@ -317,7 +1424,7 @@
                 </a:schemeClr>
               </a:gs>
             </a:gsLst>
-            <a:lin ang="16200000" scaled="true"/>
+            <a:lin ang="16200000" scaled="1"/>
           </a:gradFill>
           <a:ln>
             <a:noFill/>
@@ -340,11 +1447,11 @@
           </a:fontRef>
         </p:style>
         <p:txBody>
-          <a:bodyPr rtlCol="false" anchor="ctr"/>
+          <a:bodyPr rtlCol="0" anchor="ctr"/>
           <a:lstStyle/>
           <a:p>
             <a:pPr algn="ctr"/>
-            <a:endParaRPr kumimoji="true" lang="zh-CN" altLang="en-US"/>
+            <a:endParaRPr kumimoji="1" lang="zh-CN" altLang="en-US"/>
           </a:p>
         </p:txBody>
       </p:sp>
@@ -352,10 +1459,10 @@
         <p:nvSpPr>
           <p:cNvPr id="4" name="标题 1"/>
           <p:cNvSpPr>
-            <a:spLocks noGrp="true"/>
+            <a:spLocks noGrp="1"/>
           </p:cNvSpPr>
           <p:nvPr>
-            <p:ph type="ctrTitle" idx="2147483647" hasCustomPrompt="true"/>
+            <p:ph type="ctrTitle" idx="2147483647" hasCustomPrompt="1"/>
           </p:nvPr>
         </p:nvSpPr>
         <p:spPr>
@@ -370,22 +1477,21 @@
           </a:bodyPr>
           <a:lstStyle>
             <a:lvl1pPr algn="l">
-              <a:defRPr sz="8800" b="false" i="false" spc="300">
+              <a:defRPr sz="8800" b="0" i="0" spc="300">
                 <a:solidFill>
                   <a:schemeClr val="bg1"/>
                 </a:solidFill>
-                <a:latin typeface="Microsoft YaHei" panose="020B0503020204020204" pitchFamily="34" charset="-122"/>
-                <a:ea typeface="Microsoft YaHei" panose="020B0503020204020204" pitchFamily="34" charset="-122"/>
+                <a:latin typeface="微软雅黑" panose="020B0503020204020204" pitchFamily="34" charset="-122"/>
+                <a:ea typeface="微软雅黑" panose="020B0503020204020204" pitchFamily="34" charset="-122"/>
               </a:defRPr>
             </a:lvl1pPr>
           </a:lstStyle>
           <a:p>
-            <a:pPr/>
             <a:r>
-              <a:rPr kumimoji="true" lang="zh-CN" altLang="en-US" dirty="false"/>
+              <a:rPr kumimoji="1" lang="zh-CN" altLang="en-US" dirty="0"/>
               <a:t>主标题样式</a:t>
             </a:r>
-            <a:endParaRPr/>
+            <a:endParaRPr kumimoji="1" lang="zh-CN" altLang="en-US" dirty="0"/>
           </a:p>
         </p:txBody>
       </p:sp>
@@ -393,10 +1499,10 @@
         <p:nvSpPr>
           <p:cNvPr id="5" name="文本占位符 17"/>
           <p:cNvSpPr>
-            <a:spLocks noGrp="true"/>
+            <a:spLocks noGrp="1"/>
           </p:cNvSpPr>
           <p:nvPr>
-            <p:ph type="body" sz="quarter" idx="10" hasCustomPrompt="true"/>
+            <p:ph type="body" sz="quarter" idx="10" hasCustomPrompt="1"/>
           </p:nvPr>
         </p:nvSpPr>
         <p:spPr>
@@ -412,7 +1518,7 @@
           <a:lstStyle>
             <a:lvl1pPr marL="0" indent="0" algn="l">
               <a:buNone/>
-              <a:defRPr sz="4000" b="false" i="false" spc="300">
+              <a:defRPr sz="4000" b="0" i="0" spc="300">
                 <a:solidFill>
                   <a:schemeClr val="bg1"/>
                 </a:solidFill>
@@ -424,10 +1530,10 @@
           <a:p>
             <a:pPr lvl="0"/>
             <a:r>
-              <a:rPr kumimoji="true" lang="zh-CN" altLang="en-US" dirty="false"/>
+              <a:rPr kumimoji="1" lang="zh-CN" altLang="en-US" dirty="0"/>
               <a:t>主标题样式</a:t>
             </a:r>
-            <a:endParaRPr/>
+            <a:endParaRPr kumimoji="1" lang="zh-CN" altLang="en-US" dirty="0"/>
           </a:p>
         </p:txBody>
       </p:sp>
@@ -436,27 +1542,11 @@
   <p:clrMapOvr>
     <a:masterClrMapping/>
   </p:clrMapOvr>
-  <p:extLst>
-    <p:ext uri="{DCECCB84-F9BA-43D5-87BE-67443E8EF086}">
-      <p15:sldGuideLst>
-        <p15:guide id="1" orient="horz" pos="2160" userDrawn="true">
-          <p15:clr>
-            <a:srgbClr val="FBAE40"/>
-          </p15:clr>
-        </p15:guide>
-        <p15:guide id="2" pos="3840" userDrawn="true">
-          <p15:clr>
-            <a:srgbClr val="FBAE40"/>
-          </p15:clr>
-        </p15:guide>
-      </p15:sldGuideLst>
-    </p:ext>
-  </p:extLst>
 </p:sldLayout>
 </file>
 
 <file path=ppt/slideLayouts/slideLayout2.xml><?xml version="1.0" encoding="utf-8"?>
-<p:sldLayout xmlns:a="http://schemas.openxmlformats.org/drawingml/2006/main" xmlns:p="http://schemas.openxmlformats.org/presentationml/2006/main" xmlns:r="http://schemas.openxmlformats.org/officeDocument/2006/relationships">
+<p:sldLayout xmlns:a="http://schemas.openxmlformats.org/drawingml/2006/main" xmlns:r="http://schemas.openxmlformats.org/officeDocument/2006/relationships" xmlns:p="http://schemas.openxmlformats.org/presentationml/2006/main">
   <p:cSld name="节标题">
     <p:spTree>
       <p:nvGrpSpPr>
@@ -476,14 +1566,16 @@
         <p:nvPicPr>
           <p:cNvPr id="7" name="图片 12"/>
           <p:cNvPicPr>
-            <a:picLocks noChangeAspect="true"/>
+            <a:picLocks noChangeAspect="1"/>
           </p:cNvPicPr>
-          <p:nvPr userDrawn="true"/>
+          <p:nvPr userDrawn="1"/>
         </p:nvPicPr>
         <p:blipFill>
-          <a:blip r:embed="rId1"/>
+          <a:blip r:embed="rId2"/>
           <a:srcRect/>
-          <a:stretch/>
+          <a:stretch>
+            <a:fillRect/>
+          </a:stretch>
         </p:blipFill>
         <p:spPr>
           <a:xfrm>
@@ -499,7 +1591,7 @@
         <p:nvSpPr>
           <p:cNvPr id="8" name="日期占位符 3"/>
           <p:cNvSpPr>
-            <a:spLocks noGrp="true"/>
+            <a:spLocks noGrp="1"/>
           </p:cNvSpPr>
           <p:nvPr>
             <p:ph type="dt" sz="half" idx="10"/>
@@ -510,19 +1602,17 @@
           <a:bodyPr/>
           <a:lstStyle>
             <a:lvl1pPr>
-              <a:defRPr b="false" i="false">
-                <a:latin typeface="Microsoft YaHei" panose="020B0503020204020204" pitchFamily="34" charset="-122"/>
-                <a:ea typeface="Microsoft YaHei" panose="020B0503020204020204" pitchFamily="34" charset="-122"/>
+              <a:defRPr b="0" i="0">
+                <a:latin typeface="微软雅黑" panose="020B0503020204020204" pitchFamily="34" charset="-122"/>
+                <a:ea typeface="微软雅黑" panose="020B0503020204020204" pitchFamily="34" charset="-122"/>
               </a:defRPr>
             </a:lvl1pPr>
           </a:lstStyle>
           <a:p>
-            <a:pPr/>
             <a:fld id="{50281522-3AB1-3541-90AB-7A631F5C75F8}" type="datetimeFigureOut">
-              <a:rPr kumimoji="true" lang="zh-CN" altLang="en-US" smtClean="false"/>
-              <a:t>2023/11/21</a:t>
+              <a:rPr kumimoji="1" lang="zh-CN" altLang="en-US" smtClean="0"/>
             </a:fld>
-            <a:endParaRPr kumimoji="true" lang="zh-CN" altLang="en-US" dirty="false"/>
+            <a:endParaRPr kumimoji="1" lang="zh-CN" altLang="en-US" dirty="0"/>
           </a:p>
         </p:txBody>
       </p:sp>
@@ -530,7 +1620,7 @@
         <p:nvSpPr>
           <p:cNvPr id="9" name="页脚占位符 4"/>
           <p:cNvSpPr>
-            <a:spLocks noGrp="true"/>
+            <a:spLocks noGrp="1"/>
           </p:cNvSpPr>
           <p:nvPr>
             <p:ph type="ftr" sz="quarter" idx="11"/>
@@ -541,15 +1631,14 @@
           <a:bodyPr/>
           <a:lstStyle>
             <a:lvl1pPr>
-              <a:defRPr b="false" i="false">
-                <a:latin typeface="Microsoft YaHei" panose="020B0503020204020204" pitchFamily="34" charset="-122"/>
-                <a:ea typeface="Microsoft YaHei" panose="020B0503020204020204" pitchFamily="34" charset="-122"/>
+              <a:defRPr b="0" i="0">
+                <a:latin typeface="微软雅黑" panose="020B0503020204020204" pitchFamily="34" charset="-122"/>
+                <a:ea typeface="微软雅黑" panose="020B0503020204020204" pitchFamily="34" charset="-122"/>
               </a:defRPr>
             </a:lvl1pPr>
           </a:lstStyle>
           <a:p>
-            <a:pPr/>
-            <a:endParaRPr kumimoji="true" lang="zh-CN" altLang="en-US" dirty="false"/>
+            <a:endParaRPr kumimoji="1" lang="zh-CN" altLang="en-US" dirty="0"/>
           </a:p>
         </p:txBody>
       </p:sp>
@@ -557,7 +1646,7 @@
         <p:nvSpPr>
           <p:cNvPr id="10" name="灯片编号占位符 5"/>
           <p:cNvSpPr>
-            <a:spLocks noGrp="true"/>
+            <a:spLocks noGrp="1"/>
           </p:cNvSpPr>
           <p:nvPr>
             <p:ph type="sldNum" sz="quarter" idx="12"/>
@@ -568,19 +1657,17 @@
           <a:bodyPr/>
           <a:lstStyle>
             <a:lvl1pPr>
-              <a:defRPr b="false" i="false">
-                <a:latin typeface="Microsoft YaHei" panose="020B0503020204020204" pitchFamily="34" charset="-122"/>
-                <a:ea typeface="Microsoft YaHei" panose="020B0503020204020204" pitchFamily="34" charset="-122"/>
+              <a:defRPr b="0" i="0">
+                <a:latin typeface="微软雅黑" panose="020B0503020204020204" pitchFamily="34" charset="-122"/>
+                <a:ea typeface="微软雅黑" panose="020B0503020204020204" pitchFamily="34" charset="-122"/>
               </a:defRPr>
             </a:lvl1pPr>
           </a:lstStyle>
           <a:p>
-            <a:pPr/>
             <a:fld id="{419F402A-E1A9-C741-9EEF-1CF72A8557FF}" type="slidenum">
-              <a:rPr kumimoji="true" lang="zh-CN" altLang="en-US" smtClean="false"/>
-              <a:t>‹#›</a:t>
+              <a:rPr kumimoji="1" lang="zh-CN" altLang="en-US" smtClean="0"/>
             </a:fld>
-            <a:endParaRPr kumimoji="true" lang="zh-CN" altLang="en-US" dirty="false"/>
+            <a:endParaRPr kumimoji="1" lang="zh-CN" altLang="en-US" dirty="0"/>
           </a:p>
         </p:txBody>
       </p:sp>
@@ -588,7 +1675,7 @@
         <p:nvSpPr>
           <p:cNvPr id="11" name="矩形 1"/>
           <p:cNvSpPr/>
-          <p:nvPr userDrawn="true"/>
+          <p:nvPr userDrawn="1"/>
         </p:nvSpPr>
         <p:spPr>
           <a:xfrm>
@@ -609,7 +1696,7 @@
                 </a:schemeClr>
               </a:gs>
             </a:gsLst>
-            <a:lin ang="16200000" scaled="true"/>
+            <a:lin ang="16200000" scaled="1"/>
           </a:gradFill>
           <a:ln>
             <a:noFill/>
@@ -632,11 +1719,11 @@
           </a:fontRef>
         </p:style>
         <p:txBody>
-          <a:bodyPr rtlCol="false" anchor="ctr"/>
+          <a:bodyPr rtlCol="0" anchor="ctr"/>
           <a:lstStyle/>
           <a:p>
             <a:pPr algn="ctr"/>
-            <a:endParaRPr kumimoji="true" lang="zh-CN" altLang="en-US"/>
+            <a:endParaRPr kumimoji="1" lang="zh-CN" altLang="en-US"/>
           </a:p>
         </p:txBody>
       </p:sp>
@@ -649,7 +1736,7 @@
 </file>
 
 <file path=ppt/slideLayouts/slideLayout3.xml><?xml version="1.0" encoding="utf-8"?>
-<p:sldLayout xmlns:a="http://schemas.openxmlformats.org/drawingml/2006/main" xmlns:p="http://schemas.openxmlformats.org/presentationml/2006/main" xmlns:r="http://schemas.openxmlformats.org/officeDocument/2006/relationships">
+<p:sldLayout xmlns:a="http://schemas.openxmlformats.org/drawingml/2006/main" xmlns:r="http://schemas.openxmlformats.org/officeDocument/2006/relationships" xmlns:p="http://schemas.openxmlformats.org/presentationml/2006/main">
   <p:cSld name="仅标题">
     <p:bg>
       <p:bgPr>
@@ -665,7 +1752,7 @@
               </a:schemeClr>
             </a:gs>
           </a:gsLst>
-          <a:lin ang="16200000" scaled="true"/>
+          <a:lin ang="16200000" scaled="1"/>
         </a:gradFill>
         <a:effectLst/>
       </p:bgPr>
@@ -688,17 +1775,19 @@
         <p:nvPicPr>
           <p:cNvPr id="13" name="图片 7"/>
           <p:cNvPicPr>
-            <a:picLocks noChangeAspect="true"/>
+            <a:picLocks noChangeAspect="1"/>
           </p:cNvPicPr>
-          <p:nvPr userDrawn="true"/>
+          <p:nvPr userDrawn="1"/>
         </p:nvPicPr>
         <p:blipFill>
-          <a:blip r:embed="rId1"/>
+          <a:blip r:embed="rId2"/>
           <a:srcRect/>
-          <a:stretch/>
+          <a:stretch>
+            <a:fillRect/>
+          </a:stretch>
         </p:blipFill>
         <p:spPr>
-          <a:xfrm flipH="true">
+          <a:xfrm flipH="1">
             <a:off x="0" y="-1"/>
             <a:ext cx="12192000" cy="6858000"/>
           </a:xfrm>
@@ -711,7 +1800,7 @@
         <p:nvSpPr>
           <p:cNvPr id="14" name="矩形 6"/>
           <p:cNvSpPr/>
-          <p:nvPr userDrawn="true"/>
+          <p:nvPr userDrawn="1"/>
         </p:nvSpPr>
         <p:spPr>
           <a:xfrm>
@@ -732,7 +1821,7 @@
                 </a:schemeClr>
               </a:gs>
             </a:gsLst>
-            <a:lin ang="16200000" scaled="true"/>
+            <a:lin ang="16200000" scaled="1"/>
           </a:gradFill>
           <a:ln>
             <a:noFill/>
@@ -755,11 +1844,11 @@
           </a:fontRef>
         </p:style>
         <p:txBody>
-          <a:bodyPr rtlCol="false" anchor="ctr"/>
+          <a:bodyPr rtlCol="0" anchor="ctr"/>
           <a:lstStyle/>
           <a:p>
             <a:pPr algn="ctr"/>
-            <a:endParaRPr kumimoji="true" lang="zh-CN" altLang="en-US"/>
+            <a:endParaRPr kumimoji="1" lang="zh-CN" altLang="en-US"/>
           </a:p>
         </p:txBody>
       </p:sp>
@@ -767,7 +1856,7 @@
         <p:nvSpPr>
           <p:cNvPr id="15" name="日期占位符 2"/>
           <p:cNvSpPr>
-            <a:spLocks noGrp="true"/>
+            <a:spLocks noGrp="1"/>
           </p:cNvSpPr>
           <p:nvPr>
             <p:ph type="dt" sz="half" idx="10"/>
@@ -778,19 +1867,17 @@
           <a:bodyPr/>
           <a:lstStyle>
             <a:lvl1pPr>
-              <a:defRPr b="false" i="false">
-                <a:latin typeface="Microsoft YaHei" panose="020B0503020204020204" pitchFamily="34" charset="-122"/>
-                <a:ea typeface="Microsoft YaHei" panose="020B0503020204020204" pitchFamily="34" charset="-122"/>
+              <a:defRPr b="0" i="0">
+                <a:latin typeface="微软雅黑" panose="020B0503020204020204" pitchFamily="34" charset="-122"/>
+                <a:ea typeface="微软雅黑" panose="020B0503020204020204" pitchFamily="34" charset="-122"/>
               </a:defRPr>
             </a:lvl1pPr>
           </a:lstStyle>
           <a:p>
-            <a:pPr/>
             <a:fld id="{50281522-3AB1-3541-90AB-7A631F5C75F8}" type="datetimeFigureOut">
-              <a:rPr kumimoji="true" lang="zh-CN" altLang="en-US" smtClean="false"/>
-              <a:t>2023/11/21</a:t>
+              <a:rPr kumimoji="1" lang="zh-CN" altLang="en-US" smtClean="0"/>
             </a:fld>
-            <a:endParaRPr kumimoji="true" lang="zh-CN" altLang="en-US" dirty="false"/>
+            <a:endParaRPr kumimoji="1" lang="zh-CN" altLang="en-US" dirty="0"/>
           </a:p>
         </p:txBody>
       </p:sp>
@@ -798,7 +1885,7 @@
         <p:nvSpPr>
           <p:cNvPr id="16" name="页脚占位符 3"/>
           <p:cNvSpPr>
-            <a:spLocks noGrp="true"/>
+            <a:spLocks noGrp="1"/>
           </p:cNvSpPr>
           <p:nvPr>
             <p:ph type="ftr" sz="quarter" idx="11"/>
@@ -809,15 +1896,14 @@
           <a:bodyPr/>
           <a:lstStyle>
             <a:lvl1pPr>
-              <a:defRPr b="false" i="false">
-                <a:latin typeface="Microsoft YaHei" panose="020B0503020204020204" pitchFamily="34" charset="-122"/>
-                <a:ea typeface="Microsoft YaHei" panose="020B0503020204020204" pitchFamily="34" charset="-122"/>
+              <a:defRPr b="0" i="0">
+                <a:latin typeface="微软雅黑" panose="020B0503020204020204" pitchFamily="34" charset="-122"/>
+                <a:ea typeface="微软雅黑" panose="020B0503020204020204" pitchFamily="34" charset="-122"/>
               </a:defRPr>
             </a:lvl1pPr>
           </a:lstStyle>
           <a:p>
-            <a:pPr/>
-            <a:endParaRPr kumimoji="true" lang="zh-CN" altLang="en-US" dirty="false"/>
+            <a:endParaRPr kumimoji="1" lang="zh-CN" altLang="en-US" dirty="0"/>
           </a:p>
         </p:txBody>
       </p:sp>
@@ -825,7 +1911,7 @@
         <p:nvSpPr>
           <p:cNvPr id="17" name="灯片编号占位符 4"/>
           <p:cNvSpPr>
-            <a:spLocks noGrp="true"/>
+            <a:spLocks noGrp="1"/>
           </p:cNvSpPr>
           <p:nvPr>
             <p:ph type="sldNum" sz="quarter" idx="12"/>
@@ -836,19 +1922,17 @@
           <a:bodyPr/>
           <a:lstStyle>
             <a:lvl1pPr>
-              <a:defRPr b="false" i="false">
-                <a:latin typeface="Microsoft YaHei" panose="020B0503020204020204" pitchFamily="34" charset="-122"/>
-                <a:ea typeface="Microsoft YaHei" panose="020B0503020204020204" pitchFamily="34" charset="-122"/>
+              <a:defRPr b="0" i="0">
+                <a:latin typeface="微软雅黑" panose="020B0503020204020204" pitchFamily="34" charset="-122"/>
+                <a:ea typeface="微软雅黑" panose="020B0503020204020204" pitchFamily="34" charset="-122"/>
               </a:defRPr>
             </a:lvl1pPr>
           </a:lstStyle>
           <a:p>
-            <a:pPr/>
             <a:fld id="{419F402A-E1A9-C741-9EEF-1CF72A8557FF}" type="slidenum">
-              <a:rPr kumimoji="true" lang="zh-CN" altLang="en-US" smtClean="false"/>
-              <a:t>‹#›</a:t>
+              <a:rPr kumimoji="1" lang="zh-CN" altLang="en-US" smtClean="0"/>
             </a:fld>
-            <a:endParaRPr kumimoji="true" lang="zh-CN" altLang="en-US" dirty="false"/>
+            <a:endParaRPr kumimoji="1" lang="zh-CN" altLang="en-US" dirty="0"/>
           </a:p>
         </p:txBody>
       </p:sp>
@@ -861,7 +1945,7 @@
 </file>
 
 <file path=ppt/slideLayouts/slideLayout4.xml><?xml version="1.0" encoding="utf-8"?>
-<p:sldLayout xmlns:p15="http://schemas.microsoft.com/office/powerpoint/2012/main" xmlns:a="http://schemas.openxmlformats.org/drawingml/2006/main" xmlns:p="http://schemas.openxmlformats.org/presentationml/2006/main" xmlns:r="http://schemas.openxmlformats.org/officeDocument/2006/relationships" xmlns:mc="http://schemas.openxmlformats.org/markup-compatibility/2006" mc:Ignorable="p15">
+<p:sldLayout xmlns:a="http://schemas.openxmlformats.org/drawingml/2006/main" xmlns:r="http://schemas.openxmlformats.org/officeDocument/2006/relationships" xmlns:p="http://schemas.openxmlformats.org/presentationml/2006/main">
   <p:cSld name="封底">
     <p:spTree>
       <p:nvGrpSpPr>
@@ -881,14 +1965,16 @@
         <p:nvPicPr>
           <p:cNvPr id="19" name="图片 5"/>
           <p:cNvPicPr>
-            <a:picLocks noChangeAspect="true"/>
+            <a:picLocks noChangeAspect="1"/>
           </p:cNvPicPr>
-          <p:nvPr userDrawn="true"/>
+          <p:nvPr userDrawn="1"/>
         </p:nvPicPr>
         <p:blipFill>
-          <a:blip r:embed="rId1"/>
+          <a:blip r:embed="rId2"/>
           <a:srcRect/>
-          <a:stretch/>
+          <a:stretch>
+            <a:fillRect/>
+          </a:stretch>
         </p:blipFill>
         <p:spPr>
           <a:xfrm>
@@ -904,7 +1990,7 @@
         <p:nvSpPr>
           <p:cNvPr id="20" name="矩形 1"/>
           <p:cNvSpPr/>
-          <p:nvPr userDrawn="true"/>
+          <p:nvPr userDrawn="1"/>
         </p:nvSpPr>
         <p:spPr>
           <a:xfrm>
@@ -925,7 +2011,7 @@
                 </a:schemeClr>
               </a:gs>
             </a:gsLst>
-            <a:lin ang="16200000" scaled="true"/>
+            <a:lin ang="16200000" scaled="1"/>
           </a:gradFill>
           <a:ln>
             <a:noFill/>
@@ -948,11 +2034,11 @@
           </a:fontRef>
         </p:style>
         <p:txBody>
-          <a:bodyPr rtlCol="false" anchor="ctr"/>
+          <a:bodyPr rtlCol="0" anchor="ctr"/>
           <a:lstStyle/>
           <a:p>
             <a:pPr algn="ctr"/>
-            <a:endParaRPr kumimoji="true" lang="zh-CN" altLang="en-US"/>
+            <a:endParaRPr kumimoji="1" lang="zh-CN" altLang="en-US"/>
           </a:p>
         </p:txBody>
       </p:sp>
@@ -961,27 +2047,11 @@
   <p:clrMapOvr>
     <a:masterClrMapping/>
   </p:clrMapOvr>
-  <p:extLst>
-    <p:ext uri="{DCECCB84-F9BA-43D5-87BE-67443E8EF086}">
-      <p15:sldGuideLst>
-        <p15:guide id="3" orient="horz" pos="2160" userDrawn="true">
-          <p15:clr>
-            <a:srgbClr val="FBAE40"/>
-          </p15:clr>
-        </p15:guide>
-        <p15:guide id="4" pos="3840" userDrawn="true">
-          <p15:clr>
-            <a:srgbClr val="FBAE40"/>
-          </p15:clr>
-        </p15:guide>
-      </p15:sldGuideLst>
-    </p:ext>
-  </p:extLst>
 </p:sldLayout>
 </file>
 
 <file path=ppt/slideMasters/slideMaster1.xml><?xml version="1.0" encoding="utf-8"?>
-<p:sldMaster xmlns:p15="http://schemas.microsoft.com/office/powerpoint/2012/main" xmlns:a="http://schemas.openxmlformats.org/drawingml/2006/main" xmlns:p="http://schemas.openxmlformats.org/presentationml/2006/main" xmlns:r="http://schemas.openxmlformats.org/officeDocument/2006/relationships" xmlns:mc="http://schemas.openxmlformats.org/markup-compatibility/2006" mc:Ignorable="p15">
+<p:sldMaster xmlns:a="http://schemas.openxmlformats.org/drawingml/2006/main" xmlns:r="http://schemas.openxmlformats.org/officeDocument/2006/relationships" xmlns:p="http://schemas.openxmlformats.org/presentationml/2006/main">
   <p:cSld>
     <p:bg>
       <p:bgRef idx="1001">
@@ -1006,7 +2076,7 @@
         <p:nvSpPr>
           <p:cNvPr id="2" name="标题占位符 1"/>
           <p:cNvSpPr>
-            <a:spLocks noGrp="true"/>
+            <a:spLocks noGrp="1"/>
           </p:cNvSpPr>
           <p:nvPr>
             <p:ph type="title" idx="2147483647"/>
@@ -1022,17 +2092,16 @@
           </a:prstGeom>
         </p:spPr>
         <p:txBody>
-          <a:bodyPr vert="horz" lIns="91440" tIns="45720" rIns="91440" bIns="45720" rtlCol="false" anchor="ctr">
+          <a:bodyPr vert="horz" lIns="91440" tIns="45720" rIns="91440" bIns="45720" rtlCol="0" anchor="ctr">
             <a:normAutofit/>
           </a:bodyPr>
           <a:lstStyle/>
           <a:p>
-            <a:pPr/>
             <a:r>
-              <a:rPr kumimoji="true" lang="zh-CN" altLang="en-US" dirty="false"/>
+              <a:rPr kumimoji="1" lang="zh-CN" altLang="en-US" dirty="0"/>
               <a:t>单击此处编辑母版标题样式</a:t>
             </a:r>
-            <a:endParaRPr/>
+            <a:endParaRPr kumimoji="1" lang="zh-CN" altLang="en-US" dirty="0"/>
           </a:p>
         </p:txBody>
       </p:sp>
@@ -1040,7 +2109,7 @@
         <p:nvSpPr>
           <p:cNvPr id="3" name="文本占位符 2"/>
           <p:cNvSpPr>
-            <a:spLocks noGrp="true"/>
+            <a:spLocks noGrp="1"/>
           </p:cNvSpPr>
           <p:nvPr>
             <p:ph type="body" idx="1"/>
@@ -1056,49 +2125,49 @@
           </a:prstGeom>
         </p:spPr>
         <p:txBody>
-          <a:bodyPr vert="horz" lIns="91440" tIns="45720" rIns="91440" bIns="45720" rtlCol="false">
+          <a:bodyPr vert="horz" lIns="91440" tIns="45720" rIns="91440" bIns="45720" rtlCol="0">
             <a:normAutofit/>
           </a:bodyPr>
           <a:lstStyle/>
           <a:p>
             <a:pPr lvl="0"/>
             <a:r>
-              <a:rPr kumimoji="true" lang="zh-CN" altLang="en-US" dirty="false"/>
+              <a:rPr kumimoji="1" lang="zh-CN" altLang="en-US" dirty="0"/>
               <a:t>单击此处编辑母版文本样式</a:t>
             </a:r>
-            <a:endParaRPr/>
+            <a:endParaRPr kumimoji="1" lang="zh-CN" altLang="en-US" dirty="0"/>
           </a:p>
           <a:p>
             <a:pPr lvl="1"/>
             <a:r>
-              <a:rPr kumimoji="true" lang="zh-CN" altLang="en-US" dirty="false"/>
+              <a:rPr kumimoji="1" lang="zh-CN" altLang="en-US" dirty="0"/>
               <a:t>二级</a:t>
             </a:r>
-            <a:endParaRPr/>
+            <a:endParaRPr kumimoji="1" lang="zh-CN" altLang="en-US" dirty="0"/>
           </a:p>
           <a:p>
             <a:pPr lvl="2"/>
             <a:r>
-              <a:rPr kumimoji="true" lang="zh-CN" altLang="en-US" dirty="false"/>
+              <a:rPr kumimoji="1" lang="zh-CN" altLang="en-US" dirty="0"/>
               <a:t>三级</a:t>
             </a:r>
-            <a:endParaRPr/>
+            <a:endParaRPr kumimoji="1" lang="zh-CN" altLang="en-US" dirty="0"/>
           </a:p>
           <a:p>
             <a:pPr lvl="3"/>
             <a:r>
-              <a:rPr kumimoji="true" lang="zh-CN" altLang="en-US" dirty="false"/>
+              <a:rPr kumimoji="1" lang="zh-CN" altLang="en-US" dirty="0"/>
               <a:t>四级</a:t>
             </a:r>
-            <a:endParaRPr/>
+            <a:endParaRPr kumimoji="1" lang="zh-CN" altLang="en-US" dirty="0"/>
           </a:p>
           <a:p>
             <a:pPr lvl="4"/>
             <a:r>
-              <a:rPr kumimoji="true" lang="zh-CN" altLang="en-US" dirty="false"/>
+              <a:rPr kumimoji="1" lang="zh-CN" altLang="en-US" dirty="0"/>
               <a:t>五级</a:t>
             </a:r>
-            <a:endParaRPr/>
+            <a:endParaRPr kumimoji="1" lang="zh-CN" altLang="en-US" dirty="0"/>
           </a:p>
         </p:txBody>
       </p:sp>
@@ -1106,7 +2175,7 @@
         <p:nvSpPr>
           <p:cNvPr id="4" name="日期占位符 3"/>
           <p:cNvSpPr>
-            <a:spLocks noGrp="true"/>
+            <a:spLocks noGrp="1"/>
           </p:cNvSpPr>
           <p:nvPr>
             <p:ph type="dt" sz="half" idx="2"/>
@@ -1122,27 +2191,25 @@
           </a:prstGeom>
         </p:spPr>
         <p:txBody>
-          <a:bodyPr vert="horz" lIns="91440" tIns="45720" rIns="91440" bIns="45720" rtlCol="false" anchor="ctr"/>
+          <a:bodyPr vert="horz" lIns="91440" tIns="45720" rIns="91440" bIns="45720" rtlCol="0" anchor="ctr"/>
           <a:lstStyle>
             <a:lvl1pPr algn="l">
-              <a:defRPr sz="1200" b="false" i="false">
+              <a:defRPr sz="1200" b="0" i="0">
                 <a:solidFill>
                   <a:schemeClr val="tx1">
                     <a:tint val="75000"/>
                   </a:schemeClr>
                 </a:solidFill>
-                <a:latin typeface="Microsoft YaHei" panose="020B0503020204020204" pitchFamily="34" charset="-122"/>
-                <a:ea typeface="Microsoft YaHei" panose="020B0503020204020204" pitchFamily="34" charset="-122"/>
+                <a:latin typeface="微软雅黑" panose="020B0503020204020204" pitchFamily="34" charset="-122"/>
+                <a:ea typeface="微软雅黑" panose="020B0503020204020204" pitchFamily="34" charset="-122"/>
               </a:defRPr>
             </a:lvl1pPr>
           </a:lstStyle>
           <a:p>
-            <a:pPr/>
             <a:fld id="{50281522-3AB1-3541-90AB-7A631F5C75F8}" type="datetimeFigureOut">
-              <a:rPr kumimoji="true" lang="zh-CN" altLang="en-US" smtClean="false"/>
-              <a:t>2023/11/21</a:t>
+              <a:rPr kumimoji="1" lang="zh-CN" altLang="en-US" smtClean="0"/>
             </a:fld>
-            <a:endParaRPr kumimoji="true" lang="zh-CN" altLang="en-US" dirty="false"/>
+            <a:endParaRPr kumimoji="1" lang="zh-CN" altLang="en-US" dirty="0"/>
           </a:p>
         </p:txBody>
       </p:sp>
@@ -1150,7 +2217,7 @@
         <p:nvSpPr>
           <p:cNvPr id="5" name="页脚占位符 4"/>
           <p:cNvSpPr>
-            <a:spLocks noGrp="true"/>
+            <a:spLocks noGrp="1"/>
           </p:cNvSpPr>
           <p:nvPr>
             <p:ph type="ftr" sz="quarter" idx="3"/>
@@ -1166,23 +2233,22 @@
           </a:prstGeom>
         </p:spPr>
         <p:txBody>
-          <a:bodyPr vert="horz" lIns="91440" tIns="45720" rIns="91440" bIns="45720" rtlCol="false" anchor="ctr"/>
+          <a:bodyPr vert="horz" lIns="91440" tIns="45720" rIns="91440" bIns="45720" rtlCol="0" anchor="ctr"/>
           <a:lstStyle>
             <a:lvl1pPr algn="ctr">
-              <a:defRPr sz="1200" b="false" i="false">
+              <a:defRPr sz="1200" b="0" i="0">
                 <a:solidFill>
                   <a:schemeClr val="tx1">
                     <a:tint val="75000"/>
                   </a:schemeClr>
                 </a:solidFill>
-                <a:latin typeface="Microsoft YaHei" panose="020B0503020204020204" pitchFamily="34" charset="-122"/>
-                <a:ea typeface="Microsoft YaHei" panose="020B0503020204020204" pitchFamily="34" charset="-122"/>
+                <a:latin typeface="微软雅黑" panose="020B0503020204020204" pitchFamily="34" charset="-122"/>
+                <a:ea typeface="微软雅黑" panose="020B0503020204020204" pitchFamily="34" charset="-122"/>
               </a:defRPr>
             </a:lvl1pPr>
           </a:lstStyle>
           <a:p>
-            <a:pPr/>
-            <a:endParaRPr kumimoji="true" lang="zh-CN" altLang="en-US" dirty="false"/>
+            <a:endParaRPr kumimoji="1" lang="zh-CN" altLang="en-US" dirty="0"/>
           </a:p>
         </p:txBody>
       </p:sp>
@@ -1190,7 +2256,7 @@
         <p:nvSpPr>
           <p:cNvPr id="6" name="灯片编号占位符 5"/>
           <p:cNvSpPr>
-            <a:spLocks noGrp="true"/>
+            <a:spLocks noGrp="1"/>
           </p:cNvSpPr>
           <p:nvPr>
             <p:ph type="sldNum" sz="quarter" idx="4"/>
@@ -1206,27 +2272,25 @@
           </a:prstGeom>
         </p:spPr>
         <p:txBody>
-          <a:bodyPr vert="horz" lIns="91440" tIns="45720" rIns="91440" bIns="45720" rtlCol="false" anchor="ctr"/>
+          <a:bodyPr vert="horz" lIns="91440" tIns="45720" rIns="91440" bIns="45720" rtlCol="0" anchor="ctr"/>
           <a:lstStyle>
             <a:lvl1pPr algn="r">
-              <a:defRPr sz="1200" b="false" i="false">
+              <a:defRPr sz="1200" b="0" i="0">
                 <a:solidFill>
                   <a:schemeClr val="tx1">
                     <a:tint val="75000"/>
                   </a:schemeClr>
                 </a:solidFill>
-                <a:latin typeface="Microsoft YaHei" panose="020B0503020204020204" pitchFamily="34" charset="-122"/>
-                <a:ea typeface="Microsoft YaHei" panose="020B0503020204020204" pitchFamily="34" charset="-122"/>
+                <a:latin typeface="微软雅黑" panose="020B0503020204020204" pitchFamily="34" charset="-122"/>
+                <a:ea typeface="微软雅黑" panose="020B0503020204020204" pitchFamily="34" charset="-122"/>
               </a:defRPr>
             </a:lvl1pPr>
           </a:lstStyle>
           <a:p>
-            <a:pPr/>
             <a:fld id="{419F402A-E1A9-C741-9EEF-1CF72A8557FF}" type="slidenum">
-              <a:rPr kumimoji="true" lang="zh-CN" altLang="en-US" smtClean="false"/>
-              <a:t>‹#›</a:t>
+              <a:rPr kumimoji="1" lang="zh-CN" altLang="en-US" smtClean="0"/>
             </a:fld>
-            <a:endParaRPr kumimoji="true" lang="zh-CN" altLang="en-US" dirty="false"/>
+            <a:endParaRPr kumimoji="1" lang="zh-CN" altLang="en-US" dirty="0"/>
           </a:p>
         </p:txBody>
       </p:sp>
@@ -1234,130 +2298,130 @@
   </p:cSld>
   <p:clrMap bg1="lt1" tx1="dk1" bg2="lt2" tx2="dk2" accent1="accent1" accent2="accent2" accent3="accent3" accent4="accent4" accent5="accent5" accent6="accent6" hlink="hlink" folHlink="folHlink"/>
   <p:sldLayoutIdLst>
-    <p:sldLayoutId id="2147483649" r:id="rId0"/>
-    <p:sldLayoutId id="2147483650" r:id="rId1"/>
-    <p:sldLayoutId id="2147483651" r:id="rId2"/>
-    <p:sldLayoutId id="2147483652" r:id="rId3"/>
+    <p:sldLayoutId id="2147483649" r:id="rId1"/>
+    <p:sldLayoutId id="2147483650" r:id="rId2"/>
+    <p:sldLayoutId id="2147483651" r:id="rId3"/>
+    <p:sldLayoutId id="2147483652" r:id="rId4"/>
   </p:sldLayoutIdLst>
   <p:txStyles>
     <p:titleStyle>
-      <a:lvl1pPr algn="l" defTabSz="914400" rtl="false" eaLnBrk="true" latinLnBrk="false" hangingPunct="true">
+      <a:lvl1pPr algn="l" defTabSz="914400" rtl="0" eaLnBrk="1" latinLnBrk="0" hangingPunct="1">
         <a:lnSpc>
           <a:spcPct val="90000"/>
         </a:lnSpc>
         <a:spcBef>
-          <a:spcPct val="1"/>
+          <a:spcPct val="0"/>
         </a:spcBef>
         <a:buNone/>
-        <a:defRPr sz="4400" b="false" i="false" kern="1200">
+        <a:defRPr sz="4400" b="0" i="0" kern="1200">
           <a:solidFill>
             <a:schemeClr val="tx1"/>
           </a:solidFill>
-          <a:latin typeface="Microsoft YaHei" panose="020B0503020204020204" pitchFamily="34" charset="-122"/>
-          <a:ea typeface="Microsoft YaHei" panose="020B0503020204020204" pitchFamily="34" charset="-122"/>
+          <a:latin typeface="微软雅黑" panose="020B0503020204020204" pitchFamily="34" charset="-122"/>
+          <a:ea typeface="微软雅黑" panose="020B0503020204020204" pitchFamily="34" charset="-122"/>
           <a:cs typeface="+mj-cs"/>
         </a:defRPr>
       </a:lvl1pPr>
     </p:titleStyle>
     <p:bodyStyle>
-      <a:lvl1pPr marL="228600" indent="-228600" algn="l" defTabSz="914400" rtl="false" eaLnBrk="true" latinLnBrk="false" hangingPunct="true">
+      <a:lvl1pPr marL="228600" indent="-228600" algn="l" defTabSz="914400" rtl="0" eaLnBrk="1" latinLnBrk="0" hangingPunct="1">
         <a:lnSpc>
           <a:spcPct val="90000"/>
         </a:lnSpc>
         <a:spcBef>
           <a:spcPts val="1000"/>
         </a:spcBef>
-        <a:buFont typeface="Arial" panose="020B0604020202020204" pitchFamily="34" charset="0"/>
+        <a:buFont typeface="Arial" panose="020B0604020202090204" pitchFamily="34" charset="0"/>
         <a:buChar char="•"/>
-        <a:defRPr sz="2800" b="false" i="false" kern="1200">
+        <a:defRPr sz="2800" b="0" i="0" kern="1200">
           <a:solidFill>
             <a:schemeClr val="tx1"/>
           </a:solidFill>
-          <a:latin typeface="Microsoft YaHei" panose="020B0503020204020204" pitchFamily="34" charset="-122"/>
-          <a:ea typeface="Microsoft YaHei" panose="020B0503020204020204" pitchFamily="34" charset="-122"/>
+          <a:latin typeface="微软雅黑" panose="020B0503020204020204" pitchFamily="34" charset="-122"/>
+          <a:ea typeface="微软雅黑" panose="020B0503020204020204" pitchFamily="34" charset="-122"/>
           <a:cs typeface="+mn-cs"/>
         </a:defRPr>
       </a:lvl1pPr>
-      <a:lvl2pPr marL="685800" indent="-228600" algn="l" defTabSz="914400" rtl="false" eaLnBrk="true" latinLnBrk="false" hangingPunct="true">
+      <a:lvl2pPr marL="685800" indent="-228600" algn="l" defTabSz="914400" rtl="0" eaLnBrk="1" latinLnBrk="0" hangingPunct="1">
         <a:lnSpc>
           <a:spcPct val="90000"/>
         </a:lnSpc>
         <a:spcBef>
           <a:spcPts val="500"/>
         </a:spcBef>
-        <a:buFont typeface="Arial" panose="020B0604020202020204" pitchFamily="34" charset="0"/>
+        <a:buFont typeface="Arial" panose="020B0604020202090204" pitchFamily="34" charset="0"/>
         <a:buChar char="•"/>
-        <a:defRPr sz="2400" b="false" i="false" kern="1200">
+        <a:defRPr sz="2400" b="0" i="0" kern="1200">
           <a:solidFill>
             <a:schemeClr val="tx1"/>
           </a:solidFill>
-          <a:latin typeface="Microsoft YaHei" panose="020B0503020204020204" pitchFamily="34" charset="-122"/>
-          <a:ea typeface="Microsoft YaHei" panose="020B0503020204020204" pitchFamily="34" charset="-122"/>
+          <a:latin typeface="微软雅黑" panose="020B0503020204020204" pitchFamily="34" charset="-122"/>
+          <a:ea typeface="微软雅黑" panose="020B0503020204020204" pitchFamily="34" charset="-122"/>
           <a:cs typeface="+mn-cs"/>
         </a:defRPr>
       </a:lvl2pPr>
-      <a:lvl3pPr marL="1143000" indent="-228600" algn="l" defTabSz="914400" rtl="false" eaLnBrk="true" latinLnBrk="false" hangingPunct="true">
+      <a:lvl3pPr marL="1143000" indent="-228600" algn="l" defTabSz="914400" rtl="0" eaLnBrk="1" latinLnBrk="0" hangingPunct="1">
         <a:lnSpc>
           <a:spcPct val="90000"/>
         </a:lnSpc>
         <a:spcBef>
           <a:spcPts val="500"/>
         </a:spcBef>
-        <a:buFont typeface="Arial" panose="020B0604020202020204" pitchFamily="34" charset="0"/>
+        <a:buFont typeface="Arial" panose="020B0604020202090204" pitchFamily="34" charset="0"/>
         <a:buChar char="•"/>
-        <a:defRPr sz="2000" b="false" i="false" kern="1200">
+        <a:defRPr sz="2000" b="0" i="0" kern="1200">
           <a:solidFill>
             <a:schemeClr val="tx1"/>
           </a:solidFill>
-          <a:latin typeface="Microsoft YaHei" panose="020B0503020204020204" pitchFamily="34" charset="-122"/>
-          <a:ea typeface="Microsoft YaHei" panose="020B0503020204020204" pitchFamily="34" charset="-122"/>
+          <a:latin typeface="微软雅黑" panose="020B0503020204020204" pitchFamily="34" charset="-122"/>
+          <a:ea typeface="微软雅黑" panose="020B0503020204020204" pitchFamily="34" charset="-122"/>
           <a:cs typeface="+mn-cs"/>
         </a:defRPr>
       </a:lvl3pPr>
-      <a:lvl4pPr marL="1600200" indent="-228600" algn="l" defTabSz="914400" rtl="false" eaLnBrk="true" latinLnBrk="false" hangingPunct="true">
+      <a:lvl4pPr marL="1600200" indent="-228600" algn="l" defTabSz="914400" rtl="0" eaLnBrk="1" latinLnBrk="0" hangingPunct="1">
         <a:lnSpc>
           <a:spcPct val="90000"/>
         </a:lnSpc>
         <a:spcBef>
           <a:spcPts val="500"/>
         </a:spcBef>
-        <a:buFont typeface="Arial" panose="020B0604020202020204" pitchFamily="34" charset="0"/>
+        <a:buFont typeface="Arial" panose="020B0604020202090204" pitchFamily="34" charset="0"/>
         <a:buChar char="•"/>
-        <a:defRPr sz="1800" b="false" i="false" kern="1200">
+        <a:defRPr sz="1800" b="0" i="0" kern="1200">
           <a:solidFill>
             <a:schemeClr val="tx1"/>
           </a:solidFill>
-          <a:latin typeface="Microsoft YaHei" panose="020B0503020204020204" pitchFamily="34" charset="-122"/>
-          <a:ea typeface="Microsoft YaHei" panose="020B0503020204020204" pitchFamily="34" charset="-122"/>
+          <a:latin typeface="微软雅黑" panose="020B0503020204020204" pitchFamily="34" charset="-122"/>
+          <a:ea typeface="微软雅黑" panose="020B0503020204020204" pitchFamily="34" charset="-122"/>
           <a:cs typeface="+mn-cs"/>
         </a:defRPr>
       </a:lvl4pPr>
-      <a:lvl5pPr marL="2057400" indent="-228600" algn="l" defTabSz="914400" rtl="false" eaLnBrk="true" latinLnBrk="false" hangingPunct="true">
+      <a:lvl5pPr marL="2057400" indent="-228600" algn="l" defTabSz="914400" rtl="0" eaLnBrk="1" latinLnBrk="0" hangingPunct="1">
         <a:lnSpc>
           <a:spcPct val="90000"/>
         </a:lnSpc>
         <a:spcBef>
           <a:spcPts val="500"/>
         </a:spcBef>
-        <a:buFont typeface="Arial" panose="020B0604020202020204" pitchFamily="34" charset="0"/>
+        <a:buFont typeface="Arial" panose="020B0604020202090204" pitchFamily="34" charset="0"/>
         <a:buChar char="•"/>
-        <a:defRPr sz="1800" b="false" i="false" kern="1200">
+        <a:defRPr sz="1800" b="0" i="0" kern="1200">
           <a:solidFill>
             <a:schemeClr val="tx1"/>
           </a:solidFill>
-          <a:latin typeface="Microsoft YaHei" panose="020B0503020204020204" pitchFamily="34" charset="-122"/>
-          <a:ea typeface="Microsoft YaHei" panose="020B0503020204020204" pitchFamily="34" charset="-122"/>
+          <a:latin typeface="微软雅黑" panose="020B0503020204020204" pitchFamily="34" charset="-122"/>
+          <a:ea typeface="微软雅黑" panose="020B0503020204020204" pitchFamily="34" charset="-122"/>
           <a:cs typeface="+mn-cs"/>
         </a:defRPr>
       </a:lvl5pPr>
-      <a:lvl6pPr marL="2514600" indent="-228600" algn="l" defTabSz="914400" rtl="false" eaLnBrk="true" latinLnBrk="false" hangingPunct="true">
+      <a:lvl6pPr marL="2514600" indent="-228600" algn="l" defTabSz="914400" rtl="0" eaLnBrk="1" latinLnBrk="0" hangingPunct="1">
         <a:lnSpc>
           <a:spcPct val="90000"/>
         </a:lnSpc>
         <a:spcBef>
           <a:spcPts val="500"/>
         </a:spcBef>
-        <a:buFont typeface="Arial" panose="020B0604020202020204" pitchFamily="34" charset="0"/>
+        <a:buFont typeface="Arial" panose="020B0604020202090204" pitchFamily="34" charset="0"/>
         <a:buChar char="•"/>
         <a:defRPr sz="1800" kern="1200">
           <a:solidFill>
@@ -1368,14 +2432,14 @@
           <a:cs typeface="+mn-cs"/>
         </a:defRPr>
       </a:lvl6pPr>
-      <a:lvl7pPr marL="2971800" indent="-228600" algn="l" defTabSz="914400" rtl="false" eaLnBrk="true" latinLnBrk="false" hangingPunct="true">
+      <a:lvl7pPr marL="2971800" indent="-228600" algn="l" defTabSz="914400" rtl="0" eaLnBrk="1" latinLnBrk="0" hangingPunct="1">
         <a:lnSpc>
           <a:spcPct val="90000"/>
         </a:lnSpc>
         <a:spcBef>
           <a:spcPts val="500"/>
         </a:spcBef>
-        <a:buFont typeface="Arial" panose="020B0604020202020204" pitchFamily="34" charset="0"/>
+        <a:buFont typeface="Arial" panose="020B0604020202090204" pitchFamily="34" charset="0"/>
         <a:buChar char="•"/>
         <a:defRPr sz="1800" kern="1200">
           <a:solidFill>
@@ -1386,14 +2450,14 @@
           <a:cs typeface="+mn-cs"/>
         </a:defRPr>
       </a:lvl7pPr>
-      <a:lvl8pPr marL="3429000" indent="-228600" algn="l" defTabSz="914400" rtl="false" eaLnBrk="true" latinLnBrk="false" hangingPunct="true">
+      <a:lvl8pPr marL="3429000" indent="-228600" algn="l" defTabSz="914400" rtl="0" eaLnBrk="1" latinLnBrk="0" hangingPunct="1">
         <a:lnSpc>
           <a:spcPct val="90000"/>
         </a:lnSpc>
         <a:spcBef>
           <a:spcPts val="500"/>
         </a:spcBef>
-        <a:buFont typeface="Arial" panose="020B0604020202020204" pitchFamily="34" charset="0"/>
+        <a:buFont typeface="Arial" panose="020B0604020202090204" pitchFamily="34" charset="0"/>
         <a:buChar char="•"/>
         <a:defRPr sz="1800" kern="1200">
           <a:solidFill>
@@ -1404,14 +2468,14 @@
           <a:cs typeface="+mn-cs"/>
         </a:defRPr>
       </a:lvl8pPr>
-      <a:lvl9pPr marL="3886200" indent="-228600" algn="l" defTabSz="914400" rtl="false" eaLnBrk="true" latinLnBrk="false" hangingPunct="true">
+      <a:lvl9pPr marL="3886200" indent="-228600" algn="l" defTabSz="914400" rtl="0" eaLnBrk="1" latinLnBrk="0" hangingPunct="1">
         <a:lnSpc>
           <a:spcPct val="90000"/>
         </a:lnSpc>
         <a:spcBef>
           <a:spcPts val="500"/>
         </a:spcBef>
-        <a:buFont typeface="Arial" panose="020B0604020202020204" pitchFamily="34" charset="0"/>
+        <a:buFont typeface="Arial" panose="020B0604020202090204" pitchFamily="34" charset="0"/>
         <a:buChar char="•"/>
         <a:defRPr sz="1800" kern="1200">
           <a:solidFill>
@@ -1427,7 +2491,7 @@
       <a:defPPr>
         <a:defRPr lang="zh-CN"/>
       </a:defPPr>
-      <a:lvl1pPr marL="0" algn="l" defTabSz="914400" rtl="false" eaLnBrk="true" latinLnBrk="false" hangingPunct="true">
+      <a:lvl1pPr marL="0" algn="l" defTabSz="914400" rtl="0" eaLnBrk="1" latinLnBrk="0" hangingPunct="1">
         <a:defRPr sz="1800" kern="1200">
           <a:solidFill>
             <a:schemeClr val="tx1"/>
@@ -1437,7 +2501,7 @@
           <a:cs typeface="+mn-cs"/>
         </a:defRPr>
       </a:lvl1pPr>
-      <a:lvl2pPr marL="457200" algn="l" defTabSz="914400" rtl="false" eaLnBrk="true" latinLnBrk="false" hangingPunct="true">
+      <a:lvl2pPr marL="457200" algn="l" defTabSz="914400" rtl="0" eaLnBrk="1" latinLnBrk="0" hangingPunct="1">
         <a:defRPr sz="1800" kern="1200">
           <a:solidFill>
             <a:schemeClr val="tx1"/>
@@ -1447,7 +2511,7 @@
           <a:cs typeface="+mn-cs"/>
         </a:defRPr>
       </a:lvl2pPr>
-      <a:lvl3pPr marL="914400" algn="l" defTabSz="914400" rtl="false" eaLnBrk="true" latinLnBrk="false" hangingPunct="true">
+      <a:lvl3pPr marL="914400" algn="l" defTabSz="914400" rtl="0" eaLnBrk="1" latinLnBrk="0" hangingPunct="1">
         <a:defRPr sz="1800" kern="1200">
           <a:solidFill>
             <a:schemeClr val="tx1"/>
@@ -1457,7 +2521,7 @@
           <a:cs typeface="+mn-cs"/>
         </a:defRPr>
       </a:lvl3pPr>
-      <a:lvl4pPr marL="1371600" algn="l" defTabSz="914400" rtl="false" eaLnBrk="true" latinLnBrk="false" hangingPunct="true">
+      <a:lvl4pPr marL="1371600" algn="l" defTabSz="914400" rtl="0" eaLnBrk="1" latinLnBrk="0" hangingPunct="1">
         <a:defRPr sz="1800" kern="1200">
           <a:solidFill>
             <a:schemeClr val="tx1"/>
@@ -1467,7 +2531,7 @@
           <a:cs typeface="+mn-cs"/>
         </a:defRPr>
       </a:lvl4pPr>
-      <a:lvl5pPr marL="1828800" algn="l" defTabSz="914400" rtl="false" eaLnBrk="true" latinLnBrk="false" hangingPunct="true">
+      <a:lvl5pPr marL="1828800" algn="l" defTabSz="914400" rtl="0" eaLnBrk="1" latinLnBrk="0" hangingPunct="1">
         <a:defRPr sz="1800" kern="1200">
           <a:solidFill>
             <a:schemeClr val="tx1"/>
@@ -1477,7 +2541,7 @@
           <a:cs typeface="+mn-cs"/>
         </a:defRPr>
       </a:lvl5pPr>
-      <a:lvl6pPr marL="2286000" algn="l" defTabSz="914400" rtl="false" eaLnBrk="true" latinLnBrk="false" hangingPunct="true">
+      <a:lvl6pPr marL="2286000" algn="l" defTabSz="914400" rtl="0" eaLnBrk="1" latinLnBrk="0" hangingPunct="1">
         <a:defRPr sz="1800" kern="1200">
           <a:solidFill>
             <a:schemeClr val="tx1"/>
@@ -1487,7 +2551,7 @@
           <a:cs typeface="+mn-cs"/>
         </a:defRPr>
       </a:lvl6pPr>
-      <a:lvl7pPr marL="2743200" algn="l" defTabSz="914400" rtl="false" eaLnBrk="true" latinLnBrk="false" hangingPunct="true">
+      <a:lvl7pPr marL="2743200" algn="l" defTabSz="914400" rtl="0" eaLnBrk="1" latinLnBrk="0" hangingPunct="1">
         <a:defRPr sz="1800" kern="1200">
           <a:solidFill>
             <a:schemeClr val="tx1"/>
@@ -1497,7 +2561,7 @@
           <a:cs typeface="+mn-cs"/>
         </a:defRPr>
       </a:lvl7pPr>
-      <a:lvl8pPr marL="3200400" algn="l" defTabSz="914400" rtl="false" eaLnBrk="true" latinLnBrk="false" hangingPunct="true">
+      <a:lvl8pPr marL="3200400" algn="l" defTabSz="914400" rtl="0" eaLnBrk="1" latinLnBrk="0" hangingPunct="1">
         <a:defRPr sz="1800" kern="1200">
           <a:solidFill>
             <a:schemeClr val="tx1"/>
@@ -1507,7 +2571,7 @@
           <a:cs typeface="+mn-cs"/>
         </a:defRPr>
       </a:lvl8pPr>
-      <a:lvl9pPr marL="3657600" algn="l" defTabSz="914400" rtl="false" eaLnBrk="true" latinLnBrk="false" hangingPunct="true">
+      <a:lvl9pPr marL="3657600" algn="l" defTabSz="914400" rtl="0" eaLnBrk="1" latinLnBrk="0" hangingPunct="1">
         <a:defRPr sz="1800" kern="1200">
           <a:solidFill>
             <a:schemeClr val="tx1"/>
@@ -1519,27 +2583,11 @@
       </a:lvl9pPr>
     </p:otherStyle>
   </p:txStyles>
-  <p:extLst>
-    <p:ext uri="{27BBF7A9-308A-43DC-89C8-2F10F3537804}">
-      <p15:sldGuideLst>
-        <p15:guide id="1" orient="horz" pos="2160" userDrawn="true">
-          <p15:clr>
-            <a:srgbClr val="F26B43"/>
-          </p15:clr>
-        </p15:guide>
-        <p15:guide id="2" pos="3840" userDrawn="true">
-          <p15:clr>
-            <a:srgbClr val="F26B43"/>
-          </p15:clr>
-        </p15:guide>
-      </p15:sldGuideLst>
-    </p:ext>
-  </p:extLst>
 </p:sldMaster>
 </file>
 
 <file path=ppt/slides/slide1.xml><?xml version="1.0" encoding="utf-8"?>
-<p:sld xmlns:a="http://schemas.openxmlformats.org/drawingml/2006/main" xmlns:p="http://schemas.openxmlformats.org/presentationml/2006/main">
+<p:sld xmlns:a="http://schemas.openxmlformats.org/drawingml/2006/main" xmlns:r="http://schemas.openxmlformats.org/officeDocument/2006/relationships" xmlns:p="http://schemas.openxmlformats.org/presentationml/2006/main">
   <p:cSld>
     <p:spTree>
       <p:nvGrpSpPr>
@@ -1559,21 +2607,21 @@
         <p:nvSpPr>
           <p:cNvPr id="2" name="标题 1" descr="{&quot;isTemplate&quot;:true,&quot;type&quot;:&quot;title&quot;,&quot;canOmit&quot;:false,&quot;range&quot;:0}"/>
           <p:cNvSpPr>
-            <a:spLocks noGrp="true"/>
+            <a:spLocks noGrp="1"/>
           </p:cNvSpPr>
           <p:nvPr>
             <p:ph type="ctrTitle" idx="2147483647"/>
           </p:nvPr>
         </p:nvSpPr>
         <p:spPr>
-          <a:xfrm rot="0" flipH="false" flipV="false">
+          <a:xfrm>
             <a:off x="1655177" y="3429000"/>
             <a:ext cx="8325979" cy="1301750"/>
           </a:xfrm>
         </p:spPr>
         <p:txBody>
           <a:bodyPr vert="horz" wrap="square" lIns="91440" tIns="45720" rIns="91440" bIns="45720" anchor="t">
-            <a:normAutofit fontScale="100000"/>
+            <a:normAutofit/>
           </a:bodyPr>
           <a:lstStyle/>
           <a:p>
@@ -1593,7 +2641,13 @@
               </a:rPr>
               <a:t>《三国演义》阅读分享</a:t>
             </a:r>
-            <a:endParaRPr/>
+            <a:endParaRPr lang="zh-CN" sz="6000">
+              <a:solidFill>
+                <a:schemeClr val="bg1">
+                  <a:alpha val="100000"/>
+                </a:schemeClr>
+              </a:solidFill>
+            </a:endParaRPr>
           </a:p>
         </p:txBody>
       </p:sp>
@@ -1634,14 +2688,14 @@
       </p:cxnSp>
       <p:sp>
         <p:nvSpPr>
-          <p:cNvPr id="4" name=""/>
+          <p:cNvPr id="4" name="文本占位符 3"/>
           <p:cNvSpPr/>
           <p:nvPr>
             <p:ph type="body" idx="10"/>
           </p:nvPr>
         </p:nvSpPr>
         <p:spPr>
-          <a:xfrm rot="0" flipH="false" flipV="false">
+          <a:xfrm>
             <a:off x="9438765" y="5884233"/>
             <a:ext cx="2184400" cy="641350"/>
           </a:xfrm>
@@ -1653,7 +2707,7 @@
           <a:bodyPr/>
           <a:p>
             <a:pPr>
-              <a:buFont typeface="Arial" panose="020B0604020202020204" pitchFamily="34" charset="0"/>
+              <a:buFont typeface="Arial" panose="020B0604020202090204" pitchFamily="34" charset="0"/>
               <a:buNone/>
             </a:pPr>
             <a:r>
@@ -1664,18 +2718,18 @@
               <a:rPr lang="zh-CN"/>
               <a:t>丁桐</a:t>
             </a:r>
-            <a:endParaRPr/>
+            <a:endParaRPr lang="zh-CN"/>
           </a:p>
         </p:txBody>
       </p:sp>
       <p:sp>
         <p:nvSpPr>
-          <p:cNvPr id="5" name=""/>
-          <p:cNvSpPr txBox="true"/>
+          <p:cNvPr id="5" name="文本框 4"/>
+          <p:cNvSpPr txBox="1"/>
           <p:nvPr/>
         </p:nvSpPr>
         <p:spPr>
-          <a:xfrm rot="0" flipH="false" flipV="false">
+          <a:xfrm>
             <a:off x="334377" y="34567"/>
             <a:ext cx="1320800" cy="368300"/>
           </a:xfrm>
@@ -1691,7 +2745,6 @@
             <a:spAutoFit/>
           </a:bodyPr>
           <a:p>
-            <a:pPr/>
             <a:r>
               <a:rPr lang="zh-CN">
                 <a:solidFill>
@@ -1702,10 +2755,874 @@
               </a:rPr>
               <a:t>七（五）班</a:t>
             </a:r>
-            <a:endParaRPr/>
+            <a:endParaRPr lang="zh-CN">
+              <a:solidFill>
+                <a:schemeClr val="bg1">
+                  <a:alpha val="100000"/>
+                </a:schemeClr>
+              </a:solidFill>
+            </a:endParaRPr>
           </a:p>
         </p:txBody>
       </p:sp>
+      <p:sp>
+        <p:nvSpPr>
+          <p:cNvPr id="6" name="立方体 5"/>
+          <p:cNvSpPr/>
+          <p:nvPr/>
+        </p:nvSpPr>
+        <p:spPr>
+          <a:xfrm>
+            <a:off x="5160010" y="1196340"/>
+            <a:ext cx="1296035" cy="1296670"/>
+          </a:xfrm>
+          <a:prstGeom prst="cube">
+            <a:avLst/>
+          </a:prstGeom>
+        </p:spPr>
+        <p:style>
+          <a:lnRef idx="2">
+            <a:schemeClr val="accent1">
+              <a:lumMod val="75000"/>
+            </a:schemeClr>
+          </a:lnRef>
+          <a:fillRef idx="1">
+            <a:schemeClr val="accent1"/>
+          </a:fillRef>
+          <a:effectRef idx="0">
+            <a:srgbClr val="FFFFFF"/>
+          </a:effectRef>
+          <a:fontRef idx="minor">
+            <a:schemeClr val="lt1"/>
+          </a:fontRef>
+        </p:style>
+        <p:txBody>
+          <a:bodyPr rtlCol="0" anchor="ctr"/>
+          <a:p>
+            <a:pPr algn="ctr"/>
+            <a:endParaRPr lang="zh-CN" altLang="en-US"/>
+          </a:p>
+        </p:txBody>
+      </p:sp>
+      <p:graphicFrame>
+        <p:nvGraphicFramePr>
+          <p:cNvPr id="7" name="图表 6"/>
+          <p:cNvGraphicFramePr/>
+          <p:nvPr/>
+        </p:nvGraphicFramePr>
+        <p:xfrm>
+          <a:off x="263525" y="548640"/>
+          <a:ext cx="4439285" cy="2623820"/>
+        </p:xfrm>
+        <a:graphic>
+          <a:graphicData uri="http://schemas.openxmlformats.org/drawingml/2006/chart">
+            <c:chart xmlns:c="http://schemas.openxmlformats.org/drawingml/2006/chart" xmlns:r="http://schemas.openxmlformats.org/officeDocument/2006/relationships" r:id="rId1"/>
+          </a:graphicData>
+        </a:graphic>
+      </p:graphicFrame>
+      <p:graphicFrame>
+        <p:nvGraphicFramePr>
+          <p:cNvPr id="8" name="表格 7"/>
+          <p:cNvGraphicFramePr/>
+          <p:nvPr/>
+        </p:nvGraphicFramePr>
+        <p:xfrm>
+          <a:off x="1446530" y="4653280"/>
+          <a:ext cx="8534400" cy="1889760"/>
+        </p:xfrm>
+        <a:graphic>
+          <a:graphicData uri="http://schemas.openxmlformats.org/drawingml/2006/table">
+            <a:tbl>
+              <a:tblPr firstRow="1" bandRow="1">
+                <a:tableStyleId>{5C22544A-7EE6-4342-B048-85BDC9FD1C3A}</a:tableStyleId>
+              </a:tblPr>
+              <a:tblGrid>
+                <a:gridCol w="1422400"/>
+                <a:gridCol w="1422400"/>
+                <a:gridCol w="1422400"/>
+                <a:gridCol w="1422400"/>
+                <a:gridCol w="1422400"/>
+                <a:gridCol w="1422400"/>
+              </a:tblGrid>
+              <a:tr h="357505">
+                <a:tc>
+                  <a:txBody>
+                    <a:bodyPr/>
+                    <a:p>
+                      <a:pPr>
+                        <a:buNone/>
+                      </a:pPr>
+                      <a:r>
+                        <a:rPr lang="en-US" altLang="zh-CN"/>
+                        <a:t>jhj</a:t>
+                      </a:r>
+                      <a:endParaRPr lang="en-US" altLang="zh-CN"/>
+                    </a:p>
+                  </a:txBody>
+                  <a:tcPr/>
+                </a:tc>
+                <a:tc>
+                  <a:txBody>
+                    <a:bodyPr/>
+                    <a:p>
+                      <a:pPr>
+                        <a:buNone/>
+                      </a:pPr>
+                      <a:endParaRPr lang="zh-CN" altLang="en-US"/>
+                    </a:p>
+                  </a:txBody>
+                  <a:tcPr/>
+                </a:tc>
+                <a:tc>
+                  <a:txBody>
+                    <a:bodyPr/>
+                    <a:p>
+                      <a:pPr>
+                        <a:buNone/>
+                      </a:pPr>
+                      <a:r>
+                        <a:rPr lang="en-US" altLang="zh-CN"/>
+                        <a:t>iuhj</a:t>
+                      </a:r>
+                      <a:endParaRPr lang="en-US" altLang="zh-CN"/>
+                    </a:p>
+                  </a:txBody>
+                  <a:tcPr/>
+                </a:tc>
+                <a:tc>
+                  <a:txBody>
+                    <a:bodyPr/>
+                    <a:p>
+                      <a:pPr>
+                        <a:buNone/>
+                      </a:pPr>
+                      <a:r>
+                        <a:rPr lang="en-US" altLang="zh-CN"/>
+                        <a:t>nn</a:t>
+                      </a:r>
+                      <a:endParaRPr lang="en-US" altLang="zh-CN"/>
+                    </a:p>
+                  </a:txBody>
+                  <a:tcPr/>
+                </a:tc>
+                <a:tc>
+                  <a:txBody>
+                    <a:bodyPr/>
+                    <a:p>
+                      <a:pPr>
+                        <a:buNone/>
+                      </a:pPr>
+                      <a:endParaRPr lang="zh-CN" altLang="en-US"/>
+                    </a:p>
+                  </a:txBody>
+                  <a:tcPr/>
+                </a:tc>
+                <a:tc>
+                  <a:txBody>
+                    <a:bodyPr/>
+                    <a:p>
+                      <a:pPr>
+                        <a:buNone/>
+                      </a:pPr>
+                      <a:endParaRPr lang="zh-CN" altLang="en-US"/>
+                    </a:p>
+                  </a:txBody>
+                  <a:tcPr/>
+                </a:tc>
+              </a:tr>
+              <a:tr h="381000">
+                <a:tc>
+                  <a:txBody>
+                    <a:bodyPr/>
+                    <a:p>
+                      <a:pPr>
+                        <a:buNone/>
+                      </a:pPr>
+                      <a:endParaRPr lang="zh-CN" altLang="en-US"/>
+                    </a:p>
+                  </a:txBody>
+                  <a:tcPr/>
+                </a:tc>
+                <a:tc>
+                  <a:txBody>
+                    <a:bodyPr/>
+                    <a:p>
+                      <a:pPr>
+                        <a:buNone/>
+                      </a:pPr>
+                      <a:endParaRPr lang="zh-CN" altLang="en-US"/>
+                    </a:p>
+                  </a:txBody>
+                  <a:tcPr/>
+                </a:tc>
+                <a:tc>
+                  <a:txBody>
+                    <a:bodyPr/>
+                    <a:p>
+                      <a:pPr>
+                        <a:buNone/>
+                      </a:pPr>
+                      <a:endParaRPr lang="zh-CN" altLang="en-US"/>
+                    </a:p>
+                  </a:txBody>
+                  <a:tcPr/>
+                </a:tc>
+                <a:tc>
+                  <a:txBody>
+                    <a:bodyPr/>
+                    <a:p>
+                      <a:pPr>
+                        <a:buNone/>
+                      </a:pPr>
+                      <a:endParaRPr lang="zh-CN" altLang="en-US"/>
+                    </a:p>
+                  </a:txBody>
+                  <a:tcPr/>
+                </a:tc>
+                <a:tc>
+                  <a:txBody>
+                    <a:bodyPr/>
+                    <a:p>
+                      <a:pPr>
+                        <a:buNone/>
+                      </a:pPr>
+                      <a:endParaRPr lang="zh-CN" altLang="en-US"/>
+                    </a:p>
+                  </a:txBody>
+                  <a:tcPr/>
+                </a:tc>
+                <a:tc>
+                  <a:txBody>
+                    <a:bodyPr/>
+                    <a:p>
+                      <a:pPr>
+                        <a:buNone/>
+                      </a:pPr>
+                      <a:endParaRPr lang="zh-CN" altLang="en-US"/>
+                    </a:p>
+                  </a:txBody>
+                  <a:tcPr/>
+                </a:tc>
+              </a:tr>
+              <a:tr h="381000">
+                <a:tc>
+                  <a:txBody>
+                    <a:bodyPr/>
+                    <a:p>
+                      <a:pPr>
+                        <a:buNone/>
+                      </a:pPr>
+                      <a:endParaRPr lang="zh-CN" altLang="en-US"/>
+                    </a:p>
+                  </a:txBody>
+                  <a:tcPr/>
+                </a:tc>
+                <a:tc>
+                  <a:txBody>
+                    <a:bodyPr/>
+                    <a:p>
+                      <a:pPr>
+                        <a:buNone/>
+                      </a:pPr>
+                      <a:endParaRPr lang="zh-CN" altLang="en-US"/>
+                    </a:p>
+                  </a:txBody>
+                  <a:tcPr/>
+                </a:tc>
+                <a:tc>
+                  <a:txBody>
+                    <a:bodyPr/>
+                    <a:p>
+                      <a:pPr>
+                        <a:buNone/>
+                      </a:pPr>
+                      <a:endParaRPr lang="zh-CN" altLang="en-US"/>
+                    </a:p>
+                  </a:txBody>
+                  <a:tcPr/>
+                </a:tc>
+                <a:tc>
+                  <a:txBody>
+                    <a:bodyPr/>
+                    <a:p>
+                      <a:pPr>
+                        <a:buNone/>
+                      </a:pPr>
+                      <a:endParaRPr lang="zh-CN" altLang="en-US"/>
+                    </a:p>
+                  </a:txBody>
+                  <a:tcPr/>
+                </a:tc>
+                <a:tc>
+                  <a:txBody>
+                    <a:bodyPr/>
+                    <a:p>
+                      <a:pPr>
+                        <a:buNone/>
+                      </a:pPr>
+                      <a:endParaRPr lang="zh-CN" altLang="en-US"/>
+                    </a:p>
+                  </a:txBody>
+                  <a:tcPr/>
+                </a:tc>
+                <a:tc>
+                  <a:txBody>
+                    <a:bodyPr/>
+                    <a:p>
+                      <a:pPr>
+                        <a:buNone/>
+                      </a:pPr>
+                      <a:endParaRPr lang="zh-CN" altLang="en-US"/>
+                    </a:p>
+                  </a:txBody>
+                  <a:tcPr/>
+                </a:tc>
+              </a:tr>
+              <a:tr h="381000">
+                <a:tc>
+                  <a:txBody>
+                    <a:bodyPr/>
+                    <a:p>
+                      <a:pPr>
+                        <a:buNone/>
+                      </a:pPr>
+                      <a:endParaRPr lang="zh-CN" altLang="en-US"/>
+                    </a:p>
+                  </a:txBody>
+                  <a:tcPr/>
+                </a:tc>
+                <a:tc>
+                  <a:txBody>
+                    <a:bodyPr/>
+                    <a:p>
+                      <a:pPr>
+                        <a:buNone/>
+                      </a:pPr>
+                      <a:endParaRPr lang="zh-CN" altLang="en-US"/>
+                    </a:p>
+                  </a:txBody>
+                  <a:tcPr/>
+                </a:tc>
+                <a:tc>
+                  <a:txBody>
+                    <a:bodyPr/>
+                    <a:p>
+                      <a:pPr>
+                        <a:buNone/>
+                      </a:pPr>
+                      <a:endParaRPr lang="zh-CN" altLang="en-US"/>
+                    </a:p>
+                  </a:txBody>
+                  <a:tcPr/>
+                </a:tc>
+                <a:tc>
+                  <a:txBody>
+                    <a:bodyPr/>
+                    <a:p>
+                      <a:pPr>
+                        <a:buNone/>
+                      </a:pPr>
+                      <a:endParaRPr lang="zh-CN" altLang="en-US"/>
+                    </a:p>
+                  </a:txBody>
+                  <a:tcPr/>
+                </a:tc>
+                <a:tc>
+                  <a:txBody>
+                    <a:bodyPr/>
+                    <a:p>
+                      <a:pPr>
+                        <a:buNone/>
+                      </a:pPr>
+                      <a:endParaRPr lang="zh-CN" altLang="en-US"/>
+                    </a:p>
+                  </a:txBody>
+                  <a:tcPr/>
+                </a:tc>
+                <a:tc>
+                  <a:txBody>
+                    <a:bodyPr/>
+                    <a:p>
+                      <a:pPr>
+                        <a:buNone/>
+                      </a:pPr>
+                      <a:endParaRPr lang="zh-CN" altLang="en-US"/>
+                    </a:p>
+                  </a:txBody>
+                  <a:tcPr/>
+                </a:tc>
+              </a:tr>
+              <a:tr h="381000">
+                <a:tc>
+                  <a:txBody>
+                    <a:bodyPr/>
+                    <a:p>
+                      <a:pPr>
+                        <a:buNone/>
+                      </a:pPr>
+                      <a:endParaRPr lang="zh-CN" altLang="en-US"/>
+                    </a:p>
+                  </a:txBody>
+                  <a:tcPr/>
+                </a:tc>
+                <a:tc>
+                  <a:txBody>
+                    <a:bodyPr/>
+                    <a:p>
+                      <a:pPr>
+                        <a:buNone/>
+                      </a:pPr>
+                      <a:endParaRPr lang="zh-CN" altLang="en-US"/>
+                    </a:p>
+                  </a:txBody>
+                  <a:tcPr/>
+                </a:tc>
+                <a:tc>
+                  <a:txBody>
+                    <a:bodyPr/>
+                    <a:p>
+                      <a:pPr>
+                        <a:buNone/>
+                      </a:pPr>
+                      <a:endParaRPr lang="zh-CN" altLang="en-US"/>
+                    </a:p>
+                  </a:txBody>
+                  <a:tcPr/>
+                </a:tc>
+                <a:tc>
+                  <a:txBody>
+                    <a:bodyPr/>
+                    <a:p>
+                      <a:pPr>
+                        <a:buNone/>
+                      </a:pPr>
+                      <a:endParaRPr lang="zh-CN" altLang="en-US"/>
+                    </a:p>
+                  </a:txBody>
+                  <a:tcPr/>
+                </a:tc>
+                <a:tc>
+                  <a:txBody>
+                    <a:bodyPr/>
+                    <a:p>
+                      <a:pPr>
+                        <a:buNone/>
+                      </a:pPr>
+                      <a:endParaRPr lang="zh-CN" altLang="en-US"/>
+                    </a:p>
+                  </a:txBody>
+                  <a:tcPr/>
+                </a:tc>
+                <a:tc>
+                  <a:txBody>
+                    <a:bodyPr/>
+                    <a:p>
+                      <a:pPr>
+                        <a:buNone/>
+                      </a:pPr>
+                      <a:endParaRPr lang="zh-CN" altLang="en-US"/>
+                    </a:p>
+                  </a:txBody>
+                  <a:tcPr/>
+                </a:tc>
+              </a:tr>
+            </a:tbl>
+          </a:graphicData>
+        </a:graphic>
+      </p:graphicFrame>
+      <p:sp>
+        <p:nvSpPr>
+          <p:cNvPr id="9" name="任意多边形 8"/>
+          <p:cNvSpPr/>
+          <p:nvPr/>
+        </p:nvSpPr>
+        <p:spPr>
+          <a:xfrm>
+            <a:off x="6718935" y="1365250"/>
+            <a:ext cx="1483995" cy="1243965"/>
+          </a:xfrm>
+          <a:custGeom>
+            <a:avLst/>
+            <a:gdLst>
+              <a:gd name="connisteX0" fmla="*/ 1483995 w 1483995"/>
+              <a:gd name="connsiteY0" fmla="*/ 27207 h 1243968"/>
+              <a:gd name="connisteX1" fmla="*/ 462915 w 1483995"/>
+              <a:gd name="connsiteY1" fmla="*/ 1237517 h 1243968"/>
+              <a:gd name="connisteX2" fmla="*/ 1270000 w 1483995"/>
+              <a:gd name="connsiteY2" fmla="*/ 419002 h 1243968"/>
+              <a:gd name="connisteX3" fmla="*/ 415290 w 1483995"/>
+              <a:gd name="connsiteY3" fmla="*/ 15142 h 1243968"/>
+              <a:gd name="connisteX4" fmla="*/ 0 w 1483995"/>
+              <a:gd name="connsiteY4" fmla="*/ 810162 h 1243968"/>
+            </a:gdLst>
+            <a:ahLst/>
+            <a:cxnLst>
+              <a:cxn ang="0">
+                <a:pos x="connisteX0" y="connsiteY0"/>
+              </a:cxn>
+              <a:cxn ang="0">
+                <a:pos x="connisteX1" y="connsiteY1"/>
+              </a:cxn>
+              <a:cxn ang="0">
+                <a:pos x="connisteX2" y="connsiteY2"/>
+              </a:cxn>
+              <a:cxn ang="0">
+                <a:pos x="connisteX3" y="connsiteY3"/>
+              </a:cxn>
+              <a:cxn ang="0">
+                <a:pos x="connisteX4" y="connsiteY4"/>
+              </a:cxn>
+            </a:cxnLst>
+            <a:rect l="l" t="t" r="r" b="b"/>
+            <a:pathLst>
+              <a:path w="1483995" h="1243969">
+                <a:moveTo>
+                  <a:pt x="1483995" y="27208"/>
+                </a:moveTo>
+                <a:cubicBezTo>
+                  <a:pt x="1263650" y="285653"/>
+                  <a:pt x="505460" y="1159413"/>
+                  <a:pt x="462915" y="1237518"/>
+                </a:cubicBezTo>
+                <a:cubicBezTo>
+                  <a:pt x="420370" y="1315623"/>
+                  <a:pt x="1279525" y="663478"/>
+                  <a:pt x="1270000" y="419003"/>
+                </a:cubicBezTo>
+                <a:cubicBezTo>
+                  <a:pt x="1260475" y="174528"/>
+                  <a:pt x="669290" y="-62962"/>
+                  <a:pt x="415290" y="15143"/>
+                </a:cubicBezTo>
+                <a:cubicBezTo>
+                  <a:pt x="161290" y="93248"/>
+                  <a:pt x="66040" y="643158"/>
+                  <a:pt x="0" y="810163"/>
+                </a:cubicBezTo>
+              </a:path>
+            </a:pathLst>
+          </a:custGeom>
+          <a:noFill/>
+        </p:spPr>
+        <p:style>
+          <a:lnRef idx="2">
+            <a:schemeClr val="accent1">
+              <a:lumMod val="75000"/>
+            </a:schemeClr>
+          </a:lnRef>
+          <a:fillRef idx="1">
+            <a:schemeClr val="accent1"/>
+          </a:fillRef>
+          <a:effectRef idx="0">
+            <a:srgbClr val="FFFFFF"/>
+          </a:effectRef>
+          <a:fontRef idx="minor">
+            <a:schemeClr val="lt1"/>
+          </a:fontRef>
+        </p:style>
+        <p:txBody>
+          <a:bodyPr rtlCol="0" anchor="ctr"/>
+          <a:p>
+            <a:pPr algn="ctr"/>
+            <a:endParaRPr lang="zh-CN" altLang="en-US"/>
+          </a:p>
+        </p:txBody>
+      </p:sp>
+      <mc:AlternateContent xmlns:mc="http://schemas.openxmlformats.org/markup-compatibility/2006">
+        <mc:Choice xmlns:a14="http://schemas.microsoft.com/office/drawing/2010/main" Requires="a14">
+          <p:sp>
+            <p:nvSpPr>
+              <p:cNvPr id="10" name="文本框 9"/>
+              <p:cNvSpPr txBox="1"/>
+              <p:nvPr/>
+            </p:nvSpPr>
+            <p:spPr>
+              <a:xfrm>
+                <a:off x="4565269" y="3040634"/>
+                <a:ext cx="3061335" cy="776605"/>
+              </a:xfrm>
+              <a:prstGeom prst="rect">
+                <a:avLst/>
+              </a:prstGeom>
+              <a:noFill/>
+            </p:spPr>
+            <p:txBody>
+              <a:bodyPr wrap="none" rtlCol="0" anchor="t">
+                <a:spAutoFit/>
+              </a:bodyPr>
+              <a:p>
+                <a:pPr algn="l"/>
+                <a14:m>
+                  <m:oMathPara xmlns:m="http://schemas.openxmlformats.org/officeDocument/2006/math">
+                    <m:oMathParaPr>
+                      <m:jc m:val="centerGroup"/>
+                    </m:oMathParaPr>
+                    <m:oMath xmlns:m="http://schemas.openxmlformats.org/officeDocument/2006/math">
+                      <m:sSup>
+                        <m:sSupPr>
+                          <m:ctrlPr>
+                            <a:rPr lang="en-US" altLang="zh-CN" i="1">
+                              <a:latin typeface="DejaVu Math TeX Gyre" panose="02000503000000000000" charset="0"/>
+                              <a:cs typeface="DejaVu Math TeX Gyre" panose="02000503000000000000" charset="0"/>
+                            </a:rPr>
+                          </m:ctrlPr>
+                        </m:sSupPr>
+                        <m:e>
+                          <m:d>
+                            <m:dPr>
+                              <m:ctrlPr>
+                                <a:rPr lang="en-US" altLang="zh-CN" i="1">
+                                  <a:latin typeface="DejaVu Math TeX Gyre" panose="02000503000000000000" charset="0"/>
+                                  <a:cs typeface="DejaVu Math TeX Gyre" panose="02000503000000000000" charset="0"/>
+                                </a:rPr>
+                              </m:ctrlPr>
+                            </m:dPr>
+                            <m:e>
+                              <m:r>
+                                <a:rPr lang="en-US" altLang="zh-CN" i="1">
+                                  <a:latin typeface="DejaVu Math TeX Gyre" panose="02000503000000000000" charset="0"/>
+                                  <a:cs typeface="DejaVu Math TeX Gyre" panose="02000503000000000000" charset="0"/>
+                                </a:rPr>
+                                <m:t>𝑥</m:t>
+                              </m:r>
+                              <m:r>
+                                <a:rPr lang="en-US" altLang="zh-CN" i="1">
+                                  <a:latin typeface="DejaVu Math TeX Gyre" panose="02000503000000000000" charset="0"/>
+                                  <a:cs typeface="DejaVu Math TeX Gyre" panose="02000503000000000000" charset="0"/>
+                                </a:rPr>
+                                <m:t>+</m:t>
+                              </m:r>
+                              <m:r>
+                                <a:rPr lang="en-US" altLang="zh-CN" i="1">
+                                  <a:latin typeface="DejaVu Math TeX Gyre" panose="02000503000000000000" charset="0"/>
+                                  <a:cs typeface="DejaVu Math TeX Gyre" panose="02000503000000000000" charset="0"/>
+                                </a:rPr>
+                                <m:t>𝑎</m:t>
+                              </m:r>
+                            </m:e>
+                          </m:d>
+                        </m:e>
+                        <m:sup>
+                          <m:r>
+                            <a:rPr lang="en-US" altLang="zh-CN" i="1">
+                              <a:latin typeface="DejaVu Math TeX Gyre" panose="02000503000000000000" charset="0"/>
+                              <a:cs typeface="DejaVu Math TeX Gyre" panose="02000503000000000000" charset="0"/>
+                            </a:rPr>
+                            <m:t>𝑛</m:t>
+                          </m:r>
+                        </m:sup>
+                      </m:sSup>
+                      <m:r>
+                        <a:rPr lang="en-US" altLang="zh-CN" i="1">
+                          <a:latin typeface="DejaVu Math TeX Gyre" panose="02000503000000000000" charset="0"/>
+                          <a:cs typeface="DejaVu Math TeX Gyre" panose="02000503000000000000" charset="0"/>
+                        </a:rPr>
+                        <m:t>=</m:t>
+                      </m:r>
+                      <m:nary>
+                        <m:naryPr>
+                          <m:chr m:val="∑"/>
+                          <m:limLoc m:val="undOvr"/>
+                          <m:ctrlPr>
+                            <a:rPr lang="en-US" altLang="zh-CN" i="1">
+                              <a:latin typeface="DejaVu Math TeX Gyre" panose="02000503000000000000" charset="0"/>
+                              <a:cs typeface="DejaVu Math TeX Gyre" panose="02000503000000000000" charset="0"/>
+                            </a:rPr>
+                          </m:ctrlPr>
+                        </m:naryPr>
+                        <m:sub>
+                          <m:r>
+                            <a:rPr lang="en-US" altLang="zh-CN" i="1">
+                              <a:latin typeface="DejaVu Math TeX Gyre" panose="02000503000000000000" charset="0"/>
+                              <a:cs typeface="DejaVu Math TeX Gyre" panose="02000503000000000000" charset="0"/>
+                            </a:rPr>
+                            <m:t>𝑘</m:t>
+                          </m:r>
+                          <m:r>
+                            <a:rPr lang="en-US" altLang="zh-CN" i="1">
+                              <a:latin typeface="DejaVu Math TeX Gyre" panose="02000503000000000000" charset="0"/>
+                              <a:cs typeface="DejaVu Math TeX Gyre" panose="02000503000000000000" charset="0"/>
+                            </a:rPr>
+                            <m:t>=</m:t>
+                          </m:r>
+                          <m:r>
+                            <a:rPr lang="en-US" altLang="zh-CN" i="1">
+                              <a:latin typeface="DejaVu Math TeX Gyre" panose="02000503000000000000" charset="0"/>
+                              <a:cs typeface="DejaVu Math TeX Gyre" panose="02000503000000000000" charset="0"/>
+                            </a:rPr>
+                            <m:t>0</m:t>
+                          </m:r>
+                        </m:sub>
+                        <m:sup>
+                          <m:r>
+                            <a:rPr lang="en-US" altLang="zh-CN" i="1">
+                              <a:latin typeface="DejaVu Math TeX Gyre" panose="02000503000000000000" charset="0"/>
+                              <a:cs typeface="DejaVu Math TeX Gyre" panose="02000503000000000000" charset="0"/>
+                            </a:rPr>
+                            <m:t>𝑛</m:t>
+                          </m:r>
+                        </m:sup>
+                        <m:e>
+                          <m:d>
+                            <m:dPr>
+                              <m:ctrlPr>
+                                <a:rPr lang="en-US" altLang="zh-CN" i="1">
+                                  <a:latin typeface="DejaVu Math TeX Gyre" panose="02000503000000000000" charset="0"/>
+                                  <a:cs typeface="DejaVu Math TeX Gyre" panose="02000503000000000000" charset="0"/>
+                                </a:rPr>
+                              </m:ctrlPr>
+                            </m:dPr>
+                            <m:e>
+                              <m:f>
+                                <m:fPr>
+                                  <m:type m:val="noBar"/>
+                                  <m:ctrlPr>
+                                    <a:rPr lang="en-US" altLang="zh-CN" i="1">
+                                      <a:latin typeface="DejaVu Math TeX Gyre" panose="02000503000000000000" charset="0"/>
+                                      <a:cs typeface="DejaVu Math TeX Gyre" panose="02000503000000000000" charset="0"/>
+                                    </a:rPr>
+                                  </m:ctrlPr>
+                                </m:fPr>
+                                <m:num>
+                                  <m:r>
+                                    <a:rPr lang="en-US" altLang="zh-CN" i="1">
+                                      <a:latin typeface="DejaVu Math TeX Gyre" panose="02000503000000000000" charset="0"/>
+                                      <a:cs typeface="DejaVu Math TeX Gyre" panose="02000503000000000000" charset="0"/>
+                                    </a:rPr>
+                                    <m:t>𝑛</m:t>
+                                  </m:r>
+                                </m:num>
+                                <m:den>
+                                  <m:r>
+                                    <a:rPr lang="en-US" altLang="zh-CN" i="1">
+                                      <a:latin typeface="DejaVu Math TeX Gyre" panose="02000503000000000000" charset="0"/>
+                                      <a:cs typeface="DejaVu Math TeX Gyre" panose="02000503000000000000" charset="0"/>
+                                    </a:rPr>
+                                    <m:t>𝑘</m:t>
+                                  </m:r>
+                                </m:den>
+                              </m:f>
+                            </m:e>
+                          </m:d>
+                          <m:sSup>
+                            <m:sSupPr>
+                              <m:ctrlPr>
+                                <a:rPr lang="en-US" altLang="zh-CN" i="1">
+                                  <a:latin typeface="DejaVu Math TeX Gyre" panose="02000503000000000000" charset="0"/>
+                                  <a:cs typeface="DejaVu Math TeX Gyre" panose="02000503000000000000" charset="0"/>
+                                </a:rPr>
+                              </m:ctrlPr>
+                            </m:sSupPr>
+                            <m:e>
+                              <m:r>
+                                <a:rPr lang="en-US" altLang="zh-CN" i="1">
+                                  <a:latin typeface="DejaVu Math TeX Gyre" panose="02000503000000000000" charset="0"/>
+                                  <a:cs typeface="DejaVu Math TeX Gyre" panose="02000503000000000000" charset="0"/>
+                                </a:rPr>
+                                <m:t>𝑥</m:t>
+                              </m:r>
+                            </m:e>
+                            <m:sup>
+                              <m:r>
+                                <a:rPr lang="en-US" altLang="zh-CN" i="1">
+                                  <a:latin typeface="DejaVu Math TeX Gyre" panose="02000503000000000000" charset="0"/>
+                                  <a:cs typeface="DejaVu Math TeX Gyre" panose="02000503000000000000" charset="0"/>
+                                </a:rPr>
+                                <m:t>𝑘</m:t>
+                              </m:r>
+                            </m:sup>
+                          </m:sSup>
+                          <m:sSup>
+                            <m:sSupPr>
+                              <m:ctrlPr>
+                                <a:rPr lang="en-US" altLang="zh-CN" i="1">
+                                  <a:latin typeface="DejaVu Math TeX Gyre" panose="02000503000000000000" charset="0"/>
+                                  <a:cs typeface="DejaVu Math TeX Gyre" panose="02000503000000000000" charset="0"/>
+                                </a:rPr>
+                              </m:ctrlPr>
+                            </m:sSupPr>
+                            <m:e>
+                              <m:r>
+                                <a:rPr lang="en-US" altLang="zh-CN" i="1">
+                                  <a:latin typeface="DejaVu Math TeX Gyre" panose="02000503000000000000" charset="0"/>
+                                  <a:cs typeface="DejaVu Math TeX Gyre" panose="02000503000000000000" charset="0"/>
+                                </a:rPr>
+                                <m:t>𝑎</m:t>
+                              </m:r>
+                            </m:e>
+                            <m:sup>
+                              <m:r>
+                                <a:rPr lang="en-US" altLang="zh-CN" i="1">
+                                  <a:latin typeface="DejaVu Math TeX Gyre" panose="02000503000000000000" charset="0"/>
+                                  <a:cs typeface="DejaVu Math TeX Gyre" panose="02000503000000000000" charset="0"/>
+                                </a:rPr>
+                                <m:t>𝑛</m:t>
+                              </m:r>
+                              <m:r>
+                                <a:rPr lang="en-US" altLang="zh-CN" i="1">
+                                  <a:latin typeface="DejaVu Math TeX Gyre" panose="02000503000000000000" charset="0"/>
+                                  <a:cs typeface="DejaVu Math TeX Gyre" panose="02000503000000000000" charset="0"/>
+                                </a:rPr>
+                                <m:t>−</m:t>
+                              </m:r>
+                              <m:r>
+                                <a:rPr lang="en-US" altLang="zh-CN" i="1">
+                                  <a:latin typeface="DejaVu Math TeX Gyre" panose="02000503000000000000" charset="0"/>
+                                  <a:cs typeface="DejaVu Math TeX Gyre" panose="02000503000000000000" charset="0"/>
+                                </a:rPr>
+                                <m:t>𝑘</m:t>
+                              </m:r>
+                            </m:sup>
+                          </m:sSup>
+                        </m:e>
+                      </m:nary>
+                    </m:oMath>
+                  </m:oMathPara>
+                </a14:m>
+                <a:endParaRPr lang="zh-CN" altLang="en-US"/>
+              </a:p>
+            </p:txBody>
+          </p:sp>
+        </mc:Choice>
+        <mc:Fallback>
+          <p:sp>
+            <p:nvSpPr>
+              <p:cNvPr id="10" name="文本框 9"/>
+              <p:cNvSpPr txBox="1">
+                <a:spLocks noRot="1" noChangeAspect="1" noMove="1" noResize="1" noEditPoints="1" noAdjustHandles="1" noChangeArrowheads="1" noChangeShapeType="1" noTextEdit="1"/>
+              </p:cNvSpPr>
+              <p:nvPr/>
+            </p:nvSpPr>
+            <p:spPr>
+              <a:xfrm>
+                <a:off x="4565269" y="3040634"/>
+                <a:ext cx="3061335" cy="776605"/>
+              </a:xfrm>
+              <a:prstGeom prst="rect">
+                <a:avLst/>
+              </a:prstGeom>
+              <a:blipFill rotWithShape="1">
+                <a:blip r:embed="rId2"/>
+                <a:stretch>
+                  <a:fillRect l="-8" t="-33" r="8" b="33"/>
+                </a:stretch>
+              </a:blipFill>
+            </p:spPr>
+            <p:txBody>
+              <a:bodyPr/>
+              <a:lstStyle/>
+              <a:p>
+                <a:r>
+                  <a:rPr lang="zh-CN" altLang="en-US">
+                    <a:noFill/>
+                  </a:rPr>
+                  <a:t> </a:t>
+                </a:r>
+              </a:p>
+            </p:txBody>
+          </p:sp>
+        </mc:Fallback>
+      </mc:AlternateContent>
     </p:spTree>
   </p:cSld>
   <p:clrMapOvr>
@@ -1715,7 +3632,7 @@
 </file>
 
 <file path=ppt/slides/slide10.xml><?xml version="1.0" encoding="utf-8"?>
-<p:sld xmlns:a="http://schemas.openxmlformats.org/drawingml/2006/main" xmlns:p="http://schemas.openxmlformats.org/presentationml/2006/main">
+<p:sld xmlns:a="http://schemas.openxmlformats.org/drawingml/2006/main" xmlns:r="http://schemas.openxmlformats.org/officeDocument/2006/relationships" xmlns:p="http://schemas.openxmlformats.org/presentationml/2006/main">
   <p:cSld>
     <p:spTree>
       <p:nvGrpSpPr>
@@ -1733,12 +3650,12 @@
       </p:grpSpPr>
       <p:grpSp>
         <p:nvGrpSpPr>
-          <p:cNvPr id="7" name="" descr="{&quot;isTemplate&quot;:true,&quot;type&quot;:&quot;list&quot;,&quot;alignment&quot;:&quot;left&quot;,&quot;alignmentVertical&quot;:&quot;top&quot;,&quot;canOmit&quot;:false,&quot;scalable&quot;:false,&quot;minItemsCount&quot;:-1}"/>
+          <p:cNvPr id="7" name="组合 6" descr="{&quot;isTemplate&quot;:true,&quot;type&quot;:&quot;list&quot;,&quot;alignment&quot;:&quot;left&quot;,&quot;alignmentVertical&quot;:&quot;top&quot;,&quot;canOmit&quot;:false,&quot;scalable&quot;:false,&quot;minItemsCount&quot;:-1}"/>
           <p:cNvGrpSpPr/>
           <p:nvPr/>
         </p:nvGrpSpPr>
         <p:grpSpPr>
-          <a:xfrm rot="0" flipH="false" flipV="false">
+          <a:xfrm rot="0">
             <a:off x="839651" y="1302879"/>
             <a:ext cx="10098385" cy="4641539"/>
             <a:chOff x="1046808" y="1597261"/>
@@ -1747,12 +3664,12 @@
         </p:grpSpPr>
         <p:grpSp>
           <p:nvGrpSpPr>
-            <p:cNvPr id="8" name=""/>
+            <p:cNvPr id="8" name="组合 7"/>
             <p:cNvGrpSpPr/>
             <p:nvPr/>
           </p:nvGrpSpPr>
           <p:grpSpPr>
-            <a:xfrm rot="0" flipH="false" flipV="false">
+            <a:xfrm rot="0">
               <a:off x="1046808" y="1597261"/>
               <a:ext cx="6479984" cy="1446339"/>
               <a:chOff x="1043146" y="1769978"/>
@@ -1766,7 +3683,7 @@
               <p:nvPr/>
             </p:nvSpPr>
             <p:spPr>
-              <a:xfrm rot="0" flipH="false" flipV="false">
+              <a:xfrm>
                 <a:off x="1043146" y="1769978"/>
                 <a:ext cx="6479984" cy="1439989"/>
               </a:xfrm>
@@ -1943,7 +3860,7 @@
                 <a:noFill/>
               </a:ln>
               <a:effectLst>
-                <a:outerShdw blurRad="406400" dist="139700" dir="5400000" algn="t" rotWithShape="false">
+                <a:outerShdw blurRad="406400" dist="139700" dir="5400000" algn="t" rotWithShape="0">
                   <a:srgbClr val="3B5463">
                     <a:alpha val="17000"/>
                   </a:srgbClr>
@@ -1967,7 +3884,7 @@
               </a:fontRef>
             </p:style>
             <p:txBody>
-              <a:bodyPr wrap="square" rtlCol="false" anchor="ctr">
+              <a:bodyPr wrap="square" rtlCol="0" anchor="ctr">
                 <a:noAutofit/>
               </a:bodyPr>
               <a:lstStyle/>
@@ -1994,7 +3911,7 @@
               <p:nvPr/>
             </p:nvSpPr>
             <p:spPr>
-              <a:xfrm rot="180000" flipH="false" flipV="false">
+              <a:xfrm rot="180000">
                 <a:off x="7077189" y="2796148"/>
                 <a:ext cx="445941" cy="420169"/>
               </a:xfrm>
@@ -2101,7 +4018,7 @@
               </a:fontRef>
             </p:style>
             <p:txBody>
-              <a:bodyPr lIns="83942" tIns="41971" rIns="83942" bIns="41971" rtlCol="false" anchor="ctr"/>
+              <a:bodyPr lIns="83942" tIns="41971" rIns="83942" bIns="41971" rtlCol="0" anchor="ctr"/>
               <a:lstStyle/>
               <a:p>
                 <a:pPr algn="ctr"/>
@@ -2160,7 +4077,7 @@
               </a:fontRef>
             </p:style>
             <p:txBody>
-              <a:bodyPr lIns="83942" tIns="41971" rIns="83942" bIns="41971" rtlCol="false" anchor="ctr"/>
+              <a:bodyPr lIns="83942" tIns="41971" rIns="83942" bIns="41971" rtlCol="0" anchor="ctr"/>
               <a:lstStyle/>
               <a:p>
                 <a:pPr algn="ctr"/>
@@ -2180,12 +4097,12 @@
           </p:sp>
           <p:grpSp>
             <p:nvGrpSpPr>
-              <p:cNvPr id="12" name=""/>
+              <p:cNvPr id="12" name="组合 11"/>
               <p:cNvGrpSpPr/>
               <p:nvPr/>
             </p:nvGrpSpPr>
             <p:grpSpPr>
-              <a:xfrm rot="0" flipH="false" flipV="false">
+              <a:xfrm rot="0">
                 <a:off x="1578026" y="1893597"/>
                 <a:ext cx="5399976" cy="1192751"/>
                 <a:chOff x="1572588" y="1945145"/>
@@ -2195,11 +4112,11 @@
             <p:sp>
               <p:nvSpPr>
                 <p:cNvPr id="13" name="文本框 23" descr="{&quot;isTemplate&quot;:true,&quot;type&quot;:&quot;title&quot;,&quot;canOmit&quot;:false,&quot;range&quot;:0}"/>
-                <p:cNvSpPr txBox="true"/>
+                <p:cNvSpPr txBox="1"/>
                 <p:nvPr/>
               </p:nvSpPr>
               <p:spPr>
-                <a:xfrm rot="0" flipH="false" flipV="false">
+                <a:xfrm>
                   <a:off x="1572588" y="1945145"/>
                   <a:ext cx="5399976" cy="368300"/>
                 </a:xfrm>
@@ -2209,7 +4126,7 @@
                 <a:noFill/>
               </p:spPr>
               <p:txBody>
-                <a:bodyPr wrap="square" rtlCol="false">
+                <a:bodyPr wrap="square" rtlCol="0">
                   <a:noAutofit/>
                 </a:bodyPr>
                 <a:lstStyle/>
@@ -2240,11 +4157,11 @@
             <p:sp>
               <p:nvSpPr>
                 <p:cNvPr id="14" name="文本框 24" descr="{&quot;isTemplate&quot;:true,&quot;type&quot;:&quot;content&quot;,&quot;canOmit&quot;:false,&quot;range&quot;:0}"/>
-                <p:cNvSpPr txBox="true"/>
+                <p:cNvSpPr txBox="1"/>
                 <p:nvPr/>
               </p:nvSpPr>
               <p:spPr>
-                <a:xfrm rot="0" flipH="false" flipV="false">
+                <a:xfrm>
                   <a:off x="1572588" y="2317974"/>
                   <a:ext cx="5399976" cy="819922"/>
                 </a:xfrm>
@@ -2254,7 +4171,7 @@
                 <a:noFill/>
               </p:spPr>
               <p:txBody>
-                <a:bodyPr wrap="square" rtlCol="false">
+                <a:bodyPr wrap="square" rtlCol="0">
                   <a:noAutofit/>
                 </a:bodyPr>
                 <a:lstStyle>
@@ -2293,7 +4210,12 @@
                     </a:rPr>
                     <a:t>诸葛亮对刘备忠心耿耿，鞠躬尽瘁，死而后已，这种忠诚精神在现代社会中仍是一种宝贵的品质，值得我学习和传承。</a:t>
                   </a:r>
-                  <a:endParaRPr/>
+                  <a:endParaRPr lang="zh-CN" sz="1200">
+                    <a:latin typeface="默认字体"/>
+                    <a:ea typeface="默认字体"/>
+                    <a:cs typeface="+mn-cs"/>
+                    <a:sym typeface="思源黑体 CN Normal"/>
+                  </a:endParaRPr>
                 </a:p>
               </p:txBody>
             </p:sp>
@@ -2301,12 +4223,12 @@
         </p:grpSp>
         <p:grpSp>
           <p:nvGrpSpPr>
-            <p:cNvPr id="15" name=""/>
+            <p:cNvPr id="15" name="组合 14"/>
             <p:cNvGrpSpPr/>
             <p:nvPr/>
           </p:nvGrpSpPr>
           <p:grpSpPr>
-            <a:xfrm rot="0" flipH="false" flipV="false">
+            <a:xfrm rot="0">
               <a:off x="2922949" y="3194861"/>
               <a:ext cx="6479984" cy="1446339"/>
               <a:chOff x="1043146" y="1769978"/>
@@ -2320,7 +4242,7 @@
               <p:nvPr/>
             </p:nvSpPr>
             <p:spPr>
-              <a:xfrm rot="0" flipH="false" flipV="false">
+              <a:xfrm>
                 <a:off x="1043146" y="1769978"/>
                 <a:ext cx="6479984" cy="1439989"/>
               </a:xfrm>
@@ -2497,7 +4419,7 @@
                 <a:noFill/>
               </a:ln>
               <a:effectLst>
-                <a:outerShdw blurRad="406400" dist="139700" dir="5400000" algn="t" rotWithShape="false">
+                <a:outerShdw blurRad="406400" dist="139700" dir="5400000" algn="t" rotWithShape="0">
                   <a:srgbClr val="3B5463">
                     <a:alpha val="17000"/>
                   </a:srgbClr>
@@ -2521,7 +4443,7 @@
               </a:fontRef>
             </p:style>
             <p:txBody>
-              <a:bodyPr wrap="square" rtlCol="false" anchor="ctr">
+              <a:bodyPr wrap="square" rtlCol="0" anchor="ctr">
                 <a:noAutofit/>
               </a:bodyPr>
               <a:lstStyle/>
@@ -2548,7 +4470,7 @@
               <p:nvPr/>
             </p:nvSpPr>
             <p:spPr>
-              <a:xfrm rot="180000" flipH="false" flipV="false">
+              <a:xfrm rot="180000">
                 <a:off x="7077189" y="2796148"/>
                 <a:ext cx="445941" cy="420169"/>
               </a:xfrm>
@@ -2655,7 +4577,7 @@
               </a:fontRef>
             </p:style>
             <p:txBody>
-              <a:bodyPr lIns="83942" tIns="41971" rIns="83942" bIns="41971" rtlCol="false" anchor="ctr"/>
+              <a:bodyPr lIns="83942" tIns="41971" rIns="83942" bIns="41971" rtlCol="0" anchor="ctr"/>
               <a:lstStyle/>
               <a:p>
                 <a:pPr algn="ctr"/>
@@ -2714,7 +4636,7 @@
               </a:fontRef>
             </p:style>
             <p:txBody>
-              <a:bodyPr lIns="83942" tIns="41971" rIns="83942" bIns="41971" rtlCol="false" anchor="ctr"/>
+              <a:bodyPr lIns="83942" tIns="41971" rIns="83942" bIns="41971" rtlCol="0" anchor="ctr"/>
               <a:lstStyle/>
               <a:p>
                 <a:pPr algn="ctr"/>
@@ -2734,12 +4656,12 @@
           </p:sp>
           <p:grpSp>
             <p:nvGrpSpPr>
-              <p:cNvPr id="19" name=""/>
+              <p:cNvPr id="19" name="组合 18"/>
               <p:cNvGrpSpPr/>
               <p:nvPr/>
             </p:nvGrpSpPr>
             <p:grpSpPr>
-              <a:xfrm rot="0" flipH="false" flipV="false">
+              <a:xfrm rot="0">
                 <a:off x="1578026" y="1893597"/>
                 <a:ext cx="5399976" cy="1192751"/>
                 <a:chOff x="1572588" y="1945145"/>
@@ -2749,11 +4671,11 @@
             <p:sp>
               <p:nvSpPr>
                 <p:cNvPr id="20" name="文本框 23" descr="{&quot;isTemplate&quot;:true,&quot;type&quot;:&quot;title&quot;,&quot;canOmit&quot;:false,&quot;range&quot;:0}"/>
-                <p:cNvSpPr txBox="true"/>
+                <p:cNvSpPr txBox="1"/>
                 <p:nvPr/>
               </p:nvSpPr>
               <p:spPr>
-                <a:xfrm rot="0" flipH="false" flipV="false">
+                <a:xfrm>
                   <a:off x="1572588" y="1945145"/>
                   <a:ext cx="5399976" cy="368300"/>
                 </a:xfrm>
@@ -2763,7 +4685,7 @@
                 <a:noFill/>
               </p:spPr>
               <p:txBody>
-                <a:bodyPr wrap="square" rtlCol="false">
+                <a:bodyPr wrap="square" rtlCol="0">
                   <a:noAutofit/>
                 </a:bodyPr>
                 <a:lstStyle/>
@@ -2794,11 +4716,11 @@
             <p:sp>
               <p:nvSpPr>
                 <p:cNvPr id="21" name="文本框 24" descr="{&quot;isTemplate&quot;:true,&quot;type&quot;:&quot;content&quot;,&quot;canOmit&quot;:false,&quot;range&quot;:0}"/>
-                <p:cNvSpPr txBox="true"/>
+                <p:cNvSpPr txBox="1"/>
                 <p:nvPr/>
               </p:nvSpPr>
               <p:spPr>
-                <a:xfrm rot="0" flipH="false" flipV="false">
+                <a:xfrm>
                   <a:off x="1572588" y="2317974"/>
                   <a:ext cx="5399976" cy="819922"/>
                 </a:xfrm>
@@ -2808,7 +4730,7 @@
                 <a:noFill/>
               </p:spPr>
               <p:txBody>
-                <a:bodyPr wrap="square" rtlCol="false">
+                <a:bodyPr wrap="square" rtlCol="0">
                   <a:noAutofit/>
                 </a:bodyPr>
                 <a:lstStyle>
@@ -2847,7 +4769,12 @@
                     </a:rPr>
                     <a:t>诸葛亮以其卓越的智慧和谋略，多次帮助刘备化险为夷，如草船借箭、空城计等，这些智慧在我管理和决策中仍具有重要的参考价值，让我在选择时更果断和正确。</a:t>
                   </a:r>
-                  <a:endParaRPr/>
+                  <a:endParaRPr lang="zh-CN" sz="1200">
+                    <a:latin typeface="默认字体"/>
+                    <a:ea typeface="默认字体"/>
+                    <a:cs typeface="+mn-cs"/>
+                    <a:sym typeface="思源黑体 CN Normal"/>
+                  </a:endParaRPr>
                 </a:p>
               </p:txBody>
             </p:sp>
@@ -2855,12 +4782,12 @@
         </p:grpSp>
         <p:grpSp>
           <p:nvGrpSpPr>
-            <p:cNvPr id="22" name=""/>
+            <p:cNvPr id="22" name="组合 21"/>
             <p:cNvGrpSpPr/>
             <p:nvPr/>
           </p:nvGrpSpPr>
           <p:grpSpPr>
-            <a:xfrm rot="0" flipH="false" flipV="false">
+            <a:xfrm rot="0">
               <a:off x="4665209" y="4792461"/>
               <a:ext cx="6479984" cy="1446339"/>
               <a:chOff x="1043146" y="1769978"/>
@@ -2874,7 +4801,7 @@
               <p:nvPr/>
             </p:nvSpPr>
             <p:spPr>
-              <a:xfrm rot="0" flipH="false" flipV="false">
+              <a:xfrm>
                 <a:off x="1043146" y="1769978"/>
                 <a:ext cx="6479984" cy="1439989"/>
               </a:xfrm>
@@ -3051,7 +4978,7 @@
                 <a:noFill/>
               </a:ln>
               <a:effectLst>
-                <a:outerShdw blurRad="406400" dist="139700" dir="5400000" algn="t" rotWithShape="false">
+                <a:outerShdw blurRad="406400" dist="139700" dir="5400000" algn="t" rotWithShape="0">
                   <a:srgbClr val="3B5463">
                     <a:alpha val="17000"/>
                   </a:srgbClr>
@@ -3075,7 +5002,7 @@
               </a:fontRef>
             </p:style>
             <p:txBody>
-              <a:bodyPr wrap="square" rtlCol="false" anchor="ctr">
+              <a:bodyPr wrap="square" rtlCol="0" anchor="ctr">
                 <a:noAutofit/>
               </a:bodyPr>
               <a:lstStyle/>
@@ -3102,7 +5029,7 @@
               <p:nvPr/>
             </p:nvSpPr>
             <p:spPr>
-              <a:xfrm rot="180000" flipH="false" flipV="false">
+              <a:xfrm rot="180000">
                 <a:off x="7077189" y="2796148"/>
                 <a:ext cx="445941" cy="420169"/>
               </a:xfrm>
@@ -3209,7 +5136,7 @@
               </a:fontRef>
             </p:style>
             <p:txBody>
-              <a:bodyPr lIns="83942" tIns="41971" rIns="83942" bIns="41971" rtlCol="false" anchor="ctr"/>
+              <a:bodyPr lIns="83942" tIns="41971" rIns="83942" bIns="41971" rtlCol="0" anchor="ctr"/>
               <a:lstStyle/>
               <a:p>
                 <a:pPr algn="ctr"/>
@@ -3268,7 +5195,7 @@
               </a:fontRef>
             </p:style>
             <p:txBody>
-              <a:bodyPr lIns="83942" tIns="41971" rIns="83942" bIns="41971" rtlCol="false" anchor="ctr"/>
+              <a:bodyPr lIns="83942" tIns="41971" rIns="83942" bIns="41971" rtlCol="0" anchor="ctr"/>
               <a:lstStyle/>
               <a:p>
                 <a:pPr algn="ctr"/>
@@ -3288,12 +5215,12 @@
           </p:sp>
           <p:grpSp>
             <p:nvGrpSpPr>
-              <p:cNvPr id="26" name=""/>
+              <p:cNvPr id="26" name="组合 25"/>
               <p:cNvGrpSpPr/>
               <p:nvPr/>
             </p:nvGrpSpPr>
             <p:grpSpPr>
-              <a:xfrm rot="0" flipH="false" flipV="false">
+              <a:xfrm rot="0">
                 <a:off x="1578026" y="1893597"/>
                 <a:ext cx="5399976" cy="1192751"/>
                 <a:chOff x="1572588" y="1945145"/>
@@ -3303,11 +5230,11 @@
             <p:sp>
               <p:nvSpPr>
                 <p:cNvPr id="27" name="文本框 23" descr="{&quot;isTemplate&quot;:true,&quot;type&quot;:&quot;title&quot;,&quot;canOmit&quot;:false,&quot;range&quot;:0}"/>
-                <p:cNvSpPr txBox="true"/>
+                <p:cNvSpPr txBox="1"/>
                 <p:nvPr/>
               </p:nvSpPr>
               <p:spPr>
-                <a:xfrm rot="0" flipH="false" flipV="false">
+                <a:xfrm>
                   <a:off x="1572588" y="1945145"/>
                   <a:ext cx="5399976" cy="368300"/>
                 </a:xfrm>
@@ -3317,7 +5244,7 @@
                 <a:noFill/>
               </p:spPr>
               <p:txBody>
-                <a:bodyPr wrap="square" rtlCol="false">
+                <a:bodyPr wrap="square" rtlCol="0">
                   <a:noAutofit/>
                 </a:bodyPr>
                 <a:lstStyle/>
@@ -3348,11 +5275,11 @@
             <p:sp>
               <p:nvSpPr>
                 <p:cNvPr id="28" name="文本框 24" descr="{&quot;isTemplate&quot;:true,&quot;type&quot;:&quot;content&quot;,&quot;canOmit&quot;:false,&quot;range&quot;:0}"/>
-                <p:cNvSpPr txBox="true"/>
+                <p:cNvSpPr txBox="1"/>
                 <p:nvPr/>
               </p:nvSpPr>
               <p:spPr>
-                <a:xfrm rot="0" flipH="false" flipV="false">
+                <a:xfrm>
                   <a:off x="1572588" y="2317974"/>
                   <a:ext cx="5399976" cy="819922"/>
                 </a:xfrm>
@@ -3362,7 +5289,7 @@
                 <a:noFill/>
               </p:spPr>
               <p:txBody>
-                <a:bodyPr wrap="square" rtlCol="false">
+                <a:bodyPr wrap="square" rtlCol="0">
                   <a:noAutofit/>
                 </a:bodyPr>
                 <a:lstStyle>
@@ -3401,7 +5328,12 @@
                     </a:rPr>
                     <a:t>诸葛亮的智慧不仅体现在军事上，其治国理政的理念和方法对现代企业管理、国家治理等领域也有着积极的启示作用。</a:t>
                   </a:r>
-                  <a:endParaRPr/>
+                  <a:endParaRPr lang="zh-CN" sz="1200">
+                    <a:latin typeface="默认字体"/>
+                    <a:ea typeface="默认字体"/>
+                    <a:cs typeface="+mn-cs"/>
+                    <a:sym typeface="思源黑体 CN Normal"/>
+                  </a:endParaRPr>
                 </a:p>
               </p:txBody>
             </p:sp>
@@ -3410,12 +5342,12 @@
       </p:grpSp>
       <p:sp>
         <p:nvSpPr>
-          <p:cNvPr id="29" name="" descr="{&quot;isTemplate&quot;:true,&quot;type&quot;:&quot;title&quot;,&quot;canOmit&quot;:false,&quot;range&quot;:0}"/>
-          <p:cNvSpPr txBox="true"/>
+          <p:cNvPr id="29" name="文本框 28" descr="{&quot;isTemplate&quot;:true,&quot;type&quot;:&quot;title&quot;,&quot;canOmit&quot;:false,&quot;range&quot;:0}"/>
+          <p:cNvSpPr txBox="1"/>
           <p:nvPr/>
         </p:nvSpPr>
         <p:spPr>
-          <a:xfrm rot="0" flipH="false" flipV="false">
+          <a:xfrm>
             <a:off x="660396" y="418039"/>
             <a:ext cx="10668000" cy="520700"/>
           </a:xfrm>
@@ -3425,7 +5357,7 @@
           <a:noFill/>
         </p:spPr>
         <p:txBody>
-          <a:bodyPr wrap="square" lIns="90000" tIns="46800" rIns="90000" bIns="46800" rtlCol="false" anchor="b" anchorCtr="false">
+          <a:bodyPr wrap="square" lIns="90000" tIns="46800" rIns="90000" bIns="46800" rtlCol="0" anchor="b" anchorCtr="0">
             <a:spAutoFit/>
           </a:bodyPr>
           <a:lstStyle/>
@@ -3437,14 +5369,18 @@
               <a:buNone/>
             </a:pPr>
             <a:r>
-              <a:rPr lang="zh-CN" sz="2800" b="true">
+              <a:rPr lang="zh-CN" sz="2800" b="1">
                 <a:latin typeface="默认字体"/>
                 <a:ea typeface="默认字体"/>
                 <a:cs typeface="+mn-cs"/>
               </a:rPr>
               <a:t>诸葛亮的忠智与我的感悟</a:t>
             </a:r>
-            <a:endParaRPr/>
+            <a:endParaRPr lang="zh-CN" sz="2800" b="1">
+              <a:latin typeface="默认字体"/>
+              <a:ea typeface="默认字体"/>
+              <a:cs typeface="+mn-cs"/>
+            </a:endParaRPr>
           </a:p>
         </p:txBody>
       </p:sp>
@@ -3457,7 +5393,7 @@
 </file>
 
 <file path=ppt/slides/slide11.xml><?xml version="1.0" encoding="utf-8"?>
-<p:sld xmlns:a="http://schemas.openxmlformats.org/drawingml/2006/main" xmlns:p="http://schemas.openxmlformats.org/presentationml/2006/main">
+<p:sld xmlns:a="http://schemas.openxmlformats.org/drawingml/2006/main" xmlns:r="http://schemas.openxmlformats.org/officeDocument/2006/relationships" xmlns:p="http://schemas.openxmlformats.org/presentationml/2006/main">
   <p:cSld>
     <p:spTree>
       <p:nvGrpSpPr>
@@ -3475,7 +5411,7 @@
       </p:grpSpPr>
       <p:grpSp>
         <p:nvGrpSpPr>
-          <p:cNvPr id="31" name="" descr="{&quot;isTemplate&quot;:true,&quot;type&quot;:&quot;list&quot;,&quot;alignment&quot;:&quot;left&quot;,&quot;alignmentVertical&quot;:&quot;top&quot;,&quot;canOmit&quot;:false,&quot;scalable&quot;:false,&quot;minItemsCount&quot;:-1}"/>
+          <p:cNvPr id="31" name="组合 30" descr="{&quot;isTemplate&quot;:true,&quot;type&quot;:&quot;list&quot;,&quot;alignment&quot;:&quot;left&quot;,&quot;alignmentVertical&quot;:&quot;top&quot;,&quot;canOmit&quot;:false,&quot;scalable&quot;:false,&quot;minItemsCount&quot;:-1}"/>
           <p:cNvGrpSpPr/>
           <p:nvPr/>
         </p:nvGrpSpPr>
@@ -3489,12 +5425,12 @@
         </p:grpSpPr>
         <p:grpSp>
           <p:nvGrpSpPr>
-            <p:cNvPr id="32" name=""/>
+            <p:cNvPr id="32" name="组合 31"/>
             <p:cNvGrpSpPr/>
             <p:nvPr/>
           </p:nvGrpSpPr>
           <p:grpSpPr>
-            <a:xfrm rot="0" flipH="false" flipV="false">
+            <a:xfrm rot="0">
               <a:off x="1046808" y="1597261"/>
               <a:ext cx="6479984" cy="1446339"/>
               <a:chOff x="1043146" y="1769978"/>
@@ -3508,7 +5444,7 @@
               <p:nvPr/>
             </p:nvSpPr>
             <p:spPr>
-              <a:xfrm rot="0" flipH="false" flipV="false">
+              <a:xfrm>
                 <a:off x="1043146" y="1769978"/>
                 <a:ext cx="6479984" cy="1439989"/>
               </a:xfrm>
@@ -3685,7 +5621,7 @@
                 <a:noFill/>
               </a:ln>
               <a:effectLst>
-                <a:outerShdw blurRad="406400" dist="139700" dir="5400000" algn="t" rotWithShape="false">
+                <a:outerShdw blurRad="406400" dist="139700" dir="5400000" algn="t" rotWithShape="0">
                   <a:srgbClr val="3B5463">
                     <a:alpha val="17000"/>
                   </a:srgbClr>
@@ -3709,7 +5645,7 @@
               </a:fontRef>
             </p:style>
             <p:txBody>
-              <a:bodyPr wrap="square" rtlCol="false" anchor="ctr">
+              <a:bodyPr wrap="square" rtlCol="0" anchor="ctr">
                 <a:noAutofit/>
               </a:bodyPr>
               <a:lstStyle/>
@@ -3736,7 +5672,7 @@
               <p:nvPr/>
             </p:nvSpPr>
             <p:spPr>
-              <a:xfrm rot="180000" flipH="false" flipV="false">
+              <a:xfrm rot="180000">
                 <a:off x="7077189" y="2796148"/>
                 <a:ext cx="445941" cy="420169"/>
               </a:xfrm>
@@ -3843,7 +5779,7 @@
               </a:fontRef>
             </p:style>
             <p:txBody>
-              <a:bodyPr lIns="83942" tIns="41971" rIns="83942" bIns="41971" rtlCol="false" anchor="ctr"/>
+              <a:bodyPr lIns="83942" tIns="41971" rIns="83942" bIns="41971" rtlCol="0" anchor="ctr"/>
               <a:lstStyle/>
               <a:p>
                 <a:pPr algn="ctr"/>
@@ -3902,7 +5838,7 @@
               </a:fontRef>
             </p:style>
             <p:txBody>
-              <a:bodyPr lIns="83942" tIns="41971" rIns="83942" bIns="41971" rtlCol="false" anchor="ctr"/>
+              <a:bodyPr lIns="83942" tIns="41971" rIns="83942" bIns="41971" rtlCol="0" anchor="ctr"/>
               <a:lstStyle/>
               <a:p>
                 <a:pPr algn="ctr"/>
@@ -3922,12 +5858,12 @@
           </p:sp>
           <p:grpSp>
             <p:nvGrpSpPr>
-              <p:cNvPr id="36" name=""/>
+              <p:cNvPr id="36" name="组合 35"/>
               <p:cNvGrpSpPr/>
               <p:nvPr/>
             </p:nvGrpSpPr>
             <p:grpSpPr>
-              <a:xfrm rot="0" flipH="false" flipV="false">
+              <a:xfrm rot="0">
                 <a:off x="1578026" y="1893597"/>
                 <a:ext cx="5399976" cy="1192751"/>
                 <a:chOff x="1572588" y="1945145"/>
@@ -3937,11 +5873,11 @@
             <p:sp>
               <p:nvSpPr>
                 <p:cNvPr id="37" name="文本框 23" descr="{&quot;isTemplate&quot;:true,&quot;type&quot;:&quot;title&quot;,&quot;canOmit&quot;:false,&quot;range&quot;:0}"/>
-                <p:cNvSpPr txBox="true"/>
+                <p:cNvSpPr txBox="1"/>
                 <p:nvPr/>
               </p:nvSpPr>
               <p:spPr>
-                <a:xfrm rot="0" flipH="false" flipV="false">
+                <a:xfrm>
                   <a:off x="1572588" y="1945145"/>
                   <a:ext cx="5399976" cy="368300"/>
                 </a:xfrm>
@@ -3951,7 +5887,7 @@
                 <a:noFill/>
               </p:spPr>
               <p:txBody>
-                <a:bodyPr wrap="square" rtlCol="false">
+                <a:bodyPr wrap="square" rtlCol="0">
                   <a:noAutofit/>
                 </a:bodyPr>
                 <a:lstStyle/>
@@ -3982,11 +5918,11 @@
             <p:sp>
               <p:nvSpPr>
                 <p:cNvPr id="38" name="文本框 24" descr="{&quot;isTemplate&quot;:true,&quot;type&quot;:&quot;content&quot;,&quot;canOmit&quot;:false,&quot;range&quot;:0}"/>
-                <p:cNvSpPr txBox="true"/>
+                <p:cNvSpPr txBox="1"/>
                 <p:nvPr/>
               </p:nvSpPr>
               <p:spPr>
-                <a:xfrm rot="0" flipH="false" flipV="false">
+                <a:xfrm>
                   <a:off x="1572588" y="2317974"/>
                   <a:ext cx="5399976" cy="819922"/>
                 </a:xfrm>
@@ -3996,7 +5932,7 @@
                 <a:noFill/>
               </p:spPr>
               <p:txBody>
-                <a:bodyPr wrap="square" rtlCol="false">
+                <a:bodyPr wrap="square" rtlCol="0">
                   <a:noAutofit/>
                 </a:bodyPr>
                 <a:lstStyle>
@@ -4035,7 +5971,12 @@
                     </a:rPr>
                     <a:t>《三国演义》中多次展现了团结协作的重要性，如刘备、关羽、张飞的桃园结义，这种精神让我明白了团结的力量。</a:t>
                   </a:r>
-                  <a:endParaRPr/>
+                  <a:endParaRPr lang="zh-CN" sz="1200">
+                    <a:latin typeface="默认字体"/>
+                    <a:ea typeface="默认字体"/>
+                    <a:cs typeface="+mn-cs"/>
+                    <a:sym typeface="思源黑体 CN Normal"/>
+                  </a:endParaRPr>
                 </a:p>
               </p:txBody>
             </p:sp>
@@ -4043,12 +5984,12 @@
         </p:grpSp>
         <p:grpSp>
           <p:nvGrpSpPr>
-            <p:cNvPr id="39" name=""/>
+            <p:cNvPr id="39" name="组合 38"/>
             <p:cNvGrpSpPr/>
             <p:nvPr/>
           </p:nvGrpSpPr>
           <p:grpSpPr>
-            <a:xfrm rot="0" flipH="false" flipV="false">
+            <a:xfrm rot="0">
               <a:off x="2922949" y="3194861"/>
               <a:ext cx="6479984" cy="1446339"/>
               <a:chOff x="1043146" y="1769978"/>
@@ -4062,7 +6003,7 @@
               <p:nvPr/>
             </p:nvSpPr>
             <p:spPr>
-              <a:xfrm rot="0" flipH="false" flipV="false">
+              <a:xfrm>
                 <a:off x="1043146" y="1769978"/>
                 <a:ext cx="6479984" cy="1439989"/>
               </a:xfrm>
@@ -4239,7 +6180,7 @@
                 <a:noFill/>
               </a:ln>
               <a:effectLst>
-                <a:outerShdw blurRad="406400" dist="139700" dir="5400000" algn="t" rotWithShape="false">
+                <a:outerShdw blurRad="406400" dist="139700" dir="5400000" algn="t" rotWithShape="0">
                   <a:srgbClr val="3B5463">
                     <a:alpha val="17000"/>
                   </a:srgbClr>
@@ -4263,7 +6204,7 @@
               </a:fontRef>
             </p:style>
             <p:txBody>
-              <a:bodyPr wrap="square" rtlCol="false" anchor="ctr">
+              <a:bodyPr wrap="square" rtlCol="0" anchor="ctr">
                 <a:noAutofit/>
               </a:bodyPr>
               <a:lstStyle/>
@@ -4290,7 +6231,7 @@
               <p:nvPr/>
             </p:nvSpPr>
             <p:spPr>
-              <a:xfrm rot="180000" flipH="false" flipV="false">
+              <a:xfrm rot="180000">
                 <a:off x="7077189" y="2796148"/>
                 <a:ext cx="445941" cy="420169"/>
               </a:xfrm>
@@ -4397,7 +6338,7 @@
               </a:fontRef>
             </p:style>
             <p:txBody>
-              <a:bodyPr lIns="83942" tIns="41971" rIns="83942" bIns="41971" rtlCol="false" anchor="ctr"/>
+              <a:bodyPr lIns="83942" tIns="41971" rIns="83942" bIns="41971" rtlCol="0" anchor="ctr"/>
               <a:lstStyle/>
               <a:p>
                 <a:pPr algn="ctr"/>
@@ -4456,7 +6397,7 @@
               </a:fontRef>
             </p:style>
             <p:txBody>
-              <a:bodyPr lIns="83942" tIns="41971" rIns="83942" bIns="41971" rtlCol="false" anchor="ctr"/>
+              <a:bodyPr lIns="83942" tIns="41971" rIns="83942" bIns="41971" rtlCol="0" anchor="ctr"/>
               <a:lstStyle/>
               <a:p>
                 <a:pPr algn="ctr"/>
@@ -4476,12 +6417,12 @@
           </p:sp>
           <p:grpSp>
             <p:nvGrpSpPr>
-              <p:cNvPr id="43" name=""/>
+              <p:cNvPr id="43" name="组合 42"/>
               <p:cNvGrpSpPr/>
               <p:nvPr/>
             </p:nvGrpSpPr>
             <p:grpSpPr>
-              <a:xfrm rot="0" flipH="false" flipV="false">
+              <a:xfrm rot="0">
                 <a:off x="1578026" y="1893597"/>
                 <a:ext cx="5399976" cy="1192751"/>
                 <a:chOff x="1572588" y="1945145"/>
@@ -4491,11 +6432,11 @@
             <p:sp>
               <p:nvSpPr>
                 <p:cNvPr id="44" name="文本框 23" descr="{&quot;isTemplate&quot;:true,&quot;type&quot;:&quot;title&quot;,&quot;canOmit&quot;:false,&quot;range&quot;:0}"/>
-                <p:cNvSpPr txBox="true"/>
+                <p:cNvSpPr txBox="1"/>
                 <p:nvPr/>
               </p:nvSpPr>
               <p:spPr>
-                <a:xfrm rot="0" flipH="false" flipV="false">
+                <a:xfrm>
                   <a:off x="1572588" y="1945145"/>
                   <a:ext cx="5399976" cy="368300"/>
                 </a:xfrm>
@@ -4505,7 +6446,7 @@
                 <a:noFill/>
               </p:spPr>
               <p:txBody>
-                <a:bodyPr wrap="square" rtlCol="false">
+                <a:bodyPr wrap="square" rtlCol="0">
                   <a:noAutofit/>
                 </a:bodyPr>
                 <a:lstStyle/>
@@ -4536,11 +6477,11 @@
             <p:sp>
               <p:nvSpPr>
                 <p:cNvPr id="45" name="文本框 24" descr="{&quot;isTemplate&quot;:true,&quot;type&quot;:&quot;content&quot;,&quot;canOmit&quot;:false,&quot;range&quot;:0}"/>
-                <p:cNvSpPr txBox="true"/>
+                <p:cNvSpPr txBox="1"/>
                 <p:nvPr/>
               </p:nvSpPr>
               <p:spPr>
-                <a:xfrm rot="0" flipH="false" flipV="false">
+                <a:xfrm>
                   <a:off x="1572588" y="2317974"/>
                   <a:ext cx="5399976" cy="819922"/>
                 </a:xfrm>
@@ -4550,7 +6491,7 @@
                 <a:noFill/>
               </p:spPr>
               <p:txBody>
-                <a:bodyPr wrap="square" rtlCol="false">
+                <a:bodyPr wrap="square" rtlCol="0">
                   <a:noAutofit/>
                 </a:bodyPr>
                 <a:lstStyle>
@@ -4589,7 +6530,12 @@
                     </a:rPr>
                     <a:t>三国人物在面对国家危难时，勇于担当，敢于负责，这种责任感让我在家庭里和社会中更有责任感和担当。</a:t>
                   </a:r>
-                  <a:endParaRPr/>
+                  <a:endParaRPr lang="zh-CN" sz="1200">
+                    <a:latin typeface="默认字体"/>
+                    <a:ea typeface="默认字体"/>
+                    <a:cs typeface="+mn-cs"/>
+                    <a:sym typeface="思源黑体 CN Normal"/>
+                  </a:endParaRPr>
                 </a:p>
               </p:txBody>
             </p:sp>
@@ -4597,12 +6543,12 @@
         </p:grpSp>
         <p:grpSp>
           <p:nvGrpSpPr>
-            <p:cNvPr id="46" name=""/>
+            <p:cNvPr id="46" name="组合 45"/>
             <p:cNvGrpSpPr/>
             <p:nvPr/>
           </p:nvGrpSpPr>
           <p:grpSpPr>
-            <a:xfrm rot="0" flipH="false" flipV="false">
+            <a:xfrm rot="0">
               <a:off x="4665209" y="4792461"/>
               <a:ext cx="6479984" cy="1446339"/>
               <a:chOff x="1043146" y="1769978"/>
@@ -4616,7 +6562,7 @@
               <p:nvPr/>
             </p:nvSpPr>
             <p:spPr>
-              <a:xfrm rot="0" flipH="false" flipV="false">
+              <a:xfrm>
                 <a:off x="1043146" y="1769978"/>
                 <a:ext cx="6479984" cy="1439989"/>
               </a:xfrm>
@@ -4793,7 +6739,7 @@
                 <a:noFill/>
               </a:ln>
               <a:effectLst>
-                <a:outerShdw blurRad="406400" dist="139700" dir="5400000" algn="t" rotWithShape="false">
+                <a:outerShdw blurRad="406400" dist="139700" dir="5400000" algn="t" rotWithShape="0">
                   <a:srgbClr val="3B5463">
                     <a:alpha val="17000"/>
                   </a:srgbClr>
@@ -4817,7 +6763,7 @@
               </a:fontRef>
             </p:style>
             <p:txBody>
-              <a:bodyPr wrap="square" rtlCol="false" anchor="ctr">
+              <a:bodyPr wrap="square" rtlCol="0" anchor="ctr">
                 <a:noAutofit/>
               </a:bodyPr>
               <a:lstStyle/>
@@ -4844,7 +6790,7 @@
               <p:nvPr/>
             </p:nvSpPr>
             <p:spPr>
-              <a:xfrm rot="180000" flipH="false" flipV="false">
+              <a:xfrm rot="180000">
                 <a:off x="7077189" y="2796148"/>
                 <a:ext cx="445941" cy="420169"/>
               </a:xfrm>
@@ -4951,7 +6897,7 @@
               </a:fontRef>
             </p:style>
             <p:txBody>
-              <a:bodyPr lIns="83942" tIns="41971" rIns="83942" bIns="41971" rtlCol="false" anchor="ctr"/>
+              <a:bodyPr lIns="83942" tIns="41971" rIns="83942" bIns="41971" rtlCol="0" anchor="ctr"/>
               <a:lstStyle/>
               <a:p>
                 <a:pPr algn="ctr"/>
@@ -5010,7 +6956,7 @@
               </a:fontRef>
             </p:style>
             <p:txBody>
-              <a:bodyPr lIns="83942" tIns="41971" rIns="83942" bIns="41971" rtlCol="false" anchor="ctr"/>
+              <a:bodyPr lIns="83942" tIns="41971" rIns="83942" bIns="41971" rtlCol="0" anchor="ctr"/>
               <a:lstStyle/>
               <a:p>
                 <a:pPr algn="ctr"/>
@@ -5030,12 +6976,12 @@
           </p:sp>
           <p:grpSp>
             <p:nvGrpSpPr>
-              <p:cNvPr id="50" name=""/>
+              <p:cNvPr id="50" name="组合 49"/>
               <p:cNvGrpSpPr/>
               <p:nvPr/>
             </p:nvGrpSpPr>
             <p:grpSpPr>
-              <a:xfrm rot="0" flipH="false" flipV="false">
+              <a:xfrm rot="0">
                 <a:off x="1578026" y="1893597"/>
                 <a:ext cx="5399976" cy="1192751"/>
                 <a:chOff x="1572588" y="1945145"/>
@@ -5045,11 +6991,11 @@
             <p:sp>
               <p:nvSpPr>
                 <p:cNvPr id="51" name="文本框 23" descr="{&quot;isTemplate&quot;:true,&quot;type&quot;:&quot;title&quot;,&quot;canOmit&quot;:false,&quot;range&quot;:0}"/>
-                <p:cNvSpPr txBox="true"/>
+                <p:cNvSpPr txBox="1"/>
                 <p:nvPr/>
               </p:nvSpPr>
               <p:spPr>
-                <a:xfrm rot="0" flipH="false" flipV="false">
+                <a:xfrm>
                   <a:off x="1572588" y="1945145"/>
                   <a:ext cx="5399976" cy="368300"/>
                 </a:xfrm>
@@ -5059,7 +7005,7 @@
                 <a:noFill/>
               </p:spPr>
               <p:txBody>
-                <a:bodyPr wrap="square" rtlCol="false">
+                <a:bodyPr wrap="square" rtlCol="0">
                   <a:noAutofit/>
                 </a:bodyPr>
                 <a:lstStyle/>
@@ -5090,11 +7036,11 @@
             <p:sp>
               <p:nvSpPr>
                 <p:cNvPr id="52" name="文本框 24" descr="{&quot;isTemplate&quot;:true,&quot;type&quot;:&quot;content&quot;,&quot;canOmit&quot;:false,&quot;range&quot;:0}"/>
-                <p:cNvSpPr txBox="true"/>
+                <p:cNvSpPr txBox="1"/>
                 <p:nvPr/>
               </p:nvSpPr>
               <p:spPr>
-                <a:xfrm rot="0" flipH="false" flipV="false">
+                <a:xfrm>
                   <a:off x="1572588" y="2317974"/>
                   <a:ext cx="5399976" cy="819922"/>
                 </a:xfrm>
@@ -5104,7 +7050,7 @@
                 <a:noFill/>
               </p:spPr>
               <p:txBody>
-                <a:bodyPr wrap="square" rtlCol="false">
+                <a:bodyPr wrap="square" rtlCol="0">
                   <a:noAutofit/>
                 </a:bodyPr>
                 <a:lstStyle>
@@ -5152,7 +7098,12 @@
                     </a:rPr>
                     <a:t>坚韧不拔的意志和积极向上的人生态度，对我今后的成长有种要意义。</a:t>
                   </a:r>
-                  <a:endParaRPr/>
+                  <a:endParaRPr lang="zh-CN" sz="1200">
+                    <a:latin typeface="默认字体"/>
+                    <a:ea typeface="默认字体"/>
+                    <a:cs typeface="+mn-cs"/>
+                    <a:sym typeface="思源黑体 CN Normal"/>
+                  </a:endParaRPr>
                 </a:p>
               </p:txBody>
             </p:sp>
@@ -5161,12 +7112,12 @@
       </p:grpSp>
       <p:sp>
         <p:nvSpPr>
-          <p:cNvPr id="53" name="" descr="{&quot;isTemplate&quot;:true,&quot;type&quot;:&quot;title&quot;,&quot;canOmit&quot;:false,&quot;range&quot;:0}"/>
-          <p:cNvSpPr txBox="true"/>
+          <p:cNvPr id="53" name="文本框 52" descr="{&quot;isTemplate&quot;:true,&quot;type&quot;:&quot;title&quot;,&quot;canOmit&quot;:false,&quot;range&quot;:0}"/>
+          <p:cNvSpPr txBox="1"/>
           <p:nvPr/>
         </p:nvSpPr>
         <p:spPr>
-          <a:xfrm rot="0" flipH="false" flipV="false">
+          <a:xfrm>
             <a:off x="660396" y="418039"/>
             <a:ext cx="10668000" cy="520700"/>
           </a:xfrm>
@@ -5176,7 +7127,7 @@
           <a:noFill/>
         </p:spPr>
         <p:txBody>
-          <a:bodyPr wrap="square" lIns="90000" tIns="46800" rIns="90000" bIns="46800" rtlCol="false" anchor="b" anchorCtr="false">
+          <a:bodyPr wrap="square" lIns="90000" tIns="46800" rIns="90000" bIns="46800" rtlCol="0" anchor="b" anchorCtr="0">
             <a:spAutoFit/>
           </a:bodyPr>
           <a:lstStyle/>
@@ -5188,14 +7139,18 @@
               <a:buNone/>
             </a:pPr>
             <a:r>
-              <a:rPr lang="zh-CN" sz="2800" b="true">
+              <a:rPr lang="zh-CN" sz="2800" b="1">
                 <a:latin typeface="默认字体"/>
                 <a:ea typeface="默认字体"/>
                 <a:cs typeface="+mn-cs"/>
               </a:rPr>
               <a:t>三国精神对我的启示</a:t>
             </a:r>
-            <a:endParaRPr/>
+            <a:endParaRPr lang="zh-CN" sz="2800" b="1">
+              <a:latin typeface="默认字体"/>
+              <a:ea typeface="默认字体"/>
+              <a:cs typeface="+mn-cs"/>
+            </a:endParaRPr>
           </a:p>
         </p:txBody>
       </p:sp>
@@ -5208,7 +7163,7 @@
 </file>
 
 <file path=ppt/slides/slide12.xml><?xml version="1.0" encoding="utf-8"?>
-<p:sld xmlns:a="http://schemas.openxmlformats.org/drawingml/2006/main" xmlns:p="http://schemas.openxmlformats.org/presentationml/2006/main">
+<p:sld xmlns:a="http://schemas.openxmlformats.org/drawingml/2006/main" xmlns:r="http://schemas.openxmlformats.org/officeDocument/2006/relationships" xmlns:p="http://schemas.openxmlformats.org/presentationml/2006/main">
   <p:cSld>
     <p:spTree>
       <p:nvGrpSpPr>
@@ -5227,7 +7182,7 @@
       <p:sp>
         <p:nvSpPr>
           <p:cNvPr id="55" name="文本占位符 20"/>
-          <p:cNvSpPr txBox="true"/>
+          <p:cNvSpPr txBox="1"/>
           <p:nvPr/>
         </p:nvSpPr>
         <p:spPr>
@@ -5244,104 +7199,104 @@
             <a:spAutoFit/>
           </a:bodyPr>
           <a:lstStyle>
-            <a:lvl1pPr marL="0" indent="0" algn="l" defTabSz="914400" rtl="false" eaLnBrk="true" latinLnBrk="false" hangingPunct="true">
+            <a:lvl1pPr marL="0" indent="0" algn="l" defTabSz="914400" rtl="0" eaLnBrk="1" latinLnBrk="0" hangingPunct="1">
               <a:lnSpc>
                 <a:spcPct val="150000"/>
               </a:lnSpc>
               <a:spcBef>
                 <a:spcPts val="1000"/>
               </a:spcBef>
-              <a:buFont typeface="Arial" panose="020B0604020202020204" pitchFamily="34" charset="0"/>
+              <a:buFont typeface="Arial" panose="020B0604020202090204" pitchFamily="34" charset="0"/>
               <a:buNone/>
-              <a:defRPr sz="1200" b="false" i="false" kern="1200" spc="300">
+              <a:defRPr sz="1200" b="0" i="0" kern="1200" spc="300">
                 <a:solidFill>
                   <a:schemeClr val="tx1"/>
                 </a:solidFill>
-                <a:latin typeface="Microsoft YaHei" panose="020B0503020204020204" pitchFamily="34" charset="-122"/>
-                <a:ea typeface="Microsoft YaHei" panose="020B0503020204020204" pitchFamily="34" charset="-122"/>
+                <a:latin typeface="微软雅黑" panose="020B0503020204020204" pitchFamily="34" charset="-122"/>
+                <a:ea typeface="微软雅黑" panose="020B0503020204020204" pitchFamily="34" charset="-122"/>
                 <a:cs typeface="+mn-cs"/>
               </a:defRPr>
             </a:lvl1pPr>
-            <a:lvl2pPr marL="685800" indent="-228600" algn="l" defTabSz="914400" rtl="false" eaLnBrk="true" latinLnBrk="false" hangingPunct="true">
+            <a:lvl2pPr marL="685800" indent="-228600" algn="l" defTabSz="914400" rtl="0" eaLnBrk="1" latinLnBrk="0" hangingPunct="1">
               <a:lnSpc>
                 <a:spcPct val="90000"/>
               </a:lnSpc>
               <a:spcBef>
                 <a:spcPts val="500"/>
               </a:spcBef>
-              <a:buFont typeface="Arial" panose="020B0604020202020204" pitchFamily="34" charset="0"/>
+              <a:buFont typeface="Arial" panose="020B0604020202090204" pitchFamily="34" charset="0"/>
               <a:buChar char="•"/>
-              <a:defRPr sz="2400" b="false" i="false" kern="1200">
+              <a:defRPr sz="2400" b="0" i="0" kern="1200">
                 <a:solidFill>
                   <a:schemeClr val="tx1"/>
                 </a:solidFill>
-                <a:latin typeface="Microsoft YaHei" panose="020B0503020204020204" pitchFamily="34" charset="-122"/>
-                <a:ea typeface="Microsoft YaHei" panose="020B0503020204020204" pitchFamily="34" charset="-122"/>
+                <a:latin typeface="微软雅黑" panose="020B0503020204020204" pitchFamily="34" charset="-122"/>
+                <a:ea typeface="微软雅黑" panose="020B0503020204020204" pitchFamily="34" charset="-122"/>
                 <a:cs typeface="+mn-cs"/>
               </a:defRPr>
             </a:lvl2pPr>
-            <a:lvl3pPr marL="1143000" indent="-228600" algn="l" defTabSz="914400" rtl="false" eaLnBrk="true" latinLnBrk="false" hangingPunct="true">
+            <a:lvl3pPr marL="1143000" indent="-228600" algn="l" defTabSz="914400" rtl="0" eaLnBrk="1" latinLnBrk="0" hangingPunct="1">
               <a:lnSpc>
                 <a:spcPct val="90000"/>
               </a:lnSpc>
               <a:spcBef>
                 <a:spcPts val="500"/>
               </a:spcBef>
-              <a:buFont typeface="Arial" panose="020B0604020202020204" pitchFamily="34" charset="0"/>
+              <a:buFont typeface="Arial" panose="020B0604020202090204" pitchFamily="34" charset="0"/>
               <a:buChar char="•"/>
-              <a:defRPr sz="2000" b="false" i="false" kern="1200">
+              <a:defRPr sz="2000" b="0" i="0" kern="1200">
                 <a:solidFill>
                   <a:schemeClr val="tx1"/>
                 </a:solidFill>
-                <a:latin typeface="Microsoft YaHei" panose="020B0503020204020204" pitchFamily="34" charset="-122"/>
-                <a:ea typeface="Microsoft YaHei" panose="020B0503020204020204" pitchFamily="34" charset="-122"/>
+                <a:latin typeface="微软雅黑" panose="020B0503020204020204" pitchFamily="34" charset="-122"/>
+                <a:ea typeface="微软雅黑" panose="020B0503020204020204" pitchFamily="34" charset="-122"/>
                 <a:cs typeface="+mn-cs"/>
               </a:defRPr>
             </a:lvl3pPr>
-            <a:lvl4pPr marL="1600200" indent="-228600" algn="l" defTabSz="914400" rtl="false" eaLnBrk="true" latinLnBrk="false" hangingPunct="true">
+            <a:lvl4pPr marL="1600200" indent="-228600" algn="l" defTabSz="914400" rtl="0" eaLnBrk="1" latinLnBrk="0" hangingPunct="1">
               <a:lnSpc>
                 <a:spcPct val="90000"/>
               </a:lnSpc>
               <a:spcBef>
                 <a:spcPts val="500"/>
               </a:spcBef>
-              <a:buFont typeface="Arial" panose="020B0604020202020204" pitchFamily="34" charset="0"/>
+              <a:buFont typeface="Arial" panose="020B0604020202090204" pitchFamily="34" charset="0"/>
               <a:buChar char="•"/>
-              <a:defRPr sz="1800" b="false" i="false" kern="1200">
+              <a:defRPr sz="1800" b="0" i="0" kern="1200">
                 <a:solidFill>
                   <a:schemeClr val="tx1"/>
                 </a:solidFill>
-                <a:latin typeface="Microsoft YaHei" panose="020B0503020204020204" pitchFamily="34" charset="-122"/>
-                <a:ea typeface="Microsoft YaHei" panose="020B0503020204020204" pitchFamily="34" charset="-122"/>
+                <a:latin typeface="微软雅黑" panose="020B0503020204020204" pitchFamily="34" charset="-122"/>
+                <a:ea typeface="微软雅黑" panose="020B0503020204020204" pitchFamily="34" charset="-122"/>
                 <a:cs typeface="+mn-cs"/>
               </a:defRPr>
             </a:lvl4pPr>
-            <a:lvl5pPr marL="2057400" indent="-228600" algn="l" defTabSz="914400" rtl="false" eaLnBrk="true" latinLnBrk="false" hangingPunct="true">
+            <a:lvl5pPr marL="2057400" indent="-228600" algn="l" defTabSz="914400" rtl="0" eaLnBrk="1" latinLnBrk="0" hangingPunct="1">
               <a:lnSpc>
                 <a:spcPct val="90000"/>
               </a:lnSpc>
               <a:spcBef>
                 <a:spcPts val="500"/>
               </a:spcBef>
-              <a:buFont typeface="Arial" panose="020B0604020202020204" pitchFamily="34" charset="0"/>
+              <a:buFont typeface="Arial" panose="020B0604020202090204" pitchFamily="34" charset="0"/>
               <a:buChar char="•"/>
-              <a:defRPr sz="1800" b="false" i="false" kern="1200">
+              <a:defRPr sz="1800" b="0" i="0" kern="1200">
                 <a:solidFill>
                   <a:schemeClr val="tx1"/>
                 </a:solidFill>
-                <a:latin typeface="Microsoft YaHei" panose="020B0503020204020204" pitchFamily="34" charset="-122"/>
-                <a:ea typeface="Microsoft YaHei" panose="020B0503020204020204" pitchFamily="34" charset="-122"/>
+                <a:latin typeface="微软雅黑" panose="020B0503020204020204" pitchFamily="34" charset="-122"/>
+                <a:ea typeface="微软雅黑" panose="020B0503020204020204" pitchFamily="34" charset="-122"/>
                 <a:cs typeface="+mn-cs"/>
               </a:defRPr>
             </a:lvl5pPr>
-            <a:lvl6pPr marL="2514600" indent="-228600" algn="l" defTabSz="914400" rtl="false" eaLnBrk="true" latinLnBrk="false" hangingPunct="true">
+            <a:lvl6pPr marL="2514600" indent="-228600" algn="l" defTabSz="914400" rtl="0" eaLnBrk="1" latinLnBrk="0" hangingPunct="1">
               <a:lnSpc>
                 <a:spcPct val="90000"/>
               </a:lnSpc>
               <a:spcBef>
                 <a:spcPts val="500"/>
               </a:spcBef>
-              <a:buFont typeface="Arial" panose="020B0604020202020204" pitchFamily="34" charset="0"/>
+              <a:buFont typeface="Arial" panose="020B0604020202090204" pitchFamily="34" charset="0"/>
               <a:buChar char="•"/>
               <a:defRPr sz="1800" kern="1200">
                 <a:solidFill>
@@ -5352,14 +7307,14 @@
                 <a:cs typeface="+mn-cs"/>
               </a:defRPr>
             </a:lvl6pPr>
-            <a:lvl7pPr marL="2971800" indent="-228600" algn="l" defTabSz="914400" rtl="false" eaLnBrk="true" latinLnBrk="false" hangingPunct="true">
+            <a:lvl7pPr marL="2971800" indent="-228600" algn="l" defTabSz="914400" rtl="0" eaLnBrk="1" latinLnBrk="0" hangingPunct="1">
               <a:lnSpc>
                 <a:spcPct val="90000"/>
               </a:lnSpc>
               <a:spcBef>
                 <a:spcPts val="500"/>
               </a:spcBef>
-              <a:buFont typeface="Arial" panose="020B0604020202020204" pitchFamily="34" charset="0"/>
+              <a:buFont typeface="Arial" panose="020B0604020202090204" pitchFamily="34" charset="0"/>
               <a:buChar char="•"/>
               <a:defRPr sz="1800" kern="1200">
                 <a:solidFill>
@@ -5370,14 +7325,14 @@
                 <a:cs typeface="+mn-cs"/>
               </a:defRPr>
             </a:lvl7pPr>
-            <a:lvl8pPr marL="3429000" indent="-228600" algn="l" defTabSz="914400" rtl="false" eaLnBrk="true" latinLnBrk="false" hangingPunct="true">
+            <a:lvl8pPr marL="3429000" indent="-228600" algn="l" defTabSz="914400" rtl="0" eaLnBrk="1" latinLnBrk="0" hangingPunct="1">
               <a:lnSpc>
                 <a:spcPct val="90000"/>
               </a:lnSpc>
               <a:spcBef>
                 <a:spcPts val="500"/>
               </a:spcBef>
-              <a:buFont typeface="Arial" panose="020B0604020202020204" pitchFamily="34" charset="0"/>
+              <a:buFont typeface="Arial" panose="020B0604020202090204" pitchFamily="34" charset="0"/>
               <a:buChar char="•"/>
               <a:defRPr sz="1800" kern="1200">
                 <a:solidFill>
@@ -5388,14 +7343,14 @@
                 <a:cs typeface="+mn-cs"/>
               </a:defRPr>
             </a:lvl8pPr>
-            <a:lvl9pPr marL="3886200" indent="-228600" algn="l" defTabSz="914400" rtl="false" eaLnBrk="true" latinLnBrk="false" hangingPunct="true">
+            <a:lvl9pPr marL="3886200" indent="-228600" algn="l" defTabSz="914400" rtl="0" eaLnBrk="1" latinLnBrk="0" hangingPunct="1">
               <a:lnSpc>
                 <a:spcPct val="90000"/>
               </a:lnSpc>
               <a:spcBef>
                 <a:spcPts val="500"/>
               </a:spcBef>
-              <a:buFont typeface="Arial" panose="020B0604020202020204" pitchFamily="34" charset="0"/>
+              <a:buFont typeface="Arial" panose="020B0604020202090204" pitchFamily="34" charset="0"/>
               <a:buChar char="•"/>
               <a:defRPr sz="1800" kern="1200">
                 <a:solidFill>
@@ -5409,7 +7364,7 @@
           </a:lstStyle>
           <a:p>
             <a:pPr algn="r">
-              <a:buFont typeface="Arial" panose="020B0604020202020204" pitchFamily="34" charset="0"/>
+              <a:buFont typeface="Arial" panose="020B0604020202090204" pitchFamily="34" charset="0"/>
               <a:buNone/>
             </a:pPr>
             <a:r>
@@ -5445,7 +7400,14 @@
               </a:rPr>
               <a:t>班）丁桐</a:t>
             </a:r>
-            <a:endParaRPr/>
+            <a:endParaRPr lang="zh-CN" spc="80">
+              <a:solidFill>
+                <a:schemeClr val="bg1">
+                  <a:alpha val="100000"/>
+                </a:schemeClr>
+              </a:solidFill>
+              <a:effectLst/>
+            </a:endParaRPr>
           </a:p>
         </p:txBody>
       </p:sp>
@@ -5487,7 +7449,7 @@
       <p:sp>
         <p:nvSpPr>
           <p:cNvPr id="57" name="标题 1"/>
-          <p:cNvSpPr txBox="true"/>
+          <p:cNvSpPr txBox="1"/>
           <p:nvPr/>
         </p:nvSpPr>
         <p:spPr>
@@ -5500,42 +7462,41 @@
           </a:prstGeom>
         </p:spPr>
         <p:txBody>
-          <a:bodyPr vert="horz" wrap="none" lIns="91440" tIns="45720" rIns="91440" bIns="45720" rtlCol="false" anchor="b">
+          <a:bodyPr vert="horz" wrap="none" lIns="91440" tIns="45720" rIns="91440" bIns="45720" rtlCol="0" anchor="b">
             <a:spAutoFit/>
           </a:bodyPr>
           <a:lstStyle>
-            <a:lvl1pPr algn="l" defTabSz="914400" rtl="false" eaLnBrk="true" latinLnBrk="false" hangingPunct="true">
+            <a:lvl1pPr algn="l" defTabSz="914400" rtl="0" eaLnBrk="1" latinLnBrk="0" hangingPunct="1">
               <a:lnSpc>
                 <a:spcPct val="90000"/>
               </a:lnSpc>
               <a:spcBef>
-                <a:spcPct val="1"/>
+                <a:spcPct val="0"/>
               </a:spcBef>
               <a:buNone/>
-              <a:defRPr sz="8800" b="false" i="false" kern="1200" spc="300">
+              <a:defRPr sz="8800" b="0" i="0" kern="1200" spc="300">
                 <a:solidFill>
                   <a:schemeClr val="bg1"/>
                 </a:solidFill>
-                <a:latin typeface="Microsoft YaHei" panose="020B0503020204020204" pitchFamily="34" charset="-122"/>
-                <a:ea typeface="Microsoft YaHei" panose="020B0503020204020204" pitchFamily="34" charset="-122"/>
+                <a:latin typeface="微软雅黑" panose="020B0503020204020204" pitchFamily="34" charset="-122"/>
+                <a:ea typeface="微软雅黑" panose="020B0503020204020204" pitchFamily="34" charset="-122"/>
                 <a:cs typeface="+mj-cs"/>
               </a:defRPr>
             </a:lvl1pPr>
           </a:lstStyle>
           <a:p>
-            <a:pPr/>
             <a:r>
-              <a:rPr kumimoji="true" lang="zh-CN" altLang="en-US" dirty="false"/>
+              <a:rPr kumimoji="1" lang="zh-CN" altLang="en-US" dirty="0"/>
               <a:t>谢谢观看</a:t>
             </a:r>
-            <a:endParaRPr/>
+            <a:endParaRPr kumimoji="1" lang="zh-CN" altLang="en-US" dirty="0"/>
           </a:p>
         </p:txBody>
       </p:sp>
       <p:sp>
         <p:nvSpPr>
           <p:cNvPr id="58" name="文本占位符 3"/>
-          <p:cNvSpPr txBox="true"/>
+          <p:cNvSpPr txBox="1"/>
           <p:nvPr/>
         </p:nvSpPr>
         <p:spPr>
@@ -5548,20 +7509,20 @@
           </a:prstGeom>
         </p:spPr>
         <p:txBody>
-          <a:bodyPr vert="horz" wrap="none" lIns="91440" tIns="45720" rIns="91440" bIns="45720" rtlCol="false" anchor="b">
+          <a:bodyPr vert="horz" wrap="none" lIns="91440" tIns="45720" rIns="91440" bIns="45720" rtlCol="0" anchor="b">
             <a:spAutoFit/>
           </a:bodyPr>
           <a:lstStyle>
-            <a:lvl1pPr marL="0" indent="0" algn="l" defTabSz="914400" rtl="false" eaLnBrk="true" latinLnBrk="false" hangingPunct="true">
+            <a:lvl1pPr marL="0" indent="0" algn="l" defTabSz="914400" rtl="0" eaLnBrk="1" latinLnBrk="0" hangingPunct="1">
               <a:lnSpc>
                 <a:spcPct val="90000"/>
               </a:lnSpc>
               <a:spcBef>
                 <a:spcPts val="1000"/>
               </a:spcBef>
-              <a:buFont typeface="Arial" panose="020B0604020202020204" pitchFamily="34" charset="0"/>
+              <a:buFont typeface="Arial" panose="020B0604020202090204" pitchFamily="34" charset="0"/>
               <a:buNone/>
-              <a:defRPr sz="4000" b="false" i="false" kern="1200" spc="300">
+              <a:defRPr sz="4000" b="0" i="0" kern="1200" spc="300">
                 <a:solidFill>
                   <a:schemeClr val="bg1"/>
                 </a:solidFill>
@@ -5570,86 +7531,86 @@
                 <a:cs typeface="+mn-cs"/>
               </a:defRPr>
             </a:lvl1pPr>
-            <a:lvl2pPr marL="685800" indent="-228600" algn="l" defTabSz="914400" rtl="false" eaLnBrk="true" latinLnBrk="false" hangingPunct="true">
+            <a:lvl2pPr marL="685800" indent="-228600" algn="l" defTabSz="914400" rtl="0" eaLnBrk="1" latinLnBrk="0" hangingPunct="1">
               <a:lnSpc>
                 <a:spcPct val="90000"/>
               </a:lnSpc>
               <a:spcBef>
                 <a:spcPts val="500"/>
               </a:spcBef>
-              <a:buFont typeface="Arial" panose="020B0604020202020204" pitchFamily="34" charset="0"/>
+              <a:buFont typeface="Arial" panose="020B0604020202090204" pitchFamily="34" charset="0"/>
               <a:buChar char="•"/>
-              <a:defRPr sz="2400" b="false" i="false" kern="1200">
+              <a:defRPr sz="2400" b="0" i="0" kern="1200">
                 <a:solidFill>
                   <a:schemeClr val="tx1"/>
                 </a:solidFill>
-                <a:latin typeface="Microsoft YaHei" panose="020B0503020204020204" pitchFamily="34" charset="-122"/>
-                <a:ea typeface="Microsoft YaHei" panose="020B0503020204020204" pitchFamily="34" charset="-122"/>
+                <a:latin typeface="微软雅黑" panose="020B0503020204020204" pitchFamily="34" charset="-122"/>
+                <a:ea typeface="微软雅黑" panose="020B0503020204020204" pitchFamily="34" charset="-122"/>
                 <a:cs typeface="+mn-cs"/>
               </a:defRPr>
             </a:lvl2pPr>
-            <a:lvl3pPr marL="1143000" indent="-228600" algn="l" defTabSz="914400" rtl="false" eaLnBrk="true" latinLnBrk="false" hangingPunct="true">
+            <a:lvl3pPr marL="1143000" indent="-228600" algn="l" defTabSz="914400" rtl="0" eaLnBrk="1" latinLnBrk="0" hangingPunct="1">
               <a:lnSpc>
                 <a:spcPct val="90000"/>
               </a:lnSpc>
               <a:spcBef>
                 <a:spcPts val="500"/>
               </a:spcBef>
-              <a:buFont typeface="Arial" panose="020B0604020202020204" pitchFamily="34" charset="0"/>
+              <a:buFont typeface="Arial" panose="020B0604020202090204" pitchFamily="34" charset="0"/>
               <a:buChar char="•"/>
-              <a:defRPr sz="2000" b="false" i="false" kern="1200">
+              <a:defRPr sz="2000" b="0" i="0" kern="1200">
                 <a:solidFill>
                   <a:schemeClr val="tx1"/>
                 </a:solidFill>
-                <a:latin typeface="Microsoft YaHei" panose="020B0503020204020204" pitchFamily="34" charset="-122"/>
-                <a:ea typeface="Microsoft YaHei" panose="020B0503020204020204" pitchFamily="34" charset="-122"/>
+                <a:latin typeface="微软雅黑" panose="020B0503020204020204" pitchFamily="34" charset="-122"/>
+                <a:ea typeface="微软雅黑" panose="020B0503020204020204" pitchFamily="34" charset="-122"/>
                 <a:cs typeface="+mn-cs"/>
               </a:defRPr>
             </a:lvl3pPr>
-            <a:lvl4pPr marL="1600200" indent="-228600" algn="l" defTabSz="914400" rtl="false" eaLnBrk="true" latinLnBrk="false" hangingPunct="true">
+            <a:lvl4pPr marL="1600200" indent="-228600" algn="l" defTabSz="914400" rtl="0" eaLnBrk="1" latinLnBrk="0" hangingPunct="1">
               <a:lnSpc>
                 <a:spcPct val="90000"/>
               </a:lnSpc>
               <a:spcBef>
                 <a:spcPts val="500"/>
               </a:spcBef>
-              <a:buFont typeface="Arial" panose="020B0604020202020204" pitchFamily="34" charset="0"/>
+              <a:buFont typeface="Arial" panose="020B0604020202090204" pitchFamily="34" charset="0"/>
               <a:buChar char="•"/>
-              <a:defRPr sz="1800" b="false" i="false" kern="1200">
+              <a:defRPr sz="1800" b="0" i="0" kern="1200">
                 <a:solidFill>
                   <a:schemeClr val="tx1"/>
                 </a:solidFill>
-                <a:latin typeface="Microsoft YaHei" panose="020B0503020204020204" pitchFamily="34" charset="-122"/>
-                <a:ea typeface="Microsoft YaHei" panose="020B0503020204020204" pitchFamily="34" charset="-122"/>
+                <a:latin typeface="微软雅黑" panose="020B0503020204020204" pitchFamily="34" charset="-122"/>
+                <a:ea typeface="微软雅黑" panose="020B0503020204020204" pitchFamily="34" charset="-122"/>
                 <a:cs typeface="+mn-cs"/>
               </a:defRPr>
             </a:lvl4pPr>
-            <a:lvl5pPr marL="2057400" indent="-228600" algn="l" defTabSz="914400" rtl="false" eaLnBrk="true" latinLnBrk="false" hangingPunct="true">
+            <a:lvl5pPr marL="2057400" indent="-228600" algn="l" defTabSz="914400" rtl="0" eaLnBrk="1" latinLnBrk="0" hangingPunct="1">
               <a:lnSpc>
                 <a:spcPct val="90000"/>
               </a:lnSpc>
               <a:spcBef>
                 <a:spcPts val="500"/>
               </a:spcBef>
-              <a:buFont typeface="Arial" panose="020B0604020202020204" pitchFamily="34" charset="0"/>
+              <a:buFont typeface="Arial" panose="020B0604020202090204" pitchFamily="34" charset="0"/>
               <a:buChar char="•"/>
-              <a:defRPr sz="1800" b="false" i="false" kern="1200">
+              <a:defRPr sz="1800" b="0" i="0" kern="1200">
                 <a:solidFill>
                   <a:schemeClr val="tx1"/>
                 </a:solidFill>
-                <a:latin typeface="Microsoft YaHei" panose="020B0503020204020204" pitchFamily="34" charset="-122"/>
-                <a:ea typeface="Microsoft YaHei" panose="020B0503020204020204" pitchFamily="34" charset="-122"/>
+                <a:latin typeface="微软雅黑" panose="020B0503020204020204" pitchFamily="34" charset="-122"/>
+                <a:ea typeface="微软雅黑" panose="020B0503020204020204" pitchFamily="34" charset="-122"/>
                 <a:cs typeface="+mn-cs"/>
               </a:defRPr>
             </a:lvl5pPr>
-            <a:lvl6pPr marL="2514600" indent="-228600" algn="l" defTabSz="914400" rtl="false" eaLnBrk="true" latinLnBrk="false" hangingPunct="true">
+            <a:lvl6pPr marL="2514600" indent="-228600" algn="l" defTabSz="914400" rtl="0" eaLnBrk="1" latinLnBrk="0" hangingPunct="1">
               <a:lnSpc>
                 <a:spcPct val="90000"/>
               </a:lnSpc>
               <a:spcBef>
                 <a:spcPts val="500"/>
               </a:spcBef>
-              <a:buFont typeface="Arial" panose="020B0604020202020204" pitchFamily="34" charset="0"/>
+              <a:buFont typeface="Arial" panose="020B0604020202090204" pitchFamily="34" charset="0"/>
               <a:buChar char="•"/>
               <a:defRPr sz="1800" kern="1200">
                 <a:solidFill>
@@ -5660,14 +7621,14 @@
                 <a:cs typeface="+mn-cs"/>
               </a:defRPr>
             </a:lvl6pPr>
-            <a:lvl7pPr marL="2971800" indent="-228600" algn="l" defTabSz="914400" rtl="false" eaLnBrk="true" latinLnBrk="false" hangingPunct="true">
+            <a:lvl7pPr marL="2971800" indent="-228600" algn="l" defTabSz="914400" rtl="0" eaLnBrk="1" latinLnBrk="0" hangingPunct="1">
               <a:lnSpc>
                 <a:spcPct val="90000"/>
               </a:lnSpc>
               <a:spcBef>
                 <a:spcPts val="500"/>
               </a:spcBef>
-              <a:buFont typeface="Arial" panose="020B0604020202020204" pitchFamily="34" charset="0"/>
+              <a:buFont typeface="Arial" panose="020B0604020202090204" pitchFamily="34" charset="0"/>
               <a:buChar char="•"/>
               <a:defRPr sz="1800" kern="1200">
                 <a:solidFill>
@@ -5678,14 +7639,14 @@
                 <a:cs typeface="+mn-cs"/>
               </a:defRPr>
             </a:lvl7pPr>
-            <a:lvl8pPr marL="3429000" indent="-228600" algn="l" defTabSz="914400" rtl="false" eaLnBrk="true" latinLnBrk="false" hangingPunct="true">
+            <a:lvl8pPr marL="3429000" indent="-228600" algn="l" defTabSz="914400" rtl="0" eaLnBrk="1" latinLnBrk="0" hangingPunct="1">
               <a:lnSpc>
                 <a:spcPct val="90000"/>
               </a:lnSpc>
               <a:spcBef>
                 <a:spcPts val="500"/>
               </a:spcBef>
-              <a:buFont typeface="Arial" panose="020B0604020202020204" pitchFamily="34" charset="0"/>
+              <a:buFont typeface="Arial" panose="020B0604020202090204" pitchFamily="34" charset="0"/>
               <a:buChar char="•"/>
               <a:defRPr sz="1800" kern="1200">
                 <a:solidFill>
@@ -5696,14 +7657,14 @@
                 <a:cs typeface="+mn-cs"/>
               </a:defRPr>
             </a:lvl8pPr>
-            <a:lvl9pPr marL="3886200" indent="-228600" algn="l" defTabSz="914400" rtl="false" eaLnBrk="true" latinLnBrk="false" hangingPunct="true">
+            <a:lvl9pPr marL="3886200" indent="-228600" algn="l" defTabSz="914400" rtl="0" eaLnBrk="1" latinLnBrk="0" hangingPunct="1">
               <a:lnSpc>
                 <a:spcPct val="90000"/>
               </a:lnSpc>
               <a:spcBef>
                 <a:spcPts val="500"/>
               </a:spcBef>
-              <a:buFont typeface="Arial" panose="020B0604020202020204" pitchFamily="34" charset="0"/>
+              <a:buFont typeface="Arial" panose="020B0604020202090204" pitchFamily="34" charset="0"/>
               <a:buChar char="•"/>
               <a:defRPr sz="1800" kern="1200">
                 <a:solidFill>
@@ -5716,36 +7677,35 @@
             </a:lvl9pPr>
           </a:lstStyle>
           <a:p>
-            <a:pPr/>
             <a:r>
-              <a:rPr kumimoji="true" lang="en-US" altLang="zh-CN" sz="2000" spc="0" dirty="false"/>
+              <a:rPr kumimoji="1" lang="en-US" altLang="zh-CN" sz="2000" spc="0" dirty="0"/>
               <a:t>THANK</a:t>
             </a:r>
             <a:r>
-              <a:rPr kumimoji="true" lang="zh-CN" altLang="en-US" sz="2000" spc="0" dirty="false"/>
+              <a:rPr kumimoji="1" lang="zh-CN" altLang="en-US" sz="2000" spc="0" dirty="0"/>
               <a:t> </a:t>
             </a:r>
             <a:r>
-              <a:rPr kumimoji="true" lang="en-US" altLang="zh-CN" sz="2000" spc="0" dirty="false"/>
+              <a:rPr kumimoji="1" lang="en-US" altLang="zh-CN" sz="2000" spc="0" dirty="0"/>
               <a:t>YOU</a:t>
             </a:r>
             <a:r>
-              <a:rPr kumimoji="true" lang="zh-CN" altLang="en-US" sz="2000" spc="0" dirty="false"/>
+              <a:rPr kumimoji="1" lang="zh-CN" altLang="en-US" sz="2000" spc="0" dirty="0"/>
               <a:t> </a:t>
             </a:r>
             <a:r>
-              <a:rPr kumimoji="true" lang="en-US" altLang="zh-CN" sz="2000" spc="0" dirty="false"/>
+              <a:rPr kumimoji="1" lang="en-US" altLang="zh-CN" sz="2000" spc="0" dirty="0"/>
               <a:t>FOR</a:t>
             </a:r>
             <a:r>
-              <a:rPr kumimoji="true" lang="zh-CN" altLang="en-US" sz="2000" spc="0" dirty="false"/>
+              <a:rPr kumimoji="1" lang="zh-CN" altLang="en-US" sz="2000" spc="0" dirty="0"/>
               <a:t> </a:t>
             </a:r>
             <a:r>
-              <a:rPr kumimoji="true" lang="en-US" altLang="zh-CN" sz="2000" spc="0" dirty="false"/>
+              <a:rPr kumimoji="1" lang="en-US" altLang="zh-CN" sz="2000" spc="0" dirty="0"/>
               <a:t>WATCHING</a:t>
             </a:r>
-            <a:endParaRPr kumimoji="true" lang="zh-CN" altLang="en-US" sz="2000" spc="0" dirty="false"/>
+            <a:endParaRPr kumimoji="1" lang="zh-CN" altLang="en-US" sz="2000" spc="0" dirty="0"/>
           </a:p>
         </p:txBody>
       </p:sp>
@@ -5758,7 +7718,7 @@
 </file>
 
 <file path=ppt/slides/slide2.xml><?xml version="1.0" encoding="utf-8"?>
-<p:sld xmlns:a="http://schemas.openxmlformats.org/drawingml/2006/main" xmlns:p="http://schemas.openxmlformats.org/presentationml/2006/main">
+<p:sld xmlns:a="http://schemas.openxmlformats.org/drawingml/2006/main" xmlns:r="http://schemas.openxmlformats.org/officeDocument/2006/relationships" xmlns:p="http://schemas.openxmlformats.org/presentationml/2006/main">
   <p:cSld>
     <p:spTree>
       <p:nvGrpSpPr>
@@ -5790,7 +7750,7 @@
           </a:prstGeom>
         </p:spPr>
         <p:txBody>
-          <a:bodyPr wrap="none" anchor="b" anchorCtr="false">
+          <a:bodyPr wrap="none" anchor="b" anchorCtr="0">
             <a:spAutoFit/>
           </a:bodyPr>
           <a:lstStyle/>
@@ -5800,10 +7760,10 @@
                 <a:spcPct val="100000"/>
               </a:lnSpc>
               <a:spcBef>
-                <a:spcPct val="1"/>
+                <a:spcPct val="0"/>
               </a:spcBef>
               <a:spcAft>
-                <a:spcPct val="1"/>
+                <a:spcPct val="0"/>
               </a:spcAft>
               <a:buClrTx/>
               <a:buSzTx/>
@@ -5823,7 +7783,16 @@
               </a:rPr>
               <a:t>目录</a:t>
             </a:r>
-            <a:endParaRPr/>
+            <a:endParaRPr lang="zh-CN" sz="5400">
+              <a:solidFill>
+                <a:schemeClr val="accent1">
+                  <a:alpha val="100000"/>
+                </a:schemeClr>
+              </a:solidFill>
+              <a:latin typeface="微软雅黑"/>
+              <a:ea typeface="微软雅黑"/>
+              <a:cs typeface="+mn-cs"/>
+            </a:endParaRPr>
           </a:p>
         </p:txBody>
       </p:sp>
@@ -5864,7 +7833,7 @@
       </p:cxnSp>
       <p:grpSp>
         <p:nvGrpSpPr>
-          <p:cNvPr id="62" name="" descr="{&quot;isTemplate&quot;:true,&quot;type&quot;:&quot;list&quot;,&quot;alignment&quot;:&quot;left&quot;,&quot;alignmentVertical&quot;:&quot;top&quot;,&quot;canOmit&quot;:false,&quot;scalable&quot;:false,&quot;minItemsCount&quot;:0}"/>
+          <p:cNvPr id="62" name="组合 61" descr="{&quot;isTemplate&quot;:true,&quot;type&quot;:&quot;list&quot;,&quot;alignment&quot;:&quot;left&quot;,&quot;alignmentVertical&quot;:&quot;top&quot;,&quot;canOmit&quot;:false,&quot;scalable&quot;:false,&quot;minItemsCount&quot;:0}"/>
           <p:cNvGrpSpPr/>
           <p:nvPr/>
         </p:nvGrpSpPr>
@@ -5878,7 +7847,7 @@
         </p:grpSpPr>
         <p:grpSp>
           <p:nvGrpSpPr>
-            <p:cNvPr id="63" name=""/>
+            <p:cNvPr id="63" name="组合 62"/>
             <p:cNvGrpSpPr/>
             <p:nvPr/>
           </p:nvGrpSpPr>
@@ -5893,11 +7862,11 @@
           <p:sp>
             <p:nvSpPr>
               <p:cNvPr id="64" name="Tencent"/>
-              <p:cNvSpPr txBox="true"/>
+              <p:cNvSpPr txBox="1"/>
               <p:nvPr/>
             </p:nvSpPr>
             <p:spPr>
-              <a:xfrm rot="0" flipH="false" flipV="false">
+              <a:xfrm>
                 <a:off x="660400" y="3432334"/>
                 <a:ext cx="914400" cy="831851"/>
               </a:xfrm>
@@ -5905,10 +7874,9 @@
                 <a:avLst/>
               </a:prstGeom>
               <a:noFill/>
-              <a:ln/>
             </p:spPr>
             <p:txBody>
-              <a:bodyPr wrap="square" rtlCol="false" anchor="b" anchorCtr="false">
+              <a:bodyPr wrap="square" rtlCol="0" anchor="b" anchorCtr="0">
                 <a:noAutofit/>
               </a:bodyPr>
               <a:lstStyle/>
@@ -5941,11 +7909,11 @@
           <p:sp>
             <p:nvSpPr>
               <p:cNvPr id="65" name="Tencent" descr="{&quot;isTemplate&quot;:true,&quot;type&quot;:&quot;title&quot;,&quot;canOmit&quot;:false,&quot;range&quot;:0}"/>
-              <p:cNvSpPr txBox="true"/>
+              <p:cNvSpPr txBox="1"/>
               <p:nvPr/>
             </p:nvSpPr>
             <p:spPr>
-              <a:xfrm rot="0" flipH="false" flipV="false">
+              <a:xfrm>
                 <a:off x="1621873" y="3651410"/>
                 <a:ext cx="2743200" cy="393700"/>
               </a:xfrm>
@@ -5953,10 +7921,9 @@
                 <a:avLst/>
               </a:prstGeom>
               <a:noFill/>
-              <a:ln/>
             </p:spPr>
             <p:txBody>
-              <a:bodyPr wrap="none" lIns="90000" tIns="46800" rIns="90000" bIns="46800" rtlCol="false" anchor="b" anchorCtr="false">
+              <a:bodyPr wrap="none" lIns="90000" tIns="46800" rIns="90000" bIns="46800" rtlCol="0" anchor="b" anchorCtr="0">
                 <a:noAutofit/>
               </a:bodyPr>
               <a:lstStyle/>
@@ -5968,13 +7935,13 @@
                   <a:buNone/>
                 </a:pPr>
                 <a:r>
-                  <a:rPr lang="zh-CN" sz="1800" b="true">
+                  <a:rPr lang="zh-CN" sz="1800" b="1">
                     <a:latin typeface="微软雅黑"/>
                     <a:ea typeface="微软雅黑"/>
                   </a:rPr>
                   <a:t>历史背景与核心脉络</a:t>
                 </a:r>
-                <a:endParaRPr lang="en-US" sz="2000" b="true">
+                <a:endParaRPr lang="en-US" sz="2000" b="1">
                   <a:latin typeface="微软雅黑"/>
                   <a:ea typeface="微软雅黑"/>
                 </a:endParaRPr>
@@ -5984,7 +7951,7 @@
         </p:grpSp>
         <p:grpSp>
           <p:nvGrpSpPr>
-            <p:cNvPr id="66" name=""/>
+            <p:cNvPr id="66" name="组合 65"/>
             <p:cNvGrpSpPr/>
             <p:nvPr/>
           </p:nvGrpSpPr>
@@ -5999,11 +7966,11 @@
           <p:sp>
             <p:nvSpPr>
               <p:cNvPr id="67" name="Tencent"/>
-              <p:cNvSpPr txBox="true"/>
+              <p:cNvSpPr txBox="1"/>
               <p:nvPr/>
             </p:nvSpPr>
             <p:spPr>
-              <a:xfrm rot="0" flipH="false" flipV="false">
+              <a:xfrm>
                 <a:off x="4424934" y="3432761"/>
                 <a:ext cx="914400" cy="830997"/>
               </a:xfrm>
@@ -6011,10 +7978,9 @@
                 <a:avLst/>
               </a:prstGeom>
               <a:noFill/>
-              <a:ln/>
             </p:spPr>
             <p:txBody>
-              <a:bodyPr wrap="none" rtlCol="false" anchor="b" anchorCtr="false">
+              <a:bodyPr wrap="none" rtlCol="0" anchor="b" anchorCtr="0">
                 <a:noAutofit/>
               </a:bodyPr>
               <a:lstStyle/>
@@ -6047,11 +8013,11 @@
           <p:sp>
             <p:nvSpPr>
               <p:cNvPr id="68" name="Tencent" descr="{&quot;isTemplate&quot;:true,&quot;type&quot;:&quot;title&quot;,&quot;canOmit&quot;:false,&quot;range&quot;:0}"/>
-              <p:cNvSpPr txBox="true"/>
+              <p:cNvSpPr txBox="1"/>
               <p:nvPr/>
             </p:nvSpPr>
             <p:spPr>
-              <a:xfrm rot="0" flipH="false" flipV="false">
+              <a:xfrm>
                 <a:off x="5381709" y="3647114"/>
                 <a:ext cx="2743200" cy="402291"/>
               </a:xfrm>
@@ -6059,10 +8025,9 @@
                 <a:avLst/>
               </a:prstGeom>
               <a:noFill/>
-              <a:ln/>
             </p:spPr>
             <p:txBody>
-              <a:bodyPr wrap="none" lIns="90000" tIns="46800" rIns="90000" bIns="46800" rtlCol="false" anchor="b" anchorCtr="false">
+              <a:bodyPr wrap="none" lIns="90000" tIns="46800" rIns="90000" bIns="46800" rtlCol="0" anchor="b" anchorCtr="0">
                 <a:noAutofit/>
               </a:bodyPr>
               <a:lstStyle/>
@@ -6074,13 +8039,13 @@
                   <a:buNone/>
                 </a:pPr>
                 <a:r>
-                  <a:rPr lang="zh-CN" sz="1800" b="true">
+                  <a:rPr lang="zh-CN" sz="1800" b="1">
                     <a:latin typeface="微软雅黑"/>
                     <a:ea typeface="微软雅黑"/>
                   </a:rPr>
                   <a:t>人物形象与现代启示</a:t>
                 </a:r>
-                <a:endParaRPr lang="en-US" sz="2000" b="true">
+                <a:endParaRPr lang="en-US" sz="2000" b="1">
                   <a:latin typeface="微软雅黑"/>
                   <a:ea typeface="微软雅黑"/>
                 </a:endParaRPr>
@@ -6098,7 +8063,7 @@
 </file>
 
 <file path=ppt/slides/slide3.xml><?xml version="1.0" encoding="utf-8"?>
-<p:sld xmlns:a="http://schemas.openxmlformats.org/drawingml/2006/main" xmlns:p="http://schemas.openxmlformats.org/presentationml/2006/main">
+<p:sld xmlns:a="http://schemas.openxmlformats.org/drawingml/2006/main" xmlns:r="http://schemas.openxmlformats.org/officeDocument/2006/relationships" xmlns:p="http://schemas.openxmlformats.org/presentationml/2006/main">
   <p:cSld>
     <p:spTree>
       <p:nvGrpSpPr>
@@ -6117,11 +8082,11 @@
       <p:sp>
         <p:nvSpPr>
           <p:cNvPr id="70" name="标题 1" descr="{&quot;isTemplate&quot;:true,&quot;type&quot;:&quot;title&quot;,&quot;canOmit&quot;:false,&quot;range&quot;:0}"/>
-          <p:cNvSpPr txBox="true"/>
+          <p:cNvSpPr txBox="1"/>
           <p:nvPr/>
         </p:nvSpPr>
         <p:spPr>
-          <a:xfrm rot="0" flipH="false" flipV="false">
+          <a:xfrm>
             <a:off x="392698" y="4923294"/>
             <a:ext cx="11330940" cy="1079500"/>
           </a:xfrm>
@@ -6130,24 +8095,24 @@
           </a:prstGeom>
         </p:spPr>
         <p:txBody>
-          <a:bodyPr vert="horz" wrap="square" lIns="91440" tIns="45720" rIns="91440" bIns="45720" rtlCol="false" anchor="b">
-            <a:normAutofit fontScale="100000"/>
+          <a:bodyPr vert="horz" wrap="square" lIns="91440" tIns="45720" rIns="91440" bIns="45720" rtlCol="0" anchor="b">
+            <a:normAutofit/>
           </a:bodyPr>
           <a:lstStyle>
-            <a:lvl1pPr algn="l" defTabSz="914400" rtl="false" eaLnBrk="true" latinLnBrk="false" hangingPunct="true">
+            <a:lvl1pPr algn="l" defTabSz="914400" rtl="0" eaLnBrk="1" latinLnBrk="0" hangingPunct="1">
               <a:lnSpc>
                 <a:spcPct val="90000"/>
               </a:lnSpc>
               <a:spcBef>
-                <a:spcPct val="1"/>
+                <a:spcPct val="0"/>
               </a:spcBef>
               <a:buNone/>
-              <a:defRPr sz="8800" b="false" i="false" kern="1200" spc="300">
+              <a:defRPr sz="8800" b="0" i="0" kern="1200" spc="300">
                 <a:solidFill>
                   <a:schemeClr val="bg1"/>
                 </a:solidFill>
-                <a:latin typeface="Microsoft YaHei" panose="020B0503020204020204" pitchFamily="34" charset="-122"/>
-                <a:ea typeface="Microsoft YaHei" panose="020B0503020204020204" pitchFamily="34" charset="-122"/>
+                <a:latin typeface="微软雅黑" panose="020B0503020204020204" pitchFamily="34" charset="-122"/>
+                <a:ea typeface="微软雅黑" panose="020B0503020204020204" pitchFamily="34" charset="-122"/>
                 <a:cs typeface="+mj-cs"/>
               </a:defRPr>
             </a:lvl1pPr>
@@ -6163,14 +8128,14 @@
               <a:rPr lang="zh-CN" sz="7200"/>
               <a:t>历史背景与核心脉络</a:t>
             </a:r>
-            <a:endParaRPr/>
+            <a:endParaRPr lang="zh-CN" sz="7200"/>
           </a:p>
         </p:txBody>
       </p:sp>
       <p:sp>
         <p:nvSpPr>
           <p:cNvPr id="71" name="标题 1"/>
-          <p:cNvSpPr txBox="true"/>
+          <p:cNvSpPr txBox="1"/>
           <p:nvPr/>
         </p:nvSpPr>
         <p:spPr>
@@ -6183,38 +8148,37 @@
           </a:prstGeom>
         </p:spPr>
         <p:txBody>
-          <a:bodyPr vert="horz" wrap="none" lIns="91440" tIns="45720" rIns="91440" bIns="45720" rtlCol="false" anchor="b">
+          <a:bodyPr vert="horz" wrap="none" lIns="91440" tIns="45720" rIns="91440" bIns="45720" rtlCol="0" anchor="b">
             <a:spAutoFit/>
           </a:bodyPr>
           <a:lstStyle>
-            <a:lvl1pPr algn="l" defTabSz="914400" rtl="false" eaLnBrk="true" latinLnBrk="false" hangingPunct="true">
+            <a:lvl1pPr algn="l" defTabSz="914400" rtl="0" eaLnBrk="1" latinLnBrk="0" hangingPunct="1">
               <a:lnSpc>
                 <a:spcPct val="90000"/>
               </a:lnSpc>
               <a:spcBef>
-                <a:spcPct val="1"/>
+                <a:spcPct val="0"/>
               </a:spcBef>
               <a:buNone/>
-              <a:defRPr sz="8800" b="false" i="false" kern="1200" spc="300">
+              <a:defRPr sz="8800" b="0" i="0" kern="1200" spc="300">
                 <a:solidFill>
                   <a:schemeClr val="bg1"/>
                 </a:solidFill>
-                <a:latin typeface="Microsoft YaHei" panose="020B0503020204020204" pitchFamily="34" charset="-122"/>
-                <a:ea typeface="Microsoft YaHei" panose="020B0503020204020204" pitchFamily="34" charset="-122"/>
+                <a:latin typeface="微软雅黑" panose="020B0503020204020204" pitchFamily="34" charset="-122"/>
+                <a:ea typeface="微软雅黑" panose="020B0503020204020204" pitchFamily="34" charset="-122"/>
                 <a:cs typeface="+mj-cs"/>
               </a:defRPr>
             </a:lvl1pPr>
           </a:lstStyle>
           <a:p>
-            <a:pPr/>
             <a:r>
-              <a:rPr kumimoji="true" lang="en-US" altLang="zh-CN" dirty="false">
+              <a:rPr kumimoji="1" lang="en-US" altLang="zh-CN" dirty="0">
                 <a:latin typeface="Microsoft YaHei Light" panose="020B0503020204020204" pitchFamily="34" charset="-122"/>
                 <a:ea typeface="Microsoft YaHei Light" panose="020B0503020204020204" pitchFamily="34" charset="-122"/>
               </a:rPr>
               <a:t>01</a:t>
             </a:r>
-            <a:endParaRPr kumimoji="true" lang="zh-CN" altLang="en-US" dirty="false">
+            <a:endParaRPr kumimoji="1" lang="zh-CN" altLang="en-US" dirty="0">
               <a:latin typeface="Microsoft YaHei Light" panose="020B0503020204020204" pitchFamily="34" charset="-122"/>
               <a:ea typeface="Microsoft YaHei Light" panose="020B0503020204020204" pitchFamily="34" charset="-122"/>
             </a:endParaRPr>
@@ -6230,7 +8194,7 @@
 </file>
 
 <file path=ppt/slides/slide4.xml><?xml version="1.0" encoding="utf-8"?>
-<p:sld xmlns:a="http://schemas.openxmlformats.org/drawingml/2006/main" xmlns:p="http://schemas.openxmlformats.org/presentationml/2006/main">
+<p:sld xmlns:a="http://schemas.openxmlformats.org/drawingml/2006/main" xmlns:r="http://schemas.openxmlformats.org/officeDocument/2006/relationships" xmlns:p="http://schemas.openxmlformats.org/presentationml/2006/main">
   <p:cSld>
     <p:spTree>
       <p:nvGrpSpPr>
@@ -6253,7 +8217,7 @@
           <p:nvPr/>
         </p:nvSpPr>
         <p:spPr bwMode="auto">
-          <a:xfrm rot="0" flipH="true" flipV="false">
+          <a:xfrm flipH="1">
             <a:off x="6076780" y="4409176"/>
             <a:ext cx="4739295" cy="1011197"/>
           </a:xfrm>
@@ -6346,12 +8310,12 @@
           </a:ln>
         </p:spPr>
         <p:txBody>
-          <a:bodyPr vert="horz" wrap="square" lIns="91440" tIns="45720" rIns="91440" bIns="45720" numCol="1" anchor="t" anchorCtr="false" compatLnSpc="true"/>
+          <a:bodyPr vert="horz" wrap="square" lIns="91440" tIns="45720" rIns="91440" bIns="45720" numCol="1" anchor="t" anchorCtr="0" compatLnSpc="1"/>
           <a:lstStyle>
             <a:defPPr>
               <a:defRPr lang="en-US"/>
             </a:defPPr>
-            <a:lvl1pPr marL="0" algn="l" defTabSz="1219200" rtl="false" eaLnBrk="true" latinLnBrk="false" hangingPunct="true">
+            <a:lvl1pPr marL="0" algn="l" defTabSz="1219200" rtl="0" eaLnBrk="1" latinLnBrk="0" hangingPunct="1">
               <a:defRPr sz="2400" kern="1200">
                 <a:solidFill>
                   <a:schemeClr val="tx1"/>
@@ -6361,7 +8325,7 @@
                 <a:cs typeface="+mn-cs"/>
               </a:defRPr>
             </a:lvl1pPr>
-            <a:lvl2pPr marL="609600" algn="l" defTabSz="1219200" rtl="false" eaLnBrk="true" latinLnBrk="false" hangingPunct="true">
+            <a:lvl2pPr marL="609600" algn="l" defTabSz="1219200" rtl="0" eaLnBrk="1" latinLnBrk="0" hangingPunct="1">
               <a:defRPr sz="2400" kern="1200">
                 <a:solidFill>
                   <a:schemeClr val="tx1"/>
@@ -6371,7 +8335,7 @@
                 <a:cs typeface="+mn-cs"/>
               </a:defRPr>
             </a:lvl2pPr>
-            <a:lvl3pPr marL="1219200" algn="l" defTabSz="1219200" rtl="false" eaLnBrk="true" latinLnBrk="false" hangingPunct="true">
+            <a:lvl3pPr marL="1219200" algn="l" defTabSz="1219200" rtl="0" eaLnBrk="1" latinLnBrk="0" hangingPunct="1">
               <a:defRPr sz="2400" kern="1200">
                 <a:solidFill>
                   <a:schemeClr val="tx1"/>
@@ -6381,7 +8345,7 @@
                 <a:cs typeface="+mn-cs"/>
               </a:defRPr>
             </a:lvl3pPr>
-            <a:lvl4pPr marL="1828165" algn="l" defTabSz="1219200" rtl="false" eaLnBrk="true" latinLnBrk="false" hangingPunct="true">
+            <a:lvl4pPr marL="1828165" algn="l" defTabSz="1219200" rtl="0" eaLnBrk="1" latinLnBrk="0" hangingPunct="1">
               <a:defRPr sz="2400" kern="1200">
                 <a:solidFill>
                   <a:schemeClr val="tx1"/>
@@ -6391,7 +8355,7 @@
                 <a:cs typeface="+mn-cs"/>
               </a:defRPr>
             </a:lvl4pPr>
-            <a:lvl5pPr marL="2437765" algn="l" defTabSz="1219200" rtl="false" eaLnBrk="true" latinLnBrk="false" hangingPunct="true">
+            <a:lvl5pPr marL="2437765" algn="l" defTabSz="1219200" rtl="0" eaLnBrk="1" latinLnBrk="0" hangingPunct="1">
               <a:defRPr sz="2400" kern="1200">
                 <a:solidFill>
                   <a:schemeClr val="tx1"/>
@@ -6401,7 +8365,7 @@
                 <a:cs typeface="+mn-cs"/>
               </a:defRPr>
             </a:lvl5pPr>
-            <a:lvl6pPr marL="3047365" algn="l" defTabSz="1219200" rtl="false" eaLnBrk="true" latinLnBrk="false" hangingPunct="true">
+            <a:lvl6pPr marL="3047365" algn="l" defTabSz="1219200" rtl="0" eaLnBrk="1" latinLnBrk="0" hangingPunct="1">
               <a:defRPr sz="2400" kern="1200">
                 <a:solidFill>
                   <a:schemeClr val="tx1"/>
@@ -6411,7 +8375,7 @@
                 <a:cs typeface="+mn-cs"/>
               </a:defRPr>
             </a:lvl6pPr>
-            <a:lvl7pPr marL="3656965" algn="l" defTabSz="1219200" rtl="false" eaLnBrk="true" latinLnBrk="false" hangingPunct="true">
+            <a:lvl7pPr marL="3656965" algn="l" defTabSz="1219200" rtl="0" eaLnBrk="1" latinLnBrk="0" hangingPunct="1">
               <a:defRPr sz="2400" kern="1200">
                 <a:solidFill>
                   <a:schemeClr val="tx1"/>
@@ -6421,7 +8385,7 @@
                 <a:cs typeface="+mn-cs"/>
               </a:defRPr>
             </a:lvl7pPr>
-            <a:lvl8pPr marL="4266565" algn="l" defTabSz="1219200" rtl="false" eaLnBrk="true" latinLnBrk="false" hangingPunct="true">
+            <a:lvl8pPr marL="4266565" algn="l" defTabSz="1219200" rtl="0" eaLnBrk="1" latinLnBrk="0" hangingPunct="1">
               <a:defRPr sz="2400" kern="1200">
                 <a:solidFill>
                   <a:schemeClr val="tx1"/>
@@ -6431,7 +8395,7 @@
                 <a:cs typeface="+mn-cs"/>
               </a:defRPr>
             </a:lvl8pPr>
-            <a:lvl9pPr marL="4876165" algn="l" defTabSz="1219200" rtl="false" eaLnBrk="true" latinLnBrk="false" hangingPunct="true">
+            <a:lvl9pPr marL="4876165" algn="l" defTabSz="1219200" rtl="0" eaLnBrk="1" latinLnBrk="0" hangingPunct="1">
               <a:defRPr sz="2400" kern="1200">
                 <a:solidFill>
                   <a:schemeClr val="tx1"/>
@@ -6443,7 +8407,6 @@
             </a:lvl9pPr>
           </a:lstStyle>
           <a:p>
-            <a:pPr/>
             <a:endParaRPr lang="en-US">
               <a:latin typeface="默认字体"/>
               <a:ea typeface="默认字体"/>
@@ -6460,7 +8423,7 @@
           <p:nvPr/>
         </p:nvSpPr>
         <p:spPr bwMode="auto">
-          <a:xfrm rot="0" flipH="true" flipV="false">
+          <a:xfrm flipH="1">
             <a:off x="7180108" y="3401214"/>
             <a:ext cx="3635967" cy="1008771"/>
           </a:xfrm>
@@ -6553,12 +8516,12 @@
           </a:ln>
         </p:spPr>
         <p:txBody>
-          <a:bodyPr vert="horz" wrap="square" lIns="91440" tIns="45720" rIns="91440" bIns="45720" numCol="1" anchor="t" anchorCtr="false" compatLnSpc="true"/>
+          <a:bodyPr vert="horz" wrap="square" lIns="91440" tIns="45720" rIns="91440" bIns="45720" numCol="1" anchor="t" anchorCtr="0" compatLnSpc="1"/>
           <a:lstStyle>
             <a:defPPr>
               <a:defRPr lang="en-US"/>
             </a:defPPr>
-            <a:lvl1pPr marL="0" algn="l" defTabSz="1219200" rtl="false" eaLnBrk="true" latinLnBrk="false" hangingPunct="true">
+            <a:lvl1pPr marL="0" algn="l" defTabSz="1219200" rtl="0" eaLnBrk="1" latinLnBrk="0" hangingPunct="1">
               <a:defRPr sz="2400" kern="1200">
                 <a:solidFill>
                   <a:schemeClr val="tx1"/>
@@ -6568,7 +8531,7 @@
                 <a:cs typeface="+mn-cs"/>
               </a:defRPr>
             </a:lvl1pPr>
-            <a:lvl2pPr marL="609600" algn="l" defTabSz="1219200" rtl="false" eaLnBrk="true" latinLnBrk="false" hangingPunct="true">
+            <a:lvl2pPr marL="609600" algn="l" defTabSz="1219200" rtl="0" eaLnBrk="1" latinLnBrk="0" hangingPunct="1">
               <a:defRPr sz="2400" kern="1200">
                 <a:solidFill>
                   <a:schemeClr val="tx1"/>
@@ -6578,7 +8541,7 @@
                 <a:cs typeface="+mn-cs"/>
               </a:defRPr>
             </a:lvl2pPr>
-            <a:lvl3pPr marL="1219200" algn="l" defTabSz="1219200" rtl="false" eaLnBrk="true" latinLnBrk="false" hangingPunct="true">
+            <a:lvl3pPr marL="1219200" algn="l" defTabSz="1219200" rtl="0" eaLnBrk="1" latinLnBrk="0" hangingPunct="1">
               <a:defRPr sz="2400" kern="1200">
                 <a:solidFill>
                   <a:schemeClr val="tx1"/>
@@ -6588,7 +8551,7 @@
                 <a:cs typeface="+mn-cs"/>
               </a:defRPr>
             </a:lvl3pPr>
-            <a:lvl4pPr marL="1828165" algn="l" defTabSz="1219200" rtl="false" eaLnBrk="true" latinLnBrk="false" hangingPunct="true">
+            <a:lvl4pPr marL="1828165" algn="l" defTabSz="1219200" rtl="0" eaLnBrk="1" latinLnBrk="0" hangingPunct="1">
               <a:defRPr sz="2400" kern="1200">
                 <a:solidFill>
                   <a:schemeClr val="tx1"/>
@@ -6598,7 +8561,7 @@
                 <a:cs typeface="+mn-cs"/>
               </a:defRPr>
             </a:lvl4pPr>
-            <a:lvl5pPr marL="2437765" algn="l" defTabSz="1219200" rtl="false" eaLnBrk="true" latinLnBrk="false" hangingPunct="true">
+            <a:lvl5pPr marL="2437765" algn="l" defTabSz="1219200" rtl="0" eaLnBrk="1" latinLnBrk="0" hangingPunct="1">
               <a:defRPr sz="2400" kern="1200">
                 <a:solidFill>
                   <a:schemeClr val="tx1"/>
@@ -6608,7 +8571,7 @@
                 <a:cs typeface="+mn-cs"/>
               </a:defRPr>
             </a:lvl5pPr>
-            <a:lvl6pPr marL="3047365" algn="l" defTabSz="1219200" rtl="false" eaLnBrk="true" latinLnBrk="false" hangingPunct="true">
+            <a:lvl6pPr marL="3047365" algn="l" defTabSz="1219200" rtl="0" eaLnBrk="1" latinLnBrk="0" hangingPunct="1">
               <a:defRPr sz="2400" kern="1200">
                 <a:solidFill>
                   <a:schemeClr val="tx1"/>
@@ -6618,7 +8581,7 @@
                 <a:cs typeface="+mn-cs"/>
               </a:defRPr>
             </a:lvl6pPr>
-            <a:lvl7pPr marL="3656965" algn="l" defTabSz="1219200" rtl="false" eaLnBrk="true" latinLnBrk="false" hangingPunct="true">
+            <a:lvl7pPr marL="3656965" algn="l" defTabSz="1219200" rtl="0" eaLnBrk="1" latinLnBrk="0" hangingPunct="1">
               <a:defRPr sz="2400" kern="1200">
                 <a:solidFill>
                   <a:schemeClr val="tx1"/>
@@ -6628,7 +8591,7 @@
                 <a:cs typeface="+mn-cs"/>
               </a:defRPr>
             </a:lvl7pPr>
-            <a:lvl8pPr marL="4266565" algn="l" defTabSz="1219200" rtl="false" eaLnBrk="true" latinLnBrk="false" hangingPunct="true">
+            <a:lvl8pPr marL="4266565" algn="l" defTabSz="1219200" rtl="0" eaLnBrk="1" latinLnBrk="0" hangingPunct="1">
               <a:defRPr sz="2400" kern="1200">
                 <a:solidFill>
                   <a:schemeClr val="tx1"/>
@@ -6638,7 +8601,7 @@
                 <a:cs typeface="+mn-cs"/>
               </a:defRPr>
             </a:lvl8pPr>
-            <a:lvl9pPr marL="4876165" algn="l" defTabSz="1219200" rtl="false" eaLnBrk="true" latinLnBrk="false" hangingPunct="true">
+            <a:lvl9pPr marL="4876165" algn="l" defTabSz="1219200" rtl="0" eaLnBrk="1" latinLnBrk="0" hangingPunct="1">
               <a:defRPr sz="2400" kern="1200">
                 <a:solidFill>
                   <a:schemeClr val="tx1"/>
@@ -6650,7 +8613,6 @@
             </a:lvl9pPr>
           </a:lstStyle>
           <a:p>
-            <a:pPr/>
             <a:endParaRPr lang="en-US">
               <a:latin typeface="默认字体"/>
               <a:ea typeface="默认字体"/>
@@ -6667,7 +8629,7 @@
           <p:nvPr/>
         </p:nvSpPr>
         <p:spPr bwMode="auto">
-          <a:xfrm rot="0" flipH="true" flipV="false">
+          <a:xfrm flipH="1">
             <a:off x="6939867" y="2392442"/>
             <a:ext cx="3876207" cy="1008771"/>
           </a:xfrm>
@@ -6760,12 +8722,12 @@
           </a:ln>
         </p:spPr>
         <p:txBody>
-          <a:bodyPr vert="horz" wrap="square" lIns="91440" tIns="45720" rIns="91440" bIns="45720" numCol="1" anchor="t" anchorCtr="false" compatLnSpc="true"/>
+          <a:bodyPr vert="horz" wrap="square" lIns="91440" tIns="45720" rIns="91440" bIns="45720" numCol="1" anchor="t" anchorCtr="0" compatLnSpc="1"/>
           <a:lstStyle>
             <a:defPPr>
               <a:defRPr lang="en-US"/>
             </a:defPPr>
-            <a:lvl1pPr marL="0" algn="l" defTabSz="1219200" rtl="false" eaLnBrk="true" latinLnBrk="false" hangingPunct="true">
+            <a:lvl1pPr marL="0" algn="l" defTabSz="1219200" rtl="0" eaLnBrk="1" latinLnBrk="0" hangingPunct="1">
               <a:defRPr sz="2400" kern="1200">
                 <a:solidFill>
                   <a:schemeClr val="tx1"/>
@@ -6775,7 +8737,7 @@
                 <a:cs typeface="+mn-cs"/>
               </a:defRPr>
             </a:lvl1pPr>
-            <a:lvl2pPr marL="609600" algn="l" defTabSz="1219200" rtl="false" eaLnBrk="true" latinLnBrk="false" hangingPunct="true">
+            <a:lvl2pPr marL="609600" algn="l" defTabSz="1219200" rtl="0" eaLnBrk="1" latinLnBrk="0" hangingPunct="1">
               <a:defRPr sz="2400" kern="1200">
                 <a:solidFill>
                   <a:schemeClr val="tx1"/>
@@ -6785,7 +8747,7 @@
                 <a:cs typeface="+mn-cs"/>
               </a:defRPr>
             </a:lvl2pPr>
-            <a:lvl3pPr marL="1219200" algn="l" defTabSz="1219200" rtl="false" eaLnBrk="true" latinLnBrk="false" hangingPunct="true">
+            <a:lvl3pPr marL="1219200" algn="l" defTabSz="1219200" rtl="0" eaLnBrk="1" latinLnBrk="0" hangingPunct="1">
               <a:defRPr sz="2400" kern="1200">
                 <a:solidFill>
                   <a:schemeClr val="tx1"/>
@@ -6795,7 +8757,7 @@
                 <a:cs typeface="+mn-cs"/>
               </a:defRPr>
             </a:lvl3pPr>
-            <a:lvl4pPr marL="1828165" algn="l" defTabSz="1219200" rtl="false" eaLnBrk="true" latinLnBrk="false" hangingPunct="true">
+            <a:lvl4pPr marL="1828165" algn="l" defTabSz="1219200" rtl="0" eaLnBrk="1" latinLnBrk="0" hangingPunct="1">
               <a:defRPr sz="2400" kern="1200">
                 <a:solidFill>
                   <a:schemeClr val="tx1"/>
@@ -6805,7 +8767,7 @@
                 <a:cs typeface="+mn-cs"/>
               </a:defRPr>
             </a:lvl4pPr>
-            <a:lvl5pPr marL="2437765" algn="l" defTabSz="1219200" rtl="false" eaLnBrk="true" latinLnBrk="false" hangingPunct="true">
+            <a:lvl5pPr marL="2437765" algn="l" defTabSz="1219200" rtl="0" eaLnBrk="1" latinLnBrk="0" hangingPunct="1">
               <a:defRPr sz="2400" kern="1200">
                 <a:solidFill>
                   <a:schemeClr val="tx1"/>
@@ -6815,7 +8777,7 @@
                 <a:cs typeface="+mn-cs"/>
               </a:defRPr>
             </a:lvl5pPr>
-            <a:lvl6pPr marL="3047365" algn="l" defTabSz="1219200" rtl="false" eaLnBrk="true" latinLnBrk="false" hangingPunct="true">
+            <a:lvl6pPr marL="3047365" algn="l" defTabSz="1219200" rtl="0" eaLnBrk="1" latinLnBrk="0" hangingPunct="1">
               <a:defRPr sz="2400" kern="1200">
                 <a:solidFill>
                   <a:schemeClr val="tx1"/>
@@ -6825,7 +8787,7 @@
                 <a:cs typeface="+mn-cs"/>
               </a:defRPr>
             </a:lvl6pPr>
-            <a:lvl7pPr marL="3656965" algn="l" defTabSz="1219200" rtl="false" eaLnBrk="true" latinLnBrk="false" hangingPunct="true">
+            <a:lvl7pPr marL="3656965" algn="l" defTabSz="1219200" rtl="0" eaLnBrk="1" latinLnBrk="0" hangingPunct="1">
               <a:defRPr sz="2400" kern="1200">
                 <a:solidFill>
                   <a:schemeClr val="tx1"/>
@@ -6835,7 +8797,7 @@
                 <a:cs typeface="+mn-cs"/>
               </a:defRPr>
             </a:lvl7pPr>
-            <a:lvl8pPr marL="4266565" algn="l" defTabSz="1219200" rtl="false" eaLnBrk="true" latinLnBrk="false" hangingPunct="true">
+            <a:lvl8pPr marL="4266565" algn="l" defTabSz="1219200" rtl="0" eaLnBrk="1" latinLnBrk="0" hangingPunct="1">
               <a:defRPr sz="2400" kern="1200">
                 <a:solidFill>
                   <a:schemeClr val="tx1"/>
@@ -6845,7 +8807,7 @@
                 <a:cs typeface="+mn-cs"/>
               </a:defRPr>
             </a:lvl8pPr>
-            <a:lvl9pPr marL="4876165" algn="l" defTabSz="1219200" rtl="false" eaLnBrk="true" latinLnBrk="false" hangingPunct="true">
+            <a:lvl9pPr marL="4876165" algn="l" defTabSz="1219200" rtl="0" eaLnBrk="1" latinLnBrk="0" hangingPunct="1">
               <a:defRPr sz="2400" kern="1200">
                 <a:solidFill>
                   <a:schemeClr val="tx1"/>
@@ -6857,7 +8819,6 @@
             </a:lvl9pPr>
           </a:lstStyle>
           <a:p>
-            <a:pPr/>
             <a:endParaRPr lang="en-US">
               <a:latin typeface="默认字体"/>
               <a:ea typeface="默认字体"/>
@@ -6874,7 +8835,7 @@
           <p:nvPr/>
         </p:nvSpPr>
         <p:spPr bwMode="auto">
-          <a:xfrm rot="0" flipH="true" flipV="false">
+          <a:xfrm flipH="1">
             <a:off x="10808796" y="2392442"/>
             <a:ext cx="1383204" cy="1008771"/>
           </a:xfrm>
@@ -6943,12 +8904,12 @@
           </a:ln>
         </p:spPr>
         <p:txBody>
-          <a:bodyPr vert="horz" wrap="square" lIns="91440" tIns="45720" rIns="91440" bIns="45720" numCol="1" anchor="t" anchorCtr="false" compatLnSpc="true"/>
+          <a:bodyPr vert="horz" wrap="square" lIns="91440" tIns="45720" rIns="91440" bIns="45720" numCol="1" anchor="t" anchorCtr="0" compatLnSpc="1"/>
           <a:lstStyle>
             <a:defPPr>
               <a:defRPr lang="en-US"/>
             </a:defPPr>
-            <a:lvl1pPr marL="0" algn="l" defTabSz="1219200" rtl="false" eaLnBrk="true" latinLnBrk="false" hangingPunct="true">
+            <a:lvl1pPr marL="0" algn="l" defTabSz="1219200" rtl="0" eaLnBrk="1" latinLnBrk="0" hangingPunct="1">
               <a:defRPr sz="2400" kern="1200">
                 <a:solidFill>
                   <a:schemeClr val="tx1"/>
@@ -6958,7 +8919,7 @@
                 <a:cs typeface="+mn-cs"/>
               </a:defRPr>
             </a:lvl1pPr>
-            <a:lvl2pPr marL="609600" algn="l" defTabSz="1219200" rtl="false" eaLnBrk="true" latinLnBrk="false" hangingPunct="true">
+            <a:lvl2pPr marL="609600" algn="l" defTabSz="1219200" rtl="0" eaLnBrk="1" latinLnBrk="0" hangingPunct="1">
               <a:defRPr sz="2400" kern="1200">
                 <a:solidFill>
                   <a:schemeClr val="tx1"/>
@@ -6968,7 +8929,7 @@
                 <a:cs typeface="+mn-cs"/>
               </a:defRPr>
             </a:lvl2pPr>
-            <a:lvl3pPr marL="1219200" algn="l" defTabSz="1219200" rtl="false" eaLnBrk="true" latinLnBrk="false" hangingPunct="true">
+            <a:lvl3pPr marL="1219200" algn="l" defTabSz="1219200" rtl="0" eaLnBrk="1" latinLnBrk="0" hangingPunct="1">
               <a:defRPr sz="2400" kern="1200">
                 <a:solidFill>
                   <a:schemeClr val="tx1"/>
@@ -6978,7 +8939,7 @@
                 <a:cs typeface="+mn-cs"/>
               </a:defRPr>
             </a:lvl3pPr>
-            <a:lvl4pPr marL="1828165" algn="l" defTabSz="1219200" rtl="false" eaLnBrk="true" latinLnBrk="false" hangingPunct="true">
+            <a:lvl4pPr marL="1828165" algn="l" defTabSz="1219200" rtl="0" eaLnBrk="1" latinLnBrk="0" hangingPunct="1">
               <a:defRPr sz="2400" kern="1200">
                 <a:solidFill>
                   <a:schemeClr val="tx1"/>
@@ -6988,7 +8949,7 @@
                 <a:cs typeface="+mn-cs"/>
               </a:defRPr>
             </a:lvl4pPr>
-            <a:lvl5pPr marL="2437765" algn="l" defTabSz="1219200" rtl="false" eaLnBrk="true" latinLnBrk="false" hangingPunct="true">
+            <a:lvl5pPr marL="2437765" algn="l" defTabSz="1219200" rtl="0" eaLnBrk="1" latinLnBrk="0" hangingPunct="1">
               <a:defRPr sz="2400" kern="1200">
                 <a:solidFill>
                   <a:schemeClr val="tx1"/>
@@ -6998,7 +8959,7 @@
                 <a:cs typeface="+mn-cs"/>
               </a:defRPr>
             </a:lvl5pPr>
-            <a:lvl6pPr marL="3047365" algn="l" defTabSz="1219200" rtl="false" eaLnBrk="true" latinLnBrk="false" hangingPunct="true">
+            <a:lvl6pPr marL="3047365" algn="l" defTabSz="1219200" rtl="0" eaLnBrk="1" latinLnBrk="0" hangingPunct="1">
               <a:defRPr sz="2400" kern="1200">
                 <a:solidFill>
                   <a:schemeClr val="tx1"/>
@@ -7008,7 +8969,7 @@
                 <a:cs typeface="+mn-cs"/>
               </a:defRPr>
             </a:lvl6pPr>
-            <a:lvl7pPr marL="3656965" algn="l" defTabSz="1219200" rtl="false" eaLnBrk="true" latinLnBrk="false" hangingPunct="true">
+            <a:lvl7pPr marL="3656965" algn="l" defTabSz="1219200" rtl="0" eaLnBrk="1" latinLnBrk="0" hangingPunct="1">
               <a:defRPr sz="2400" kern="1200">
                 <a:solidFill>
                   <a:schemeClr val="tx1"/>
@@ -7018,7 +8979,7 @@
                 <a:cs typeface="+mn-cs"/>
               </a:defRPr>
             </a:lvl7pPr>
-            <a:lvl8pPr marL="4266565" algn="l" defTabSz="1219200" rtl="false" eaLnBrk="true" latinLnBrk="false" hangingPunct="true">
+            <a:lvl8pPr marL="4266565" algn="l" defTabSz="1219200" rtl="0" eaLnBrk="1" latinLnBrk="0" hangingPunct="1">
               <a:defRPr sz="2400" kern="1200">
                 <a:solidFill>
                   <a:schemeClr val="tx1"/>
@@ -7028,7 +8989,7 @@
                 <a:cs typeface="+mn-cs"/>
               </a:defRPr>
             </a:lvl8pPr>
-            <a:lvl9pPr marL="4876165" algn="l" defTabSz="1219200" rtl="false" eaLnBrk="true" latinLnBrk="false" hangingPunct="true">
+            <a:lvl9pPr marL="4876165" algn="l" defTabSz="1219200" rtl="0" eaLnBrk="1" latinLnBrk="0" hangingPunct="1">
               <a:defRPr sz="2400" kern="1200">
                 <a:solidFill>
                   <a:schemeClr val="tx1"/>
@@ -7040,7 +9001,6 @@
             </a:lvl9pPr>
           </a:lstStyle>
           <a:p>
-            <a:pPr/>
             <a:endParaRPr lang="en-US">
               <a:latin typeface="默认字体"/>
               <a:ea typeface="默认字体"/>
@@ -7057,7 +9017,7 @@
           <p:nvPr/>
         </p:nvSpPr>
         <p:spPr bwMode="auto">
-          <a:xfrm rot="0" flipH="true" flipV="false">
+          <a:xfrm flipH="1">
             <a:off x="10808796" y="3400405"/>
             <a:ext cx="1383204" cy="1010389"/>
           </a:xfrm>
@@ -7126,12 +9086,12 @@
           </a:ln>
         </p:spPr>
         <p:txBody>
-          <a:bodyPr vert="horz" wrap="square" lIns="91440" tIns="45720" rIns="91440" bIns="45720" numCol="1" anchor="t" anchorCtr="false" compatLnSpc="true"/>
+          <a:bodyPr vert="horz" wrap="square" lIns="91440" tIns="45720" rIns="91440" bIns="45720" numCol="1" anchor="t" anchorCtr="0" compatLnSpc="1"/>
           <a:lstStyle>
             <a:defPPr>
               <a:defRPr lang="en-US"/>
             </a:defPPr>
-            <a:lvl1pPr marL="0" algn="l" defTabSz="1219200" rtl="false" eaLnBrk="true" latinLnBrk="false" hangingPunct="true">
+            <a:lvl1pPr marL="0" algn="l" defTabSz="1219200" rtl="0" eaLnBrk="1" latinLnBrk="0" hangingPunct="1">
               <a:defRPr sz="2400" kern="1200">
                 <a:solidFill>
                   <a:schemeClr val="tx1"/>
@@ -7141,7 +9101,7 @@
                 <a:cs typeface="+mn-cs"/>
               </a:defRPr>
             </a:lvl1pPr>
-            <a:lvl2pPr marL="609600" algn="l" defTabSz="1219200" rtl="false" eaLnBrk="true" latinLnBrk="false" hangingPunct="true">
+            <a:lvl2pPr marL="609600" algn="l" defTabSz="1219200" rtl="0" eaLnBrk="1" latinLnBrk="0" hangingPunct="1">
               <a:defRPr sz="2400" kern="1200">
                 <a:solidFill>
                   <a:schemeClr val="tx1"/>
@@ -7151,7 +9111,7 @@
                 <a:cs typeface="+mn-cs"/>
               </a:defRPr>
             </a:lvl2pPr>
-            <a:lvl3pPr marL="1219200" algn="l" defTabSz="1219200" rtl="false" eaLnBrk="true" latinLnBrk="false" hangingPunct="true">
+            <a:lvl3pPr marL="1219200" algn="l" defTabSz="1219200" rtl="0" eaLnBrk="1" latinLnBrk="0" hangingPunct="1">
               <a:defRPr sz="2400" kern="1200">
                 <a:solidFill>
                   <a:schemeClr val="tx1"/>
@@ -7161,7 +9121,7 @@
                 <a:cs typeface="+mn-cs"/>
               </a:defRPr>
             </a:lvl3pPr>
-            <a:lvl4pPr marL="1828165" algn="l" defTabSz="1219200" rtl="false" eaLnBrk="true" latinLnBrk="false" hangingPunct="true">
+            <a:lvl4pPr marL="1828165" algn="l" defTabSz="1219200" rtl="0" eaLnBrk="1" latinLnBrk="0" hangingPunct="1">
               <a:defRPr sz="2400" kern="1200">
                 <a:solidFill>
                   <a:schemeClr val="tx1"/>
@@ -7171,7 +9131,7 @@
                 <a:cs typeface="+mn-cs"/>
               </a:defRPr>
             </a:lvl4pPr>
-            <a:lvl5pPr marL="2437765" algn="l" defTabSz="1219200" rtl="false" eaLnBrk="true" latinLnBrk="false" hangingPunct="true">
+            <a:lvl5pPr marL="2437765" algn="l" defTabSz="1219200" rtl="0" eaLnBrk="1" latinLnBrk="0" hangingPunct="1">
               <a:defRPr sz="2400" kern="1200">
                 <a:solidFill>
                   <a:schemeClr val="tx1"/>
@@ -7181,7 +9141,7 @@
                 <a:cs typeface="+mn-cs"/>
               </a:defRPr>
             </a:lvl5pPr>
-            <a:lvl6pPr marL="3047365" algn="l" defTabSz="1219200" rtl="false" eaLnBrk="true" latinLnBrk="false" hangingPunct="true">
+            <a:lvl6pPr marL="3047365" algn="l" defTabSz="1219200" rtl="0" eaLnBrk="1" latinLnBrk="0" hangingPunct="1">
               <a:defRPr sz="2400" kern="1200">
                 <a:solidFill>
                   <a:schemeClr val="tx1"/>
@@ -7191,7 +9151,7 @@
                 <a:cs typeface="+mn-cs"/>
               </a:defRPr>
             </a:lvl6pPr>
-            <a:lvl7pPr marL="3656965" algn="l" defTabSz="1219200" rtl="false" eaLnBrk="true" latinLnBrk="false" hangingPunct="true">
+            <a:lvl7pPr marL="3656965" algn="l" defTabSz="1219200" rtl="0" eaLnBrk="1" latinLnBrk="0" hangingPunct="1">
               <a:defRPr sz="2400" kern="1200">
                 <a:solidFill>
                   <a:schemeClr val="tx1"/>
@@ -7201,7 +9161,7 @@
                 <a:cs typeface="+mn-cs"/>
               </a:defRPr>
             </a:lvl7pPr>
-            <a:lvl8pPr marL="4266565" algn="l" defTabSz="1219200" rtl="false" eaLnBrk="true" latinLnBrk="false" hangingPunct="true">
+            <a:lvl8pPr marL="4266565" algn="l" defTabSz="1219200" rtl="0" eaLnBrk="1" latinLnBrk="0" hangingPunct="1">
               <a:defRPr sz="2400" kern="1200">
                 <a:solidFill>
                   <a:schemeClr val="tx1"/>
@@ -7211,7 +9171,7 @@
                 <a:cs typeface="+mn-cs"/>
               </a:defRPr>
             </a:lvl8pPr>
-            <a:lvl9pPr marL="4876165" algn="l" defTabSz="1219200" rtl="false" eaLnBrk="true" latinLnBrk="false" hangingPunct="true">
+            <a:lvl9pPr marL="4876165" algn="l" defTabSz="1219200" rtl="0" eaLnBrk="1" latinLnBrk="0" hangingPunct="1">
               <a:defRPr sz="2400" kern="1200">
                 <a:solidFill>
                   <a:schemeClr val="tx1"/>
@@ -7223,7 +9183,6 @@
             </a:lvl9pPr>
           </a:lstStyle>
           <a:p>
-            <a:pPr/>
             <a:endParaRPr lang="en-US">
               <a:latin typeface="默认字体"/>
               <a:ea typeface="默认字体"/>
@@ -7240,7 +9199,7 @@
           <p:nvPr/>
         </p:nvSpPr>
         <p:spPr bwMode="auto">
-          <a:xfrm rot="0" flipH="true" flipV="false">
+          <a:xfrm flipH="1">
             <a:off x="10816076" y="3649564"/>
             <a:ext cx="1375924" cy="1770810"/>
           </a:xfrm>
@@ -7309,12 +9268,12 @@
           </a:ln>
         </p:spPr>
         <p:txBody>
-          <a:bodyPr vert="horz" wrap="square" lIns="91440" tIns="45720" rIns="91440" bIns="45720" numCol="1" anchor="t" anchorCtr="false" compatLnSpc="true"/>
+          <a:bodyPr vert="horz" wrap="square" lIns="91440" tIns="45720" rIns="91440" bIns="45720" numCol="1" anchor="t" anchorCtr="0" compatLnSpc="1"/>
           <a:lstStyle>
             <a:defPPr>
               <a:defRPr lang="en-US"/>
             </a:defPPr>
-            <a:lvl1pPr marL="0" algn="l" defTabSz="1219200" rtl="false" eaLnBrk="true" latinLnBrk="false" hangingPunct="true">
+            <a:lvl1pPr marL="0" algn="l" defTabSz="1219200" rtl="0" eaLnBrk="1" latinLnBrk="0" hangingPunct="1">
               <a:defRPr sz="2400" kern="1200">
                 <a:solidFill>
                   <a:schemeClr val="tx1"/>
@@ -7324,7 +9283,7 @@
                 <a:cs typeface="+mn-cs"/>
               </a:defRPr>
             </a:lvl1pPr>
-            <a:lvl2pPr marL="609600" algn="l" defTabSz="1219200" rtl="false" eaLnBrk="true" latinLnBrk="false" hangingPunct="true">
+            <a:lvl2pPr marL="609600" algn="l" defTabSz="1219200" rtl="0" eaLnBrk="1" latinLnBrk="0" hangingPunct="1">
               <a:defRPr sz="2400" kern="1200">
                 <a:solidFill>
                   <a:schemeClr val="tx1"/>
@@ -7334,7 +9293,7 @@
                 <a:cs typeface="+mn-cs"/>
               </a:defRPr>
             </a:lvl2pPr>
-            <a:lvl3pPr marL="1219200" algn="l" defTabSz="1219200" rtl="false" eaLnBrk="true" latinLnBrk="false" hangingPunct="true">
+            <a:lvl3pPr marL="1219200" algn="l" defTabSz="1219200" rtl="0" eaLnBrk="1" latinLnBrk="0" hangingPunct="1">
               <a:defRPr sz="2400" kern="1200">
                 <a:solidFill>
                   <a:schemeClr val="tx1"/>
@@ -7344,7 +9303,7 @@
                 <a:cs typeface="+mn-cs"/>
               </a:defRPr>
             </a:lvl3pPr>
-            <a:lvl4pPr marL="1828165" algn="l" defTabSz="1219200" rtl="false" eaLnBrk="true" latinLnBrk="false" hangingPunct="true">
+            <a:lvl4pPr marL="1828165" algn="l" defTabSz="1219200" rtl="0" eaLnBrk="1" latinLnBrk="0" hangingPunct="1">
               <a:defRPr sz="2400" kern="1200">
                 <a:solidFill>
                   <a:schemeClr val="tx1"/>
@@ -7354,7 +9313,7 @@
                 <a:cs typeface="+mn-cs"/>
               </a:defRPr>
             </a:lvl4pPr>
-            <a:lvl5pPr marL="2437765" algn="l" defTabSz="1219200" rtl="false" eaLnBrk="true" latinLnBrk="false" hangingPunct="true">
+            <a:lvl5pPr marL="2437765" algn="l" defTabSz="1219200" rtl="0" eaLnBrk="1" latinLnBrk="0" hangingPunct="1">
               <a:defRPr sz="2400" kern="1200">
                 <a:solidFill>
                   <a:schemeClr val="tx1"/>
@@ -7364,7 +9323,7 @@
                 <a:cs typeface="+mn-cs"/>
               </a:defRPr>
             </a:lvl5pPr>
-            <a:lvl6pPr marL="3047365" algn="l" defTabSz="1219200" rtl="false" eaLnBrk="true" latinLnBrk="false" hangingPunct="true">
+            <a:lvl6pPr marL="3047365" algn="l" defTabSz="1219200" rtl="0" eaLnBrk="1" latinLnBrk="0" hangingPunct="1">
               <a:defRPr sz="2400" kern="1200">
                 <a:solidFill>
                   <a:schemeClr val="tx1"/>
@@ -7374,7 +9333,7 @@
                 <a:cs typeface="+mn-cs"/>
               </a:defRPr>
             </a:lvl6pPr>
-            <a:lvl7pPr marL="3656965" algn="l" defTabSz="1219200" rtl="false" eaLnBrk="true" latinLnBrk="false" hangingPunct="true">
+            <a:lvl7pPr marL="3656965" algn="l" defTabSz="1219200" rtl="0" eaLnBrk="1" latinLnBrk="0" hangingPunct="1">
               <a:defRPr sz="2400" kern="1200">
                 <a:solidFill>
                   <a:schemeClr val="tx1"/>
@@ -7384,7 +9343,7 @@
                 <a:cs typeface="+mn-cs"/>
               </a:defRPr>
             </a:lvl7pPr>
-            <a:lvl8pPr marL="4266565" algn="l" defTabSz="1219200" rtl="false" eaLnBrk="true" latinLnBrk="false" hangingPunct="true">
+            <a:lvl8pPr marL="4266565" algn="l" defTabSz="1219200" rtl="0" eaLnBrk="1" latinLnBrk="0" hangingPunct="1">
               <a:defRPr sz="2400" kern="1200">
                 <a:solidFill>
                   <a:schemeClr val="tx1"/>
@@ -7394,7 +9353,7 @@
                 <a:cs typeface="+mn-cs"/>
               </a:defRPr>
             </a:lvl8pPr>
-            <a:lvl9pPr marL="4876165" algn="l" defTabSz="1219200" rtl="false" eaLnBrk="true" latinLnBrk="false" hangingPunct="true">
+            <a:lvl9pPr marL="4876165" algn="l" defTabSz="1219200" rtl="0" eaLnBrk="1" latinLnBrk="0" hangingPunct="1">
               <a:defRPr sz="2400" kern="1200">
                 <a:solidFill>
                   <a:schemeClr val="tx1"/>
@@ -7406,7 +9365,6 @@
             </a:lvl9pPr>
           </a:lstStyle>
           <a:p>
-            <a:pPr/>
             <a:endParaRPr lang="en-US">
               <a:latin typeface="默认字体"/>
               <a:ea typeface="默认字体"/>
@@ -7420,12 +9378,12 @@
         <p:nvSpPr>
           <p:cNvPr id="79" name="图形"/>
           <p:cNvSpPr>
-            <a:spLocks noEditPoints="true"/>
+            <a:spLocks noEditPoints="1"/>
           </p:cNvSpPr>
           <p:nvPr/>
         </p:nvSpPr>
         <p:spPr bwMode="auto">
-          <a:xfrm rot="0" flipH="false" flipV="false">
+          <a:xfrm>
             <a:off x="9989389" y="2647264"/>
             <a:ext cx="517690" cy="499127"/>
           </a:xfrm>
@@ -7849,10 +9807,9 @@
           </a:ln>
         </p:spPr>
         <p:txBody>
-          <a:bodyPr vert="horz" wrap="square" lIns="91440" tIns="45720" rIns="91440" bIns="45720" numCol="1" anchor="t" anchorCtr="false" compatLnSpc="true"/>
+          <a:bodyPr vert="horz" wrap="square" lIns="91440" tIns="45720" rIns="91440" bIns="45720" numCol="1" anchor="t" anchorCtr="0" compatLnSpc="1"/>
           <a:lstStyle/>
           <a:p>
-            <a:pPr/>
             <a:endParaRPr lang="en-US">
               <a:solidFill>
                 <a:schemeClr val="bg1">
@@ -7871,12 +9828,12 @@
         <p:nvSpPr>
           <p:cNvPr id="80" name="图形"/>
           <p:cNvSpPr>
-            <a:spLocks noEditPoints="true"/>
+            <a:spLocks noEditPoints="1"/>
           </p:cNvSpPr>
           <p:nvPr/>
         </p:nvSpPr>
         <p:spPr bwMode="auto">
-          <a:xfrm rot="0" flipH="false" flipV="false">
+          <a:xfrm>
             <a:off x="9991006" y="4665616"/>
             <a:ext cx="516072" cy="499127"/>
           </a:xfrm>
@@ -8202,10 +10159,9 @@
           </a:ln>
         </p:spPr>
         <p:txBody>
-          <a:bodyPr vert="horz" wrap="square" lIns="91440" tIns="45720" rIns="91440" bIns="45720" numCol="1" anchor="t" anchorCtr="false" compatLnSpc="true"/>
+          <a:bodyPr vert="horz" wrap="square" lIns="91440" tIns="45720" rIns="91440" bIns="45720" numCol="1" anchor="t" anchorCtr="0" compatLnSpc="1"/>
           <a:lstStyle/>
           <a:p>
-            <a:pPr/>
             <a:endParaRPr lang="en-US">
               <a:solidFill>
                 <a:schemeClr val="bg1">
@@ -8224,12 +10180,12 @@
         <p:nvSpPr>
           <p:cNvPr id="81" name="图形"/>
           <p:cNvSpPr>
-            <a:spLocks noEditPoints="true"/>
+            <a:spLocks noEditPoints="1"/>
           </p:cNvSpPr>
           <p:nvPr/>
         </p:nvSpPr>
         <p:spPr bwMode="auto">
-          <a:xfrm rot="0" flipH="false" flipV="false">
+          <a:xfrm>
             <a:off x="9989389" y="3656036"/>
             <a:ext cx="517690" cy="499127"/>
           </a:xfrm>
@@ -8649,10 +10605,9 @@
           </a:ln>
         </p:spPr>
         <p:txBody>
-          <a:bodyPr vert="horz" wrap="square" lIns="91440" tIns="45720" rIns="91440" bIns="45720" numCol="1" anchor="t" anchorCtr="false" compatLnSpc="true"/>
+          <a:bodyPr vert="horz" wrap="square" lIns="91440" tIns="45720" rIns="91440" bIns="45720" numCol="1" anchor="t" anchorCtr="0" compatLnSpc="1"/>
           <a:lstStyle/>
           <a:p>
-            <a:pPr/>
             <a:endParaRPr lang="en-US">
               <a:solidFill>
                 <a:schemeClr val="bg1">
@@ -8669,12 +10624,12 @@
       </p:sp>
       <p:grpSp>
         <p:nvGrpSpPr>
-          <p:cNvPr id="82" name="" descr="{&quot;isTemplate&quot;:true,&quot;type&quot;:&quot;list&quot;,&quot;alignment&quot;:&quot;left&quot;,&quot;alignmentVertical&quot;:&quot;top&quot;,&quot;canOmit&quot;:false,&quot;scalable&quot;:false,&quot;minItemsCount&quot;:-1}"/>
+          <p:cNvPr id="82" name="组合 81" descr="{&quot;isTemplate&quot;:true,&quot;type&quot;:&quot;list&quot;,&quot;alignment&quot;:&quot;left&quot;,&quot;alignmentVertical&quot;:&quot;top&quot;,&quot;canOmit&quot;:false,&quot;scalable&quot;:false,&quot;minItemsCount&quot;:-1}"/>
           <p:cNvGrpSpPr/>
           <p:nvPr/>
         </p:nvGrpSpPr>
         <p:grpSpPr>
-          <a:xfrm rot="0" flipH="false" flipV="false">
+          <a:xfrm rot="0">
             <a:off x="1074594" y="2490857"/>
             <a:ext cx="8916412" cy="2929516"/>
             <a:chOff x="1072977" y="2441650"/>
@@ -8683,12 +10638,12 @@
         </p:grpSpPr>
         <p:grpSp>
           <p:nvGrpSpPr>
-            <p:cNvPr id="83" name=""/>
+            <p:cNvPr id="83" name="组合 82"/>
             <p:cNvGrpSpPr/>
             <p:nvPr/>
           </p:nvGrpSpPr>
           <p:grpSpPr>
-            <a:xfrm rot="0" flipH="false" flipV="false">
+            <a:xfrm rot="0">
               <a:off x="1072977" y="2441650"/>
               <a:ext cx="8916412" cy="914400"/>
               <a:chOff x="1073150" y="2676306"/>
@@ -8698,11 +10653,11 @@
           <p:sp>
             <p:nvSpPr>
               <p:cNvPr id="84" name="图形" descr="{&quot;isTemplate&quot;:true,&quot;type&quot;:&quot;content&quot;,&quot;canOmit&quot;:false,&quot;range&quot;:0}"/>
-              <p:cNvSpPr txBox="true"/>
+              <p:cNvSpPr txBox="1"/>
               <p:nvPr/>
             </p:nvSpPr>
             <p:spPr>
-              <a:xfrm rot="0" flipH="false" flipV="false">
+              <a:xfrm>
                 <a:off x="1073150" y="2676306"/>
                 <a:ext cx="4679950" cy="914400"/>
               </a:xfrm>
@@ -8715,7 +10670,7 @@
               </a:ln>
             </p:spPr>
             <p:txBody>
-              <a:bodyPr wrap="square" lIns="0" rIns="0" rtlCol="false" anchor="ctr">
+              <a:bodyPr wrap="square" lIns="0" rIns="0" rtlCol="0" anchor="ctr">
                 <a:noAutofit/>
               </a:bodyPr>
               <a:lstStyle/>
@@ -8738,18 +10693,26 @@
                   </a:rPr>
                   <a:t>东汉桓帝时期，宦官势力崛起，朝政腐败，导致国家治理失效，民怨沸腾，为后来的黄巾起义埋下了隐患。</a:t>
                 </a:r>
-                <a:endParaRPr/>
+                <a:endParaRPr lang="zh-CN" sz="1400">
+                  <a:solidFill>
+                    <a:schemeClr val="tx1"/>
+                  </a:solidFill>
+                  <a:latin typeface="默认字体"/>
+                  <a:ea typeface="默认字体"/>
+                  <a:cs typeface="思源黑体 CN Light"/>
+                  <a:sym typeface="思源宋体 CN"/>
+                </a:endParaRPr>
               </a:p>
             </p:txBody>
           </p:sp>
           <p:sp>
             <p:nvSpPr>
               <p:cNvPr id="85" name="图形" descr="{&quot;isTemplate&quot;:true,&quot;type&quot;:&quot;title&quot;,&quot;canOmit&quot;:false,&quot;range&quot;:0}"/>
-              <p:cNvSpPr txBox="true"/>
+              <p:cNvSpPr txBox="1"/>
               <p:nvPr/>
             </p:nvSpPr>
             <p:spPr>
-              <a:xfrm rot="0" flipH="false" flipV="false">
+              <a:xfrm>
                 <a:off x="7180281" y="2936929"/>
                 <a:ext cx="2809281" cy="387350"/>
               </a:xfrm>
@@ -8762,7 +10725,7 @@
               </a:ln>
             </p:spPr>
             <p:txBody>
-              <a:bodyPr wrap="square" lIns="0" rIns="0" rtlCol="false" anchor="ctr">
+              <a:bodyPr wrap="square" lIns="0" rIns="0" rtlCol="0" anchor="ctr">
                 <a:noAutofit/>
               </a:bodyPr>
               <a:lstStyle/>
@@ -8774,7 +10737,7 @@
                   <a:buNone/>
                 </a:pPr>
                 <a:r>
-                  <a:rPr lang="zh-CN" sz="1800" b="true">
+                  <a:rPr lang="zh-CN" sz="1800" b="1">
                     <a:solidFill>
                       <a:schemeClr val="bg1"/>
                     </a:solidFill>
@@ -8785,7 +10748,7 @@
                   </a:rPr>
                   <a:t>桓帝时期的统治危机</a:t>
                 </a:r>
-                <a:endParaRPr lang="zh-CN" sz="1600" b="true">
+                <a:endParaRPr lang="zh-CN" sz="1600" b="1">
                   <a:solidFill>
                     <a:schemeClr val="bg1">
                       <a:alpha val="100000"/>
@@ -8802,12 +10765,12 @@
         </p:grpSp>
         <p:grpSp>
           <p:nvGrpSpPr>
-            <p:cNvPr id="86" name=""/>
+            <p:cNvPr id="86" name="组合 85"/>
             <p:cNvGrpSpPr/>
             <p:nvPr/>
           </p:nvGrpSpPr>
           <p:grpSpPr>
-            <a:xfrm rot="0" flipH="false" flipV="false">
+            <a:xfrm rot="0">
               <a:off x="1072977" y="3449613"/>
               <a:ext cx="8916412" cy="914400"/>
               <a:chOff x="1073150" y="3684269"/>
@@ -8817,11 +10780,11 @@
           <p:sp>
             <p:nvSpPr>
               <p:cNvPr id="87" name="图形" descr="{&quot;isTemplate&quot;:true,&quot;type&quot;:&quot;content&quot;,&quot;canOmit&quot;:false,&quot;range&quot;:0}"/>
-              <p:cNvSpPr txBox="true"/>
+              <p:cNvSpPr txBox="1"/>
               <p:nvPr/>
             </p:nvSpPr>
             <p:spPr>
-              <a:xfrm rot="0" flipH="false" flipV="false">
+              <a:xfrm>
                 <a:off x="1073150" y="3684269"/>
                 <a:ext cx="4679950" cy="914400"/>
               </a:xfrm>
@@ -8834,7 +10797,7 @@
               </a:ln>
             </p:spPr>
             <p:txBody>
-              <a:bodyPr wrap="square" lIns="0" rIns="0" rtlCol="false" anchor="ctr">
+              <a:bodyPr wrap="square" lIns="0" rIns="0" rtlCol="0" anchor="ctr">
                 <a:noAutofit/>
               </a:bodyPr>
               <a:lstStyle/>
@@ -8857,18 +10820,26 @@
                   </a:rPr>
                   <a:t>汉灵帝继位后，宦官专权进一步加剧，卖官鬻爵现象严重，社会矛盾激化，民众生活困苦，各地起义不断。</a:t>
                 </a:r>
-                <a:endParaRPr/>
+                <a:endParaRPr lang="zh-CN" sz="1400">
+                  <a:solidFill>
+                    <a:schemeClr val="tx1"/>
+                  </a:solidFill>
+                  <a:latin typeface="默认字体"/>
+                  <a:ea typeface="默认字体"/>
+                  <a:cs typeface="思源黑体 CN Light"/>
+                  <a:sym typeface="思源宋体 CN"/>
+                </a:endParaRPr>
               </a:p>
             </p:txBody>
           </p:sp>
           <p:sp>
             <p:nvSpPr>
               <p:cNvPr id="88" name="图形" descr="{&quot;isTemplate&quot;:true,&quot;type&quot;:&quot;title&quot;,&quot;canOmit&quot;:false,&quot;range&quot;:0}"/>
-              <p:cNvSpPr txBox="true"/>
+              <p:cNvSpPr txBox="1"/>
               <p:nvPr/>
             </p:nvSpPr>
             <p:spPr>
-              <a:xfrm rot="0" flipH="false" flipV="false">
+              <a:xfrm>
                 <a:off x="7180281" y="3945701"/>
                 <a:ext cx="2809281" cy="387350"/>
               </a:xfrm>
@@ -8881,7 +10852,7 @@
               </a:ln>
             </p:spPr>
             <p:txBody>
-              <a:bodyPr wrap="square" lIns="0" rIns="0" rtlCol="false" anchor="ctr">
+              <a:bodyPr wrap="square" lIns="0" rIns="0" rtlCol="0" anchor="ctr">
                 <a:noAutofit/>
               </a:bodyPr>
               <a:lstStyle/>
@@ -8893,7 +10864,7 @@
                   <a:buNone/>
                 </a:pPr>
                 <a:r>
-                  <a:rPr lang="zh-CN" sz="1800" b="true">
+                  <a:rPr lang="zh-CN" sz="1800" b="1">
                     <a:solidFill>
                       <a:schemeClr val="bg1"/>
                     </a:solidFill>
@@ -8904,7 +10875,7 @@
                   </a:rPr>
                   <a:t>灵帝时期的社会动荡</a:t>
                 </a:r>
-                <a:endParaRPr lang="zh-CN" sz="1600" b="true">
+                <a:endParaRPr lang="zh-CN" sz="1600" b="1">
                   <a:solidFill>
                     <a:schemeClr val="bg1">
                       <a:alpha val="100000"/>
@@ -8921,12 +10892,12 @@
         </p:grpSp>
         <p:grpSp>
           <p:nvGrpSpPr>
-            <p:cNvPr id="89" name=""/>
+            <p:cNvPr id="89" name="组合 88"/>
             <p:cNvGrpSpPr/>
             <p:nvPr/>
           </p:nvGrpSpPr>
           <p:grpSpPr>
-            <a:xfrm rot="0" flipH="false" flipV="false">
+            <a:xfrm rot="0">
               <a:off x="1072977" y="4456766"/>
               <a:ext cx="8614952" cy="914400"/>
               <a:chOff x="1073150" y="4691422"/>
@@ -8936,11 +10907,11 @@
           <p:sp>
             <p:nvSpPr>
               <p:cNvPr id="90" name="图形" descr="{&quot;isTemplate&quot;:true,&quot;type&quot;:&quot;content&quot;,&quot;canOmit&quot;:false,&quot;range&quot;:0}"/>
-              <p:cNvSpPr txBox="true"/>
+              <p:cNvSpPr txBox="1"/>
               <p:nvPr/>
             </p:nvSpPr>
             <p:spPr>
-              <a:xfrm rot="0" flipH="false" flipV="false">
+              <a:xfrm>
                 <a:off x="1073150" y="4691422"/>
                 <a:ext cx="4679950" cy="914400"/>
               </a:xfrm>
@@ -8953,7 +10924,7 @@
               </a:ln>
             </p:spPr>
             <p:txBody>
-              <a:bodyPr wrap="square" lIns="0" rIns="0" rtlCol="false" anchor="ctr">
+              <a:bodyPr wrap="square" lIns="0" rIns="0" rtlCol="0" anchor="ctr">
                 <a:noAutofit/>
               </a:bodyPr>
               <a:lstStyle/>
@@ -8976,18 +10947,26 @@
                   </a:rPr>
                   <a:t>东汉末年，外戚与宦官争权激烈，梁冀、何进等外戚势力相继倒台，宦官集团短期内得势，但未能挽回王朝衰败的趋势。</a:t>
                 </a:r>
-                <a:endParaRPr/>
+                <a:endParaRPr lang="zh-CN" sz="1400">
+                  <a:solidFill>
+                    <a:schemeClr val="tx1"/>
+                  </a:solidFill>
+                  <a:latin typeface="默认字体"/>
+                  <a:ea typeface="默认字体"/>
+                  <a:cs typeface="思源黑体 CN Light"/>
+                  <a:sym typeface="思源宋体 CN"/>
+                </a:endParaRPr>
               </a:p>
             </p:txBody>
           </p:sp>
           <p:sp>
             <p:nvSpPr>
               <p:cNvPr id="91" name="图形" descr="{&quot;isTemplate&quot;:true,&quot;type&quot;:&quot;title&quot;,&quot;canOmit&quot;:false,&quot;range&quot;:0}"/>
-              <p:cNvSpPr txBox="true"/>
+              <p:cNvSpPr txBox="1"/>
               <p:nvPr/>
             </p:nvSpPr>
             <p:spPr>
-              <a:xfrm rot="0" flipH="false" flipV="false">
+              <a:xfrm>
                 <a:off x="6878821" y="5034785"/>
                 <a:ext cx="2809281" cy="387350"/>
               </a:xfrm>
@@ -9000,7 +10979,7 @@
               </a:ln>
             </p:spPr>
             <p:txBody>
-              <a:bodyPr wrap="square" lIns="0" rIns="0" rtlCol="false" anchor="ctr">
+              <a:bodyPr wrap="square" lIns="0" rIns="0" rtlCol="0" anchor="ctr">
                 <a:noAutofit/>
               </a:bodyPr>
               <a:lstStyle/>
@@ -9012,7 +10991,7 @@
                   <a:buNone/>
                 </a:pPr>
                 <a:r>
-                  <a:rPr lang="zh-CN" sz="1800" b="true">
+                  <a:rPr lang="zh-CN" sz="1800" b="1">
                     <a:solidFill>
                       <a:schemeClr val="tx1">
                         <a:alpha val="100000"/>
@@ -9025,7 +11004,7 @@
                   </a:rPr>
                   <a:t>外戚与宦官的斗争</a:t>
                 </a:r>
-                <a:endParaRPr lang="zh-CN" sz="1600" b="true">
+                <a:endParaRPr lang="zh-CN" sz="1600" b="1">
                   <a:solidFill>
                     <a:schemeClr val="bg1">
                       <a:alpha val="100000"/>
@@ -9048,7 +11027,7 @@
           <p:nvPr/>
         </p:nvSpPr>
         <p:spPr bwMode="auto">
-          <a:xfrm rot="0" flipH="true" flipV="false">
+          <a:xfrm flipH="1">
             <a:off x="10807987" y="2392442"/>
             <a:ext cx="1383204" cy="1008771"/>
           </a:xfrm>
@@ -9117,12 +11096,12 @@
           </a:ln>
         </p:spPr>
         <p:txBody>
-          <a:bodyPr vert="horz" wrap="square" lIns="91440" tIns="45720" rIns="91440" bIns="45720" numCol="1" anchor="t" anchorCtr="false" compatLnSpc="true"/>
+          <a:bodyPr vert="horz" wrap="square" lIns="91440" tIns="45720" rIns="91440" bIns="45720" numCol="1" anchor="t" anchorCtr="0" compatLnSpc="1"/>
           <a:lstStyle>
             <a:defPPr>
               <a:defRPr lang="en-US"/>
             </a:defPPr>
-            <a:lvl1pPr marL="0" algn="l" defTabSz="1219200" rtl="false" eaLnBrk="true" latinLnBrk="false" hangingPunct="true">
+            <a:lvl1pPr marL="0" algn="l" defTabSz="1219200" rtl="0" eaLnBrk="1" latinLnBrk="0" hangingPunct="1">
               <a:defRPr sz="2400" kern="1200">
                 <a:solidFill>
                   <a:schemeClr val="tx1"/>
@@ -9132,7 +11111,7 @@
                 <a:cs typeface="+mn-cs"/>
               </a:defRPr>
             </a:lvl1pPr>
-            <a:lvl2pPr marL="609600" algn="l" defTabSz="1219200" rtl="false" eaLnBrk="true" latinLnBrk="false" hangingPunct="true">
+            <a:lvl2pPr marL="609600" algn="l" defTabSz="1219200" rtl="0" eaLnBrk="1" latinLnBrk="0" hangingPunct="1">
               <a:defRPr sz="2400" kern="1200">
                 <a:solidFill>
                   <a:schemeClr val="tx1"/>
@@ -9142,7 +11121,7 @@
                 <a:cs typeface="+mn-cs"/>
               </a:defRPr>
             </a:lvl2pPr>
-            <a:lvl3pPr marL="1219200" algn="l" defTabSz="1219200" rtl="false" eaLnBrk="true" latinLnBrk="false" hangingPunct="true">
+            <a:lvl3pPr marL="1219200" algn="l" defTabSz="1219200" rtl="0" eaLnBrk="1" latinLnBrk="0" hangingPunct="1">
               <a:defRPr sz="2400" kern="1200">
                 <a:solidFill>
                   <a:schemeClr val="tx1"/>
@@ -9152,7 +11131,7 @@
                 <a:cs typeface="+mn-cs"/>
               </a:defRPr>
             </a:lvl3pPr>
-            <a:lvl4pPr marL="1828165" algn="l" defTabSz="1219200" rtl="false" eaLnBrk="true" latinLnBrk="false" hangingPunct="true">
+            <a:lvl4pPr marL="1828165" algn="l" defTabSz="1219200" rtl="0" eaLnBrk="1" latinLnBrk="0" hangingPunct="1">
               <a:defRPr sz="2400" kern="1200">
                 <a:solidFill>
                   <a:schemeClr val="tx1"/>
@@ -9162,7 +11141,7 @@
                 <a:cs typeface="+mn-cs"/>
               </a:defRPr>
             </a:lvl4pPr>
-            <a:lvl5pPr marL="2437765" algn="l" defTabSz="1219200" rtl="false" eaLnBrk="true" latinLnBrk="false" hangingPunct="true">
+            <a:lvl5pPr marL="2437765" algn="l" defTabSz="1219200" rtl="0" eaLnBrk="1" latinLnBrk="0" hangingPunct="1">
               <a:defRPr sz="2400" kern="1200">
                 <a:solidFill>
                   <a:schemeClr val="tx1"/>
@@ -9172,7 +11151,7 @@
                 <a:cs typeface="+mn-cs"/>
               </a:defRPr>
             </a:lvl5pPr>
-            <a:lvl6pPr marL="3047365" algn="l" defTabSz="1219200" rtl="false" eaLnBrk="true" latinLnBrk="false" hangingPunct="true">
+            <a:lvl6pPr marL="3047365" algn="l" defTabSz="1219200" rtl="0" eaLnBrk="1" latinLnBrk="0" hangingPunct="1">
               <a:defRPr sz="2400" kern="1200">
                 <a:solidFill>
                   <a:schemeClr val="tx1"/>
@@ -9182,7 +11161,7 @@
                 <a:cs typeface="+mn-cs"/>
               </a:defRPr>
             </a:lvl6pPr>
-            <a:lvl7pPr marL="3656965" algn="l" defTabSz="1219200" rtl="false" eaLnBrk="true" latinLnBrk="false" hangingPunct="true">
+            <a:lvl7pPr marL="3656965" algn="l" defTabSz="1219200" rtl="0" eaLnBrk="1" latinLnBrk="0" hangingPunct="1">
               <a:defRPr sz="2400" kern="1200">
                 <a:solidFill>
                   <a:schemeClr val="tx1"/>
@@ -9192,7 +11171,7 @@
                 <a:cs typeface="+mn-cs"/>
               </a:defRPr>
             </a:lvl7pPr>
-            <a:lvl8pPr marL="4266565" algn="l" defTabSz="1219200" rtl="false" eaLnBrk="true" latinLnBrk="false" hangingPunct="true">
+            <a:lvl8pPr marL="4266565" algn="l" defTabSz="1219200" rtl="0" eaLnBrk="1" latinLnBrk="0" hangingPunct="1">
               <a:defRPr sz="2400" kern="1200">
                 <a:solidFill>
                   <a:schemeClr val="tx1"/>
@@ -9202,7 +11181,7 @@
                 <a:cs typeface="+mn-cs"/>
               </a:defRPr>
             </a:lvl8pPr>
-            <a:lvl9pPr marL="4876165" algn="l" defTabSz="1219200" rtl="false" eaLnBrk="true" latinLnBrk="false" hangingPunct="true">
+            <a:lvl9pPr marL="4876165" algn="l" defTabSz="1219200" rtl="0" eaLnBrk="1" latinLnBrk="0" hangingPunct="1">
               <a:defRPr sz="2400" kern="1200">
                 <a:solidFill>
                   <a:schemeClr val="tx1"/>
@@ -9214,7 +11193,6 @@
             </a:lvl9pPr>
           </a:lstStyle>
           <a:p>
-            <a:pPr/>
             <a:endParaRPr lang="en-US">
               <a:latin typeface="默认字体"/>
               <a:ea typeface="默认字体"/>
@@ -9231,7 +11209,7 @@
           <p:nvPr/>
         </p:nvSpPr>
         <p:spPr bwMode="auto">
-          <a:xfrm rot="0" flipH="true" flipV="false">
+          <a:xfrm flipH="1">
             <a:off x="10807987" y="3406755"/>
             <a:ext cx="1383204" cy="1010389"/>
           </a:xfrm>
@@ -9300,12 +11278,12 @@
           </a:ln>
         </p:spPr>
         <p:txBody>
-          <a:bodyPr vert="horz" wrap="square" lIns="91440" tIns="45720" rIns="91440" bIns="45720" numCol="1" anchor="t" anchorCtr="false" compatLnSpc="true"/>
+          <a:bodyPr vert="horz" wrap="square" lIns="91440" tIns="45720" rIns="91440" bIns="45720" numCol="1" anchor="t" anchorCtr="0" compatLnSpc="1"/>
           <a:lstStyle>
             <a:defPPr>
               <a:defRPr lang="en-US"/>
             </a:defPPr>
-            <a:lvl1pPr marL="0" algn="l" defTabSz="1219200" rtl="false" eaLnBrk="true" latinLnBrk="false" hangingPunct="true">
+            <a:lvl1pPr marL="0" algn="l" defTabSz="1219200" rtl="0" eaLnBrk="1" latinLnBrk="0" hangingPunct="1">
               <a:defRPr sz="2400" kern="1200">
                 <a:solidFill>
                   <a:schemeClr val="tx1"/>
@@ -9315,7 +11293,7 @@
                 <a:cs typeface="+mn-cs"/>
               </a:defRPr>
             </a:lvl1pPr>
-            <a:lvl2pPr marL="609600" algn="l" defTabSz="1219200" rtl="false" eaLnBrk="true" latinLnBrk="false" hangingPunct="true">
+            <a:lvl2pPr marL="609600" algn="l" defTabSz="1219200" rtl="0" eaLnBrk="1" latinLnBrk="0" hangingPunct="1">
               <a:defRPr sz="2400" kern="1200">
                 <a:solidFill>
                   <a:schemeClr val="tx1"/>
@@ -9325,7 +11303,7 @@
                 <a:cs typeface="+mn-cs"/>
               </a:defRPr>
             </a:lvl2pPr>
-            <a:lvl3pPr marL="1219200" algn="l" defTabSz="1219200" rtl="false" eaLnBrk="true" latinLnBrk="false" hangingPunct="true">
+            <a:lvl3pPr marL="1219200" algn="l" defTabSz="1219200" rtl="0" eaLnBrk="1" latinLnBrk="0" hangingPunct="1">
               <a:defRPr sz="2400" kern="1200">
                 <a:solidFill>
                   <a:schemeClr val="tx1"/>
@@ -9335,7 +11313,7 @@
                 <a:cs typeface="+mn-cs"/>
               </a:defRPr>
             </a:lvl3pPr>
-            <a:lvl4pPr marL="1828165" algn="l" defTabSz="1219200" rtl="false" eaLnBrk="true" latinLnBrk="false" hangingPunct="true">
+            <a:lvl4pPr marL="1828165" algn="l" defTabSz="1219200" rtl="0" eaLnBrk="1" latinLnBrk="0" hangingPunct="1">
               <a:defRPr sz="2400" kern="1200">
                 <a:solidFill>
                   <a:schemeClr val="tx1"/>
@@ -9345,7 +11323,7 @@
                 <a:cs typeface="+mn-cs"/>
               </a:defRPr>
             </a:lvl4pPr>
-            <a:lvl5pPr marL="2437765" algn="l" defTabSz="1219200" rtl="false" eaLnBrk="true" latinLnBrk="false" hangingPunct="true">
+            <a:lvl5pPr marL="2437765" algn="l" defTabSz="1219200" rtl="0" eaLnBrk="1" latinLnBrk="0" hangingPunct="1">
               <a:defRPr sz="2400" kern="1200">
                 <a:solidFill>
                   <a:schemeClr val="tx1"/>
@@ -9355,7 +11333,7 @@
                 <a:cs typeface="+mn-cs"/>
               </a:defRPr>
             </a:lvl5pPr>
-            <a:lvl6pPr marL="3047365" algn="l" defTabSz="1219200" rtl="false" eaLnBrk="true" latinLnBrk="false" hangingPunct="true">
+            <a:lvl6pPr marL="3047365" algn="l" defTabSz="1219200" rtl="0" eaLnBrk="1" latinLnBrk="0" hangingPunct="1">
               <a:defRPr sz="2400" kern="1200">
                 <a:solidFill>
                   <a:schemeClr val="tx1"/>
@@ -9365,7 +11343,7 @@
                 <a:cs typeface="+mn-cs"/>
               </a:defRPr>
             </a:lvl6pPr>
-            <a:lvl7pPr marL="3656965" algn="l" defTabSz="1219200" rtl="false" eaLnBrk="true" latinLnBrk="false" hangingPunct="true">
+            <a:lvl7pPr marL="3656965" algn="l" defTabSz="1219200" rtl="0" eaLnBrk="1" latinLnBrk="0" hangingPunct="1">
               <a:defRPr sz="2400" kern="1200">
                 <a:solidFill>
                   <a:schemeClr val="tx1"/>
@@ -9375,7 +11353,7 @@
                 <a:cs typeface="+mn-cs"/>
               </a:defRPr>
             </a:lvl7pPr>
-            <a:lvl8pPr marL="4266565" algn="l" defTabSz="1219200" rtl="false" eaLnBrk="true" latinLnBrk="false" hangingPunct="true">
+            <a:lvl8pPr marL="4266565" algn="l" defTabSz="1219200" rtl="0" eaLnBrk="1" latinLnBrk="0" hangingPunct="1">
               <a:defRPr sz="2400" kern="1200">
                 <a:solidFill>
                   <a:schemeClr val="tx1"/>
@@ -9385,7 +11363,7 @@
                 <a:cs typeface="+mn-cs"/>
               </a:defRPr>
             </a:lvl8pPr>
-            <a:lvl9pPr marL="4876165" algn="l" defTabSz="1219200" rtl="false" eaLnBrk="true" latinLnBrk="false" hangingPunct="true">
+            <a:lvl9pPr marL="4876165" algn="l" defTabSz="1219200" rtl="0" eaLnBrk="1" latinLnBrk="0" hangingPunct="1">
               <a:defRPr sz="2400" kern="1200">
                 <a:solidFill>
                   <a:schemeClr val="tx1"/>
@@ -9397,7 +11375,6 @@
             </a:lvl9pPr>
           </a:lstStyle>
           <a:p>
-            <a:pPr/>
             <a:endParaRPr lang="en-US">
               <a:latin typeface="默认字体"/>
               <a:ea typeface="默认字体"/>
@@ -9414,7 +11391,7 @@
           <p:nvPr/>
         </p:nvSpPr>
         <p:spPr bwMode="auto">
-          <a:xfrm rot="0" flipH="true" flipV="false">
+          <a:xfrm flipH="1">
             <a:off x="10815267" y="3649564"/>
             <a:ext cx="1375924" cy="1770810"/>
           </a:xfrm>
@@ -9483,12 +11460,12 @@
           </a:ln>
         </p:spPr>
         <p:txBody>
-          <a:bodyPr vert="horz" wrap="square" lIns="91440" tIns="45720" rIns="91440" bIns="45720" numCol="1" anchor="t" anchorCtr="false" compatLnSpc="true"/>
+          <a:bodyPr vert="horz" wrap="square" lIns="91440" tIns="45720" rIns="91440" bIns="45720" numCol="1" anchor="t" anchorCtr="0" compatLnSpc="1"/>
           <a:lstStyle>
             <a:defPPr>
               <a:defRPr lang="en-US"/>
             </a:defPPr>
-            <a:lvl1pPr marL="0" algn="l" defTabSz="1219200" rtl="false" eaLnBrk="true" latinLnBrk="false" hangingPunct="true">
+            <a:lvl1pPr marL="0" algn="l" defTabSz="1219200" rtl="0" eaLnBrk="1" latinLnBrk="0" hangingPunct="1">
               <a:defRPr sz="2400" kern="1200">
                 <a:solidFill>
                   <a:schemeClr val="tx1"/>
@@ -9498,7 +11475,7 @@
                 <a:cs typeface="+mn-cs"/>
               </a:defRPr>
             </a:lvl1pPr>
-            <a:lvl2pPr marL="609600" algn="l" defTabSz="1219200" rtl="false" eaLnBrk="true" latinLnBrk="false" hangingPunct="true">
+            <a:lvl2pPr marL="609600" algn="l" defTabSz="1219200" rtl="0" eaLnBrk="1" latinLnBrk="0" hangingPunct="1">
               <a:defRPr sz="2400" kern="1200">
                 <a:solidFill>
                   <a:schemeClr val="tx1"/>
@@ -9508,7 +11485,7 @@
                 <a:cs typeface="+mn-cs"/>
               </a:defRPr>
             </a:lvl2pPr>
-            <a:lvl3pPr marL="1219200" algn="l" defTabSz="1219200" rtl="false" eaLnBrk="true" latinLnBrk="false" hangingPunct="true">
+            <a:lvl3pPr marL="1219200" algn="l" defTabSz="1219200" rtl="0" eaLnBrk="1" latinLnBrk="0" hangingPunct="1">
               <a:defRPr sz="2400" kern="1200">
                 <a:solidFill>
                   <a:schemeClr val="tx1"/>
@@ -9518,7 +11495,7 @@
                 <a:cs typeface="+mn-cs"/>
               </a:defRPr>
             </a:lvl3pPr>
-            <a:lvl4pPr marL="1828165" algn="l" defTabSz="1219200" rtl="false" eaLnBrk="true" latinLnBrk="false" hangingPunct="true">
+            <a:lvl4pPr marL="1828165" algn="l" defTabSz="1219200" rtl="0" eaLnBrk="1" latinLnBrk="0" hangingPunct="1">
               <a:defRPr sz="2400" kern="1200">
                 <a:solidFill>
                   <a:schemeClr val="tx1"/>
@@ -9528,7 +11505,7 @@
                 <a:cs typeface="+mn-cs"/>
               </a:defRPr>
             </a:lvl4pPr>
-            <a:lvl5pPr marL="2437765" algn="l" defTabSz="1219200" rtl="false" eaLnBrk="true" latinLnBrk="false" hangingPunct="true">
+            <a:lvl5pPr marL="2437765" algn="l" defTabSz="1219200" rtl="0" eaLnBrk="1" latinLnBrk="0" hangingPunct="1">
               <a:defRPr sz="2400" kern="1200">
                 <a:solidFill>
                   <a:schemeClr val="tx1"/>
@@ -9538,7 +11515,7 @@
                 <a:cs typeface="+mn-cs"/>
               </a:defRPr>
             </a:lvl5pPr>
-            <a:lvl6pPr marL="3047365" algn="l" defTabSz="1219200" rtl="false" eaLnBrk="true" latinLnBrk="false" hangingPunct="true">
+            <a:lvl6pPr marL="3047365" algn="l" defTabSz="1219200" rtl="0" eaLnBrk="1" latinLnBrk="0" hangingPunct="1">
               <a:defRPr sz="2400" kern="1200">
                 <a:solidFill>
                   <a:schemeClr val="tx1"/>
@@ -9548,7 +11525,7 @@
                 <a:cs typeface="+mn-cs"/>
               </a:defRPr>
             </a:lvl6pPr>
-            <a:lvl7pPr marL="3656965" algn="l" defTabSz="1219200" rtl="false" eaLnBrk="true" latinLnBrk="false" hangingPunct="true">
+            <a:lvl7pPr marL="3656965" algn="l" defTabSz="1219200" rtl="0" eaLnBrk="1" latinLnBrk="0" hangingPunct="1">
               <a:defRPr sz="2400" kern="1200">
                 <a:solidFill>
                   <a:schemeClr val="tx1"/>
@@ -9558,7 +11535,7 @@
                 <a:cs typeface="+mn-cs"/>
               </a:defRPr>
             </a:lvl7pPr>
-            <a:lvl8pPr marL="4266565" algn="l" defTabSz="1219200" rtl="false" eaLnBrk="true" latinLnBrk="false" hangingPunct="true">
+            <a:lvl8pPr marL="4266565" algn="l" defTabSz="1219200" rtl="0" eaLnBrk="1" latinLnBrk="0" hangingPunct="1">
               <a:defRPr sz="2400" kern="1200">
                 <a:solidFill>
                   <a:schemeClr val="tx1"/>
@@ -9568,7 +11545,7 @@
                 <a:cs typeface="+mn-cs"/>
               </a:defRPr>
             </a:lvl8pPr>
-            <a:lvl9pPr marL="4876165" algn="l" defTabSz="1219200" rtl="false" eaLnBrk="true" latinLnBrk="false" hangingPunct="true">
+            <a:lvl9pPr marL="4876165" algn="l" defTabSz="1219200" rtl="0" eaLnBrk="1" latinLnBrk="0" hangingPunct="1">
               <a:defRPr sz="2400" kern="1200">
                 <a:solidFill>
                   <a:schemeClr val="tx1"/>
@@ -9580,7 +11557,6 @@
             </a:lvl9pPr>
           </a:lstStyle>
           <a:p>
-            <a:pPr/>
             <a:endParaRPr lang="en-US">
               <a:latin typeface="默认字体"/>
               <a:ea typeface="默认字体"/>
@@ -9594,12 +11570,12 @@
         <p:nvSpPr>
           <p:cNvPr id="95" name="图形"/>
           <p:cNvSpPr>
-            <a:spLocks noChangeArrowheads="true"/>
+            <a:spLocks noChangeArrowheads="1"/>
           </p:cNvSpPr>
           <p:nvPr/>
         </p:nvSpPr>
         <p:spPr bwMode="auto">
-          <a:xfrm rot="0" flipH="false" flipV="false">
+          <a:xfrm>
             <a:off x="651337" y="2770981"/>
             <a:ext cx="250825" cy="257175"/>
           </a:xfrm>
@@ -9616,10 +11592,9 @@
           </a:ln>
         </p:spPr>
         <p:txBody>
-          <a:bodyPr vert="horz" wrap="square" lIns="91440" tIns="45720" rIns="91440" bIns="45720" numCol="1" anchor="t" anchorCtr="false" compatLnSpc="true"/>
+          <a:bodyPr vert="horz" wrap="square" lIns="91440" tIns="45720" rIns="91440" bIns="45720" numCol="1" anchor="t" anchorCtr="0" compatLnSpc="1"/>
           <a:lstStyle/>
           <a:p>
-            <a:pPr/>
             <a:endParaRPr lang="en-US">
               <a:latin typeface="默认字体"/>
               <a:ea typeface="默认字体"/>
@@ -9633,12 +11608,12 @@
         <p:nvSpPr>
           <p:cNvPr id="96" name="图形"/>
           <p:cNvSpPr>
-            <a:spLocks noChangeArrowheads="true"/>
+            <a:spLocks noChangeArrowheads="1"/>
           </p:cNvSpPr>
           <p:nvPr/>
         </p:nvSpPr>
         <p:spPr bwMode="auto">
-          <a:xfrm rot="0" flipH="false" flipV="false">
+          <a:xfrm>
             <a:off x="651337" y="3777456"/>
             <a:ext cx="250825" cy="257175"/>
           </a:xfrm>
@@ -9655,10 +11630,9 @@
           </a:ln>
         </p:spPr>
         <p:txBody>
-          <a:bodyPr vert="horz" wrap="square" lIns="91440" tIns="45720" rIns="91440" bIns="45720" numCol="1" anchor="t" anchorCtr="false" compatLnSpc="true"/>
+          <a:bodyPr vert="horz" wrap="square" lIns="91440" tIns="45720" rIns="91440" bIns="45720" numCol="1" anchor="t" anchorCtr="0" compatLnSpc="1"/>
           <a:lstStyle/>
           <a:p>
-            <a:pPr/>
             <a:endParaRPr lang="en-US">
               <a:latin typeface="默认字体"/>
               <a:ea typeface="默认字体"/>
@@ -9672,12 +11646,12 @@
         <p:nvSpPr>
           <p:cNvPr id="97" name="图形"/>
           <p:cNvSpPr>
-            <a:spLocks noChangeArrowheads="true"/>
+            <a:spLocks noChangeArrowheads="1"/>
           </p:cNvSpPr>
           <p:nvPr/>
         </p:nvSpPr>
         <p:spPr bwMode="auto">
-          <a:xfrm rot="0" flipH="false" flipV="false">
+          <a:xfrm>
             <a:off x="651337" y="4785836"/>
             <a:ext cx="250825" cy="257175"/>
           </a:xfrm>
@@ -9694,10 +11668,9 @@
           </a:ln>
         </p:spPr>
         <p:txBody>
-          <a:bodyPr vert="horz" wrap="square" lIns="91440" tIns="45720" rIns="91440" bIns="45720" numCol="1" anchor="t" anchorCtr="false" compatLnSpc="true"/>
+          <a:bodyPr vert="horz" wrap="square" lIns="91440" tIns="45720" rIns="91440" bIns="45720" numCol="1" anchor="t" anchorCtr="0" compatLnSpc="1"/>
           <a:lstStyle/>
           <a:p>
-            <a:pPr/>
             <a:endParaRPr lang="en-US">
               <a:latin typeface="默认字体"/>
               <a:ea typeface="默认字体"/>
@@ -9709,12 +11682,12 @@
       </p:sp>
       <p:sp>
         <p:nvSpPr>
-          <p:cNvPr id="98" name="" descr="{&quot;isTemplate&quot;:true,&quot;type&quot;:&quot;title&quot;,&quot;canOmit&quot;:false,&quot;range&quot;:0}"/>
-          <p:cNvSpPr txBox="true"/>
+          <p:cNvPr id="98" name="文本框 97" descr="{&quot;isTemplate&quot;:true,&quot;type&quot;:&quot;title&quot;,&quot;canOmit&quot;:false,&quot;range&quot;:0}"/>
+          <p:cNvSpPr txBox="1"/>
           <p:nvPr/>
         </p:nvSpPr>
         <p:spPr>
-          <a:xfrm rot="0" flipH="false" flipV="false">
+          <a:xfrm>
             <a:off x="660396" y="418039"/>
             <a:ext cx="10668000" cy="520700"/>
           </a:xfrm>
@@ -9724,7 +11697,7 @@
           <a:noFill/>
         </p:spPr>
         <p:txBody>
-          <a:bodyPr wrap="square" lIns="90000" tIns="46800" rIns="90000" bIns="46800" rtlCol="false" anchor="b" anchorCtr="false">
+          <a:bodyPr wrap="square" lIns="90000" tIns="46800" rIns="90000" bIns="46800" rtlCol="0" anchor="b" anchorCtr="0">
             <a:spAutoFit/>
           </a:bodyPr>
           <a:lstStyle/>
@@ -9736,14 +11709,14 @@
               <a:buNone/>
             </a:pPr>
             <a:r>
-              <a:rPr lang="zh-CN" sz="2800" b="true">
+              <a:rPr lang="zh-CN" sz="2800" b="1">
                 <a:latin typeface="默认字体"/>
                 <a:ea typeface="默认字体"/>
                 <a:cs typeface="+mn-cs"/>
               </a:rPr>
               <a:t>东汉末年的政治格局</a:t>
             </a:r>
-            <a:endParaRPr lang="en-US" sz="2800" b="true">
+            <a:endParaRPr lang="en-US" sz="2800" b="1">
               <a:latin typeface="默认字体"/>
               <a:ea typeface="默认字体"/>
               <a:cs typeface="+mn-cs"/>
@@ -9759,32 +11732,32 @@
   <p:timing>
     <p:tnLst>
       <p:par>
-        <p:cTn dur="indefinite" restart="never" nodeType="tmRoot">
+        <p:cTn id="1" dur="indefinite" restart="never" nodeType="tmRoot">
           <p:childTnLst>
-            <p:seq concurrent="true" nextAc="seek">
-              <p:cTn dur="indefinite" nodeType="mainSeq">
+            <p:seq concurrent="0" nextAc="seek">
+              <p:cTn id="2" dur="indefinite" nodeType="mainSeq">
                 <p:childTnLst>
                   <p:par>
-                    <p:cTn fill="hold">
+                    <p:cTn id="3" fill="hold">
                       <p:stCondLst>
                         <p:cond delay="indefinite"/>
                       </p:stCondLst>
                       <p:childTnLst>
                         <p:par>
-                          <p:cTn fill="hold">
+                          <p:cTn id="4" fill="hold">
                             <p:stCondLst>
                               <p:cond delay="0"/>
                             </p:stCondLst>
                             <p:childTnLst>
                               <p:par>
-                                <p:cTn presetID="3" presetClass="entr" presetSubtype="10" fill="hold" nodeType="clickEffect">
+                                <p:cTn id="5" presetID="3" presetClass="entr" presetSubtype="10" fill="hold" nodeType="clickEffect">
                                   <p:stCondLst>
                                     <p:cond delay="0"/>
                                   </p:stCondLst>
                                   <p:childTnLst>
                                     <p:set>
                                       <p:cBhvr>
-                                        <p:cTn dur="1" fill="hold">
+                                        <p:cTn id="6" dur="1" fill="hold">
                                           <p:stCondLst>
                                             <p:cond delay="0"/>
                                           </p:stCondLst>
@@ -9802,7 +11775,7 @@
                                     </p:set>
                                     <p:animEffect transition="in" filter="blinds(horizontal)">
                                       <p:cBhvr>
-                                        <p:cTn dur="500"/>
+                                        <p:cTn id="7" dur="500"/>
                                         <p:tgtEl>
                                           <p:spTgt spid="73"/>
                                         </p:tgtEl>
@@ -9818,26 +11791,26 @@
                     </p:cTn>
                   </p:par>
                   <p:par>
-                    <p:cTn fill="hold">
+                    <p:cTn id="8" fill="hold">
                       <p:stCondLst>
                         <p:cond delay="indefinite"/>
                       </p:stCondLst>
                       <p:childTnLst>
                         <p:par>
-                          <p:cTn fill="hold">
+                          <p:cTn id="9" fill="hold">
                             <p:stCondLst>
                               <p:cond delay="0"/>
                             </p:stCondLst>
                             <p:childTnLst>
                               <p:par>
-                                <p:cTn presetID="3" presetClass="entr" presetSubtype="10" fill="hold" nodeType="clickEffect">
+                                <p:cTn id="10" presetID="3" presetClass="entr" presetSubtype="10" fill="hold" nodeType="clickEffect">
                                   <p:stCondLst>
                                     <p:cond delay="0"/>
                                   </p:stCondLst>
                                   <p:childTnLst>
                                     <p:set>
                                       <p:cBhvr>
-                                        <p:cTn dur="1" fill="hold">
+                                        <p:cTn id="11" dur="1" fill="hold">
                                           <p:stCondLst>
                                             <p:cond delay="0"/>
                                           </p:stCondLst>
@@ -9855,7 +11828,7 @@
                                     </p:set>
                                     <p:animEffect transition="in" filter="blinds(horizontal)">
                                       <p:cBhvr>
-                                        <p:cTn dur="500"/>
+                                        <p:cTn id="12" dur="500"/>
                                         <p:tgtEl>
                                           <p:spTgt spid="74"/>
                                         </p:tgtEl>
@@ -9871,26 +11844,26 @@
                     </p:cTn>
                   </p:par>
                   <p:par>
-                    <p:cTn fill="hold">
+                    <p:cTn id="13" fill="hold">
                       <p:stCondLst>
                         <p:cond delay="indefinite"/>
                       </p:stCondLst>
                       <p:childTnLst>
                         <p:par>
-                          <p:cTn fill="hold">
+                          <p:cTn id="14" fill="hold">
                             <p:stCondLst>
                               <p:cond delay="0"/>
                             </p:stCondLst>
                             <p:childTnLst>
                               <p:par>
-                                <p:cTn presetID="3" presetClass="entr" presetSubtype="10" fill="hold" nodeType="clickEffect">
+                                <p:cTn id="15" presetID="3" presetClass="entr" presetSubtype="10" fill="hold" nodeType="clickEffect">
                                   <p:stCondLst>
                                     <p:cond delay="0"/>
                                   </p:stCondLst>
                                   <p:childTnLst>
                                     <p:set>
                                       <p:cBhvr>
-                                        <p:cTn dur="1" fill="hold">
+                                        <p:cTn id="16" dur="1" fill="hold">
                                           <p:stCondLst>
                                             <p:cond delay="0"/>
                                           </p:stCondLst>
@@ -9908,7 +11881,7 @@
                                     </p:set>
                                     <p:animEffect transition="in" filter="blinds(horizontal)">
                                       <p:cBhvr>
-                                        <p:cTn dur="500"/>
+                                        <p:cTn id="17" dur="500"/>
                                         <p:tgtEl>
                                           <p:spTgt spid="75"/>
                                         </p:tgtEl>
@@ -9924,26 +11897,26 @@
                     </p:cTn>
                   </p:par>
                   <p:par>
-                    <p:cTn fill="hold">
+                    <p:cTn id="18" fill="hold">
                       <p:stCondLst>
                         <p:cond delay="indefinite"/>
                       </p:stCondLst>
                       <p:childTnLst>
                         <p:par>
-                          <p:cTn fill="hold">
+                          <p:cTn id="19" fill="hold">
                             <p:stCondLst>
                               <p:cond delay="0"/>
                             </p:stCondLst>
                             <p:childTnLst>
                               <p:par>
-                                <p:cTn presetID="3" presetClass="entr" presetSubtype="10" fill="hold" nodeType="clickEffect">
+                                <p:cTn id="20" presetID="3" presetClass="entr" presetSubtype="10" fill="hold" nodeType="clickEffect">
                                   <p:stCondLst>
                                     <p:cond delay="0"/>
                                   </p:stCondLst>
                                   <p:childTnLst>
                                     <p:set>
                                       <p:cBhvr>
-                                        <p:cTn dur="1" fill="hold">
+                                        <p:cTn id="21" dur="1" fill="hold">
                                           <p:stCondLst>
                                             <p:cond delay="0"/>
                                           </p:stCondLst>
@@ -9961,7 +11934,7 @@
                                     </p:set>
                                     <p:animEffect transition="in" filter="blinds(horizontal)">
                                       <p:cBhvr>
-                                        <p:cTn dur="500"/>
+                                        <p:cTn id="22" dur="500"/>
                                         <p:tgtEl>
                                           <p:spTgt spid="76"/>
                                         </p:tgtEl>
@@ -9977,26 +11950,26 @@
                     </p:cTn>
                   </p:par>
                   <p:par>
-                    <p:cTn fill="hold">
+                    <p:cTn id="23" fill="hold">
                       <p:stCondLst>
                         <p:cond delay="indefinite"/>
                       </p:stCondLst>
                       <p:childTnLst>
                         <p:par>
-                          <p:cTn fill="hold">
+                          <p:cTn id="24" fill="hold">
                             <p:stCondLst>
                               <p:cond delay="0"/>
                             </p:stCondLst>
                             <p:childTnLst>
                               <p:par>
-                                <p:cTn presetID="3" presetClass="entr" presetSubtype="10" fill="hold" nodeType="clickEffect">
+                                <p:cTn id="25" presetID="3" presetClass="entr" presetSubtype="10" fill="hold" nodeType="clickEffect">
                                   <p:stCondLst>
                                     <p:cond delay="0"/>
                                   </p:stCondLst>
                                   <p:childTnLst>
                                     <p:set>
                                       <p:cBhvr>
-                                        <p:cTn dur="1" fill="hold">
+                                        <p:cTn id="26" dur="1" fill="hold">
                                           <p:stCondLst>
                                             <p:cond delay="0"/>
                                           </p:stCondLst>
@@ -10014,7 +11987,7 @@
                                     </p:set>
                                     <p:animEffect transition="in" filter="blinds(horizontal)">
                                       <p:cBhvr>
-                                        <p:cTn dur="500"/>
+                                        <p:cTn id="27" dur="500"/>
                                         <p:tgtEl>
                                           <p:spTgt spid="77"/>
                                         </p:tgtEl>
@@ -10030,26 +12003,26 @@
                     </p:cTn>
                   </p:par>
                   <p:par>
-                    <p:cTn fill="hold">
+                    <p:cTn id="28" fill="hold">
                       <p:stCondLst>
                         <p:cond delay="indefinite"/>
                       </p:stCondLst>
                       <p:childTnLst>
                         <p:par>
-                          <p:cTn fill="hold">
+                          <p:cTn id="29" fill="hold">
                             <p:stCondLst>
                               <p:cond delay="0"/>
                             </p:stCondLst>
                             <p:childTnLst>
                               <p:par>
-                                <p:cTn presetID="3" presetClass="entr" presetSubtype="10" fill="hold" nodeType="clickEffect">
+                                <p:cTn id="30" presetID="3" presetClass="entr" presetSubtype="10" fill="hold" nodeType="clickEffect">
                                   <p:stCondLst>
                                     <p:cond delay="0"/>
                                   </p:stCondLst>
                                   <p:childTnLst>
                                     <p:set>
                                       <p:cBhvr>
-                                        <p:cTn dur="1" fill="hold">
+                                        <p:cTn id="31" dur="1" fill="hold">
                                           <p:stCondLst>
                                             <p:cond delay="0"/>
                                           </p:stCondLst>
@@ -10067,7 +12040,7 @@
                                     </p:set>
                                     <p:animEffect transition="in" filter="blinds(horizontal)">
                                       <p:cBhvr>
-                                        <p:cTn dur="500"/>
+                                        <p:cTn id="32" dur="500"/>
                                         <p:tgtEl>
                                           <p:spTgt spid="78"/>
                                         </p:tgtEl>
@@ -10083,26 +12056,26 @@
                     </p:cTn>
                   </p:par>
                   <p:par>
-                    <p:cTn fill="hold">
+                    <p:cTn id="33" fill="hold">
                       <p:stCondLst>
                         <p:cond delay="indefinite"/>
                       </p:stCondLst>
                       <p:childTnLst>
                         <p:par>
-                          <p:cTn fill="hold">
+                          <p:cTn id="34" fill="hold">
                             <p:stCondLst>
                               <p:cond delay="0"/>
                             </p:stCondLst>
                             <p:childTnLst>
                               <p:par>
-                                <p:cTn presetID="3" presetClass="entr" presetSubtype="10" fill="hold" nodeType="clickEffect">
+                                <p:cTn id="35" presetID="3" presetClass="entr" presetSubtype="10" fill="hold" nodeType="clickEffect">
                                   <p:stCondLst>
                                     <p:cond delay="0"/>
                                   </p:stCondLst>
                                   <p:childTnLst>
                                     <p:set>
                                       <p:cBhvr>
-                                        <p:cTn dur="1" fill="hold">
+                                        <p:cTn id="36" dur="1" fill="hold">
                                           <p:stCondLst>
                                             <p:cond delay="0"/>
                                           </p:stCondLst>
@@ -10120,7 +12093,7 @@
                                     </p:set>
                                     <p:animEffect transition="in" filter="blinds(horizontal)">
                                       <p:cBhvr>
-                                        <p:cTn dur="500"/>
+                                        <p:cTn id="37" dur="500"/>
                                         <p:tgtEl>
                                           <p:spTgt spid="79"/>
                                         </p:tgtEl>
@@ -10136,26 +12109,26 @@
                     </p:cTn>
                   </p:par>
                   <p:par>
-                    <p:cTn fill="hold">
+                    <p:cTn id="38" fill="hold">
                       <p:stCondLst>
                         <p:cond delay="indefinite"/>
                       </p:stCondLst>
                       <p:childTnLst>
                         <p:par>
-                          <p:cTn fill="hold">
+                          <p:cTn id="39" fill="hold">
                             <p:stCondLst>
                               <p:cond delay="0"/>
                             </p:stCondLst>
                             <p:childTnLst>
                               <p:par>
-                                <p:cTn presetID="3" presetClass="entr" presetSubtype="10" fill="hold" nodeType="clickEffect">
+                                <p:cTn id="40" presetID="3" presetClass="entr" presetSubtype="10" fill="hold" nodeType="clickEffect">
                                   <p:stCondLst>
                                     <p:cond delay="0"/>
                                   </p:stCondLst>
                                   <p:childTnLst>
                                     <p:set>
                                       <p:cBhvr>
-                                        <p:cTn dur="1" fill="hold">
+                                        <p:cTn id="41" dur="1" fill="hold">
                                           <p:stCondLst>
                                             <p:cond delay="0"/>
                                           </p:stCondLst>
@@ -10173,7 +12146,7 @@
                                     </p:set>
                                     <p:animEffect transition="in" filter="blinds(horizontal)">
                                       <p:cBhvr>
-                                        <p:cTn dur="500"/>
+                                        <p:cTn id="42" dur="500"/>
                                         <p:tgtEl>
                                           <p:spTgt spid="80"/>
                                         </p:tgtEl>
@@ -10189,26 +12162,26 @@
                     </p:cTn>
                   </p:par>
                   <p:par>
-                    <p:cTn fill="hold">
+                    <p:cTn id="43" fill="hold">
                       <p:stCondLst>
                         <p:cond delay="indefinite"/>
                       </p:stCondLst>
                       <p:childTnLst>
                         <p:par>
-                          <p:cTn fill="hold">
+                          <p:cTn id="44" fill="hold">
                             <p:stCondLst>
                               <p:cond delay="0"/>
                             </p:stCondLst>
                             <p:childTnLst>
                               <p:par>
-                                <p:cTn presetID="3" presetClass="entr" presetSubtype="10" fill="hold" nodeType="clickEffect">
+                                <p:cTn id="45" presetID="3" presetClass="entr" presetSubtype="10" fill="hold" nodeType="clickEffect">
                                   <p:stCondLst>
                                     <p:cond delay="0"/>
                                   </p:stCondLst>
                                   <p:childTnLst>
                                     <p:set>
                                       <p:cBhvr>
-                                        <p:cTn dur="1" fill="hold">
+                                        <p:cTn id="46" dur="1" fill="hold">
                                           <p:stCondLst>
                                             <p:cond delay="0"/>
                                           </p:stCondLst>
@@ -10226,7 +12199,7 @@
                                     </p:set>
                                     <p:animEffect transition="in" filter="blinds(horizontal)">
                                       <p:cBhvr>
-                                        <p:cTn dur="500"/>
+                                        <p:cTn id="47" dur="500"/>
                                         <p:tgtEl>
                                           <p:spTgt spid="81"/>
                                         </p:tgtEl>
@@ -10242,26 +12215,26 @@
                     </p:cTn>
                   </p:par>
                   <p:par>
-                    <p:cTn fill="hold">
+                    <p:cTn id="48" fill="hold">
                       <p:stCondLst>
                         <p:cond delay="indefinite"/>
                       </p:stCondLst>
                       <p:childTnLst>
                         <p:par>
-                          <p:cTn fill="hold">
+                          <p:cTn id="49" fill="hold">
                             <p:stCondLst>
                               <p:cond delay="0"/>
                             </p:stCondLst>
                             <p:childTnLst>
                               <p:par>
-                                <p:cTn presetID="3" presetClass="entr" presetSubtype="10" fill="hold" nodeType="clickEffect">
+                                <p:cTn id="50" presetID="3" presetClass="entr" presetSubtype="10" fill="hold" nodeType="clickEffect">
                                   <p:stCondLst>
                                     <p:cond delay="0"/>
                                   </p:stCondLst>
                                   <p:childTnLst>
                                     <p:set>
                                       <p:cBhvr>
-                                        <p:cTn dur="1" fill="hold">
+                                        <p:cTn id="51" dur="1" fill="hold">
                                           <p:stCondLst>
                                             <p:cond delay="0"/>
                                           </p:stCondLst>
@@ -10279,7 +12252,7 @@
                                     </p:set>
                                     <p:animEffect transition="in" filter="blinds(horizontal)">
                                       <p:cBhvr>
-                                        <p:cTn dur="500"/>
+                                        <p:cTn id="52" dur="500"/>
                                         <p:tgtEl>
                                           <p:spTgt spid="92"/>
                                         </p:tgtEl>
@@ -10295,26 +12268,26 @@
                     </p:cTn>
                   </p:par>
                   <p:par>
-                    <p:cTn fill="hold">
+                    <p:cTn id="53" fill="hold">
                       <p:stCondLst>
                         <p:cond delay="indefinite"/>
                       </p:stCondLst>
                       <p:childTnLst>
                         <p:par>
-                          <p:cTn fill="hold">
+                          <p:cTn id="54" fill="hold">
                             <p:stCondLst>
                               <p:cond delay="0"/>
                             </p:stCondLst>
                             <p:childTnLst>
                               <p:par>
-                                <p:cTn presetID="3" presetClass="entr" presetSubtype="10" fill="hold" nodeType="clickEffect">
+                                <p:cTn id="55" presetID="3" presetClass="entr" presetSubtype="10" fill="hold" nodeType="clickEffect">
                                   <p:stCondLst>
                                     <p:cond delay="0"/>
                                   </p:stCondLst>
                                   <p:childTnLst>
                                     <p:set>
                                       <p:cBhvr>
-                                        <p:cTn dur="1" fill="hold">
+                                        <p:cTn id="56" dur="1" fill="hold">
                                           <p:stCondLst>
                                             <p:cond delay="0"/>
                                           </p:stCondLst>
@@ -10332,7 +12305,7 @@
                                     </p:set>
                                     <p:animEffect transition="in" filter="blinds(horizontal)">
                                       <p:cBhvr>
-                                        <p:cTn dur="500"/>
+                                        <p:cTn id="57" dur="500"/>
                                         <p:tgtEl>
                                           <p:spTgt spid="93"/>
                                         </p:tgtEl>
@@ -10348,26 +12321,26 @@
                     </p:cTn>
                   </p:par>
                   <p:par>
-                    <p:cTn fill="hold">
+                    <p:cTn id="58" fill="hold">
                       <p:stCondLst>
                         <p:cond delay="indefinite"/>
                       </p:stCondLst>
                       <p:childTnLst>
                         <p:par>
-                          <p:cTn fill="hold">
+                          <p:cTn id="59" fill="hold">
                             <p:stCondLst>
                               <p:cond delay="0"/>
                             </p:stCondLst>
                             <p:childTnLst>
                               <p:par>
-                                <p:cTn presetID="3" presetClass="entr" presetSubtype="10" fill="hold" nodeType="clickEffect">
+                                <p:cTn id="60" presetID="3" presetClass="entr" presetSubtype="10" fill="hold" nodeType="clickEffect">
                                   <p:stCondLst>
                                     <p:cond delay="0"/>
                                   </p:stCondLst>
                                   <p:childTnLst>
                                     <p:set>
                                       <p:cBhvr>
-                                        <p:cTn dur="1" fill="hold">
+                                        <p:cTn id="61" dur="1" fill="hold">
                                           <p:stCondLst>
                                             <p:cond delay="0"/>
                                           </p:stCondLst>
@@ -10385,7 +12358,7 @@
                                     </p:set>
                                     <p:animEffect transition="in" filter="blinds(horizontal)">
                                       <p:cBhvr>
-                                        <p:cTn dur="500"/>
+                                        <p:cTn id="62" dur="500"/>
                                         <p:tgtEl>
                                           <p:spTgt spid="94"/>
                                         </p:tgtEl>
@@ -10403,6 +12376,11 @@
                 </p:childTnLst>
               </p:cTn>
               <p:prevCondLst>
+                <p:cond evt="onPrev" delay="0">
+                  <p:tgtEl>
+                    <p:sldTgt/>
+                  </p:tgtEl>
+                </p:cond>
                 <p:cond evt="onPrev" delay="0"/>
               </p:prevCondLst>
               <p:nextCondLst>
@@ -10422,7 +12400,7 @@
 </file>
 
 <file path=ppt/slides/slide5.xml><?xml version="1.0" encoding="utf-8"?>
-<p:sld xmlns:a="http://schemas.openxmlformats.org/drawingml/2006/main" xmlns:p="http://schemas.openxmlformats.org/presentationml/2006/main">
+<p:sld xmlns:a="http://schemas.openxmlformats.org/drawingml/2006/main" xmlns:r="http://schemas.openxmlformats.org/officeDocument/2006/relationships" xmlns:p="http://schemas.openxmlformats.org/presentationml/2006/main">
   <p:cSld>
     <p:spTree>
       <p:nvGrpSpPr>
@@ -10440,7 +12418,7 @@
       </p:grpSpPr>
       <p:grpSp>
         <p:nvGrpSpPr>
-          <p:cNvPr id="100" name="" descr="{&quot;isTemplate&quot;:true,&quot;type&quot;:&quot;list&quot;,&quot;alignment&quot;:&quot;left&quot;,&quot;alignmentVertical&quot;:&quot;top&quot;,&quot;canOmit&quot;:false,&quot;scalable&quot;:false,&quot;minItemsCount&quot;:-1}"/>
+          <p:cNvPr id="100" name="组合 99" descr="{&quot;isTemplate&quot;:true,&quot;type&quot;:&quot;list&quot;,&quot;alignment&quot;:&quot;left&quot;,&quot;alignmentVertical&quot;:&quot;top&quot;,&quot;canOmit&quot;:false,&quot;scalable&quot;:false,&quot;minItemsCount&quot;:-1}"/>
           <p:cNvGrpSpPr/>
           <p:nvPr/>
         </p:nvGrpSpPr>
@@ -10454,12 +12432,12 @@
         </p:grpSpPr>
         <p:grpSp>
           <p:nvGrpSpPr>
-            <p:cNvPr id="101" name=""/>
+            <p:cNvPr id="101" name="组合 100"/>
             <p:cNvGrpSpPr/>
             <p:nvPr/>
           </p:nvGrpSpPr>
           <p:grpSpPr>
-            <a:xfrm rot="0" flipH="false" flipV="false">
+            <a:xfrm rot="0">
               <a:off x="1046808" y="1597261"/>
               <a:ext cx="6479984" cy="1446339"/>
               <a:chOff x="1043146" y="1769978"/>
@@ -10473,7 +12451,7 @@
               <p:nvPr/>
             </p:nvSpPr>
             <p:spPr>
-              <a:xfrm rot="0" flipH="false" flipV="false">
+              <a:xfrm>
                 <a:off x="1043146" y="1769978"/>
                 <a:ext cx="6479984" cy="1439989"/>
               </a:xfrm>
@@ -10650,7 +12628,7 @@
                 <a:noFill/>
               </a:ln>
               <a:effectLst>
-                <a:outerShdw blurRad="406400" dist="139700" dir="5400000" algn="t" rotWithShape="false">
+                <a:outerShdw blurRad="406400" dist="139700" dir="5400000" algn="t" rotWithShape="0">
                   <a:srgbClr val="3B5463">
                     <a:alpha val="17000"/>
                   </a:srgbClr>
@@ -10674,7 +12652,7 @@
               </a:fontRef>
             </p:style>
             <p:txBody>
-              <a:bodyPr wrap="square" rtlCol="false" anchor="ctr">
+              <a:bodyPr wrap="square" rtlCol="0" anchor="ctr">
                 <a:noAutofit/>
               </a:bodyPr>
               <a:lstStyle/>
@@ -10701,7 +12679,7 @@
               <p:nvPr/>
             </p:nvSpPr>
             <p:spPr>
-              <a:xfrm rot="180000" flipH="false" flipV="false">
+              <a:xfrm rot="180000">
                 <a:off x="7077189" y="2796148"/>
                 <a:ext cx="445941" cy="420169"/>
               </a:xfrm>
@@ -10808,7 +12786,7 @@
               </a:fontRef>
             </p:style>
             <p:txBody>
-              <a:bodyPr lIns="83942" tIns="41971" rIns="83942" bIns="41971" rtlCol="false" anchor="ctr"/>
+              <a:bodyPr lIns="83942" tIns="41971" rIns="83942" bIns="41971" rtlCol="0" anchor="ctr"/>
               <a:lstStyle/>
               <a:p>
                 <a:pPr algn="ctr"/>
@@ -10867,7 +12845,7 @@
               </a:fontRef>
             </p:style>
             <p:txBody>
-              <a:bodyPr lIns="83942" tIns="41971" rIns="83942" bIns="41971" rtlCol="false" anchor="ctr"/>
+              <a:bodyPr lIns="83942" tIns="41971" rIns="83942" bIns="41971" rtlCol="0" anchor="ctr"/>
               <a:lstStyle/>
               <a:p>
                 <a:pPr algn="ctr"/>
@@ -10887,12 +12865,12 @@
           </p:sp>
           <p:grpSp>
             <p:nvGrpSpPr>
-              <p:cNvPr id="105" name=""/>
+              <p:cNvPr id="105" name="组合 104"/>
               <p:cNvGrpSpPr/>
               <p:nvPr/>
             </p:nvGrpSpPr>
             <p:grpSpPr>
-              <a:xfrm rot="0" flipH="false" flipV="false">
+              <a:xfrm rot="0">
                 <a:off x="1578026" y="1893597"/>
                 <a:ext cx="5399976" cy="1192751"/>
                 <a:chOff x="1572588" y="1945145"/>
@@ -10902,11 +12880,11 @@
             <p:sp>
               <p:nvSpPr>
                 <p:cNvPr id="106" name="文本框 23" descr="{&quot;isTemplate&quot;:true,&quot;type&quot;:&quot;title&quot;,&quot;canOmit&quot;:false,&quot;range&quot;:0}"/>
-                <p:cNvSpPr txBox="true"/>
+                <p:cNvSpPr txBox="1"/>
                 <p:nvPr/>
               </p:nvSpPr>
               <p:spPr>
-                <a:xfrm rot="0" flipH="false" flipV="false">
+                <a:xfrm>
                   <a:off x="1572588" y="1945145"/>
                   <a:ext cx="5399976" cy="368300"/>
                 </a:xfrm>
@@ -10916,7 +12894,7 @@
                 <a:noFill/>
               </p:spPr>
               <p:txBody>
-                <a:bodyPr wrap="square" rtlCol="false">
+                <a:bodyPr wrap="square" rtlCol="0">
                   <a:noAutofit/>
                 </a:bodyPr>
                 <a:lstStyle/>
@@ -10947,11 +12925,11 @@
             <p:sp>
               <p:nvSpPr>
                 <p:cNvPr id="107" name="文本框 24" descr="{&quot;isTemplate&quot;:true,&quot;type&quot;:&quot;content&quot;,&quot;canOmit&quot;:false,&quot;range&quot;:0}"/>
-                <p:cNvSpPr txBox="true"/>
+                <p:cNvSpPr txBox="1"/>
                 <p:nvPr/>
               </p:nvSpPr>
               <p:spPr>
-                <a:xfrm rot="0" flipH="false" flipV="false">
+                <a:xfrm>
                   <a:off x="1572588" y="2317974"/>
                   <a:ext cx="5399976" cy="819922"/>
                 </a:xfrm>
@@ -10961,7 +12939,7 @@
                 <a:noFill/>
               </p:spPr>
               <p:txBody>
-                <a:bodyPr wrap="square" rtlCol="false">
+                <a:bodyPr wrap="square" rtlCol="0">
                   <a:noAutofit/>
                 </a:bodyPr>
                 <a:lstStyle>
@@ -11000,7 +12978,12 @@
                     </a:rPr>
                     <a:t>东汉末年的政治腐败和社会动荡，使得张角领导的太平道得以迅速发展，最终在公元184年爆发了黄巾起义，沉重打击了东汉政权。</a:t>
                   </a:r>
-                  <a:endParaRPr/>
+                  <a:endParaRPr lang="zh-CN" sz="1200">
+                    <a:latin typeface="默认字体"/>
+                    <a:ea typeface="默认字体"/>
+                    <a:cs typeface="+mn-cs"/>
+                    <a:sym typeface="思源黑体 CN Normal"/>
+                  </a:endParaRPr>
                 </a:p>
               </p:txBody>
             </p:sp>
@@ -11008,12 +12991,12 @@
         </p:grpSp>
         <p:grpSp>
           <p:nvGrpSpPr>
-            <p:cNvPr id="108" name=""/>
+            <p:cNvPr id="108" name="组合 107"/>
             <p:cNvGrpSpPr/>
             <p:nvPr/>
           </p:nvGrpSpPr>
           <p:grpSpPr>
-            <a:xfrm rot="0" flipH="false" flipV="false">
+            <a:xfrm rot="0">
               <a:off x="2922949" y="3194861"/>
               <a:ext cx="6479984" cy="1446339"/>
               <a:chOff x="1043146" y="1769978"/>
@@ -11027,7 +13010,7 @@
               <p:nvPr/>
             </p:nvSpPr>
             <p:spPr>
-              <a:xfrm rot="0" flipH="false" flipV="false">
+              <a:xfrm>
                 <a:off x="1043146" y="1769978"/>
                 <a:ext cx="6479984" cy="1439989"/>
               </a:xfrm>
@@ -11204,7 +13187,7 @@
                 <a:noFill/>
               </a:ln>
               <a:effectLst>
-                <a:outerShdw blurRad="406400" dist="139700" dir="5400000" algn="t" rotWithShape="false">
+                <a:outerShdw blurRad="406400" dist="139700" dir="5400000" algn="t" rotWithShape="0">
                   <a:srgbClr val="3B5463">
                     <a:alpha val="17000"/>
                   </a:srgbClr>
@@ -11228,7 +13211,7 @@
               </a:fontRef>
             </p:style>
             <p:txBody>
-              <a:bodyPr wrap="square" rtlCol="false" anchor="ctr">
+              <a:bodyPr wrap="square" rtlCol="0" anchor="ctr">
                 <a:noAutofit/>
               </a:bodyPr>
               <a:lstStyle/>
@@ -11255,7 +13238,7 @@
               <p:nvPr/>
             </p:nvSpPr>
             <p:spPr>
-              <a:xfrm rot="180000" flipH="false" flipV="false">
+              <a:xfrm rot="180000">
                 <a:off x="7077189" y="2796148"/>
                 <a:ext cx="445941" cy="420169"/>
               </a:xfrm>
@@ -11362,7 +13345,7 @@
               </a:fontRef>
             </p:style>
             <p:txBody>
-              <a:bodyPr lIns="83942" tIns="41971" rIns="83942" bIns="41971" rtlCol="false" anchor="ctr"/>
+              <a:bodyPr lIns="83942" tIns="41971" rIns="83942" bIns="41971" rtlCol="0" anchor="ctr"/>
               <a:lstStyle/>
               <a:p>
                 <a:pPr algn="ctr"/>
@@ -11421,7 +13404,7 @@
               </a:fontRef>
             </p:style>
             <p:txBody>
-              <a:bodyPr lIns="83942" tIns="41971" rIns="83942" bIns="41971" rtlCol="false" anchor="ctr"/>
+              <a:bodyPr lIns="83942" tIns="41971" rIns="83942" bIns="41971" rtlCol="0" anchor="ctr"/>
               <a:lstStyle/>
               <a:p>
                 <a:pPr algn="ctr"/>
@@ -11441,12 +13424,12 @@
           </p:sp>
           <p:grpSp>
             <p:nvGrpSpPr>
-              <p:cNvPr id="112" name=""/>
+              <p:cNvPr id="112" name="组合 111"/>
               <p:cNvGrpSpPr/>
               <p:nvPr/>
             </p:nvGrpSpPr>
             <p:grpSpPr>
-              <a:xfrm rot="0" flipH="false" flipV="false">
+              <a:xfrm rot="0">
                 <a:off x="1578026" y="1893597"/>
                 <a:ext cx="5399976" cy="1192751"/>
                 <a:chOff x="1572588" y="1945145"/>
@@ -11456,11 +13439,11 @@
             <p:sp>
               <p:nvSpPr>
                 <p:cNvPr id="113" name="文本框 23" descr="{&quot;isTemplate&quot;:true,&quot;type&quot;:&quot;title&quot;,&quot;canOmit&quot;:false,&quot;range&quot;:0}"/>
-                <p:cNvSpPr txBox="true"/>
+                <p:cNvSpPr txBox="1"/>
                 <p:nvPr/>
               </p:nvSpPr>
               <p:spPr>
-                <a:xfrm rot="0" flipH="false" flipV="false">
+                <a:xfrm>
                   <a:off x="1572588" y="1945145"/>
                   <a:ext cx="5399976" cy="368300"/>
                 </a:xfrm>
@@ -11470,7 +13453,7 @@
                 <a:noFill/>
               </p:spPr>
               <p:txBody>
-                <a:bodyPr wrap="square" rtlCol="false">
+                <a:bodyPr wrap="square" rtlCol="0">
                   <a:noAutofit/>
                 </a:bodyPr>
                 <a:lstStyle/>
@@ -11501,11 +13484,11 @@
             <p:sp>
               <p:nvSpPr>
                 <p:cNvPr id="114" name="文本框 24" descr="{&quot;isTemplate&quot;:true,&quot;type&quot;:&quot;content&quot;,&quot;canOmit&quot;:false,&quot;range&quot;:0}"/>
-                <p:cNvSpPr txBox="true"/>
+                <p:cNvSpPr txBox="1"/>
                 <p:nvPr/>
               </p:nvSpPr>
               <p:spPr>
-                <a:xfrm rot="0" flipH="false" flipV="false">
+                <a:xfrm>
                   <a:off x="1572588" y="2317974"/>
                   <a:ext cx="5399976" cy="819922"/>
                 </a:xfrm>
@@ -11515,7 +13498,7 @@
                 <a:noFill/>
               </p:spPr>
               <p:txBody>
-                <a:bodyPr wrap="square" rtlCol="false">
+                <a:bodyPr wrap="square" rtlCol="0">
                   <a:noAutofit/>
                 </a:bodyPr>
                 <a:lstStyle>
@@ -11554,7 +13537,12 @@
                     </a:rPr>
                     <a:t>黄巾起义迅速蔓延至全国，各地响应者众，虽然最终被镇压，但导致地方豪强势力崛起，形成了群雄割据的局面，东汉名存实亡。</a:t>
                   </a:r>
-                  <a:endParaRPr/>
+                  <a:endParaRPr lang="zh-CN" sz="1200">
+                    <a:latin typeface="默认字体"/>
+                    <a:ea typeface="默认字体"/>
+                    <a:cs typeface="+mn-cs"/>
+                    <a:sym typeface="思源黑体 CN Normal"/>
+                  </a:endParaRPr>
                 </a:p>
               </p:txBody>
             </p:sp>
@@ -11562,12 +13550,12 @@
         </p:grpSp>
         <p:grpSp>
           <p:nvGrpSpPr>
-            <p:cNvPr id="115" name=""/>
+            <p:cNvPr id="115" name="组合 114"/>
             <p:cNvGrpSpPr/>
             <p:nvPr/>
           </p:nvGrpSpPr>
           <p:grpSpPr>
-            <a:xfrm rot="0" flipH="false" flipV="false">
+            <a:xfrm rot="0">
               <a:off x="4665209" y="4792461"/>
               <a:ext cx="6479984" cy="1446339"/>
               <a:chOff x="1043146" y="1769978"/>
@@ -11581,7 +13569,7 @@
               <p:nvPr/>
             </p:nvSpPr>
             <p:spPr>
-              <a:xfrm rot="0" flipH="false" flipV="false">
+              <a:xfrm>
                 <a:off x="1043146" y="1769978"/>
                 <a:ext cx="6479984" cy="1439989"/>
               </a:xfrm>
@@ -11758,7 +13746,7 @@
                 <a:noFill/>
               </a:ln>
               <a:effectLst>
-                <a:outerShdw blurRad="406400" dist="139700" dir="5400000" algn="t" rotWithShape="false">
+                <a:outerShdw blurRad="406400" dist="139700" dir="5400000" algn="t" rotWithShape="0">
                   <a:srgbClr val="3B5463">
                     <a:alpha val="17000"/>
                   </a:srgbClr>
@@ -11782,7 +13770,7 @@
               </a:fontRef>
             </p:style>
             <p:txBody>
-              <a:bodyPr wrap="square" rtlCol="false" anchor="ctr">
+              <a:bodyPr wrap="square" rtlCol="0" anchor="ctr">
                 <a:noAutofit/>
               </a:bodyPr>
               <a:lstStyle/>
@@ -11809,7 +13797,7 @@
               <p:nvPr/>
             </p:nvSpPr>
             <p:spPr>
-              <a:xfrm rot="180000" flipH="false" flipV="false">
+              <a:xfrm rot="180000">
                 <a:off x="7077189" y="2796148"/>
                 <a:ext cx="445941" cy="420169"/>
               </a:xfrm>
@@ -11916,7 +13904,7 @@
               </a:fontRef>
             </p:style>
             <p:txBody>
-              <a:bodyPr lIns="83942" tIns="41971" rIns="83942" bIns="41971" rtlCol="false" anchor="ctr"/>
+              <a:bodyPr lIns="83942" tIns="41971" rIns="83942" bIns="41971" rtlCol="0" anchor="ctr"/>
               <a:lstStyle/>
               <a:p>
                 <a:pPr algn="ctr"/>
@@ -11975,7 +13963,7 @@
               </a:fontRef>
             </p:style>
             <p:txBody>
-              <a:bodyPr lIns="83942" tIns="41971" rIns="83942" bIns="41971" rtlCol="false" anchor="ctr"/>
+              <a:bodyPr lIns="83942" tIns="41971" rIns="83942" bIns="41971" rtlCol="0" anchor="ctr"/>
               <a:lstStyle/>
               <a:p>
                 <a:pPr algn="ctr"/>
@@ -11995,12 +13983,12 @@
           </p:sp>
           <p:grpSp>
             <p:nvGrpSpPr>
-              <p:cNvPr id="119" name=""/>
+              <p:cNvPr id="119" name="组合 118"/>
               <p:cNvGrpSpPr/>
               <p:nvPr/>
             </p:nvGrpSpPr>
             <p:grpSpPr>
-              <a:xfrm rot="0" flipH="false" flipV="false">
+              <a:xfrm rot="0">
                 <a:off x="1578026" y="1893597"/>
                 <a:ext cx="5399976" cy="1192751"/>
                 <a:chOff x="1572588" y="1945145"/>
@@ -12010,11 +13998,11 @@
             <p:sp>
               <p:nvSpPr>
                 <p:cNvPr id="120" name="文本框 23" descr="{&quot;isTemplate&quot;:true,&quot;type&quot;:&quot;title&quot;,&quot;canOmit&quot;:false,&quot;range&quot;:0}"/>
-                <p:cNvSpPr txBox="true"/>
+                <p:cNvSpPr txBox="1"/>
                 <p:nvPr/>
               </p:nvSpPr>
               <p:spPr>
-                <a:xfrm rot="0" flipH="false" flipV="false">
+                <a:xfrm>
                   <a:off x="1572588" y="1945145"/>
                   <a:ext cx="5399976" cy="368300"/>
                 </a:xfrm>
@@ -12024,7 +14012,7 @@
                 <a:noFill/>
               </p:spPr>
               <p:txBody>
-                <a:bodyPr wrap="square" rtlCol="false">
+                <a:bodyPr wrap="square" rtlCol="0">
                   <a:noAutofit/>
                 </a:bodyPr>
                 <a:lstStyle/>
@@ -12055,11 +14043,11 @@
             <p:sp>
               <p:nvSpPr>
                 <p:cNvPr id="121" name="文本框 24" descr="{&quot;isTemplate&quot;:true,&quot;type&quot;:&quot;content&quot;,&quot;canOmit&quot;:false,&quot;range&quot;:0}"/>
-                <p:cNvSpPr txBox="true"/>
+                <p:cNvSpPr txBox="1"/>
                 <p:nvPr/>
               </p:nvSpPr>
               <p:spPr>
-                <a:xfrm rot="0" flipH="false" flipV="false">
+                <a:xfrm>
                   <a:off x="1572588" y="2317974"/>
                   <a:ext cx="5399976" cy="819922"/>
                 </a:xfrm>
@@ -12069,7 +14057,7 @@
                 <a:noFill/>
               </p:spPr>
               <p:txBody>
-                <a:bodyPr wrap="square" rtlCol="false">
+                <a:bodyPr wrap="square" rtlCol="0">
                   <a:noAutofit/>
                 </a:bodyPr>
                 <a:lstStyle>
@@ -12108,7 +14096,12 @@
                     </a:rPr>
                     <a:t>黄巾起义后，各地军阀如袁绍、曹操、孙坚等势力崛起，通过兼并战争争夺地盘，逐步形成了魏、蜀、吴三国鼎立的雏形。</a:t>
                   </a:r>
-                  <a:endParaRPr/>
+                  <a:endParaRPr lang="zh-CN" sz="1200">
+                    <a:latin typeface="默认字体"/>
+                    <a:ea typeface="默认字体"/>
+                    <a:cs typeface="+mn-cs"/>
+                    <a:sym typeface="思源黑体 CN Normal"/>
+                  </a:endParaRPr>
                 </a:p>
               </p:txBody>
             </p:sp>
@@ -12117,12 +14110,12 @@
       </p:grpSp>
       <p:sp>
         <p:nvSpPr>
-          <p:cNvPr id="122" name="" descr="{&quot;isTemplate&quot;:true,&quot;type&quot;:&quot;title&quot;,&quot;canOmit&quot;:false,&quot;range&quot;:0}"/>
-          <p:cNvSpPr txBox="true"/>
+          <p:cNvPr id="122" name="文本框 121" descr="{&quot;isTemplate&quot;:true,&quot;type&quot;:&quot;title&quot;,&quot;canOmit&quot;:false,&quot;range&quot;:0}"/>
+          <p:cNvSpPr txBox="1"/>
           <p:nvPr/>
         </p:nvSpPr>
         <p:spPr>
-          <a:xfrm rot="0" flipH="false" flipV="false">
+          <a:xfrm>
             <a:off x="660396" y="418039"/>
             <a:ext cx="10668000" cy="520700"/>
           </a:xfrm>
@@ -12132,7 +14125,7 @@
           <a:noFill/>
         </p:spPr>
         <p:txBody>
-          <a:bodyPr wrap="square" lIns="90000" tIns="46800" rIns="90000" bIns="46800" rtlCol="false" anchor="b" anchorCtr="false">
+          <a:bodyPr wrap="square" lIns="90000" tIns="46800" rIns="90000" bIns="46800" rtlCol="0" anchor="b" anchorCtr="0">
             <a:spAutoFit/>
           </a:bodyPr>
           <a:lstStyle/>
@@ -12144,14 +14137,14 @@
               <a:buNone/>
             </a:pPr>
             <a:r>
-              <a:rPr lang="zh-CN" sz="2800" b="true">
+              <a:rPr lang="zh-CN" sz="2800" b="1">
                 <a:latin typeface="默认字体"/>
                 <a:ea typeface="默认字体"/>
                 <a:cs typeface="+mn-cs"/>
               </a:rPr>
               <a:t>黄巾起义与群雄割据</a:t>
             </a:r>
-            <a:endParaRPr lang="en-US" sz="2800" b="true">
+            <a:endParaRPr lang="en-US" sz="2800" b="1">
               <a:latin typeface="默认字体"/>
               <a:ea typeface="默认字体"/>
               <a:cs typeface="+mn-cs"/>
@@ -12168,7 +14161,7 @@
 </file>
 
 <file path=ppt/slides/slide6.xml><?xml version="1.0" encoding="utf-8"?>
-<p:sld xmlns:a="http://schemas.openxmlformats.org/drawingml/2006/main" xmlns:p="http://schemas.openxmlformats.org/presentationml/2006/main">
+<p:sld xmlns:a="http://schemas.openxmlformats.org/drawingml/2006/main" xmlns:r="http://schemas.openxmlformats.org/officeDocument/2006/relationships" xmlns:p="http://schemas.openxmlformats.org/presentationml/2006/main">
   <p:cSld>
     <p:spTree>
       <p:nvGrpSpPr>
@@ -12186,7 +14179,7 @@
       </p:grpSpPr>
       <p:grpSp>
         <p:nvGrpSpPr>
-          <p:cNvPr id="124" name="" descr="{&quot;isTemplate&quot;:true,&quot;type&quot;:&quot;list&quot;,&quot;alignment&quot;:&quot;left&quot;,&quot;alignmentVertical&quot;:&quot;top&quot;,&quot;canOmit&quot;:false,&quot;scalable&quot;:false,&quot;minItemsCount&quot;:-1}"/>
+          <p:cNvPr id="124" name="组合 123" descr="{&quot;isTemplate&quot;:true,&quot;type&quot;:&quot;list&quot;,&quot;alignment&quot;:&quot;left&quot;,&quot;alignmentVertical&quot;:&quot;top&quot;,&quot;canOmit&quot;:false,&quot;scalable&quot;:false,&quot;minItemsCount&quot;:-1}"/>
           <p:cNvGrpSpPr/>
           <p:nvPr/>
         </p:nvGrpSpPr>
@@ -12200,12 +14193,12 @@
         </p:grpSpPr>
         <p:grpSp>
           <p:nvGrpSpPr>
-            <p:cNvPr id="125" name=""/>
+            <p:cNvPr id="125" name="组合 124"/>
             <p:cNvGrpSpPr/>
             <p:nvPr/>
           </p:nvGrpSpPr>
           <p:grpSpPr>
-            <a:xfrm rot="0" flipH="false" flipV="false">
+            <a:xfrm rot="0">
               <a:off x="904109" y="2973869"/>
               <a:ext cx="3292241" cy="2231021"/>
               <a:chOff x="778414" y="4245736"/>
@@ -12219,7 +14212,7 @@
               <p:nvPr/>
             </p:nvSpPr>
             <p:spPr>
-              <a:xfrm rot="283349" flipH="false" flipV="false">
+              <a:xfrm rot="283349">
                 <a:off x="1167591" y="5382757"/>
                 <a:ext cx="2862889" cy="1094000"/>
               </a:xfrm>
@@ -12237,7 +14230,7 @@
                 <a:noFill/>
               </a:ln>
               <a:effectLst>
-                <a:outerShdw blurRad="203200" dist="127000" dir="5400000" sx="87000" sy="87000" algn="t" rotWithShape="false">
+                <a:outerShdw blurRad="203200" dist="127000" dir="5400000" sx="87000" sy="87000" algn="t" rotWithShape="0">
                   <a:schemeClr val="accent1">
                     <a:alpha val="55000"/>
                   </a:schemeClr>
@@ -12261,7 +14254,7 @@
               </a:fontRef>
             </p:style>
             <p:txBody>
-              <a:bodyPr lIns="83942" tIns="41971" rIns="83942" bIns="41971" rtlCol="false" anchor="ctr"/>
+              <a:bodyPr lIns="83942" tIns="41971" rIns="83942" bIns="41971" rtlCol="0" anchor="ctr"/>
               <a:lstStyle/>
               <a:p>
                 <a:pPr algn="ctr"/>
@@ -12286,7 +14279,7 @@
               <p:nvPr/>
             </p:nvSpPr>
             <p:spPr>
-              <a:xfrm rot="0" flipH="false" flipV="false">
+              <a:xfrm>
                 <a:off x="778414" y="4245736"/>
                 <a:ext cx="3292241" cy="2093083"/>
               </a:xfrm>
@@ -12302,7 +14295,7 @@
                 <a:noFill/>
               </a:ln>
               <a:effectLst>
-                <a:outerShdw blurRad="330200" sx="102000" sy="102000" algn="ctr" rotWithShape="false">
+                <a:outerShdw blurRad="330200" sx="102000" sy="102000" algn="ctr" rotWithShape="0">
                   <a:srgbClr val="086DC7">
                     <a:alpha val="23000"/>
                   </a:srgbClr>
@@ -12326,7 +14319,7 @@
               </a:fontRef>
             </p:style>
             <p:txBody>
-              <a:bodyPr rtlCol="false" anchor="ctr"/>
+              <a:bodyPr rtlCol="0" anchor="ctr"/>
               <a:lstStyle/>
               <a:p>
                 <a:pPr algn="ctr"/>
@@ -12347,11 +14340,11 @@
           <p:sp>
             <p:nvSpPr>
               <p:cNvPr id="128" name="TextBox 21" descr="{&quot;isTemplate&quot;:true,&quot;type&quot;:&quot;content&quot;,&quot;canOmit&quot;:false,&quot;range&quot;:0}"/>
-              <p:cNvSpPr txBox="true"/>
+              <p:cNvSpPr txBox="1"/>
               <p:nvPr/>
             </p:nvSpPr>
             <p:spPr>
-              <a:xfrm rot="0" flipH="false" flipV="false">
+              <a:xfrm>
                 <a:off x="1031826" y="4993714"/>
                 <a:ext cx="2800350" cy="1326006"/>
               </a:xfrm>
@@ -12361,7 +14354,7 @@
               <a:noFill/>
             </p:spPr>
             <p:txBody>
-              <a:bodyPr wrap="square" rtlCol="false">
+              <a:bodyPr wrap="square" rtlCol="0">
                 <a:noAutofit/>
               </a:bodyPr>
               <a:lstStyle/>
@@ -12381,7 +14374,12 @@
                   </a:rPr>
                   <a:t>元末明初，社会动荡不安，罗贯中结合历史文献与民间传说，创作了《三国志通俗演义》，旨在通过历史故事表达对现实的思考。</a:t>
                 </a:r>
-                <a:endParaRPr/>
+                <a:endParaRPr lang="zh-CN" sz="1200">
+                  <a:latin typeface="默认字体"/>
+                  <a:ea typeface="默认字体"/>
+                  <a:cs typeface="+mn-cs"/>
+                  <a:sym typeface="思源黑体 CN Normal"/>
+                </a:endParaRPr>
               </a:p>
             </p:txBody>
           </p:sp>
@@ -12426,11 +14424,11 @@
           <p:sp>
             <p:nvSpPr>
               <p:cNvPr id="130" name="TextBox 20" descr="{&quot;isTemplate&quot;:true,&quot;type&quot;:&quot;title&quot;,&quot;canOmit&quot;:false,&quot;range&quot;:0}"/>
-              <p:cNvSpPr txBox="true"/>
+              <p:cNvSpPr txBox="1"/>
               <p:nvPr/>
             </p:nvSpPr>
             <p:spPr>
-              <a:xfrm rot="0" flipH="false" flipV="false">
+              <a:xfrm>
                 <a:off x="1493069" y="4521490"/>
                 <a:ext cx="2339107" cy="368300"/>
               </a:xfrm>
@@ -12440,7 +14438,7 @@
               <a:noFill/>
             </p:spPr>
             <p:txBody>
-              <a:bodyPr wrap="square" rtlCol="false">
+              <a:bodyPr wrap="square" rtlCol="0">
                 <a:noAutofit/>
               </a:bodyPr>
               <a:lstStyle/>
@@ -12491,7 +14489,7 @@
                 <a:noFill/>
               </a:ln>
               <a:effectLst>
-                <a:outerShdw blurRad="203200" dist="127000" dir="5400000" sx="87000" sy="87000" algn="t" rotWithShape="false">
+                <a:outerShdw blurRad="203200" dist="127000" dir="5400000" sx="87000" sy="87000" algn="t" rotWithShape="0">
                   <a:schemeClr val="accent1">
                     <a:alpha val="55000"/>
                   </a:schemeClr>
@@ -12515,7 +14513,7 @@
               </a:fontRef>
             </p:style>
             <p:txBody>
-              <a:bodyPr lIns="83942" tIns="41971" rIns="83942" bIns="41971" rtlCol="false" anchor="ctr"/>
+              <a:bodyPr lIns="83942" tIns="41971" rIns="83942" bIns="41971" rtlCol="0" anchor="ctr"/>
               <a:lstStyle/>
               <a:p>
                 <a:pPr algn="ctr"/>
@@ -12536,7 +14534,7 @@
           <p:sp>
             <p:nvSpPr>
               <p:cNvPr id="132" name="Object 800011"/>
-              <p:cNvSpPr txBox="true"/>
+              <p:cNvSpPr txBox="1"/>
               <p:nvPr/>
             </p:nvSpPr>
             <p:spPr>
@@ -12549,18 +14547,18 @@
               </a:prstGeom>
             </p:spPr>
             <p:txBody>
-              <a:bodyPr vert="horz" lIns="47856" tIns="23928" rIns="47856" bIns="23928" rtlCol="false" anchor="t" anchorCtr="false">
+              <a:bodyPr vert="horz" lIns="47856" tIns="23928" rIns="47856" bIns="23928" rtlCol="0" anchor="t" anchorCtr="0">
                 <a:noAutofit/>
               </a:bodyPr>
               <a:lstStyle/>
               <a:p>
                 <a:pPr algn="ctr">
                   <a:lnSpc>
-                    <a:spcPct val="113999"/>
+                    <a:spcPct val="114000"/>
                   </a:lnSpc>
                 </a:pPr>
                 <a:r>
-                  <a:rPr lang="en-US" b="true">
+                  <a:rPr lang="en-US" b="1">
                     <a:solidFill>
                       <a:schemeClr val="bg1">
                         <a:alpha val="100000"/>
@@ -12573,7 +14571,7 @@
                   </a:rPr>
                   <a:t>01</a:t>
                 </a:r>
-                <a:endParaRPr lang="zh-CN" b="true">
+                <a:endParaRPr lang="zh-CN" b="1">
                   <a:latin typeface="默认字体"/>
                   <a:ea typeface="默认字体"/>
                   <a:cs typeface="思源黑体 CN Regular"/>
@@ -12585,12 +14583,12 @@
         </p:grpSp>
         <p:grpSp>
           <p:nvGrpSpPr>
-            <p:cNvPr id="133" name=""/>
+            <p:cNvPr id="133" name="组合 132"/>
             <p:cNvGrpSpPr/>
             <p:nvPr/>
           </p:nvGrpSpPr>
           <p:grpSpPr>
-            <a:xfrm rot="0" flipH="false" flipV="false">
+            <a:xfrm rot="0">
               <a:off x="4449880" y="2973869"/>
               <a:ext cx="3292241" cy="2231021"/>
               <a:chOff x="778414" y="4245736"/>
@@ -12604,7 +14602,7 @@
               <p:nvPr/>
             </p:nvSpPr>
             <p:spPr>
-              <a:xfrm rot="283349" flipH="false" flipV="false">
+              <a:xfrm rot="283349">
                 <a:off x="1167591" y="5382757"/>
                 <a:ext cx="2862889" cy="1094000"/>
               </a:xfrm>
@@ -12622,7 +14620,7 @@
                 <a:noFill/>
               </a:ln>
               <a:effectLst>
-                <a:outerShdw blurRad="203200" dist="127000" dir="5400000" sx="87000" sy="87000" algn="t" rotWithShape="false">
+                <a:outerShdw blurRad="203200" dist="127000" dir="5400000" sx="87000" sy="87000" algn="t" rotWithShape="0">
                   <a:schemeClr val="accent1">
                     <a:alpha val="55000"/>
                   </a:schemeClr>
@@ -12646,7 +14644,7 @@
               </a:fontRef>
             </p:style>
             <p:txBody>
-              <a:bodyPr lIns="83942" tIns="41971" rIns="83942" bIns="41971" rtlCol="false" anchor="ctr"/>
+              <a:bodyPr lIns="83942" tIns="41971" rIns="83942" bIns="41971" rtlCol="0" anchor="ctr"/>
               <a:lstStyle/>
               <a:p>
                 <a:pPr algn="ctr"/>
@@ -12671,7 +14669,7 @@
               <p:nvPr/>
             </p:nvSpPr>
             <p:spPr>
-              <a:xfrm rot="0" flipH="false" flipV="false">
+              <a:xfrm>
                 <a:off x="778414" y="4245736"/>
                 <a:ext cx="3292241" cy="2093083"/>
               </a:xfrm>
@@ -12687,7 +14685,7 @@
                 <a:noFill/>
               </a:ln>
               <a:effectLst>
-                <a:outerShdw blurRad="330200" sx="102000" sy="102000" algn="ctr" rotWithShape="false">
+                <a:outerShdw blurRad="330200" sx="102000" sy="102000" algn="ctr" rotWithShape="0">
                   <a:srgbClr val="086DC7">
                     <a:alpha val="23000"/>
                   </a:srgbClr>
@@ -12711,7 +14709,7 @@
               </a:fontRef>
             </p:style>
             <p:txBody>
-              <a:bodyPr rtlCol="false" anchor="ctr"/>
+              <a:bodyPr rtlCol="0" anchor="ctr"/>
               <a:lstStyle/>
               <a:p>
                 <a:pPr algn="ctr"/>
@@ -12732,11 +14730,11 @@
           <p:sp>
             <p:nvSpPr>
               <p:cNvPr id="136" name="TextBox 21" descr="{&quot;isTemplate&quot;:true,&quot;type&quot;:&quot;content&quot;,&quot;canOmit&quot;:false,&quot;range&quot;:0}"/>
-              <p:cNvSpPr txBox="true"/>
+              <p:cNvSpPr txBox="1"/>
               <p:nvPr/>
             </p:nvSpPr>
             <p:spPr>
-              <a:xfrm rot="0" flipH="false" flipV="false">
+              <a:xfrm>
                 <a:off x="1031826" y="4993714"/>
                 <a:ext cx="2800350" cy="1326006"/>
               </a:xfrm>
@@ -12746,7 +14744,7 @@
               <a:noFill/>
             </p:spPr>
             <p:txBody>
-              <a:bodyPr wrap="square" rtlCol="false">
+              <a:bodyPr wrap="square" rtlCol="0">
                 <a:noAutofit/>
               </a:bodyPr>
               <a:lstStyle/>
@@ -12766,7 +14764,12 @@
                   </a:rPr>
                   <a:t>明清两代，《三国演义》经历了多次增删修改，毛宗岗评本最为著名，其在情节安排和人物塑造上更加精炼，成为后世流传的主要版本。</a:t>
                 </a:r>
-                <a:endParaRPr/>
+                <a:endParaRPr lang="zh-CN" sz="1200">
+                  <a:latin typeface="默认字体"/>
+                  <a:ea typeface="默认字体"/>
+                  <a:cs typeface="+mn-cs"/>
+                  <a:sym typeface="思源黑体 CN Normal"/>
+                </a:endParaRPr>
               </a:p>
             </p:txBody>
           </p:sp>
@@ -12811,11 +14814,11 @@
           <p:sp>
             <p:nvSpPr>
               <p:cNvPr id="138" name="TextBox 20" descr="{&quot;isTemplate&quot;:true,&quot;type&quot;:&quot;title&quot;,&quot;canOmit&quot;:false,&quot;range&quot;:0}"/>
-              <p:cNvSpPr txBox="true"/>
+              <p:cNvSpPr txBox="1"/>
               <p:nvPr/>
             </p:nvSpPr>
             <p:spPr>
-              <a:xfrm rot="0" flipH="false" flipV="false">
+              <a:xfrm>
                 <a:off x="1493069" y="4521490"/>
                 <a:ext cx="2339107" cy="368300"/>
               </a:xfrm>
@@ -12825,7 +14828,7 @@
               <a:noFill/>
             </p:spPr>
             <p:txBody>
-              <a:bodyPr wrap="square" rtlCol="false">
+              <a:bodyPr wrap="square" rtlCol="0">
                 <a:noAutofit/>
               </a:bodyPr>
               <a:lstStyle/>
@@ -12876,7 +14879,7 @@
                 <a:noFill/>
               </a:ln>
               <a:effectLst>
-                <a:outerShdw blurRad="203200" dist="127000" dir="5400000" sx="87000" sy="87000" algn="t" rotWithShape="false">
+                <a:outerShdw blurRad="203200" dist="127000" dir="5400000" sx="87000" sy="87000" algn="t" rotWithShape="0">
                   <a:schemeClr val="accent1">
                     <a:alpha val="55000"/>
                   </a:schemeClr>
@@ -12900,7 +14903,7 @@
               </a:fontRef>
             </p:style>
             <p:txBody>
-              <a:bodyPr lIns="83942" tIns="41971" rIns="83942" bIns="41971" rtlCol="false" anchor="ctr"/>
+              <a:bodyPr lIns="83942" tIns="41971" rIns="83942" bIns="41971" rtlCol="0" anchor="ctr"/>
               <a:lstStyle/>
               <a:p>
                 <a:pPr algn="ctr"/>
@@ -12921,7 +14924,7 @@
           <p:sp>
             <p:nvSpPr>
               <p:cNvPr id="140" name="Object 800011"/>
-              <p:cNvSpPr txBox="true"/>
+              <p:cNvSpPr txBox="1"/>
               <p:nvPr/>
             </p:nvSpPr>
             <p:spPr>
@@ -12934,18 +14937,18 @@
               </a:prstGeom>
             </p:spPr>
             <p:txBody>
-              <a:bodyPr vert="horz" lIns="47856" tIns="23928" rIns="47856" bIns="23928" rtlCol="false" anchor="t" anchorCtr="false">
+              <a:bodyPr vert="horz" lIns="47856" tIns="23928" rIns="47856" bIns="23928" rtlCol="0" anchor="t" anchorCtr="0">
                 <a:noAutofit/>
               </a:bodyPr>
               <a:lstStyle/>
               <a:p>
                 <a:pPr algn="ctr">
                   <a:lnSpc>
-                    <a:spcPct val="113999"/>
+                    <a:spcPct val="114000"/>
                   </a:lnSpc>
                 </a:pPr>
                 <a:r>
-                  <a:rPr lang="en-US" b="true">
+                  <a:rPr lang="en-US" b="1">
                     <a:solidFill>
                       <a:schemeClr val="bg1">
                         <a:alpha val="100000"/>
@@ -12958,19 +14961,29 @@
                   </a:rPr>
                   <a:t>02</a:t>
                 </a:r>
-                <a:endParaRPr/>
+                <a:endParaRPr lang="en-US" b="1">
+                  <a:solidFill>
+                    <a:schemeClr val="bg1">
+                      <a:alpha val="100000"/>
+                    </a:schemeClr>
+                  </a:solidFill>
+                  <a:latin typeface="默认字体"/>
+                  <a:ea typeface="默认字体"/>
+                  <a:cs typeface="思源黑体 CN Regular"/>
+                  <a:sym typeface="思源黑体 CN Normal"/>
+                </a:endParaRPr>
               </a:p>
             </p:txBody>
           </p:sp>
         </p:grpSp>
         <p:grpSp>
           <p:nvGrpSpPr>
-            <p:cNvPr id="141" name=""/>
+            <p:cNvPr id="141" name="组合 140"/>
             <p:cNvGrpSpPr/>
             <p:nvPr/>
           </p:nvGrpSpPr>
           <p:grpSpPr>
-            <a:xfrm rot="0" flipH="false" flipV="false">
+            <a:xfrm rot="0">
               <a:off x="7995650" y="2973869"/>
               <a:ext cx="3292241" cy="2231021"/>
               <a:chOff x="778414" y="4245736"/>
@@ -12984,7 +14997,7 @@
               <p:nvPr/>
             </p:nvSpPr>
             <p:spPr>
-              <a:xfrm rot="283349" flipH="false" flipV="false">
+              <a:xfrm rot="283349">
                 <a:off x="1167591" y="5382757"/>
                 <a:ext cx="2862889" cy="1094000"/>
               </a:xfrm>
@@ -13002,7 +15015,7 @@
                 <a:noFill/>
               </a:ln>
               <a:effectLst>
-                <a:outerShdw blurRad="203200" dist="127000" dir="5400000" sx="87000" sy="87000" algn="t" rotWithShape="false">
+                <a:outerShdw blurRad="203200" dist="127000" dir="5400000" sx="87000" sy="87000" algn="t" rotWithShape="0">
                   <a:schemeClr val="accent1">
                     <a:alpha val="55000"/>
                   </a:schemeClr>
@@ -13026,7 +15039,7 @@
               </a:fontRef>
             </p:style>
             <p:txBody>
-              <a:bodyPr lIns="83942" tIns="41971" rIns="83942" bIns="41971" rtlCol="false" anchor="ctr"/>
+              <a:bodyPr lIns="83942" tIns="41971" rIns="83942" bIns="41971" rtlCol="0" anchor="ctr"/>
               <a:lstStyle/>
               <a:p>
                 <a:pPr algn="ctr"/>
@@ -13051,7 +15064,7 @@
               <p:nvPr/>
             </p:nvSpPr>
             <p:spPr>
-              <a:xfrm rot="0" flipH="false" flipV="false">
+              <a:xfrm>
                 <a:off x="778414" y="4245736"/>
                 <a:ext cx="3292241" cy="2093083"/>
               </a:xfrm>
@@ -13067,7 +15080,7 @@
                 <a:noFill/>
               </a:ln>
               <a:effectLst>
-                <a:outerShdw blurRad="330200" sx="102000" sy="102000" algn="ctr" rotWithShape="false">
+                <a:outerShdw blurRad="330200" sx="102000" sy="102000" algn="ctr" rotWithShape="0">
                   <a:srgbClr val="086DC7">
                     <a:alpha val="23000"/>
                   </a:srgbClr>
@@ -13091,7 +15104,7 @@
               </a:fontRef>
             </p:style>
             <p:txBody>
-              <a:bodyPr rtlCol="false" anchor="ctr"/>
+              <a:bodyPr rtlCol="0" anchor="ctr"/>
               <a:lstStyle/>
               <a:p>
                 <a:pPr algn="ctr"/>
@@ -13112,11 +15125,11 @@
           <p:sp>
             <p:nvSpPr>
               <p:cNvPr id="144" name="TextBox 21" descr="{&quot;isTemplate&quot;:true,&quot;type&quot;:&quot;content&quot;,&quot;canOmit&quot;:false,&quot;range&quot;:0}"/>
-              <p:cNvSpPr txBox="true"/>
+              <p:cNvSpPr txBox="1"/>
               <p:nvPr/>
             </p:nvSpPr>
             <p:spPr>
-              <a:xfrm rot="0" flipH="false" flipV="false">
+              <a:xfrm>
                 <a:off x="1031826" y="4993714"/>
                 <a:ext cx="2800350" cy="1326006"/>
               </a:xfrm>
@@ -13126,7 +15139,7 @@
               <a:noFill/>
             </p:spPr>
             <p:txBody>
-              <a:bodyPr wrap="square" rtlCol="false">
+              <a:bodyPr wrap="square" rtlCol="0">
                 <a:noAutofit/>
               </a:bodyPr>
               <a:lstStyle/>
@@ -13146,7 +15159,12 @@
                   </a:rPr>
                   <a:t>随着时代发展，《三国演义》出现了多种改编版本，如连环画、青少年版、白话文版等，满足了不同读者的阅读需求，扩大了其影响力。</a:t>
                 </a:r>
-                <a:endParaRPr/>
+                <a:endParaRPr lang="zh-CN" sz="1200">
+                  <a:latin typeface="默认字体"/>
+                  <a:ea typeface="默认字体"/>
+                  <a:cs typeface="+mn-cs"/>
+                  <a:sym typeface="思源黑体 CN Normal"/>
+                </a:endParaRPr>
               </a:p>
             </p:txBody>
           </p:sp>
@@ -13191,11 +15209,11 @@
           <p:sp>
             <p:nvSpPr>
               <p:cNvPr id="146" name="TextBox 20" descr="{&quot;isTemplate&quot;:true,&quot;type&quot;:&quot;title&quot;,&quot;canOmit&quot;:false,&quot;range&quot;:0}"/>
-              <p:cNvSpPr txBox="true"/>
+              <p:cNvSpPr txBox="1"/>
               <p:nvPr/>
             </p:nvSpPr>
             <p:spPr>
-              <a:xfrm rot="0" flipH="false" flipV="false">
+              <a:xfrm>
                 <a:off x="1493069" y="4521490"/>
                 <a:ext cx="2339107" cy="368300"/>
               </a:xfrm>
@@ -13205,7 +15223,7 @@
               <a:noFill/>
             </p:spPr>
             <p:txBody>
-              <a:bodyPr wrap="square" rtlCol="false">
+              <a:bodyPr wrap="square" rtlCol="0">
                 <a:noAutofit/>
               </a:bodyPr>
               <a:lstStyle/>
@@ -13256,7 +15274,7 @@
                 <a:noFill/>
               </a:ln>
               <a:effectLst>
-                <a:outerShdw blurRad="203200" dist="127000" dir="5400000" sx="87000" sy="87000" algn="t" rotWithShape="false">
+                <a:outerShdw blurRad="203200" dist="127000" dir="5400000" sx="87000" sy="87000" algn="t" rotWithShape="0">
                   <a:schemeClr val="accent1">
                     <a:alpha val="55000"/>
                   </a:schemeClr>
@@ -13280,7 +15298,7 @@
               </a:fontRef>
             </p:style>
             <p:txBody>
-              <a:bodyPr lIns="83942" tIns="41971" rIns="83942" bIns="41971" rtlCol="false" anchor="ctr"/>
+              <a:bodyPr lIns="83942" tIns="41971" rIns="83942" bIns="41971" rtlCol="0" anchor="ctr"/>
               <a:lstStyle/>
               <a:p>
                 <a:pPr algn="ctr"/>
@@ -13301,7 +15319,7 @@
           <p:sp>
             <p:nvSpPr>
               <p:cNvPr id="148" name="Object 800011"/>
-              <p:cNvSpPr txBox="true"/>
+              <p:cNvSpPr txBox="1"/>
               <p:nvPr/>
             </p:nvSpPr>
             <p:spPr>
@@ -13314,18 +15332,18 @@
               </a:prstGeom>
             </p:spPr>
             <p:txBody>
-              <a:bodyPr vert="horz" lIns="47856" tIns="23928" rIns="47856" bIns="23928" rtlCol="false" anchor="t" anchorCtr="false">
+              <a:bodyPr vert="horz" lIns="47856" tIns="23928" rIns="47856" bIns="23928" rtlCol="0" anchor="t" anchorCtr="0">
                 <a:noAutofit/>
               </a:bodyPr>
               <a:lstStyle/>
               <a:p>
                 <a:pPr algn="ctr">
                   <a:lnSpc>
-                    <a:spcPct val="113999"/>
+                    <a:spcPct val="114000"/>
                   </a:lnSpc>
                 </a:pPr>
                 <a:r>
-                  <a:rPr lang="en-US" b="true">
+                  <a:rPr lang="en-US" b="1">
                     <a:solidFill>
                       <a:schemeClr val="bg1">
                         <a:alpha val="100000"/>
@@ -13338,7 +15356,17 @@
                   </a:rPr>
                   <a:t>03</a:t>
                 </a:r>
-                <a:endParaRPr/>
+                <a:endParaRPr lang="en-US" b="1">
+                  <a:solidFill>
+                    <a:schemeClr val="bg1">
+                      <a:alpha val="100000"/>
+                    </a:schemeClr>
+                  </a:solidFill>
+                  <a:latin typeface="默认字体"/>
+                  <a:ea typeface="默认字体"/>
+                  <a:cs typeface="思源黑体 CN Regular"/>
+                  <a:sym typeface="思源黑体 CN Normal"/>
+                </a:endParaRPr>
               </a:p>
             </p:txBody>
           </p:sp>
@@ -13346,12 +15374,12 @@
       </p:grpSp>
       <p:sp>
         <p:nvSpPr>
-          <p:cNvPr id="149" name="" descr="{&quot;isTemplate&quot;:true,&quot;type&quot;:&quot;title&quot;,&quot;canOmit&quot;:false,&quot;range&quot;:0}"/>
-          <p:cNvSpPr txBox="true"/>
+          <p:cNvPr id="149" name="文本框 148" descr="{&quot;isTemplate&quot;:true,&quot;type&quot;:&quot;title&quot;,&quot;canOmit&quot;:false,&quot;range&quot;:0}"/>
+          <p:cNvSpPr txBox="1"/>
           <p:nvPr/>
         </p:nvSpPr>
         <p:spPr>
-          <a:xfrm rot="0" flipH="false" flipV="false">
+          <a:xfrm>
             <a:off x="660396" y="418039"/>
             <a:ext cx="10668000" cy="520700"/>
           </a:xfrm>
@@ -13361,7 +15389,7 @@
           <a:noFill/>
         </p:spPr>
         <p:txBody>
-          <a:bodyPr wrap="square" lIns="90000" tIns="46800" rIns="90000" bIns="46800" rtlCol="false" anchor="b" anchorCtr="false">
+          <a:bodyPr wrap="square" lIns="90000" tIns="46800" rIns="90000" bIns="46800" rtlCol="0" anchor="b" anchorCtr="0">
             <a:spAutoFit/>
           </a:bodyPr>
           <a:lstStyle/>
@@ -13373,14 +15401,14 @@
               <a:buNone/>
             </a:pPr>
             <a:r>
-              <a:rPr lang="zh-CN" sz="2800" b="true">
+              <a:rPr lang="zh-CN" sz="2800" b="1">
                 <a:latin typeface="默认字体"/>
                 <a:ea typeface="默认字体"/>
                 <a:cs typeface="+mn-cs"/>
               </a:rPr>
               <a:t>《三国演义》版本演变</a:t>
             </a:r>
-            <a:endParaRPr lang="en-US" sz="2800" b="true">
+            <a:endParaRPr lang="en-US" sz="2800" b="1">
               <a:latin typeface="默认字体"/>
               <a:ea typeface="默认字体"/>
               <a:cs typeface="+mn-cs"/>
@@ -13397,7 +15425,7 @@
 </file>
 
 <file path=ppt/slides/slide7.xml><?xml version="1.0" encoding="utf-8"?>
-<p:sld xmlns:a="http://schemas.openxmlformats.org/drawingml/2006/main" xmlns:p="http://schemas.openxmlformats.org/presentationml/2006/main">
+<p:sld xmlns:a="http://schemas.openxmlformats.org/drawingml/2006/main" xmlns:r="http://schemas.openxmlformats.org/officeDocument/2006/relationships" xmlns:p="http://schemas.openxmlformats.org/presentationml/2006/main">
   <p:cSld>
     <p:spTree>
       <p:nvGrpSpPr>
@@ -13416,11 +15444,11 @@
       <p:sp>
         <p:nvSpPr>
           <p:cNvPr id="151" name="标题 1" descr="{&quot;isTemplate&quot;:true,&quot;type&quot;:&quot;title&quot;,&quot;canOmit&quot;:false,&quot;range&quot;:0}"/>
-          <p:cNvSpPr txBox="true"/>
+          <p:cNvSpPr txBox="1"/>
           <p:nvPr/>
         </p:nvSpPr>
         <p:spPr>
-          <a:xfrm rot="0" flipH="false" flipV="false">
+          <a:xfrm>
             <a:off x="392698" y="4923294"/>
             <a:ext cx="11330940" cy="1079500"/>
           </a:xfrm>
@@ -13429,24 +15457,24 @@
           </a:prstGeom>
         </p:spPr>
         <p:txBody>
-          <a:bodyPr vert="horz" wrap="square" lIns="91440" tIns="45720" rIns="91440" bIns="45720" rtlCol="false" anchor="b">
+          <a:bodyPr vert="horz" wrap="square" lIns="91440" tIns="45720" rIns="91440" bIns="45720" rtlCol="0" anchor="b">
             <a:normAutofit fontScale="90000"/>
           </a:bodyPr>
           <a:lstStyle>
-            <a:lvl1pPr algn="l" defTabSz="914400" rtl="false" eaLnBrk="true" latinLnBrk="false" hangingPunct="true">
+            <a:lvl1pPr algn="l" defTabSz="914400" rtl="0" eaLnBrk="1" latinLnBrk="0" hangingPunct="1">
               <a:lnSpc>
                 <a:spcPct val="90000"/>
               </a:lnSpc>
               <a:spcBef>
-                <a:spcPct val="1"/>
+                <a:spcPct val="0"/>
               </a:spcBef>
               <a:buNone/>
-              <a:defRPr sz="8800" b="false" i="false" kern="1200" spc="300">
+              <a:defRPr sz="8800" b="0" i="0" kern="1200" spc="300">
                 <a:solidFill>
                   <a:schemeClr val="bg1"/>
                 </a:solidFill>
-                <a:latin typeface="Microsoft YaHei" panose="020B0503020204020204" pitchFamily="34" charset="-122"/>
-                <a:ea typeface="Microsoft YaHei" panose="020B0503020204020204" pitchFamily="34" charset="-122"/>
+                <a:latin typeface="微软雅黑" panose="020B0503020204020204" pitchFamily="34" charset="-122"/>
+                <a:ea typeface="微软雅黑" panose="020B0503020204020204" pitchFamily="34" charset="-122"/>
                 <a:cs typeface="+mj-cs"/>
               </a:defRPr>
             </a:lvl1pPr>
@@ -13468,14 +15496,20 @@
               </a:rPr>
               <a:t>人物形象与阅读启示</a:t>
             </a:r>
-            <a:endParaRPr/>
+            <a:endParaRPr lang="zh-CN" sz="7200">
+              <a:solidFill>
+                <a:schemeClr val="tx1">
+                  <a:alpha val="100000"/>
+                </a:schemeClr>
+              </a:solidFill>
+            </a:endParaRPr>
           </a:p>
         </p:txBody>
       </p:sp>
       <p:sp>
         <p:nvSpPr>
           <p:cNvPr id="152" name="标题 1"/>
-          <p:cNvSpPr txBox="true"/>
+          <p:cNvSpPr txBox="1"/>
           <p:nvPr/>
         </p:nvSpPr>
         <p:spPr>
@@ -13488,38 +15522,37 @@
           </a:prstGeom>
         </p:spPr>
         <p:txBody>
-          <a:bodyPr vert="horz" wrap="none" lIns="91440" tIns="45720" rIns="91440" bIns="45720" rtlCol="false" anchor="b">
+          <a:bodyPr vert="horz" wrap="none" lIns="91440" tIns="45720" rIns="91440" bIns="45720" rtlCol="0" anchor="b">
             <a:spAutoFit/>
           </a:bodyPr>
           <a:lstStyle>
-            <a:lvl1pPr algn="l" defTabSz="914400" rtl="false" eaLnBrk="true" latinLnBrk="false" hangingPunct="true">
+            <a:lvl1pPr algn="l" defTabSz="914400" rtl="0" eaLnBrk="1" latinLnBrk="0" hangingPunct="1">
               <a:lnSpc>
                 <a:spcPct val="90000"/>
               </a:lnSpc>
               <a:spcBef>
-                <a:spcPct val="1"/>
+                <a:spcPct val="0"/>
               </a:spcBef>
               <a:buNone/>
-              <a:defRPr sz="8800" b="false" i="false" kern="1200" spc="300">
+              <a:defRPr sz="8800" b="0" i="0" kern="1200" spc="300">
                 <a:solidFill>
                   <a:schemeClr val="bg1"/>
                 </a:solidFill>
-                <a:latin typeface="Microsoft YaHei" panose="020B0503020204020204" pitchFamily="34" charset="-122"/>
-                <a:ea typeface="Microsoft YaHei" panose="020B0503020204020204" pitchFamily="34" charset="-122"/>
+                <a:latin typeface="微软雅黑" panose="020B0503020204020204" pitchFamily="34" charset="-122"/>
+                <a:ea typeface="微软雅黑" panose="020B0503020204020204" pitchFamily="34" charset="-122"/>
                 <a:cs typeface="+mj-cs"/>
               </a:defRPr>
             </a:lvl1pPr>
           </a:lstStyle>
           <a:p>
-            <a:pPr/>
             <a:r>
-              <a:rPr kumimoji="true" lang="en-US" altLang="zh-CN" dirty="false">
+              <a:rPr kumimoji="1" lang="en-US" altLang="zh-CN" dirty="0">
                 <a:latin typeface="Microsoft YaHei Light" panose="020B0503020204020204" pitchFamily="34" charset="-122"/>
                 <a:ea typeface="Microsoft YaHei Light" panose="020B0503020204020204" pitchFamily="34" charset="-122"/>
               </a:rPr>
               <a:t>02</a:t>
             </a:r>
-            <a:endParaRPr kumimoji="true" lang="zh-CN" altLang="en-US" dirty="false">
+            <a:endParaRPr kumimoji="1" lang="zh-CN" altLang="en-US" dirty="0">
               <a:latin typeface="Microsoft YaHei Light" panose="020B0503020204020204" pitchFamily="34" charset="-122"/>
               <a:ea typeface="Microsoft YaHei Light" panose="020B0503020204020204" pitchFamily="34" charset="-122"/>
             </a:endParaRPr>
@@ -13535,7 +15568,7 @@
 </file>
 
 <file path=ppt/slides/slide8.xml><?xml version="1.0" encoding="utf-8"?>
-<p:sld xmlns:a="http://schemas.openxmlformats.org/drawingml/2006/main" xmlns:p="http://schemas.openxmlformats.org/presentationml/2006/main" xmlns:r="http://schemas.openxmlformats.org/officeDocument/2006/relationships">
+<p:sld xmlns:a="http://schemas.openxmlformats.org/drawingml/2006/main" xmlns:r="http://schemas.openxmlformats.org/officeDocument/2006/relationships" xmlns:p="http://schemas.openxmlformats.org/presentationml/2006/main">
   <p:cSld>
     <p:spTree>
       <p:nvGrpSpPr>
@@ -13553,12 +15586,12 @@
       </p:grpSpPr>
       <p:grpSp>
         <p:nvGrpSpPr>
-          <p:cNvPr id="154" name="" descr="{&quot;isTemplate&quot;:true,&quot;type&quot;:&quot;list&quot;,&quot;alignment&quot;:&quot;left&quot;,&quot;alignmentVertical&quot;:&quot;top&quot;,&quot;canOmit&quot;:false,&quot;scalable&quot;:false,&quot;minItemsCount&quot;:-1}"/>
+          <p:cNvPr id="154" name="组合 153" descr="{&quot;isTemplate&quot;:true,&quot;type&quot;:&quot;list&quot;,&quot;alignment&quot;:&quot;left&quot;,&quot;alignmentVertical&quot;:&quot;top&quot;,&quot;canOmit&quot;:false,&quot;scalable&quot;:false,&quot;minItemsCount&quot;:-1}"/>
           <p:cNvGrpSpPr/>
           <p:nvPr/>
         </p:nvGrpSpPr>
         <p:grpSpPr>
-          <a:xfrm rot="0" flipH="false" flipV="false">
+          <a:xfrm rot="0">
             <a:off x="963294" y="1713075"/>
             <a:ext cx="5132706" cy="4682334"/>
             <a:chOff x="963294" y="1335283"/>
@@ -13567,7 +15600,7 @@
         </p:grpSpPr>
         <p:grpSp>
           <p:nvGrpSpPr>
-            <p:cNvPr id="155" name=""/>
+            <p:cNvPr id="155" name="组合 154"/>
             <p:cNvGrpSpPr/>
             <p:nvPr/>
           </p:nvGrpSpPr>
@@ -13586,7 +15619,7 @@
               <p:nvPr/>
             </p:nvGrpSpPr>
             <p:grpSpPr>
-              <a:xfrm rot="0" flipH="false" flipV="false">
+              <a:xfrm rot="0">
                 <a:off x="963294" y="1583249"/>
                 <a:ext cx="546100" cy="549911"/>
                 <a:chOff x="5931156" y="1399652"/>
@@ -13637,7 +15670,7 @@
                 <a:lstStyle/>
                 <a:p>
                   <a:pPr algn="ctr"/>
-                  <a:endParaRPr sz="1864">
+                  <a:endParaRPr sz="1865">
                     <a:solidFill>
                       <a:schemeClr val="bg1">
                         <a:lumMod val="50000"/>
@@ -13948,7 +15981,7 @@
                 <a:lstStyle/>
                 <a:p>
                   <a:pPr algn="ctr"/>
-                  <a:endParaRPr sz="1864">
+                  <a:endParaRPr sz="1865">
                     <a:solidFill>
                       <a:schemeClr val="bg1">
                         <a:lumMod val="50000"/>
@@ -13966,7 +15999,7 @@
           </p:grpSp>
           <p:grpSp>
             <p:nvGrpSpPr>
-              <p:cNvPr id="159" name=""/>
+              <p:cNvPr id="159" name="组合 158"/>
               <p:cNvGrpSpPr/>
               <p:nvPr/>
             </p:nvGrpSpPr>
@@ -13981,11 +16014,11 @@
             <p:sp>
               <p:nvSpPr>
                 <p:cNvPr id="160" name="TextBox 76" descr="{&quot;isTemplate&quot;:true,&quot;type&quot;:&quot;title&quot;,&quot;canOmit&quot;:false,&quot;range&quot;:0}"/>
-                <p:cNvSpPr txBox="true"/>
+                <p:cNvSpPr txBox="1"/>
                 <p:nvPr/>
               </p:nvSpPr>
               <p:spPr>
-                <a:xfrm rot="0" flipH="false" flipV="false">
+                <a:xfrm>
                   <a:off x="1948814" y="1324329"/>
                   <a:ext cx="4319968" cy="393700"/>
                 </a:xfrm>
@@ -13995,7 +16028,7 @@
                 <a:noFill/>
               </p:spPr>
               <p:txBody>
-                <a:bodyPr wrap="square" rtlCol="false">
+                <a:bodyPr wrap="square" rtlCol="0">
                   <a:noAutofit/>
                 </a:bodyPr>
                 <a:lstStyle/>
@@ -14007,7 +16040,7 @@
                     <a:buNone/>
                   </a:pPr>
                   <a:r>
-                    <a:rPr lang="zh-CN" sz="1800" b="true">
+                    <a:rPr lang="zh-CN" sz="1800" b="1">
                       <a:solidFill>
                         <a:srgbClr val="00B050">
                           <a:alpha val="100000"/>
@@ -14031,11 +16064,11 @@
             <p:sp>
               <p:nvSpPr>
                 <p:cNvPr id="161" name="文本框 54" descr="{&quot;isTemplate&quot;:true,&quot;type&quot;:&quot;content&quot;,&quot;canOmit&quot;:false,&quot;range&quot;:0}"/>
-                <p:cNvSpPr txBox="true"/>
+                <p:cNvSpPr txBox="1"/>
                 <p:nvPr/>
               </p:nvSpPr>
               <p:spPr>
-                <a:xfrm rot="0" flipH="false" flipV="false">
+                <a:xfrm>
                   <a:off x="1948814" y="1594203"/>
                   <a:ext cx="4319968" cy="1184350"/>
                 </a:xfrm>
@@ -14045,7 +16078,7 @@
                 <a:noFill/>
               </p:spPr>
               <p:txBody>
-                <a:bodyPr wrap="square" rtlCol="false">
+                <a:bodyPr wrap="square" rtlCol="0">
                   <a:noAutofit/>
                 </a:bodyPr>
                 <a:lstStyle/>
@@ -14070,7 +16103,17 @@
                     </a:rPr>
                     <a:t>刘备以“仁”为核心治国理政，注重民生，赢得了百姓的爱戴和支持，这种以人为本的理念对我具有重要的借鉴意义。</a:t>
                   </a:r>
-                  <a:endParaRPr/>
+                  <a:endParaRPr lang="zh-CN" sz="1400">
+                    <a:solidFill>
+                      <a:schemeClr val="tx1">
+                        <a:alpha val="100000"/>
+                      </a:schemeClr>
+                    </a:solidFill>
+                    <a:latin typeface="默认字体"/>
+                    <a:ea typeface="默认字体"/>
+                    <a:cs typeface="等线"/>
+                    <a:sym typeface="思源宋体 CN"/>
+                  </a:endParaRPr>
                 </a:p>
               </p:txBody>
             </p:sp>
@@ -14078,7 +16121,7 @@
         </p:grpSp>
         <p:grpSp>
           <p:nvGrpSpPr>
-            <p:cNvPr id="162" name=""/>
+            <p:cNvPr id="162" name="组合 161"/>
             <p:cNvGrpSpPr/>
             <p:nvPr/>
           </p:nvGrpSpPr>
@@ -14097,7 +16140,7 @@
               <p:nvPr/>
             </p:nvGrpSpPr>
             <p:grpSpPr>
-              <a:xfrm rot="0" flipH="false" flipV="false">
+              <a:xfrm rot="0">
                 <a:off x="963294" y="2764125"/>
                 <a:ext cx="546100" cy="549911"/>
                 <a:chOff x="5950091" y="2237852"/>
@@ -14111,7 +16154,7 @@
                 <p:nvPr/>
               </p:nvSpPr>
               <p:spPr>
-                <a:xfrm flipH="true">
+                <a:xfrm flipH="1">
                   <a:off x="5950091" y="2237852"/>
                   <a:ext cx="644626" cy="649224"/>
                 </a:xfrm>
@@ -14148,7 +16191,7 @@
                 <a:lstStyle/>
                 <a:p>
                   <a:pPr algn="ctr"/>
-                  <a:endParaRPr sz="1864">
+                  <a:endParaRPr sz="1865">
                     <a:solidFill>
                       <a:schemeClr val="bg1">
                         <a:lumMod val="50000"/>
@@ -14462,7 +16505,7 @@
                 <a:lstStyle/>
                 <a:p>
                   <a:pPr algn="ctr"/>
-                  <a:endParaRPr sz="1864">
+                  <a:endParaRPr sz="1865">
                     <a:solidFill>
                       <a:schemeClr val="bg1">
                         <a:lumMod val="50000"/>
@@ -14480,7 +16523,7 @@
           </p:grpSp>
           <p:grpSp>
             <p:nvGrpSpPr>
-              <p:cNvPr id="166" name=""/>
+              <p:cNvPr id="166" name="组合 165"/>
               <p:cNvGrpSpPr/>
               <p:nvPr/>
             </p:nvGrpSpPr>
@@ -14495,11 +16538,11 @@
             <p:sp>
               <p:nvSpPr>
                 <p:cNvPr id="167" name="TextBox 76" descr="{&quot;isTemplate&quot;:true,&quot;type&quot;:&quot;title&quot;,&quot;canOmit&quot;:false,&quot;range&quot;:0}"/>
-                <p:cNvSpPr txBox="true"/>
+                <p:cNvSpPr txBox="1"/>
                 <p:nvPr/>
               </p:nvSpPr>
               <p:spPr>
-                <a:xfrm rot="0" flipH="false" flipV="false">
+                <a:xfrm>
                   <a:off x="1948814" y="1316267"/>
                   <a:ext cx="4319968" cy="393700"/>
                 </a:xfrm>
@@ -14509,7 +16552,7 @@
                 <a:noFill/>
               </p:spPr>
               <p:txBody>
-                <a:bodyPr wrap="square" rtlCol="false">
+                <a:bodyPr wrap="square" rtlCol="0">
                   <a:noAutofit/>
                 </a:bodyPr>
                 <a:lstStyle/>
@@ -14521,9 +16564,9 @@
                     <a:buNone/>
                   </a:pPr>
                   <a:r>
-                    <a:rPr lang="zh-CN" sz="1800" b="true">
+                    <a:rPr lang="zh-CN" sz="1800" b="1">
                       <a:solidFill>
-                        <a:srgbClr val="00b050">
+                        <a:srgbClr val="00B050">
                           <a:alpha val="100000"/>
                         </a:srgbClr>
                       </a:solidFill>
@@ -14545,11 +16588,11 @@
             <p:sp>
               <p:nvSpPr>
                 <p:cNvPr id="168" name="文本框 54" descr="{&quot;isTemplate&quot;:true,&quot;type&quot;:&quot;content&quot;,&quot;canOmit&quot;:false,&quot;range&quot;:0}"/>
-                <p:cNvSpPr txBox="true"/>
+                <p:cNvSpPr txBox="1"/>
                 <p:nvPr/>
               </p:nvSpPr>
               <p:spPr>
-                <a:xfrm rot="0" flipH="false" flipV="false">
+                <a:xfrm>
                   <a:off x="1948814" y="1594203"/>
                   <a:ext cx="4319968" cy="1128885"/>
                 </a:xfrm>
@@ -14559,7 +16602,7 @@
                 <a:noFill/>
               </p:spPr>
               <p:txBody>
-                <a:bodyPr wrap="square" rtlCol="false">
+                <a:bodyPr wrap="square" rtlCol="0">
                   <a:noAutofit/>
                 </a:bodyPr>
                 <a:lstStyle/>
@@ -14584,7 +16627,17 @@
                     </a:rPr>
                     <a:t>刘备善于利用人心，通过结交贤士、广施仁政等方式，逐步壮大了自己的势力，这种政治智慧在管理和领导中同样具有重要价值。</a:t>
                   </a:r>
-                  <a:endParaRPr/>
+                  <a:endParaRPr lang="zh-CN" sz="1400">
+                    <a:solidFill>
+                      <a:schemeClr val="tx1">
+                        <a:alpha val="100000"/>
+                      </a:schemeClr>
+                    </a:solidFill>
+                    <a:latin typeface="默认字体"/>
+                    <a:ea typeface="默认字体"/>
+                    <a:cs typeface="等线"/>
+                    <a:sym typeface="思源宋体 CN"/>
+                  </a:endParaRPr>
                 </a:p>
               </p:txBody>
             </p:sp>
@@ -14592,12 +16645,12 @@
         </p:grpSp>
         <p:grpSp>
           <p:nvGrpSpPr>
-            <p:cNvPr id="169" name=""/>
+            <p:cNvPr id="169" name="组合 168"/>
             <p:cNvGrpSpPr/>
             <p:nvPr/>
           </p:nvGrpSpPr>
           <p:grpSpPr>
-            <a:xfrm rot="0" flipH="false" flipV="false">
+            <a:xfrm rot="0">
               <a:off x="963294" y="4618841"/>
               <a:ext cx="5132706" cy="1398776"/>
               <a:chOff x="963294" y="3696718"/>
@@ -14611,7 +16664,7 @@
               <p:nvPr/>
             </p:nvGrpSpPr>
             <p:grpSpPr>
-              <a:xfrm rot="0" flipH="false" flipV="false">
+              <a:xfrm rot="0">
                 <a:off x="963294" y="3944685"/>
                 <a:ext cx="546100" cy="549911"/>
                 <a:chOff x="5931156" y="3059486"/>
@@ -14662,7 +16715,7 @@
                 <a:lstStyle/>
                 <a:p>
                   <a:pPr algn="ctr"/>
-                  <a:endParaRPr sz="1864">
+                  <a:endParaRPr sz="1865">
                     <a:solidFill>
                       <a:schemeClr val="bg1">
                         <a:lumMod val="50000"/>
@@ -15322,7 +17375,7 @@
                 <a:lstStyle/>
                 <a:p>
                   <a:pPr algn="ctr"/>
-                  <a:endParaRPr sz="1864">
+                  <a:endParaRPr sz="1865">
                     <a:solidFill>
                       <a:schemeClr val="bg1">
                         <a:lumMod val="50000"/>
@@ -15340,7 +17393,7 @@
           </p:grpSp>
           <p:grpSp>
             <p:nvGrpSpPr>
-              <p:cNvPr id="173" name=""/>
+              <p:cNvPr id="173" name="组合 172"/>
               <p:cNvGrpSpPr/>
               <p:nvPr/>
             </p:nvGrpSpPr>
@@ -15355,11 +17408,11 @@
             <p:sp>
               <p:nvSpPr>
                 <p:cNvPr id="174" name="TextBox 76" descr="{&quot;isTemplate&quot;:true,&quot;type&quot;:&quot;title&quot;,&quot;canOmit&quot;:false,&quot;range&quot;:0}"/>
-                <p:cNvSpPr txBox="true"/>
+                <p:cNvSpPr txBox="1"/>
                 <p:nvPr/>
               </p:nvSpPr>
               <p:spPr>
-                <a:xfrm rot="0" flipH="false" flipV="false">
+                <a:xfrm>
                   <a:off x="1948814" y="1324329"/>
                   <a:ext cx="4319968" cy="393700"/>
                 </a:xfrm>
@@ -15369,7 +17422,7 @@
                 <a:noFill/>
               </p:spPr>
               <p:txBody>
-                <a:bodyPr wrap="square" rtlCol="false">
+                <a:bodyPr wrap="square" rtlCol="0">
                   <a:noAutofit/>
                 </a:bodyPr>
                 <a:lstStyle/>
@@ -15381,9 +17434,9 @@
                     <a:buNone/>
                   </a:pPr>
                   <a:r>
-                    <a:rPr lang="zh-CN" sz="1800" b="true">
+                    <a:rPr lang="zh-CN" sz="1800" b="1">
                       <a:solidFill>
-                        <a:srgbClr val="00b050">
+                        <a:srgbClr val="00B050">
                           <a:alpha val="100000"/>
                         </a:srgbClr>
                       </a:solidFill>
@@ -15405,11 +17458,11 @@
             <p:sp>
               <p:nvSpPr>
                 <p:cNvPr id="175" name="文本框 54" descr="{&quot;isTemplate&quot;:true,&quot;type&quot;:&quot;content&quot;,&quot;canOmit&quot;:false,&quot;range&quot;:0}"/>
-                <p:cNvSpPr txBox="true"/>
+                <p:cNvSpPr txBox="1"/>
                 <p:nvPr/>
               </p:nvSpPr>
               <p:spPr>
-                <a:xfrm rot="0" flipH="false" flipV="false">
+                <a:xfrm>
                   <a:off x="1948814" y="1594203"/>
                   <a:ext cx="4319968" cy="1128902"/>
                 </a:xfrm>
@@ -15419,7 +17472,7 @@
                 <a:noFill/>
               </p:spPr>
               <p:txBody>
-                <a:bodyPr wrap="square" rtlCol="false">
+                <a:bodyPr wrap="square" rtlCol="0">
                   <a:noAutofit/>
                 </a:bodyPr>
                 <a:lstStyle/>
@@ -15444,7 +17497,17 @@
                     </a:rPr>
                     <a:t>刘备在多次失败后仍能保持坚韧不拔的精神，最终建立了蜀汉政权，这种在逆境中不放弃的精神值得我的学习和借鉴。</a:t>
                   </a:r>
-                  <a:endParaRPr/>
+                  <a:endParaRPr lang="zh-CN" sz="1400">
+                    <a:solidFill>
+                      <a:schemeClr val="tx1">
+                        <a:alpha val="100000"/>
+                      </a:schemeClr>
+                    </a:solidFill>
+                    <a:latin typeface="默认字体"/>
+                    <a:ea typeface="默认字体"/>
+                    <a:cs typeface="等线"/>
+                    <a:sym typeface="思源宋体 CN"/>
+                  </a:endParaRPr>
                 </a:p>
               </p:txBody>
             </p:sp>
@@ -15453,12 +17516,12 @@
       </p:grpSp>
       <p:sp>
         <p:nvSpPr>
-          <p:cNvPr id="176" name="" descr="{&quot;isTemplate&quot;:true,&quot;type&quot;:&quot;title&quot;,&quot;canOmit&quot;:false,&quot;range&quot;:0}"/>
-          <p:cNvSpPr txBox="true"/>
+          <p:cNvPr id="176" name="文本框 175" descr="{&quot;isTemplate&quot;:true,&quot;type&quot;:&quot;title&quot;,&quot;canOmit&quot;:false,&quot;range&quot;:0}"/>
+          <p:cNvSpPr txBox="1"/>
           <p:nvPr/>
         </p:nvSpPr>
         <p:spPr>
-          <a:xfrm rot="0" flipH="false" flipV="false">
+          <a:xfrm>
             <a:off x="660396" y="418039"/>
             <a:ext cx="10668000" cy="520700"/>
           </a:xfrm>
@@ -15468,7 +17531,7 @@
           <a:noFill/>
         </p:spPr>
         <p:txBody>
-          <a:bodyPr wrap="square" lIns="90000" tIns="46800" rIns="90000" bIns="46800" rtlCol="false" anchor="b" anchorCtr="false">
+          <a:bodyPr wrap="square" lIns="90000" tIns="46800" rIns="90000" bIns="46800" rtlCol="0" anchor="b" anchorCtr="0">
             <a:spAutoFit/>
           </a:bodyPr>
           <a:lstStyle/>
@@ -15480,14 +17543,14 @@
               <a:buNone/>
             </a:pPr>
             <a:r>
-              <a:rPr lang="zh-CN" sz="2800" b="true">
+              <a:rPr lang="zh-CN" sz="2800" b="1">
                 <a:latin typeface="默认字体"/>
                 <a:ea typeface="默认字体"/>
                 <a:cs typeface="+mn-cs"/>
               </a:rPr>
               <a:t>刘备的仁德与政治智慧</a:t>
             </a:r>
-            <a:endParaRPr lang="en-US" sz="2800" b="true">
+            <a:endParaRPr lang="en-US" sz="2800" b="1">
               <a:latin typeface="默认字体"/>
               <a:ea typeface="默认字体"/>
               <a:cs typeface="+mn-cs"/>
@@ -15497,9 +17560,9 @@
       </p:sp>
       <p:pic>
         <p:nvPicPr>
-          <p:cNvPr id="177" name=""/>
+          <p:cNvPr id="177" name="图片 176"/>
           <p:cNvPicPr>
-            <a:picLocks noChangeAspect="true"/>
+            <a:picLocks noChangeAspect="1"/>
           </p:cNvPicPr>
           <p:nvPr/>
         </p:nvPicPr>
@@ -15510,23 +17573,25 @@
           </a:stretch>
         </p:blipFill>
         <p:spPr>
-          <a:xfrm rot="0" flipH="false" flipV="false">
+          <a:xfrm>
             <a:off x="6869061" y="1467937"/>
             <a:ext cx="4459335" cy="4495815"/>
           </a:xfrm>
-          <a:prstGeom prst="rect"/>
+          <a:prstGeom prst="rect">
+            <a:avLst/>
+          </a:prstGeom>
           <a:effectLst>
             <a:glow rad="1003300">
               <a:srgbClr val="0E0E0E">
                 <a:alpha val="100000"/>
               </a:srgbClr>
             </a:glow>
-            <a:outerShdw blurRad="0" dist="0" dir="0" sx="36000" sy="36000" rotWithShape="false">
+            <a:outerShdw sx="36000" sy="36000" rotWithShape="0">
               <a:srgbClr val="000000">
                 <a:alpha val="100000"/>
               </a:srgbClr>
             </a:outerShdw>
-            <a:reflection blurRad="0" stA="100000" endA="300" endPos="0" dist="0" dir="5400000" sy="-100000" rotWithShape="false"/>
+            <a:reflection endA="300" endPos="0" dir="5400000" sy="-100000" rotWithShape="0"/>
             <a:softEdge rad="635000"/>
           </a:effectLst>
         </p:spPr>
@@ -15539,32 +17604,32 @@
   <p:timing>
     <p:tnLst>
       <p:par>
-        <p:cTn dur="indefinite" restart="never" nodeType="tmRoot">
+        <p:cTn id="1" dur="indefinite" restart="never" nodeType="tmRoot">
           <p:childTnLst>
-            <p:seq concurrent="true" nextAc="seek">
-              <p:cTn dur="indefinite" nodeType="mainSeq">
+            <p:seq concurrent="0" nextAc="seek">
+              <p:cTn id="2" dur="indefinite" nodeType="mainSeq">
                 <p:childTnLst>
                   <p:par>
-                    <p:cTn fill="hold">
+                    <p:cTn id="3" fill="hold">
                       <p:stCondLst>
                         <p:cond delay="indefinite"/>
                       </p:stCondLst>
                       <p:childTnLst>
                         <p:par>
-                          <p:cTn fill="hold">
+                          <p:cTn id="4" fill="hold">
                             <p:stCondLst>
                               <p:cond delay="0"/>
                             </p:stCondLst>
                             <p:childTnLst>
                               <p:par>
-                                <p:cTn presetID="1" presetClass="entr" presetSubtype="0" fill="hold" nodeType="clickEffect">
+                                <p:cTn id="5" presetID="1" presetClass="entr" presetSubtype="0" fill="hold" nodeType="clickEffect">
                                   <p:stCondLst>
                                     <p:cond delay="0"/>
                                   </p:stCondLst>
                                   <p:childTnLst>
                                     <p:set>
                                       <p:cBhvr>
-                                        <p:cTn dur="1" fill="hold">
+                                        <p:cTn id="6" dur="1" fill="hold">
                                           <p:stCondLst>
                                             <p:cond delay="0"/>
                                           </p:stCondLst>
@@ -15592,6 +17657,11 @@
                 </p:childTnLst>
               </p:cTn>
               <p:prevCondLst>
+                <p:cond evt="onPrev" delay="0">
+                  <p:tgtEl>
+                    <p:sldTgt/>
+                  </p:tgtEl>
+                </p:cond>
                 <p:cond evt="onPrev" delay="0"/>
               </p:prevCondLst>
               <p:nextCondLst>
@@ -15611,7 +17681,7 @@
 </file>
 
 <file path=ppt/slides/slide9.xml><?xml version="1.0" encoding="utf-8"?>
-<p:sld xmlns:a="http://schemas.openxmlformats.org/drawingml/2006/main" xmlns:p="http://schemas.openxmlformats.org/presentationml/2006/main">
+<p:sld xmlns:a="http://schemas.openxmlformats.org/drawingml/2006/main" xmlns:r="http://schemas.openxmlformats.org/officeDocument/2006/relationships" xmlns:p="http://schemas.openxmlformats.org/presentationml/2006/main">
   <p:cSld>
     <p:spTree>
       <p:nvGrpSpPr>
@@ -15629,7 +17699,7 @@
       </p:grpSpPr>
       <p:grpSp>
         <p:nvGrpSpPr>
-          <p:cNvPr id="179" name="" descr="{&quot;isTemplate&quot;:true,&quot;type&quot;:&quot;list&quot;,&quot;alignment&quot;:&quot;left&quot;,&quot;alignmentVertical&quot;:&quot;top&quot;,&quot;canOmit&quot;:false,&quot;scalable&quot;:false,&quot;minItemsCount&quot;:-1}"/>
+          <p:cNvPr id="179" name="组合 178" descr="{&quot;isTemplate&quot;:true,&quot;type&quot;:&quot;list&quot;,&quot;alignment&quot;:&quot;left&quot;,&quot;alignmentVertical&quot;:&quot;top&quot;,&quot;canOmit&quot;:false,&quot;scalable&quot;:false,&quot;minItemsCount&quot;:-1}"/>
           <p:cNvGrpSpPr/>
           <p:nvPr/>
         </p:nvGrpSpPr>
@@ -15643,12 +17713,12 @@
         </p:grpSpPr>
         <p:grpSp>
           <p:nvGrpSpPr>
-            <p:cNvPr id="180" name=""/>
+            <p:cNvPr id="180" name="组合 179"/>
             <p:cNvGrpSpPr/>
             <p:nvPr/>
           </p:nvGrpSpPr>
           <p:grpSpPr>
-            <a:xfrm rot="0" flipH="false" flipV="false">
+            <a:xfrm rot="0">
               <a:off x="546848" y="2095362"/>
               <a:ext cx="7445116" cy="1865439"/>
               <a:chOff x="546848" y="1563549"/>
@@ -15673,7 +17743,7 @@
               <p:nvSpPr>
                 <p:cNvPr id="182" name="Oval 5"/>
                 <p:cNvSpPr>
-                  <a:spLocks noChangeArrowheads="true"/>
+                  <a:spLocks noChangeArrowheads="1"/>
                 </p:cNvSpPr>
                 <p:nvPr/>
               </p:nvSpPr>
@@ -15693,11 +17763,10 @@
                 </a:ln>
               </p:spPr>
               <p:txBody>
-                <a:bodyPr vert="horz" wrap="square" lIns="91440" tIns="45720" rIns="91440" bIns="45720" numCol="1" anchor="t" anchorCtr="false" compatLnSpc="true"/>
+                <a:bodyPr vert="horz" wrap="square" lIns="91440" tIns="45720" rIns="91440" bIns="45720" numCol="1" anchor="t" anchorCtr="0" compatLnSpc="1"/>
                 <a:lstStyle/>
                 <a:p>
-                  <a:pPr/>
-                  <a:endParaRPr lang="en-US" sz="1353">
+                  <a:endParaRPr lang="en-US" sz="1355">
                     <a:latin typeface="默认字体"/>
                     <a:ea typeface="默认字体"/>
                     <a:cs typeface="+mn-cs"/>
@@ -15817,11 +17886,10 @@
                 </a:ln>
               </p:spPr>
               <p:txBody>
-                <a:bodyPr vert="horz" wrap="square" lIns="91440" tIns="45720" rIns="91440" bIns="45720" numCol="1" anchor="t" anchorCtr="false" compatLnSpc="true"/>
+                <a:bodyPr vert="horz" wrap="square" lIns="91440" tIns="45720" rIns="91440" bIns="45720" numCol="1" anchor="t" anchorCtr="0" compatLnSpc="1"/>
                 <a:lstStyle/>
                 <a:p>
-                  <a:pPr/>
-                  <a:endParaRPr lang="en-US" sz="1353">
+                  <a:endParaRPr lang="en-US" sz="1355">
                     <a:latin typeface="默认字体"/>
                     <a:ea typeface="默认字体"/>
                     <a:cs typeface="+mn-cs"/>
@@ -15832,9 +17900,9 @@
             </p:sp>
             <p:sp>
               <p:nvSpPr>
-                <p:cNvPr id="184" name=""/>
+                <p:cNvPr id="184" name="任意多边形 183"/>
                 <p:cNvSpPr>
-                  <a:spLocks noChangeAspect="true"/>
+                  <a:spLocks noChangeAspect="1"/>
                 </p:cNvSpPr>
                 <p:nvPr/>
               </p:nvSpPr>
@@ -16154,8 +18222,7 @@
                 <a:bodyPr/>
                 <a:lstStyle/>
                 <a:p>
-                  <a:pPr/>
-                  <a:endParaRPr lang="zh-CN" sz="1353">
+                  <a:endParaRPr lang="zh-CN" sz="1355">
                     <a:latin typeface="默认字体"/>
                     <a:ea typeface="默认字体"/>
                     <a:cs typeface="+mn-cs"/>
@@ -16167,7 +18234,7 @@
           </p:grpSp>
           <p:grpSp>
             <p:nvGrpSpPr>
-              <p:cNvPr id="185" name=""/>
+              <p:cNvPr id="185" name="组合 184"/>
               <p:cNvGrpSpPr/>
               <p:nvPr/>
             </p:nvGrpSpPr>
@@ -16182,11 +18249,11 @@
             <p:sp>
               <p:nvSpPr>
                 <p:cNvPr id="186" name="文本框 33" descr="{&quot;isTemplate&quot;:true,&quot;type&quot;:&quot;title&quot;,&quot;canOmit&quot;:false,&quot;range&quot;:0}"/>
-                <p:cNvSpPr txBox="true"/>
+                <p:cNvSpPr txBox="1"/>
                 <p:nvPr/>
               </p:nvSpPr>
               <p:spPr>
-                <a:xfrm rot="0" flipH="false" flipV="false">
+                <a:xfrm>
                   <a:off x="546848" y="1563549"/>
                   <a:ext cx="3600005" cy="520700"/>
                 </a:xfrm>
@@ -16196,7 +18263,7 @@
                 <a:noFill/>
               </p:spPr>
               <p:txBody>
-                <a:bodyPr wrap="square" rtlCol="false">
+                <a:bodyPr wrap="square" rtlCol="0">
                   <a:noAutofit/>
                 </a:bodyPr>
                 <a:lstStyle/>
@@ -16218,7 +18285,7 @@
                     </a:defRPr>
                   </a:pPr>
                   <a:r>
-                    <a:rPr lang="zh-CN" sz="1800" b="true">
+                    <a:rPr lang="zh-CN" sz="1800" b="1">
                       <a:latin typeface="默认字体"/>
                       <a:ea typeface="默认字体"/>
                       <a:cs typeface="+mn-cs"/>
@@ -16226,7 +18293,7 @@
                     </a:rPr>
                     <a:t>权谋手段的运用</a:t>
                   </a:r>
-                  <a:endParaRPr lang="en-US" sz="1867" b="true">
+                  <a:endParaRPr lang="en-US" sz="1865" b="1">
                     <a:solidFill>
                       <a:srgbClr val="6F815D">
                         <a:alpha val="100000"/>
@@ -16243,11 +18310,11 @@
             <p:sp>
               <p:nvSpPr>
                 <p:cNvPr id="187" name="文本框 33" descr="{&quot;isTemplate&quot;:true,&quot;type&quot;:&quot;content&quot;,&quot;canOmit&quot;:false,&quot;range&quot;:0}"/>
-                <p:cNvSpPr txBox="true"/>
+                <p:cNvSpPr txBox="1"/>
                 <p:nvPr/>
               </p:nvSpPr>
               <p:spPr>
-                <a:xfrm rot="0" flipH="false" flipV="false">
+                <a:xfrm>
                   <a:off x="546848" y="1988999"/>
                   <a:ext cx="3600005" cy="1439989"/>
                 </a:xfrm>
@@ -16257,7 +18324,7 @@
                 <a:noFill/>
               </p:spPr>
               <p:txBody>
-                <a:bodyPr wrap="square" rtlCol="false">
+                <a:bodyPr wrap="square" rtlCol="0">
                   <a:noAutofit/>
                 </a:bodyPr>
                 <a:lstStyle/>
@@ -16287,7 +18354,12 @@
                     </a:rPr>
                     <a:t>曹操善于运用权谋手段，如“挟天子以令诸侯”，通过政治手腕巩固了自己的地位，这种权谋对我具有一定的价值。</a:t>
                   </a:r>
-                  <a:endParaRPr/>
+                  <a:endParaRPr lang="zh-CN" sz="1400">
+                    <a:latin typeface="默认字体"/>
+                    <a:ea typeface="默认字体"/>
+                    <a:cs typeface="+mn-cs"/>
+                    <a:sym typeface="思源宋体 CN"/>
+                  </a:endParaRPr>
                 </a:p>
               </p:txBody>
             </p:sp>
@@ -16295,12 +18367,12 @@
         </p:grpSp>
         <p:grpSp>
           <p:nvGrpSpPr>
-            <p:cNvPr id="188" name=""/>
+            <p:cNvPr id="188" name="组合 187"/>
             <p:cNvGrpSpPr/>
             <p:nvPr/>
           </p:nvGrpSpPr>
           <p:grpSpPr>
-            <a:xfrm rot="0" flipH="false" flipV="false">
+            <a:xfrm rot="0">
               <a:off x="546848" y="4155562"/>
               <a:ext cx="7441870" cy="1865439"/>
               <a:chOff x="546848" y="3623749"/>
@@ -16325,7 +18397,7 @@
               <p:nvSpPr>
                 <p:cNvPr id="190" name="Oval 5"/>
                 <p:cNvSpPr>
-                  <a:spLocks noChangeArrowheads="true"/>
+                  <a:spLocks noChangeArrowheads="1"/>
                 </p:cNvSpPr>
                 <p:nvPr/>
               </p:nvSpPr>
@@ -16345,11 +18417,10 @@
                 </a:ln>
               </p:spPr>
               <p:txBody>
-                <a:bodyPr vert="horz" wrap="square" lIns="91440" tIns="45720" rIns="91440" bIns="45720" numCol="1" anchor="t" anchorCtr="false" compatLnSpc="true"/>
+                <a:bodyPr vert="horz" wrap="square" lIns="91440" tIns="45720" rIns="91440" bIns="45720" numCol="1" anchor="t" anchorCtr="0" compatLnSpc="1"/>
                 <a:lstStyle/>
                 <a:p>
-                  <a:pPr/>
-                  <a:endParaRPr lang="en-US" sz="1353">
+                  <a:endParaRPr lang="en-US" sz="1355">
                     <a:latin typeface="默认字体"/>
                     <a:ea typeface="默认字体"/>
                     <a:cs typeface="+mn-cs"/>
@@ -16469,11 +18540,10 @@
                 </a:ln>
               </p:spPr>
               <p:txBody>
-                <a:bodyPr vert="horz" wrap="square" lIns="91440" tIns="45720" rIns="91440" bIns="45720" numCol="1" anchor="t" anchorCtr="false" compatLnSpc="true"/>
+                <a:bodyPr vert="horz" wrap="square" lIns="91440" tIns="45720" rIns="91440" bIns="45720" numCol="1" anchor="t" anchorCtr="0" compatLnSpc="1"/>
                 <a:lstStyle/>
                 <a:p>
-                  <a:pPr/>
-                  <a:endParaRPr lang="en-US" sz="1353">
+                  <a:endParaRPr lang="en-US" sz="1355">
                     <a:latin typeface="默认字体"/>
                     <a:ea typeface="默认字体"/>
                     <a:cs typeface="+mn-cs"/>
@@ -16924,11 +18994,10 @@
                   </a:ln>
                 </p:spPr>
                 <p:txBody>
-                  <a:bodyPr vert="horz" wrap="square" lIns="91440" tIns="45720" rIns="91440" bIns="45720" numCol="1" anchor="t" anchorCtr="false" compatLnSpc="true"/>
+                  <a:bodyPr vert="horz" wrap="square" lIns="91440" tIns="45720" rIns="91440" bIns="45720" numCol="1" anchor="t" anchorCtr="0" compatLnSpc="1"/>
                   <a:lstStyle/>
                   <a:p>
-                    <a:pPr/>
-                    <a:endParaRPr lang="en-US" sz="1353">
+                    <a:endParaRPr lang="en-US" sz="1355">
                       <a:latin typeface="默认字体"/>
                       <a:ea typeface="默认字体"/>
                       <a:cs typeface="+mn-cs"/>
@@ -17410,11 +19479,10 @@
                   </a:ln>
                 </p:spPr>
                 <p:txBody>
-                  <a:bodyPr vert="horz" wrap="square" lIns="91440" tIns="45720" rIns="91440" bIns="45720" numCol="1" anchor="t" anchorCtr="false" compatLnSpc="true"/>
+                  <a:bodyPr vert="horz" wrap="square" lIns="91440" tIns="45720" rIns="91440" bIns="45720" numCol="1" anchor="t" anchorCtr="0" compatLnSpc="1"/>
                   <a:lstStyle/>
                   <a:p>
-                    <a:pPr/>
-                    <a:endParaRPr lang="en-US" sz="1353">
+                    <a:endParaRPr lang="en-US" sz="1355">
                       <a:latin typeface="默认字体"/>
                       <a:ea typeface="默认字体"/>
                       <a:cs typeface="+mn-cs"/>
@@ -17824,11 +19892,10 @@
                   </a:ln>
                 </p:spPr>
                 <p:txBody>
-                  <a:bodyPr vert="horz" wrap="square" lIns="91440" tIns="45720" rIns="91440" bIns="45720" numCol="1" anchor="t" anchorCtr="false" compatLnSpc="true"/>
+                  <a:bodyPr vert="horz" wrap="square" lIns="91440" tIns="45720" rIns="91440" bIns="45720" numCol="1" anchor="t" anchorCtr="0" compatLnSpc="1"/>
                   <a:lstStyle/>
                   <a:p>
-                    <a:pPr/>
-                    <a:endParaRPr lang="en-US" sz="1353">
+                    <a:endParaRPr lang="en-US" sz="1355">
                       <a:latin typeface="默认字体"/>
                       <a:ea typeface="默认字体"/>
                       <a:cs typeface="+mn-cs"/>
@@ -18302,11 +20369,10 @@
                   </a:ln>
                 </p:spPr>
                 <p:txBody>
-                  <a:bodyPr vert="horz" wrap="square" lIns="91440" tIns="45720" rIns="91440" bIns="45720" numCol="1" anchor="t" anchorCtr="false" compatLnSpc="true"/>
+                  <a:bodyPr vert="horz" wrap="square" lIns="91440" tIns="45720" rIns="91440" bIns="45720" numCol="1" anchor="t" anchorCtr="0" compatLnSpc="1"/>
                   <a:lstStyle/>
                   <a:p>
-                    <a:pPr/>
-                    <a:endParaRPr lang="en-US" sz="1353">
+                    <a:endParaRPr lang="en-US" sz="1355">
                       <a:latin typeface="默认字体"/>
                       <a:ea typeface="默认字体"/>
                       <a:cs typeface="+mn-cs"/>
@@ -18716,11 +20782,10 @@
                   </a:ln>
                 </p:spPr>
                 <p:txBody>
-                  <a:bodyPr vert="horz" wrap="square" lIns="91440" tIns="45720" rIns="91440" bIns="45720" numCol="1" anchor="t" anchorCtr="false" compatLnSpc="true"/>
+                  <a:bodyPr vert="horz" wrap="square" lIns="91440" tIns="45720" rIns="91440" bIns="45720" numCol="1" anchor="t" anchorCtr="0" compatLnSpc="1"/>
                   <a:lstStyle/>
                   <a:p>
-                    <a:pPr/>
-                    <a:endParaRPr lang="en-US" sz="1353">
+                    <a:endParaRPr lang="en-US" sz="1355">
                       <a:latin typeface="默认字体"/>
                       <a:ea typeface="默认字体"/>
                       <a:cs typeface="+mn-cs"/>
@@ -19194,11 +21259,10 @@
                   </a:ln>
                 </p:spPr>
                 <p:txBody>
-                  <a:bodyPr vert="horz" wrap="square" lIns="91440" tIns="45720" rIns="91440" bIns="45720" numCol="1" anchor="t" anchorCtr="false" compatLnSpc="true"/>
+                  <a:bodyPr vert="horz" wrap="square" lIns="91440" tIns="45720" rIns="91440" bIns="45720" numCol="1" anchor="t" anchorCtr="0" compatLnSpc="1"/>
                   <a:lstStyle/>
                   <a:p>
-                    <a:pPr/>
-                    <a:endParaRPr lang="en-US" sz="1353">
+                    <a:endParaRPr lang="en-US" sz="1355">
                       <a:latin typeface="默认字体"/>
                       <a:ea typeface="默认字体"/>
                       <a:cs typeface="+mn-cs"/>
@@ -19211,12 +21275,12 @@
           </p:grpSp>
           <p:grpSp>
             <p:nvGrpSpPr>
-              <p:cNvPr id="199" name=""/>
+              <p:cNvPr id="199" name="组合 198"/>
               <p:cNvGrpSpPr/>
               <p:nvPr/>
             </p:nvGrpSpPr>
             <p:grpSpPr>
-              <a:xfrm rot="0" flipH="false" flipV="false">
+              <a:xfrm rot="0">
                 <a:off x="546848" y="3623749"/>
                 <a:ext cx="3600005" cy="1865439"/>
                 <a:chOff x="546848" y="1498422"/>
@@ -19226,11 +21290,11 @@
             <p:sp>
               <p:nvSpPr>
                 <p:cNvPr id="200" name="文本框 33" descr="{&quot;isTemplate&quot;:true,&quot;type&quot;:&quot;title&quot;,&quot;canOmit&quot;:false,&quot;range&quot;:0}"/>
-                <p:cNvSpPr txBox="true"/>
+                <p:cNvSpPr txBox="1"/>
                 <p:nvPr/>
               </p:nvSpPr>
               <p:spPr>
-                <a:xfrm rot="0" flipH="false" flipV="false">
+                <a:xfrm>
                   <a:off x="546848" y="1498422"/>
                   <a:ext cx="3600005" cy="520700"/>
                 </a:xfrm>
@@ -19240,7 +21304,7 @@
                 <a:noFill/>
               </p:spPr>
               <p:txBody>
-                <a:bodyPr wrap="square" rtlCol="false">
+                <a:bodyPr wrap="square" rtlCol="0">
                   <a:noAutofit/>
                 </a:bodyPr>
                 <a:lstStyle/>
@@ -19262,7 +21326,7 @@
                     </a:defRPr>
                   </a:pPr>
                   <a:r>
-                    <a:rPr lang="zh-CN" sz="1800" b="true">
+                    <a:rPr lang="zh-CN" sz="1800" b="1">
                       <a:latin typeface="默认字体"/>
                       <a:ea typeface="默认字体"/>
                       <a:cs typeface="+mn-cs"/>
@@ -19270,7 +21334,7 @@
                     </a:rPr>
                     <a:t>历史评价的两面性</a:t>
                   </a:r>
-                  <a:endParaRPr lang="en-US" sz="1867" b="true">
+                  <a:endParaRPr lang="en-US" sz="1865" b="1">
                     <a:solidFill>
                       <a:srgbClr val="6F815D">
                         <a:alpha val="100000"/>
@@ -19287,11 +21351,11 @@
             <p:sp>
               <p:nvSpPr>
                 <p:cNvPr id="201" name="文本框 33" descr="{&quot;isTemplate&quot;:true,&quot;type&quot;:&quot;content&quot;,&quot;canOmit&quot;:false,&quot;range&quot;:0}"/>
-                <p:cNvSpPr txBox="true"/>
+                <p:cNvSpPr txBox="1"/>
                 <p:nvPr/>
               </p:nvSpPr>
               <p:spPr>
-                <a:xfrm rot="0" flipH="false" flipV="false">
+                <a:xfrm>
                   <a:off x="546848" y="1923872"/>
                   <a:ext cx="3600005" cy="1439989"/>
                 </a:xfrm>
@@ -19301,7 +21365,7 @@
                 <a:noFill/>
               </p:spPr>
               <p:txBody>
-                <a:bodyPr wrap="square" rtlCol="false">
+                <a:bodyPr wrap="square" rtlCol="0">
                   <a:noAutofit/>
                 </a:bodyPr>
                 <a:lstStyle/>
@@ -19331,7 +21395,12 @@
                     </a:rPr>
                     <a:t>曹操因其卓越的政治和军事才能被后人称道，但其权谋手段和冷酷无情也引发了不少争议，这种复杂性有助于培养我的辩证思维能力。</a:t>
                   </a:r>
-                  <a:endParaRPr/>
+                  <a:endParaRPr lang="zh-CN" sz="1400">
+                    <a:latin typeface="默认字体"/>
+                    <a:ea typeface="默认字体"/>
+                    <a:cs typeface="+mn-cs"/>
+                    <a:sym typeface="思源宋体 CN"/>
+                  </a:endParaRPr>
                 </a:p>
               </p:txBody>
             </p:sp>
@@ -19339,12 +21408,12 @@
         </p:grpSp>
         <p:grpSp>
           <p:nvGrpSpPr>
-            <p:cNvPr id="202" name=""/>
+            <p:cNvPr id="202" name="组合 201"/>
             <p:cNvGrpSpPr/>
             <p:nvPr/>
           </p:nvGrpSpPr>
           <p:grpSpPr>
-            <a:xfrm rot="0" flipH="false" flipV="false">
+            <a:xfrm rot="0">
               <a:off x="4146853" y="3150101"/>
               <a:ext cx="7498299" cy="1865439"/>
               <a:chOff x="4146853" y="2618288"/>
@@ -19369,7 +21438,7 @@
               <p:nvSpPr>
                 <p:cNvPr id="204" name="Oval 5"/>
                 <p:cNvSpPr>
-                  <a:spLocks noChangeArrowheads="true"/>
+                  <a:spLocks noChangeArrowheads="1"/>
                 </p:cNvSpPr>
                 <p:nvPr/>
               </p:nvSpPr>
@@ -19391,11 +21460,10 @@
                 </a:ln>
               </p:spPr>
               <p:txBody>
-                <a:bodyPr vert="horz" wrap="square" lIns="91440" tIns="45720" rIns="91440" bIns="45720" numCol="1" anchor="t" anchorCtr="false" compatLnSpc="true"/>
+                <a:bodyPr vert="horz" wrap="square" lIns="91440" tIns="45720" rIns="91440" bIns="45720" numCol="1" anchor="t" anchorCtr="0" compatLnSpc="1"/>
                 <a:lstStyle/>
                 <a:p>
-                  <a:pPr/>
-                  <a:endParaRPr lang="en-US" sz="1353">
+                  <a:endParaRPr lang="en-US" sz="1355">
                     <a:latin typeface="默认字体"/>
                     <a:ea typeface="默认字体"/>
                     <a:cs typeface="+mn-cs"/>
@@ -19517,11 +21585,10 @@
                 </a:ln>
               </p:spPr>
               <p:txBody>
-                <a:bodyPr vert="horz" wrap="square" lIns="91440" tIns="45720" rIns="91440" bIns="45720" numCol="1" anchor="t" anchorCtr="false" compatLnSpc="true"/>
+                <a:bodyPr vert="horz" wrap="square" lIns="91440" tIns="45720" rIns="91440" bIns="45720" numCol="1" anchor="t" anchorCtr="0" compatLnSpc="1"/>
                 <a:lstStyle/>
                 <a:p>
-                  <a:pPr/>
-                  <a:endParaRPr lang="en-US" sz="1353">
+                  <a:endParaRPr lang="en-US" sz="1355">
                     <a:latin typeface="默认字体"/>
                     <a:ea typeface="默认字体"/>
                     <a:cs typeface="+mn-cs"/>
@@ -19616,11 +21683,10 @@
                   </a:ln>
                 </p:spPr>
                 <p:txBody>
-                  <a:bodyPr vert="horz" wrap="square" lIns="91440" tIns="45720" rIns="91440" bIns="45720" numCol="1" anchor="t" anchorCtr="false" compatLnSpc="true"/>
+                  <a:bodyPr vert="horz" wrap="square" lIns="91440" tIns="45720" rIns="91440" bIns="45720" numCol="1" anchor="t" anchorCtr="0" compatLnSpc="1"/>
                   <a:lstStyle/>
                   <a:p>
-                    <a:pPr/>
-                    <a:endParaRPr lang="en-US" sz="1353">
+                    <a:endParaRPr lang="en-US" sz="1355">
                       <a:solidFill>
                         <a:schemeClr val="tx1">
                           <a:lumMod val="75000"/>
@@ -19640,7 +21706,7 @@
                 <p:nvSpPr>
                   <p:cNvPr id="208" name="Freeform 155"/>
                   <p:cNvSpPr>
-                    <a:spLocks noEditPoints="true"/>
+                    <a:spLocks noEditPoints="1"/>
                   </p:cNvSpPr>
                   <p:nvPr/>
                 </p:nvSpPr>
@@ -19790,11 +21856,10 @@
                   </a:ln>
                 </p:spPr>
                 <p:txBody>
-                  <a:bodyPr vert="horz" wrap="square" lIns="91440" tIns="45720" rIns="91440" bIns="45720" numCol="1" anchor="t" anchorCtr="false" compatLnSpc="true"/>
+                  <a:bodyPr vert="horz" wrap="square" lIns="91440" tIns="45720" rIns="91440" bIns="45720" numCol="1" anchor="t" anchorCtr="0" compatLnSpc="1"/>
                   <a:lstStyle/>
                   <a:p>
-                    <a:pPr/>
-                    <a:endParaRPr lang="en-US" sz="1353">
+                    <a:endParaRPr lang="en-US" sz="1355">
                       <a:solidFill>
                         <a:schemeClr val="tx1">
                           <a:lumMod val="75000"/>
@@ -19879,11 +21944,10 @@
                   </a:ln>
                 </p:spPr>
                 <p:txBody>
-                  <a:bodyPr vert="horz" wrap="square" lIns="91440" tIns="45720" rIns="91440" bIns="45720" numCol="1" anchor="t" anchorCtr="false" compatLnSpc="true"/>
+                  <a:bodyPr vert="horz" wrap="square" lIns="91440" tIns="45720" rIns="91440" bIns="45720" numCol="1" anchor="t" anchorCtr="0" compatLnSpc="1"/>
                   <a:lstStyle/>
                   <a:p>
-                    <a:pPr/>
-                    <a:endParaRPr lang="en-US" sz="1353">
+                    <a:endParaRPr lang="en-US" sz="1355">
                       <a:solidFill>
                         <a:schemeClr val="tx1">
                           <a:lumMod val="75000"/>
@@ -19903,12 +21967,12 @@
           </p:grpSp>
           <p:grpSp>
             <p:nvGrpSpPr>
-              <p:cNvPr id="210" name=""/>
+              <p:cNvPr id="210" name="组合 209"/>
               <p:cNvGrpSpPr/>
               <p:nvPr/>
             </p:nvGrpSpPr>
             <p:grpSpPr>
-              <a:xfrm rot="0" flipH="false" flipV="false">
+              <a:xfrm rot="0">
                 <a:off x="8045147" y="2618288"/>
                 <a:ext cx="3600005" cy="1865439"/>
                 <a:chOff x="546848" y="1498422"/>
@@ -19918,11 +21982,11 @@
             <p:sp>
               <p:nvSpPr>
                 <p:cNvPr id="211" name="文本框 33" descr="{&quot;isTemplate&quot;:true,&quot;type&quot;:&quot;title&quot;,&quot;canOmit&quot;:false,&quot;range&quot;:0}"/>
-                <p:cNvSpPr txBox="true"/>
+                <p:cNvSpPr txBox="1"/>
                 <p:nvPr/>
               </p:nvSpPr>
               <p:spPr>
-                <a:xfrm rot="0" flipH="false" flipV="false">
+                <a:xfrm>
                   <a:off x="546848" y="1498422"/>
                   <a:ext cx="3600005" cy="520700"/>
                 </a:xfrm>
@@ -19932,7 +21996,7 @@
                 <a:noFill/>
               </p:spPr>
               <p:txBody>
-                <a:bodyPr wrap="square" rtlCol="false">
+                <a:bodyPr wrap="square" rtlCol="0">
                   <a:noAutofit/>
                 </a:bodyPr>
                 <a:lstStyle/>
@@ -19954,7 +22018,7 @@
                     </a:defRPr>
                   </a:pPr>
                   <a:r>
-                    <a:rPr lang="zh-CN" sz="1800" b="true">
+                    <a:rPr lang="zh-CN" sz="1800" b="1">
                       <a:latin typeface="默认字体"/>
                       <a:ea typeface="默认字体"/>
                       <a:cs typeface="+mn-cs"/>
@@ -19962,7 +22026,7 @@
                     </a:rPr>
                     <a:t>文学成就的认可</a:t>
                   </a:r>
-                  <a:endParaRPr lang="en-US" sz="1867" b="true">
+                  <a:endParaRPr lang="en-US" sz="1865" b="1">
                     <a:solidFill>
                       <a:srgbClr val="6F815D">
                         <a:alpha val="100000"/>
@@ -19979,11 +22043,11 @@
             <p:sp>
               <p:nvSpPr>
                 <p:cNvPr id="212" name="文本框 33" descr="{&quot;isTemplate&quot;:true,&quot;type&quot;:&quot;content&quot;,&quot;canOmit&quot;:false,&quot;range&quot;:0}"/>
-                <p:cNvSpPr txBox="true"/>
+                <p:cNvSpPr txBox="1"/>
                 <p:nvPr/>
               </p:nvSpPr>
               <p:spPr>
-                <a:xfrm rot="0" flipH="false" flipV="false">
+                <a:xfrm>
                   <a:off x="546848" y="1923872"/>
                   <a:ext cx="3600005" cy="1439989"/>
                 </a:xfrm>
@@ -19993,7 +22057,7 @@
                 <a:noFill/>
               </p:spPr>
               <p:txBody>
-                <a:bodyPr wrap="square" rtlCol="false">
+                <a:bodyPr wrap="square" rtlCol="0">
                   <a:noAutofit/>
                 </a:bodyPr>
                 <a:lstStyle/>
@@ -20023,7 +22087,12 @@
                     </a:rPr>
                     <a:t>曹操不仅是杰出的政治家和军事家，还是一位优秀的文学家，其诗歌作品气魄雄伟，情感深沉，对后世文学产生了深远影响。</a:t>
                   </a:r>
-                  <a:endParaRPr/>
+                  <a:endParaRPr lang="zh-CN" sz="1400">
+                    <a:latin typeface="默认字体"/>
+                    <a:ea typeface="默认字体"/>
+                    <a:cs typeface="+mn-cs"/>
+                    <a:sym typeface="思源宋体 CN"/>
+                  </a:endParaRPr>
                 </a:p>
               </p:txBody>
             </p:sp>
@@ -20032,12 +22101,12 @@
       </p:grpSp>
       <p:sp>
         <p:nvSpPr>
-          <p:cNvPr id="213" name="" descr="{&quot;isTemplate&quot;:true,&quot;type&quot;:&quot;title&quot;,&quot;canOmit&quot;:false,&quot;range&quot;:0}"/>
-          <p:cNvSpPr txBox="true"/>
+          <p:cNvPr id="213" name="文本框 212" descr="{&quot;isTemplate&quot;:true,&quot;type&quot;:&quot;title&quot;,&quot;canOmit&quot;:false,&quot;range&quot;:0}"/>
+          <p:cNvSpPr txBox="1"/>
           <p:nvPr/>
         </p:nvSpPr>
         <p:spPr>
-          <a:xfrm rot="0" flipH="false" flipV="false">
+          <a:xfrm>
             <a:off x="660396" y="418039"/>
             <a:ext cx="10668000" cy="520700"/>
           </a:xfrm>
@@ -20047,7 +22116,7 @@
           <a:noFill/>
         </p:spPr>
         <p:txBody>
-          <a:bodyPr wrap="square" lIns="90000" tIns="46800" rIns="90000" bIns="46800" rtlCol="false" anchor="b" anchorCtr="false">
+          <a:bodyPr wrap="square" lIns="90000" tIns="46800" rIns="90000" bIns="46800" rtlCol="0" anchor="b" anchorCtr="0">
             <a:spAutoFit/>
           </a:bodyPr>
           <a:lstStyle/>
@@ -20059,14 +22128,18 @@
               <a:buNone/>
             </a:pPr>
             <a:r>
-              <a:rPr lang="zh-CN" sz="2800" b="true">
+              <a:rPr lang="zh-CN" sz="2800" b="1">
                 <a:latin typeface="默认字体"/>
                 <a:ea typeface="默认字体"/>
                 <a:cs typeface="+mn-cs"/>
               </a:rPr>
               <a:t>曹操的权谋与历史的争议</a:t>
             </a:r>
-            <a:endParaRPr/>
+            <a:endParaRPr lang="zh-CN" sz="2800" b="1">
+              <a:latin typeface="默认字体"/>
+              <a:ea typeface="默认字体"/>
+              <a:cs typeface="+mn-cs"/>
+            </a:endParaRPr>
           </a:p>
         </p:txBody>
       </p:sp>
@@ -20121,7 +22194,7 @@
     </a:clrScheme>
     <a:fontScheme name="Arial Black-Arial">
       <a:majorFont>
-        <a:latin typeface="Arial Black" panose="020B0A04020102020204"/>
+        <a:latin typeface="Arial Black"/>
         <a:ea typeface=""/>
         <a:cs typeface=""/>
         <a:font script="Jpan" typeface="ＭＳ ゴシック"/>
@@ -20156,7 +22229,7 @@
         <a:font script="Geor" typeface="Sylfaen"/>
       </a:majorFont>
       <a:minorFont>
-        <a:latin typeface="Arial" panose="020B0604020202020204"/>
+        <a:latin typeface="Arial"/>
         <a:ea typeface=""/>
         <a:cs typeface=""/>
         <a:font script="Jpan" typeface="ＭＳ Ｐゴシック"/>
@@ -20196,7 +22269,7 @@
         <a:solidFill>
           <a:schemeClr val="phClr"/>
         </a:solidFill>
-        <a:gradFill rotWithShape="true">
+        <a:gradFill rotWithShape="1">
           <a:gsLst>
             <a:gs pos="0">
               <a:schemeClr val="phClr">
@@ -20220,9 +22293,9 @@
               </a:schemeClr>
             </a:gs>
           </a:gsLst>
-          <a:lin ang="5400000" scaled="false"/>
+          <a:lin ang="5400000" scaled="0"/>
         </a:gradFill>
-        <a:gradFill rotWithShape="true">
+        <a:gradFill rotWithShape="1">
           <a:gsLst>
             <a:gs pos="0">
               <a:schemeClr val="phClr">
@@ -20246,7 +22319,7 @@
               </a:schemeClr>
             </a:gs>
           </a:gsLst>
-          <a:lin ang="5400000" scaled="false"/>
+          <a:lin ang="5400000" scaled="0"/>
         </a:gradFill>
       </a:fillStyleLst>
       <a:lnStyleLst>
@@ -20281,7 +22354,7 @@
         </a:effectStyle>
         <a:effectStyle>
           <a:effectLst>
-            <a:outerShdw blurRad="57150" dist="19050" dir="5400000" algn="ctr" rotWithShape="false">
+            <a:outerShdw blurRad="57150" dist="19050" dir="5400000" algn="ctr" rotWithShape="0">
               <a:srgbClr val="000000">
                 <a:alpha val="63000"/>
               </a:srgbClr>
@@ -20299,7 +22372,7 @@
             <a:satMod val="170000"/>
           </a:schemeClr>
         </a:solidFill>
-        <a:gradFill rotWithShape="true">
+        <a:gradFill rotWithShape="1">
           <a:gsLst>
             <a:gs pos="0">
               <a:schemeClr val="phClr">
@@ -20324,11 +22397,16 @@
               </a:schemeClr>
             </a:gs>
           </a:gsLst>
-          <a:lin ang="5400000" scaled="false"/>
+          <a:lin ang="5400000" scaled="0"/>
         </a:gradFill>
       </a:bgFillStyleLst>
     </a:fmtScheme>
   </a:themeElements>
+  <a:extLst>
+    <a:ext uri="{05A4C25C-085E-4340-85A3-A5531E510DB2}">
+      <thm15:themeFamily xmlns:thm15="http://schemas.microsoft.com/office/thememl/2012/main" name="Office Theme" id="{62F939B6-93AF-4DB8-9C6B-D6C7DFDC589F}" vid="{4A3C46E8-61CC-4603-A589-7422A47A8E4A}"/>
+    </a:ext>
+  </a:extLst>
 </a:theme>
 </file>
 
@@ -20375,7 +22453,7 @@
     </a:clrScheme>
     <a:fontScheme name="Office">
       <a:majorFont>
-        <a:latin typeface="等线 Light" panose="020F0302020204030204"/>
+        <a:latin typeface="等线 Light"/>
         <a:ea typeface=""/>
         <a:cs typeface=""/>
         <a:font script="Jpan" typeface="游ゴシック Light"/>
@@ -20408,26 +22486,9 @@
         <a:font script="Viet" typeface="Times New Roman"/>
         <a:font script="Uigh" typeface="Microsoft Uighur"/>
         <a:font script="Geor" typeface="Sylfaen"/>
-        <a:font script="Armn" typeface="Arial"/>
-        <a:font script="Bugi" typeface="Leelawadee UI"/>
-        <a:font script="Bopo" typeface="Microsoft JhengHei"/>
-        <a:font script="Java" typeface="Javanese Text"/>
-        <a:font script="Lisu" typeface="Segoe UI"/>
-        <a:font script="Mymr" typeface="Myanmar Text"/>
-        <a:font script="Nkoo" typeface="Ebrima"/>
-        <a:font script="Olck" typeface="Nirmala UI"/>
-        <a:font script="Osma" typeface="Ebrima"/>
-        <a:font script="Phag" typeface="Phagspa"/>
-        <a:font script="Syrn" typeface="Estrangelo Edessa"/>
-        <a:font script="Syrj" typeface="Estrangelo Edessa"/>
-        <a:font script="Syre" typeface="Estrangelo Edessa"/>
-        <a:font script="Sora" typeface="Nirmala UI"/>
-        <a:font script="Tale" typeface="Microsoft Tai Le"/>
-        <a:font script="Talu" typeface="Microsoft New Tai Lue"/>
-        <a:font script="Tfng" typeface="Ebrima"/>
       </a:majorFont>
       <a:minorFont>
-        <a:latin typeface="等线" panose="020F0502020204030204"/>
+        <a:latin typeface="等线"/>
         <a:ea typeface=""/>
         <a:cs typeface=""/>
         <a:font script="Jpan" typeface="游ゴシック"/>
@@ -20460,23 +22521,6 @@
         <a:font script="Viet" typeface="Arial"/>
         <a:font script="Uigh" typeface="Microsoft Uighur"/>
         <a:font script="Geor" typeface="Sylfaen"/>
-        <a:font script="Armn" typeface="Arial"/>
-        <a:font script="Bugi" typeface="Leelawadee UI"/>
-        <a:font script="Bopo" typeface="Microsoft JhengHei"/>
-        <a:font script="Java" typeface="Javanese Text"/>
-        <a:font script="Lisu" typeface="Segoe UI"/>
-        <a:font script="Mymr" typeface="Myanmar Text"/>
-        <a:font script="Nkoo" typeface="Ebrima"/>
-        <a:font script="Olck" typeface="Nirmala UI"/>
-        <a:font script="Osma" typeface="Ebrima"/>
-        <a:font script="Phag" typeface="Phagspa"/>
-        <a:font script="Syrn" typeface="Estrangelo Edessa"/>
-        <a:font script="Syrj" typeface="Estrangelo Edessa"/>
-        <a:font script="Syre" typeface="Estrangelo Edessa"/>
-        <a:font script="Sora" typeface="Nirmala UI"/>
-        <a:font script="Tale" typeface="Microsoft Tai Le"/>
-        <a:font script="Talu" typeface="Microsoft New Tai Lue"/>
-        <a:font script="Tfng" typeface="Ebrima"/>
       </a:minorFont>
     </a:fontScheme>
     <a:fmtScheme name="Office">
@@ -20484,7 +22528,7 @@
         <a:solidFill>
           <a:schemeClr val="phClr"/>
         </a:solidFill>
-        <a:gradFill rotWithShape="true">
+        <a:gradFill rotWithShape="1">
           <a:gsLst>
             <a:gs pos="0">
               <a:schemeClr val="phClr">
@@ -20508,9 +22552,9 @@
               </a:schemeClr>
             </a:gs>
           </a:gsLst>
-          <a:lin ang="5400000" scaled="false"/>
+          <a:lin ang="5400000" scaled="0"/>
         </a:gradFill>
-        <a:gradFill rotWithShape="true">
+        <a:gradFill rotWithShape="1">
           <a:gsLst>
             <a:gs pos="0">
               <a:schemeClr val="phClr">
@@ -20534,7 +22578,7 @@
               </a:schemeClr>
             </a:gs>
           </a:gsLst>
-          <a:lin ang="5400000" scaled="false"/>
+          <a:lin ang="5400000" scaled="0"/>
         </a:gradFill>
       </a:fillStyleLst>
       <a:lnStyleLst>
@@ -20569,7 +22613,7 @@
         </a:effectStyle>
         <a:effectStyle>
           <a:effectLst>
-            <a:outerShdw blurRad="57150" dist="19050" dir="5400000" algn="ctr" rotWithShape="false">
+            <a:outerShdw blurRad="57150" dist="19050" dir="5400000" algn="ctr" rotWithShape="0">
               <a:srgbClr val="000000">
                 <a:alpha val="63000"/>
               </a:srgbClr>
@@ -20587,7 +22631,7 @@
             <a:satMod val="170000"/>
           </a:schemeClr>
         </a:solidFill>
-        <a:gradFill rotWithShape="true">
+        <a:gradFill rotWithShape="1">
           <a:gsLst>
             <a:gs pos="0">
               <a:schemeClr val="phClr">
@@ -20612,10 +22656,15 @@
               </a:schemeClr>
             </a:gs>
           </a:gsLst>
-          <a:lin ang="5400000" scaled="false"/>
+          <a:lin ang="5400000" scaled="0"/>
         </a:gradFill>
       </a:bgFillStyleLst>
     </a:fmtScheme>
   </a:themeElements>
+  <a:extLst>
+    <a:ext uri="{05A4C25C-085E-4340-85A3-A5531E510DB2}">
+      <thm15:themeFamily xmlns:thm15="http://schemas.microsoft.com/office/thememl/2012/main" name="Office Theme" id="{62F939B6-93AF-4DB8-9C6B-D6C7DFDC589F}" vid="{4A3C46E8-61CC-4603-A589-7422A47A8E4A}"/>
+    </a:ext>
+  </a:extLst>
 </a:theme>
 </file>
--- a/examples/3guo.pptx
+++ b/examples/3guo.pptx
@@ -142,6 +142,35 @@
   </mc:AlternateContent>
   <c:chart>
     <c:title>
+      <c:tx>
+        <c:rich>
+          <a:bodyPr rot="0" spcFirstLastPara="0" vertOverflow="ellipsis" vert="horz" wrap="square" anchor="ctr" anchorCtr="1"/>
+          <a:lstStyle/>
+          <a:p>
+            <a:pPr defTabSz="914400">
+              <a:defRPr lang="zh-CN" sz="1400" b="1" i="0" u="none" strike="noStrike" kern="1200" baseline="0">
+                <a:solidFill>
+                  <a:schemeClr val="dk1">
+                    <a:lumMod val="75000"/>
+                    <a:lumOff val="25000"/>
+                  </a:schemeClr>
+                </a:solidFill>
+                <a:latin typeface="+mn-lt"/>
+                <a:ea typeface="+mn-ea"/>
+                <a:cs typeface="+mn-cs"/>
+              </a:defRPr>
+            </a:pPr>
+            <a:r>
+              <a:t>图表标题</a:t>
+            </a:r>
+            <a:r>
+              <a:rPr lang="en-US" altLang="zh-CN"/>
+              <a:t>1</a:t>
+            </a:r>
+            <a:endParaRPr lang="en-US" altLang="zh-CN"/>
+          </a:p>
+        </c:rich>
+      </c:tx>
       <c:layout/>
       <c:overlay val="0"/>
       <c:spPr>
@@ -151,29 +180,20 @@
         </a:ln>
         <a:effectLst/>
       </c:spPr>
-      <c:txPr>
-        <a:bodyPr rot="0" spcFirstLastPara="0" vertOverflow="ellipsis" vert="horz" wrap="square" anchor="ctr" anchorCtr="1"/>
-        <a:lstStyle/>
-        <a:p>
-          <a:pPr>
-            <a:defRPr lang="zh-CN" sz="1400" b="1" i="0" u="none" strike="noStrike" kern="1200" baseline="0">
-              <a:solidFill>
-                <a:schemeClr val="dk1">
-                  <a:lumMod val="75000"/>
-                  <a:lumOff val="25000"/>
-                </a:schemeClr>
-              </a:solidFill>
-              <a:latin typeface="+mn-lt"/>
-              <a:ea typeface="+mn-ea"/>
-              <a:cs typeface="+mn-cs"/>
-            </a:defRPr>
-          </a:pPr>
-        </a:p>
-      </c:txPr>
     </c:title>
     <c:autoTitleDeleted val="0"/>
     <c:plotArea>
-      <c:layout/>
+      <c:layout>
+        <c:manualLayout>
+          <c:layoutTarget val="inner"/>
+          <c:xMode val="edge"/>
+          <c:yMode val="edge"/>
+          <c:x val="0.050865398369332"/>
+          <c:y val="0.184414327202323"/>
+          <c:w val="0.916235159490774"/>
+          <c:h val="0.589399806389158"/>
+        </c:manualLayout>
+      </c:layout>
       <c:barChart>
         <c:barDir val="col"/>
         <c:grouping val="clustered"/>
@@ -236,16 +256,16 @@
               <c:strCache>
                 <c:ptCount val="4"/>
                 <c:pt idx="0">
-                  <c:v>类别1</c:v>
+                  <c:v>类别 1</c:v>
                 </c:pt>
                 <c:pt idx="1">
-                  <c:v>类别2</c:v>
+                  <c:v>类别 2</c:v>
                 </c:pt>
                 <c:pt idx="2">
-                  <c:v>类别3</c:v>
+                  <c:v>类别 3</c:v>
                 </c:pt>
                 <c:pt idx="3">
-                  <c:v>类别4</c:v>
+                  <c:v>类别 4</c:v>
                 </c:pt>
               </c:strCache>
             </c:strRef>
@@ -330,16 +350,16 @@
               <c:strCache>
                 <c:ptCount val="4"/>
                 <c:pt idx="0">
-                  <c:v>类别1</c:v>
+                  <c:v>类别 1</c:v>
                 </c:pt>
                 <c:pt idx="1">
-                  <c:v>类别2</c:v>
+                  <c:v>类别 2</c:v>
                 </c:pt>
                 <c:pt idx="2">
-                  <c:v>类别3</c:v>
+                  <c:v>类别 3</c:v>
                 </c:pt>
                 <c:pt idx="3">
-                  <c:v>类别4</c:v>
+                  <c:v>类别 4</c:v>
                 </c:pt>
               </c:strCache>
             </c:strRef>
@@ -424,16 +444,16 @@
               <c:strCache>
                 <c:ptCount val="4"/>
                 <c:pt idx="0">
-                  <c:v>类别1</c:v>
+                  <c:v>类别 1</c:v>
                 </c:pt>
                 <c:pt idx="1">
-                  <c:v>类别2</c:v>
+                  <c:v>类别 2</c:v>
                 </c:pt>
                 <c:pt idx="2">
-                  <c:v>类别3</c:v>
+                  <c:v>类别 3</c:v>
                 </c:pt>
                 <c:pt idx="3">
-                  <c:v>类别4</c:v>
+                  <c:v>类别 4</c:v>
                 </c:pt>
               </c:strCache>
             </c:strRef>

--- a/examples/3guo.pptx
+++ b/examples/3guo.pptx
@@ -150,7 +150,7 @@
             <a:pPr defTabSz="914400">
               <a:defRPr lang="zh-CN" sz="1400" b="1" i="0" u="none" strike="noStrike" kern="1200" baseline="0">
                 <a:solidFill>
-                  <a:schemeClr val="dk1">
+                  <a:schemeClr val="tx1">
                     <a:lumMod val="75000"/>
                     <a:lumOff val="25000"/>
                   </a:schemeClr>
@@ -161,13 +161,8 @@
               </a:defRPr>
             </a:pPr>
             <a:r>
-              <a:t>图表标题</a:t>
+              <a:t>图表标题1</a:t>
             </a:r>
-            <a:r>
-              <a:rPr lang="en-US" altLang="zh-CN"/>
-              <a:t>1</a:t>
-            </a:r>
-            <a:endParaRPr lang="en-US" altLang="zh-CN"/>
           </a:p>
         </c:rich>
       </c:tx>
@@ -213,42 +208,70 @@
             </c:strRef>
           </c:tx>
           <c:spPr>
-            <a:gradFill>
-              <a:gsLst>
-                <a:gs pos="100000">
-                  <a:schemeClr val="accent1"/>
-                </a:gs>
-                <a:gs pos="0">
-                  <a:schemeClr val="accent1">
-                    <a:hueOff val="-1670000"/>
-                  </a:schemeClr>
-                </a:gs>
-              </a:gsLst>
-              <a:lin ang="5400000" scaled="0"/>
-            </a:gradFill>
+            <a:solidFill>
+              <a:schemeClr val="accent1"/>
+            </a:solidFill>
             <a:ln>
-              <a:gradFill>
-                <a:gsLst>
-                  <a:gs pos="100000">
-                    <a:schemeClr val="accent1">
-                      <a:lumMod val="75000"/>
-                    </a:schemeClr>
-                  </a:gs>
-                  <a:gs pos="0">
-                    <a:schemeClr val="accent1">
-                      <a:lumMod val="75000"/>
-                      <a:hueOff val="-1670000"/>
-                    </a:schemeClr>
-                  </a:gs>
-                </a:gsLst>
-                <a:lin ang="4620000" scaled="0"/>
-              </a:gradFill>
+              <a:noFill/>
             </a:ln>
             <a:effectLst/>
           </c:spPr>
           <c:invertIfNegative val="0"/>
           <c:dLbls>
-            <c:delete val="1"/>
+            <c:spPr>
+              <a:noFill/>
+              <a:ln>
+                <a:noFill/>
+              </a:ln>
+              <a:effectLst/>
+            </c:spPr>
+            <c:txPr>
+              <a:bodyPr rot="0" spcFirstLastPara="0" vertOverflow="ellipsis" vert="horz" wrap="square" lIns="38100" tIns="19050" rIns="38100" bIns="19050" anchor="ctr" anchorCtr="1"/>
+              <a:lstStyle/>
+              <a:p>
+                <a:pPr>
+                  <a:defRPr lang="zh-CN" sz="1000" b="0" i="0" u="none" strike="noStrike" kern="1200" baseline="0">
+                    <a:solidFill>
+                      <a:schemeClr val="tx1">
+                        <a:lumMod val="75000"/>
+                        <a:lumOff val="25000"/>
+                      </a:schemeClr>
+                    </a:solidFill>
+                    <a:latin typeface="+mn-lt"/>
+                    <a:ea typeface="+mn-ea"/>
+                    <a:cs typeface="+mn-cs"/>
+                  </a:defRPr>
+                </a:pPr>
+              </a:p>
+            </c:txPr>
+            <c:dLblPos val="outEnd"/>
+            <c:showLegendKey val="0"/>
+            <c:showVal val="1"/>
+            <c:showCatName val="0"/>
+            <c:showSerName val="0"/>
+            <c:showPercent val="0"/>
+            <c:showBubbleSize val="0"/>
+            <c:showLeaderLines val="0"/>
+            <c:extLst>
+              <c:ext xmlns:c15="http://schemas.microsoft.com/office/drawing/2012/chart" uri="{CE6537A1-D6FC-4f65-9D91-7224C49458BB}">
+                <c15:layout/>
+                <c15:showLeaderLines val="0"/>
+                <c15:leaderLines>
+                  <c:spPr>
+                    <a:ln w="9525" cap="flat" cmpd="sng" algn="ctr">
+                      <a:solidFill>
+                        <a:schemeClr val="tx1">
+                          <a:lumMod val="35000"/>
+                          <a:lumOff val="65000"/>
+                        </a:schemeClr>
+                      </a:solidFill>
+                      <a:round/>
+                    </a:ln>
+                    <a:effectLst/>
+                  </c:spPr>
+                </c15:leaderLines>
+              </c:ext>
+            </c:extLst>
           </c:dLbls>
           <c:cat>
             <c:strRef>
@@ -307,42 +330,70 @@
             </c:strRef>
           </c:tx>
           <c:spPr>
-            <a:gradFill>
-              <a:gsLst>
-                <a:gs pos="100000">
-                  <a:schemeClr val="accent2"/>
-                </a:gs>
-                <a:gs pos="0">
-                  <a:schemeClr val="accent2">
-                    <a:hueOff val="-1670000"/>
-                  </a:schemeClr>
-                </a:gs>
-              </a:gsLst>
-              <a:lin ang="5400000" scaled="0"/>
-            </a:gradFill>
+            <a:solidFill>
+              <a:schemeClr val="accent2"/>
+            </a:solidFill>
             <a:ln>
-              <a:gradFill>
-                <a:gsLst>
-                  <a:gs pos="100000">
-                    <a:schemeClr val="accent2">
-                      <a:lumMod val="75000"/>
-                    </a:schemeClr>
-                  </a:gs>
-                  <a:gs pos="0">
-                    <a:schemeClr val="accent2">
-                      <a:lumMod val="75000"/>
-                      <a:hueOff val="-1670000"/>
-                    </a:schemeClr>
-                  </a:gs>
-                </a:gsLst>
-                <a:lin ang="4620000" scaled="0"/>
-              </a:gradFill>
+              <a:noFill/>
             </a:ln>
             <a:effectLst/>
           </c:spPr>
           <c:invertIfNegative val="0"/>
           <c:dLbls>
-            <c:delete val="1"/>
+            <c:spPr>
+              <a:noFill/>
+              <a:ln>
+                <a:noFill/>
+              </a:ln>
+              <a:effectLst/>
+            </c:spPr>
+            <c:txPr>
+              <a:bodyPr rot="0" spcFirstLastPara="0" vertOverflow="ellipsis" vert="horz" wrap="square" lIns="38100" tIns="19050" rIns="38100" bIns="19050" anchor="ctr" anchorCtr="1"/>
+              <a:lstStyle/>
+              <a:p>
+                <a:pPr>
+                  <a:defRPr lang="zh-CN" sz="1000" b="0" i="0" u="none" strike="noStrike" kern="1200" baseline="0">
+                    <a:solidFill>
+                      <a:schemeClr val="tx1">
+                        <a:lumMod val="75000"/>
+                        <a:lumOff val="25000"/>
+                      </a:schemeClr>
+                    </a:solidFill>
+                    <a:latin typeface="+mn-lt"/>
+                    <a:ea typeface="+mn-ea"/>
+                    <a:cs typeface="+mn-cs"/>
+                  </a:defRPr>
+                </a:pPr>
+              </a:p>
+            </c:txPr>
+            <c:dLblPos val="outEnd"/>
+            <c:showLegendKey val="0"/>
+            <c:showVal val="1"/>
+            <c:showCatName val="0"/>
+            <c:showSerName val="0"/>
+            <c:showPercent val="0"/>
+            <c:showBubbleSize val="0"/>
+            <c:showLeaderLines val="0"/>
+            <c:extLst>
+              <c:ext xmlns:c15="http://schemas.microsoft.com/office/drawing/2012/chart" uri="{CE6537A1-D6FC-4f65-9D91-7224C49458BB}">
+                <c15:layout/>
+                <c15:showLeaderLines val="0"/>
+                <c15:leaderLines>
+                  <c:spPr>
+                    <a:ln w="9525" cap="flat" cmpd="sng" algn="ctr">
+                      <a:solidFill>
+                        <a:schemeClr val="tx1">
+                          <a:lumMod val="35000"/>
+                          <a:lumOff val="65000"/>
+                        </a:schemeClr>
+                      </a:solidFill>
+                      <a:round/>
+                    </a:ln>
+                    <a:effectLst/>
+                  </c:spPr>
+                </c15:leaderLines>
+              </c:ext>
+            </c:extLst>
           </c:dLbls>
           <c:cat>
             <c:strRef>
@@ -401,42 +452,70 @@
             </c:strRef>
           </c:tx>
           <c:spPr>
-            <a:gradFill>
-              <a:gsLst>
-                <a:gs pos="100000">
-                  <a:schemeClr val="accent3"/>
-                </a:gs>
-                <a:gs pos="0">
-                  <a:schemeClr val="accent3">
-                    <a:hueOff val="-1670000"/>
-                  </a:schemeClr>
-                </a:gs>
-              </a:gsLst>
-              <a:lin ang="5400000" scaled="0"/>
-            </a:gradFill>
+            <a:solidFill>
+              <a:schemeClr val="accent3"/>
+            </a:solidFill>
             <a:ln>
-              <a:gradFill>
-                <a:gsLst>
-                  <a:gs pos="100000">
-                    <a:schemeClr val="accent3">
-                      <a:lumMod val="75000"/>
-                    </a:schemeClr>
-                  </a:gs>
-                  <a:gs pos="0">
-                    <a:schemeClr val="accent3">
-                      <a:lumMod val="75000"/>
-                      <a:hueOff val="-1670000"/>
-                    </a:schemeClr>
-                  </a:gs>
-                </a:gsLst>
-                <a:lin ang="4620000" scaled="0"/>
-              </a:gradFill>
+              <a:noFill/>
             </a:ln>
             <a:effectLst/>
           </c:spPr>
           <c:invertIfNegative val="0"/>
           <c:dLbls>
-            <c:delete val="1"/>
+            <c:spPr>
+              <a:noFill/>
+              <a:ln>
+                <a:noFill/>
+              </a:ln>
+              <a:effectLst/>
+            </c:spPr>
+            <c:txPr>
+              <a:bodyPr rot="0" spcFirstLastPara="0" vertOverflow="ellipsis" vert="horz" wrap="square" lIns="38100" tIns="19050" rIns="38100" bIns="19050" anchor="ctr" anchorCtr="1"/>
+              <a:lstStyle/>
+              <a:p>
+                <a:pPr>
+                  <a:defRPr lang="zh-CN" sz="1000" b="0" i="0" u="none" strike="noStrike" kern="1200" baseline="0">
+                    <a:solidFill>
+                      <a:schemeClr val="tx1">
+                        <a:lumMod val="75000"/>
+                        <a:lumOff val="25000"/>
+                      </a:schemeClr>
+                    </a:solidFill>
+                    <a:latin typeface="+mn-lt"/>
+                    <a:ea typeface="+mn-ea"/>
+                    <a:cs typeface="+mn-cs"/>
+                  </a:defRPr>
+                </a:pPr>
+              </a:p>
+            </c:txPr>
+            <c:dLblPos val="outEnd"/>
+            <c:showLegendKey val="0"/>
+            <c:showVal val="1"/>
+            <c:showCatName val="0"/>
+            <c:showSerName val="0"/>
+            <c:showPercent val="0"/>
+            <c:showBubbleSize val="0"/>
+            <c:showLeaderLines val="0"/>
+            <c:extLst>
+              <c:ext xmlns:c15="http://schemas.microsoft.com/office/drawing/2012/chart" uri="{CE6537A1-D6FC-4f65-9D91-7224C49458BB}">
+                <c15:layout/>
+                <c15:showLeaderLines val="0"/>
+                <c15:leaderLines>
+                  <c:spPr>
+                    <a:ln w="9525" cap="flat" cmpd="sng" algn="ctr">
+                      <a:solidFill>
+                        <a:schemeClr val="tx1">
+                          <a:lumMod val="35000"/>
+                          <a:lumOff val="65000"/>
+                        </a:schemeClr>
+                      </a:solidFill>
+                      <a:round/>
+                    </a:ln>
+                    <a:effectLst/>
+                  </c:spPr>
+                </c15:leaderLines>
+              </c:ext>
+            </c:extLst>
           </c:dLbls>
           <c:cat>
             <c:strRef>
@@ -482,14 +561,14 @@
         </c:ser>
         <c:dLbls>
           <c:showLegendKey val="0"/>
-          <c:showVal val="0"/>
+          <c:showVal val="1"/>
           <c:showCatName val="0"/>
           <c:showSerName val="0"/>
           <c:showPercent val="0"/>
           <c:showBubbleSize val="0"/>
         </c:dLbls>
-        <c:gapWidth val="500"/>
-        <c:overlap val="-50"/>
+        <c:gapWidth val="216"/>
+        <c:overlap val="-32"/>
         <c:axId val="503521951"/>
         <c:axId val="680268459"/>
       </c:barChart>
@@ -507,7 +586,7 @@
           <a:noFill/>
           <a:ln w="9525" cap="flat" cmpd="sng" algn="ctr">
             <a:solidFill>
-              <a:schemeClr val="dk1">
+              <a:schemeClr val="tx1">
                 <a:lumMod val="15000"/>
                 <a:lumOff val="85000"/>
               </a:schemeClr>
@@ -523,7 +602,7 @@
             <a:pPr>
               <a:defRPr lang="zh-CN" sz="900" b="0" i="0" u="none" strike="noStrike" kern="1200" baseline="0">
                 <a:solidFill>
-                  <a:schemeClr val="dk1">
+                  <a:schemeClr val="tx1">
                     <a:lumMod val="65000"/>
                     <a:lumOff val="35000"/>
                   </a:schemeClr>
@@ -562,6 +641,53 @@
             <a:effectLst/>
           </c:spPr>
         </c:majorGridlines>
+        <c:title>
+          <c:tx>
+            <c:rich>
+              <a:bodyPr rot="-5400000" spcFirstLastPara="0" vertOverflow="ellipsis" vert="horz" wrap="square" anchor="ctr" anchorCtr="1"/>
+              <a:lstStyle/>
+              <a:p>
+                <a:pPr defTabSz="914400">
+                  <a:defRPr lang="zh-CN" sz="1000" b="0" i="0" u="none" strike="noStrike" kern="1200" baseline="0">
+                    <a:solidFill>
+                      <a:schemeClr val="tx1">
+                        <a:lumMod val="65000"/>
+                        <a:lumOff val="35000"/>
+                      </a:schemeClr>
+                    </a:solidFill>
+                    <a:latin typeface="+mn-lt"/>
+                    <a:ea typeface="+mn-ea"/>
+                    <a:cs typeface="+mn-cs"/>
+                  </a:defRPr>
+                </a:pPr>
+                <a:r>
+                  <a:t>坐标轴标题</a:t>
+                </a:r>
+                <a:r>
+                  <a:rPr lang="en-US" altLang="zh-CN"/>
+                  <a:t>123</a:t>
+                </a:r>
+                <a:endParaRPr lang="en-US" altLang="zh-CN"/>
+              </a:p>
+            </c:rich>
+          </c:tx>
+          <c:layout>
+            <c:manualLayout>
+              <c:xMode val="edge"/>
+              <c:yMode val="edge"/>
+              <c:x val="0.00429123158346445"/>
+              <c:y val="0.295038722168441"/>
+            </c:manualLayout>
+          </c:layout>
+          <c:overlay val="0"/>
+          <c:spPr>
+            <a:noFill/>
+            <a:ln>
+              <a:noFill/>
+            </a:ln>
+            <a:effectLst/>
+          </c:spPr>
+        </c:title>
         <c:numFmt formatCode="General" sourceLinked="1"/>
         <c:majorTickMark val="none"/>
         <c:minorTickMark val="none"/>
@@ -580,7 +706,7 @@
             <a:pPr>
               <a:defRPr lang="zh-CN" sz="900" b="0" i="0" u="none" strike="noStrike" kern="1200" baseline="0">
                 <a:solidFill>
-                  <a:schemeClr val="dk1">
+                  <a:schemeClr val="tx1">
                     <a:lumMod val="65000"/>
                     <a:lumOff val="35000"/>
                   </a:schemeClr>
@@ -596,6 +722,44 @@
         <c:crosses val="autoZero"/>
         <c:crossBetween val="between"/>
       </c:valAx>
+      <c:dTable>
+        <c:showHorzBorder val="1"/>
+        <c:showVertBorder val="1"/>
+        <c:showOutline val="1"/>
+        <c:showKeys val="1"/>
+        <c:spPr>
+          <a:noFill/>
+          <a:ln w="9525" cap="flat" cmpd="sng" algn="ctr">
+            <a:solidFill>
+              <a:schemeClr val="tx1">
+                <a:lumMod val="15000"/>
+                <a:lumOff val="85000"/>
+              </a:schemeClr>
+            </a:solidFill>
+            <a:round/>
+          </a:ln>
+          <a:effectLst/>
+        </c:spPr>
+        <c:txPr>
+          <a:bodyPr rot="0" spcFirstLastPara="0" vertOverflow="ellipsis" vert="horz" wrap="square" anchor="ctr" anchorCtr="1"/>
+          <a:lstStyle/>
+          <a:p>
+            <a:pPr>
+              <a:defRPr lang="zh-CN" sz="900" b="0" i="0" u="none" strike="noStrike" kern="1200" baseline="0">
+                <a:solidFill>
+                  <a:schemeClr val="tx1">
+                    <a:lumMod val="65000"/>
+                    <a:lumOff val="35000"/>
+                  </a:schemeClr>
+                </a:solidFill>
+                <a:latin typeface="+mn-lt"/>
+                <a:ea typeface="+mn-ea"/>
+                <a:cs typeface="+mn-cs"/>
+              </a:defRPr>
+            </a:pPr>
+          </a:p>
+        </c:txPr>
+      </c:dTable>
       <c:spPr>
         <a:noFill/>
         <a:ln>
@@ -604,37 +768,6 @@
         <a:effectLst/>
       </c:spPr>
     </c:plotArea>
-    <c:legend>
-      <c:legendPos val="b"/>
-      <c:layout/>
-      <c:overlay val="0"/>
-      <c:spPr>
-        <a:noFill/>
-        <a:ln>
-          <a:noFill/>
-        </a:ln>
-        <a:effectLst/>
-      </c:spPr>
-      <c:txPr>
-        <a:bodyPr rot="0" spcFirstLastPara="0" vertOverflow="ellipsis" vert="horz" wrap="square" anchor="ctr" anchorCtr="1"/>
-        <a:lstStyle/>
-        <a:p>
-          <a:pPr>
-            <a:defRPr lang="zh-CN" sz="900" b="0" i="0" u="none" strike="noStrike" kern="1200" baseline="0">
-              <a:solidFill>
-                <a:schemeClr val="dk1">
-                  <a:lumMod val="65000"/>
-                  <a:lumOff val="35000"/>
-                </a:schemeClr>
-              </a:solidFill>
-              <a:latin typeface="+mn-lt"/>
-              <a:ea typeface="+mn-ea"/>
-              <a:cs typeface="+mn-cs"/>
-            </a:defRPr>
-          </a:pPr>
-        </a:p>
-      </c:txPr>
-    </c:legend>
     <c:plotVisOnly val="1"/>
     <c:dispBlanksAs val="gap"/>
     <c:showDLblsOverMax val="0"/>
@@ -645,19 +778,37 @@
     </c:extLst>
   </c:chart>
   <c:spPr>
-    <a:solidFill>
-      <a:schemeClr val="lt1">
-        <a:lumMod val="96000"/>
-      </a:schemeClr>
-    </a:solidFill>
-    <a:ln w="9525" cap="flat" cmpd="sng" algn="ctr">
-      <a:solidFill>
-        <a:schemeClr val="tx1">
-          <a:lumMod val="15000"/>
-          <a:lumOff val="85000"/>
-        </a:schemeClr>
-      </a:solidFill>
-      <a:round/>
+    <a:gradFill>
+      <a:gsLst>
+        <a:gs pos="0">
+          <a:schemeClr val="accent1">
+            <a:lumMod val="5000"/>
+            <a:lumOff val="95000"/>
+          </a:schemeClr>
+        </a:gs>
+        <a:gs pos="74000">
+          <a:schemeClr val="accent1">
+            <a:lumMod val="45000"/>
+            <a:lumOff val="55000"/>
+          </a:schemeClr>
+        </a:gs>
+        <a:gs pos="83000">
+          <a:schemeClr val="accent1">
+            <a:lumMod val="45000"/>
+            <a:lumOff val="55000"/>
+          </a:schemeClr>
+        </a:gs>
+        <a:gs pos="100000">
+          <a:schemeClr val="accent1">
+            <a:lumMod val="30000"/>
+            <a:lumOff val="70000"/>
+          </a:schemeClr>
+        </a:gs>
+      </a:gsLst>
+      <a:lin ang="5400000" scaled="0"/>
+    </a:gradFill>
+    <a:ln>
+      <a:noFill/>
     </a:ln>
     <a:effectLst/>
   </c:spPr>
@@ -717,13 +868,13 @@
 </file>
 
 <file path=ppt/charts/style1.xml><?xml version="1.0" encoding="utf-8"?>
-<cs:chartStyle xmlns:cs="http://schemas.microsoft.com/office/drawing/2012/chartStyle" xmlns:a="http://schemas.openxmlformats.org/drawingml/2006/main" id="10007">
+<cs:chartStyle xmlns:cs="http://schemas.microsoft.com/office/drawing/2012/chartStyle" xmlns:a="http://schemas.openxmlformats.org/drawingml/2006/main" id="10003">
   <cs:axisTitle>
     <cs:lnRef idx="0"/>
     <cs:fillRef idx="0"/>
     <cs:effectRef idx="0"/>
     <cs:fontRef idx="minor">
-      <a:schemeClr val="dk1">
+      <a:schemeClr val="tx1">
         <a:lumMod val="65000"/>
         <a:lumOff val="35000"/>
       </a:schemeClr>
@@ -735,7 +886,7 @@
     <cs:fillRef idx="0"/>
     <cs:effectRef idx="0"/>
     <cs:fontRef idx="minor">
-      <a:schemeClr val="dk1">
+      <a:schemeClr val="tx1">
         <a:lumMod val="65000"/>
         <a:lumOff val="35000"/>
       </a:schemeClr>
@@ -743,7 +894,7 @@
     <cs:spPr>
       <a:ln w="9525" cap="flat" cmpd="sng" algn="ctr">
         <a:solidFill>
-          <a:schemeClr val="dk1">
+          <a:schemeClr val="tx1">
             <a:lumMod val="15000"/>
             <a:lumOff val="85000"/>
           </a:schemeClr>
@@ -762,9 +913,7 @@
     </cs:fontRef>
     <cs:spPr>
       <a:solidFill>
-        <a:schemeClr val="lt1">
-          <a:lumMod val="96000"/>
-        </a:schemeClr>
+        <a:schemeClr val="bg1"/>
       </a:solidFill>
       <a:ln w="9525" cap="flat" cmpd="sng" algn="ctr">
         <a:solidFill>
@@ -783,7 +932,7 @@
     <cs:fillRef idx="0"/>
     <cs:effectRef idx="0"/>
     <cs:fontRef idx="minor">
-      <a:schemeClr val="dk1">
+      <a:schemeClr val="tx1">
         <a:lumMod val="75000"/>
         <a:lumOff val="25000"/>
       </a:schemeClr>
@@ -822,7 +971,7 @@
     <cs:lnRef idx="0">
       <cs:styleClr val="auto"/>
     </cs:lnRef>
-    <cs:fillRef idx="0">
+    <cs:fillRef idx="1">
       <cs:styleClr val="auto"/>
     </cs:fillRef>
     <cs:effectRef idx="0"/>
@@ -830,36 +979,8 @@
       <a:schemeClr val="dk1"/>
     </cs:fontRef>
     <cs:spPr>
-      <a:gradFill>
-        <a:gsLst>
-          <a:gs pos="100000">
-            <a:schemeClr val="phClr"/>
-          </a:gs>
-          <a:gs pos="0">
-            <a:schemeClr val="phClr">
-              <a:hueOff val="-1670000"/>
-            </a:schemeClr>
-          </a:gs>
-        </a:gsLst>
-        <a:lin ang="5400000" scaled="0"/>
-      </a:gradFill>
       <a:ln>
-        <a:gradFill>
-          <a:gsLst>
-            <a:gs pos="100000">
-              <a:schemeClr val="phClr">
-                <a:lumMod val="75000"/>
-              </a:schemeClr>
-            </a:gs>
-            <a:gs pos="0">
-              <a:schemeClr val="phClr">
-                <a:lumMod val="75000"/>
-                <a:hueOff val="-1670000"/>
-              </a:schemeClr>
-            </a:gs>
-          </a:gsLst>
-          <a:lin ang="4620000" scaled="0"/>
-        </a:gradFill>
+        <a:noFill/>
       </a:ln>
       <a:effectLst/>
     </cs:spPr>
@@ -935,7 +1056,7 @@
     <cs:fillRef idx="0"/>
     <cs:effectRef idx="0"/>
     <cs:fontRef idx="minor">
-      <a:schemeClr val="dk1">
+      <a:schemeClr val="tx1">
         <a:lumMod val="65000"/>
         <a:lumOff val="35000"/>
       </a:schemeClr>
@@ -944,7 +1065,7 @@
       <a:noFill/>
       <a:ln w="9525" cap="flat" cmpd="sng" algn="ctr">
         <a:solidFill>
-          <a:schemeClr val="dk1">
+          <a:schemeClr val="tx1">
             <a:lumMod val="15000"/>
             <a:lumOff val="85000"/>
           </a:schemeClr>
@@ -986,13 +1107,14 @@
       <a:schemeClr val="tx1"/>
     </cs:fontRef>
     <cs:spPr>
-      <a:ln w="9525">
+      <a:ln w="9525" cap="flat" cmpd="sng" algn="ctr">
         <a:solidFill>
-          <a:schemeClr val="dk1">
+          <a:schemeClr val="tx1">
             <a:lumMod val="35000"/>
             <a:lumOff val="65000"/>
           </a:schemeClr>
         </a:solidFill>
+        <a:round/>
       </a:ln>
     </cs:spPr>
   </cs:dropLine>
@@ -1006,7 +1128,7 @@
     <cs:spPr>
       <a:ln w="9525" cap="flat" cmpd="sng" algn="ctr">
         <a:solidFill>
-          <a:schemeClr val="dk1">
+          <a:schemeClr val="tx1">
             <a:lumMod val="65000"/>
             <a:lumOff val="35000"/>
           </a:schemeClr>
@@ -1074,13 +1196,14 @@
       <a:schemeClr val="tx1"/>
     </cs:fontRef>
     <cs:spPr>
-      <a:ln w="9525">
+      <a:ln w="9525" cap="flat" cmpd="sng" algn="ctr">
         <a:solidFill>
-          <a:schemeClr val="dk1">
+          <a:schemeClr val="tx1">
             <a:lumMod val="75000"/>
             <a:lumOff val="25000"/>
           </a:schemeClr>
         </a:solidFill>
+        <a:round/>
       </a:ln>
     </cs:spPr>
   </cs:hiLoLine>
@@ -1092,13 +1215,14 @@
       <a:schemeClr val="tx1"/>
     </cs:fontRef>
     <cs:spPr>
-      <a:ln w="9525">
+      <a:ln w="9525" cap="flat" cmpd="sng" algn="ctr">
         <a:solidFill>
-          <a:schemeClr val="dk1">
+          <a:schemeClr val="tx1">
             <a:lumMod val="35000"/>
             <a:lumOff val="65000"/>
           </a:schemeClr>
         </a:solidFill>
+        <a:round/>
       </a:ln>
     </cs:spPr>
   </cs:leaderLine>
@@ -1107,7 +1231,7 @@
     <cs:fillRef idx="0"/>
     <cs:effectRef idx="0"/>
     <cs:fontRef idx="minor">
-      <a:schemeClr val="dk1">
+      <a:schemeClr val="tx1">
         <a:lumMod val="65000"/>
         <a:lumOff val="35000"/>
       </a:schemeClr>
@@ -1135,7 +1259,7 @@
     <cs:fillRef idx="0"/>
     <cs:effectRef idx="0"/>
     <cs:fontRef idx="minor">
-      <a:schemeClr val="dk1">
+      <a:schemeClr val="tx1">
         <a:lumMod val="65000"/>
         <a:lumOff val="35000"/>
       </a:schemeClr>
@@ -1150,13 +1274,14 @@
       <a:schemeClr val="tx1"/>
     </cs:fontRef>
     <cs:spPr>
-      <a:ln w="9525">
+      <a:ln w="9525" cap="flat" cmpd="sng" algn="ctr">
         <a:solidFill>
-          <a:schemeClr val="dk1">
+          <a:schemeClr val="tx1">
             <a:lumMod val="35000"/>
             <a:lumOff val="65000"/>
           </a:schemeClr>
         </a:solidFill>
+        <a:round/>
       </a:ln>
     </cs:spPr>
   </cs:seriesLine>
@@ -1165,7 +1290,7 @@
     <cs:fillRef idx="0"/>
     <cs:effectRef idx="0"/>
     <cs:fontRef idx="minor">
-      <a:schemeClr val="dk1">
+      <a:schemeClr val="tx1">
         <a:lumMod val="75000"/>
         <a:lumOff val="25000"/>
       </a:schemeClr>
@@ -1195,7 +1320,7 @@
     <cs:fillRef idx="0"/>
     <cs:effectRef idx="0"/>
     <cs:fontRef idx="minor">
-      <a:schemeClr val="dk1">
+      <a:schemeClr val="tx1">
         <a:lumMod val="65000"/>
         <a:lumOff val="35000"/>
       </a:schemeClr>
@@ -1228,7 +1353,7 @@
     <cs:fillRef idx="0"/>
     <cs:effectRef idx="0"/>
     <cs:fontRef idx="minor">
-      <a:schemeClr val="dk1">
+      <a:schemeClr val="tx1">
         <a:lumMod val="65000"/>
         <a:lumOff val="35000"/>
       </a:schemeClr>

--- a/examples/3guo.pptx
+++ b/examples/3guo.pptx
@@ -152,6 +152,37 @@
   </mc:AlternateContent>
   <c:chart>
     <c:title>
+      <c:tx>
+        <c:rich>
+          <a:bodyPr rot="0" spcFirstLastPara="0" vertOverflow="ellipsis" vert="horz" wrap="square" anchor="ctr" anchorCtr="1"/>
+          <a:lstStyle/>
+          <a:p>
+            <a:pPr defTabSz="914400">
+              <a:defRPr lang="zh-CN" sz="1400" b="1" i="0" u="none" strike="noStrike" kern="1200" baseline="0">
+                <a:solidFill>
+                  <a:schemeClr val="dk1">
+                    <a:lumMod val="75000"/>
+                    <a:lumOff val="25000"/>
+                  </a:schemeClr>
+                </a:solidFill>
+                <a:latin typeface="+mn-lt"/>
+                <a:ea typeface="+mn-ea"/>
+                <a:cs typeface="+mn-cs"/>
+              </a:defRPr>
+            </a:pPr>
+            <a:r>
+              <a:t>图表</a:t>
+            </a:r>
+            <a:r>
+              <a:rPr lang="en-US" altLang="zh-CN"/>
+              <a:t>123</a:t>
+            </a:r>
+            <a:r>
+              <a:t>标题</a:t>
+            </a:r>
+          </a:p>
+        </c:rich>
+      </c:tx>
       <c:layout/>
       <c:overlay val="0"/>
       <c:spPr>
@@ -161,25 +192,6 @@
         </a:ln>
         <a:effectLst/>
       </c:spPr>
-      <c:txPr>
-        <a:bodyPr rot="0" spcFirstLastPara="0" vertOverflow="ellipsis" vert="horz" wrap="square" anchor="ctr" anchorCtr="1"/>
-        <a:lstStyle/>
-        <a:p>
-          <a:pPr>
-            <a:defRPr lang="zh-CN" sz="1400" b="1" i="0" u="none" strike="noStrike" kern="1200" baseline="0">
-              <a:solidFill>
-                <a:schemeClr val="dk1">
-                  <a:lumMod val="75000"/>
-                  <a:lumOff val="25000"/>
-                </a:schemeClr>
-              </a:solidFill>
-              <a:latin typeface="+mn-lt"/>
-              <a:ea typeface="+mn-ea"/>
-              <a:cs typeface="+mn-cs"/>
-            </a:defRPr>
-          </a:pPr>
-        </a:p>
-      </c:txPr>
     </c:title>
     <c:autoTitleDeleted val="0"/>
     <c:plotArea>
@@ -628,6 +640,11 @@
     <c:plotVisOnly val="1"/>
     <c:dispBlanksAs val="gap"/>
     <c:showDLblsOverMax val="0"/>
+    <c:extLst>
+      <c:ext uri="{0b15fc19-7d7d-44ad-8c2d-2c3a37ce22c3}">
+        <chartProps xmlns="https://web.wps.cn/et/2018/main" chartId="{52e4281a-f6de-4e35-953f-82e8bae70bf9}"/>
+      </c:ext>
+    </c:extLst>
   </c:chart>
   <c:spPr>
     <a:solidFill>
@@ -1522,8 +1539,8 @@
                 <a:solidFill>
                   <a:schemeClr val="bg1"/>
                 </a:solidFill>
-                <a:latin typeface="Microsoft YaHei Light" panose="020B0503020204020204" pitchFamily="34" charset="-122"/>
-                <a:ea typeface="Microsoft YaHei Light" panose="020B0503020204020204" pitchFamily="34" charset="-122"/>
+                <a:latin typeface="微软雅黑 Light" panose="020B0502040204020203" pitchFamily="34" charset="-122"/>
+                <a:ea typeface="微软雅黑 Light" panose="020B0502040204020203" pitchFamily="34" charset="-122"/>
               </a:defRPr>
             </a:lvl1pPr>
           </a:lstStyle>
@@ -2331,7 +2348,7 @@
         <a:spcBef>
           <a:spcPts val="1000"/>
         </a:spcBef>
-        <a:buFont typeface="Arial" panose="020B0604020202090204" pitchFamily="34" charset="0"/>
+        <a:buFont typeface="Arial" panose="020B0604020202020204" pitchFamily="34" charset="0"/>
         <a:buChar char="•"/>
         <a:defRPr sz="2800" b="0" i="0" kern="1200">
           <a:solidFill>
@@ -2349,7 +2366,7 @@
         <a:spcBef>
           <a:spcPts val="500"/>
         </a:spcBef>
-        <a:buFont typeface="Arial" panose="020B0604020202090204" pitchFamily="34" charset="0"/>
+        <a:buFont typeface="Arial" panose="020B0604020202020204" pitchFamily="34" charset="0"/>
         <a:buChar char="•"/>
         <a:defRPr sz="2400" b="0" i="0" kern="1200">
           <a:solidFill>
@@ -2367,7 +2384,7 @@
         <a:spcBef>
           <a:spcPts val="500"/>
         </a:spcBef>
-        <a:buFont typeface="Arial" panose="020B0604020202090204" pitchFamily="34" charset="0"/>
+        <a:buFont typeface="Arial" panose="020B0604020202020204" pitchFamily="34" charset="0"/>
         <a:buChar char="•"/>
         <a:defRPr sz="2000" b="0" i="0" kern="1200">
           <a:solidFill>
@@ -2385,7 +2402,7 @@
         <a:spcBef>
           <a:spcPts val="500"/>
         </a:spcBef>
-        <a:buFont typeface="Arial" panose="020B0604020202090204" pitchFamily="34" charset="0"/>
+        <a:buFont typeface="Arial" panose="020B0604020202020204" pitchFamily="34" charset="0"/>
         <a:buChar char="•"/>
         <a:defRPr sz="1800" b="0" i="0" kern="1200">
           <a:solidFill>
@@ -2403,7 +2420,7 @@
         <a:spcBef>
           <a:spcPts val="500"/>
         </a:spcBef>
-        <a:buFont typeface="Arial" panose="020B0604020202090204" pitchFamily="34" charset="0"/>
+        <a:buFont typeface="Arial" panose="020B0604020202020204" pitchFamily="34" charset="0"/>
         <a:buChar char="•"/>
         <a:defRPr sz="1800" b="0" i="0" kern="1200">
           <a:solidFill>
@@ -2421,7 +2438,7 @@
         <a:spcBef>
           <a:spcPts val="500"/>
         </a:spcBef>
-        <a:buFont typeface="Arial" panose="020B0604020202090204" pitchFamily="34" charset="0"/>
+        <a:buFont typeface="Arial" panose="020B0604020202020204" pitchFamily="34" charset="0"/>
         <a:buChar char="•"/>
         <a:defRPr sz="1800" kern="1200">
           <a:solidFill>
@@ -2439,7 +2456,7 @@
         <a:spcBef>
           <a:spcPts val="500"/>
         </a:spcBef>
-        <a:buFont typeface="Arial" panose="020B0604020202090204" pitchFamily="34" charset="0"/>
+        <a:buFont typeface="Arial" panose="020B0604020202020204" pitchFamily="34" charset="0"/>
         <a:buChar char="•"/>
         <a:defRPr sz="1800" kern="1200">
           <a:solidFill>
@@ -2457,7 +2474,7 @@
         <a:spcBef>
           <a:spcPts val="500"/>
         </a:spcBef>
-        <a:buFont typeface="Arial" panose="020B0604020202090204" pitchFamily="34" charset="0"/>
+        <a:buFont typeface="Arial" panose="020B0604020202020204" pitchFamily="34" charset="0"/>
         <a:buChar char="•"/>
         <a:defRPr sz="1800" kern="1200">
           <a:solidFill>
@@ -2475,7 +2492,7 @@
         <a:spcBef>
           <a:spcPts val="500"/>
         </a:spcBef>
-        <a:buFont typeface="Arial" panose="020B0604020202090204" pitchFamily="34" charset="0"/>
+        <a:buFont typeface="Arial" panose="020B0604020202020204" pitchFamily="34" charset="0"/>
         <a:buChar char="•"/>
         <a:defRPr sz="1800" kern="1200">
           <a:solidFill>
@@ -2707,7 +2724,7 @@
           <a:bodyPr/>
           <a:p>
             <a:pPr>
-              <a:buFont typeface="Arial" panose="020B0604020202090204" pitchFamily="34" charset="0"/>
+              <a:buFont typeface="Arial" panose="020B0604020202020204" pitchFamily="34" charset="0"/>
               <a:buNone/>
             </a:pPr>
             <a:r>
@@ -3898,7 +3915,7 @@
                   </a:solidFill>
                   <a:latin typeface="默认字体"/>
                   <a:ea typeface="默认字体"/>
-                  <a:cs typeface="等线"/>
+                  <a:cs typeface="等线" panose="02010600030101010101" charset="-122"/>
                   <a:sym typeface="思源黑体 CN Normal"/>
                 </a:endParaRPr>
               </a:p>
@@ -4141,7 +4158,7 @@
                     <a:rPr lang="zh-CN" sz="1600">
                       <a:latin typeface="默认字体"/>
                       <a:ea typeface="默认字体"/>
-                      <a:cs typeface="等线"/>
+                      <a:cs typeface="等线" panose="02010600030101010101" charset="-122"/>
                       <a:sym typeface="思源黑体 CN Normal"/>
                     </a:rPr>
                     <a:t>忠诚品质的典范</a:t>
@@ -4457,7 +4474,7 @@
                   </a:solidFill>
                   <a:latin typeface="默认字体"/>
                   <a:ea typeface="默认字体"/>
-                  <a:cs typeface="等线"/>
+                  <a:cs typeface="等线" panose="02010600030101010101" charset="-122"/>
                   <a:sym typeface="思源黑体 CN Normal"/>
                 </a:endParaRPr>
               </a:p>
@@ -4700,7 +4717,7 @@
                     <a:rPr lang="zh-CN" sz="1600">
                       <a:latin typeface="默认字体"/>
                       <a:ea typeface="默认字体"/>
-                      <a:cs typeface="等线"/>
+                      <a:cs typeface="等线" panose="02010600030101010101" charset="-122"/>
                       <a:sym typeface="思源黑体 CN Normal"/>
                     </a:rPr>
                     <a:t>智慧谋略的展现</a:t>
@@ -5016,7 +5033,7 @@
                   </a:solidFill>
                   <a:latin typeface="默认字体"/>
                   <a:ea typeface="默认字体"/>
-                  <a:cs typeface="等线"/>
+                  <a:cs typeface="等线" panose="02010600030101010101" charset="-122"/>
                   <a:sym typeface="思源黑体 CN Normal"/>
                 </a:endParaRPr>
               </a:p>
@@ -5259,7 +5276,7 @@
                     <a:rPr lang="zh-CN" sz="1600">
                       <a:latin typeface="默认字体"/>
                       <a:ea typeface="默认字体"/>
-                      <a:cs typeface="等线"/>
+                      <a:cs typeface="等线" panose="02010600030101010101" charset="-122"/>
                       <a:sym typeface="思源黑体 CN Normal"/>
                     </a:rPr>
                     <a:t>现代应用的启示</a:t>
@@ -5659,7 +5676,7 @@
                   </a:solidFill>
                   <a:latin typeface="默认字体"/>
                   <a:ea typeface="默认字体"/>
-                  <a:cs typeface="等线"/>
+                  <a:cs typeface="等线" panose="02010600030101010101" charset="-122"/>
                   <a:sym typeface="思源黑体 CN Normal"/>
                 </a:endParaRPr>
               </a:p>
@@ -5902,7 +5919,7 @@
                     <a:rPr lang="zh-CN" sz="1600">
                       <a:latin typeface="默认字体"/>
                       <a:ea typeface="默认字体"/>
-                      <a:cs typeface="等线"/>
+                      <a:cs typeface="等线" panose="02010600030101010101" charset="-122"/>
                       <a:sym typeface="思源黑体 CN Normal"/>
                     </a:rPr>
                     <a:t>团结协作的力量</a:t>
@@ -6218,7 +6235,7 @@
                   </a:solidFill>
                   <a:latin typeface="默认字体"/>
                   <a:ea typeface="默认字体"/>
-                  <a:cs typeface="等线"/>
+                  <a:cs typeface="等线" panose="02010600030101010101" charset="-122"/>
                   <a:sym typeface="思源黑体 CN Normal"/>
                 </a:endParaRPr>
               </a:p>
@@ -6461,7 +6478,7 @@
                     <a:rPr lang="zh-CN" sz="1600">
                       <a:latin typeface="默认字体"/>
                       <a:ea typeface="默认字体"/>
-                      <a:cs typeface="等线"/>
+                      <a:cs typeface="等线" panose="02010600030101010101" charset="-122"/>
                       <a:sym typeface="思源黑体 CN Normal"/>
                     </a:rPr>
                     <a:t>勇于担当的责任感</a:t>
@@ -6777,7 +6794,7 @@
                   </a:solidFill>
                   <a:latin typeface="默认字体"/>
                   <a:ea typeface="默认字体"/>
-                  <a:cs typeface="等线"/>
+                  <a:cs typeface="等线" panose="02010600030101010101" charset="-122"/>
                   <a:sym typeface="思源黑体 CN Normal"/>
                 </a:endParaRPr>
               </a:p>
@@ -7020,7 +7037,7 @@
                     <a:rPr lang="zh-CN" sz="1600">
                       <a:latin typeface="默认字体"/>
                       <a:ea typeface="默认字体"/>
-                      <a:cs typeface="等线"/>
+                      <a:cs typeface="等线" panose="02010600030101010101" charset="-122"/>
                       <a:sym typeface="思源黑体 CN Normal"/>
                     </a:rPr>
                     <a:t>不断进取的精神</a:t>
@@ -7206,7 +7223,7 @@
               <a:spcBef>
                 <a:spcPts val="1000"/>
               </a:spcBef>
-              <a:buFont typeface="Arial" panose="020B0604020202090204" pitchFamily="34" charset="0"/>
+              <a:buFont typeface="Arial" panose="020B0604020202020204" pitchFamily="34" charset="0"/>
               <a:buNone/>
               <a:defRPr sz="1200" b="0" i="0" kern="1200" spc="300">
                 <a:solidFill>
@@ -7224,7 +7241,7 @@
               <a:spcBef>
                 <a:spcPts val="500"/>
               </a:spcBef>
-              <a:buFont typeface="Arial" panose="020B0604020202090204" pitchFamily="34" charset="0"/>
+              <a:buFont typeface="Arial" panose="020B0604020202020204" pitchFamily="34" charset="0"/>
               <a:buChar char="•"/>
               <a:defRPr sz="2400" b="0" i="0" kern="1200">
                 <a:solidFill>
@@ -7242,7 +7259,7 @@
               <a:spcBef>
                 <a:spcPts val="500"/>
               </a:spcBef>
-              <a:buFont typeface="Arial" panose="020B0604020202090204" pitchFamily="34" charset="0"/>
+              <a:buFont typeface="Arial" panose="020B0604020202020204" pitchFamily="34" charset="0"/>
               <a:buChar char="•"/>
               <a:defRPr sz="2000" b="0" i="0" kern="1200">
                 <a:solidFill>
@@ -7260,7 +7277,7 @@
               <a:spcBef>
                 <a:spcPts val="500"/>
               </a:spcBef>
-              <a:buFont typeface="Arial" panose="020B0604020202090204" pitchFamily="34" charset="0"/>
+              <a:buFont typeface="Arial" panose="020B0604020202020204" pitchFamily="34" charset="0"/>
               <a:buChar char="•"/>
               <a:defRPr sz="1800" b="0" i="0" kern="1200">
                 <a:solidFill>
@@ -7278,7 +7295,7 @@
               <a:spcBef>
                 <a:spcPts val="500"/>
               </a:spcBef>
-              <a:buFont typeface="Arial" panose="020B0604020202090204" pitchFamily="34" charset="0"/>
+              <a:buFont typeface="Arial" panose="020B0604020202020204" pitchFamily="34" charset="0"/>
               <a:buChar char="•"/>
               <a:defRPr sz="1800" b="0" i="0" kern="1200">
                 <a:solidFill>
@@ -7296,7 +7313,7 @@
               <a:spcBef>
                 <a:spcPts val="500"/>
               </a:spcBef>
-              <a:buFont typeface="Arial" panose="020B0604020202090204" pitchFamily="34" charset="0"/>
+              <a:buFont typeface="Arial" panose="020B0604020202020204" pitchFamily="34" charset="0"/>
               <a:buChar char="•"/>
               <a:defRPr sz="1800" kern="1200">
                 <a:solidFill>
@@ -7314,7 +7331,7 @@
               <a:spcBef>
                 <a:spcPts val="500"/>
               </a:spcBef>
-              <a:buFont typeface="Arial" panose="020B0604020202090204" pitchFamily="34" charset="0"/>
+              <a:buFont typeface="Arial" panose="020B0604020202020204" pitchFamily="34" charset="0"/>
               <a:buChar char="•"/>
               <a:defRPr sz="1800" kern="1200">
                 <a:solidFill>
@@ -7332,7 +7349,7 @@
               <a:spcBef>
                 <a:spcPts val="500"/>
               </a:spcBef>
-              <a:buFont typeface="Arial" panose="020B0604020202090204" pitchFamily="34" charset="0"/>
+              <a:buFont typeface="Arial" panose="020B0604020202020204" pitchFamily="34" charset="0"/>
               <a:buChar char="•"/>
               <a:defRPr sz="1800" kern="1200">
                 <a:solidFill>
@@ -7350,7 +7367,7 @@
               <a:spcBef>
                 <a:spcPts val="500"/>
               </a:spcBef>
-              <a:buFont typeface="Arial" panose="020B0604020202090204" pitchFamily="34" charset="0"/>
+              <a:buFont typeface="Arial" panose="020B0604020202020204" pitchFamily="34" charset="0"/>
               <a:buChar char="•"/>
               <a:defRPr sz="1800" kern="1200">
                 <a:solidFill>
@@ -7364,7 +7381,7 @@
           </a:lstStyle>
           <a:p>
             <a:pPr algn="r">
-              <a:buFont typeface="Arial" panose="020B0604020202090204" pitchFamily="34" charset="0"/>
+              <a:buFont typeface="Arial" panose="020B0604020202020204" pitchFamily="34" charset="0"/>
               <a:buNone/>
             </a:pPr>
             <a:r>
@@ -7520,14 +7537,14 @@
               <a:spcBef>
                 <a:spcPts val="1000"/>
               </a:spcBef>
-              <a:buFont typeface="Arial" panose="020B0604020202090204" pitchFamily="34" charset="0"/>
+              <a:buFont typeface="Arial" panose="020B0604020202020204" pitchFamily="34" charset="0"/>
               <a:buNone/>
               <a:defRPr sz="4000" b="0" i="0" kern="1200" spc="300">
                 <a:solidFill>
                   <a:schemeClr val="bg1"/>
                 </a:solidFill>
-                <a:latin typeface="Microsoft YaHei Light" panose="020B0503020204020204" pitchFamily="34" charset="-122"/>
-                <a:ea typeface="Microsoft YaHei Light" panose="020B0503020204020204" pitchFamily="34" charset="-122"/>
+                <a:latin typeface="微软雅黑 Light" panose="020B0502040204020203" pitchFamily="34" charset="-122"/>
+                <a:ea typeface="微软雅黑 Light" panose="020B0502040204020203" pitchFamily="34" charset="-122"/>
                 <a:cs typeface="+mn-cs"/>
               </a:defRPr>
             </a:lvl1pPr>
@@ -7538,7 +7555,7 @@
               <a:spcBef>
                 <a:spcPts val="500"/>
               </a:spcBef>
-              <a:buFont typeface="Arial" panose="020B0604020202090204" pitchFamily="34" charset="0"/>
+              <a:buFont typeface="Arial" panose="020B0604020202020204" pitchFamily="34" charset="0"/>
               <a:buChar char="•"/>
               <a:defRPr sz="2400" b="0" i="0" kern="1200">
                 <a:solidFill>
@@ -7556,7 +7573,7 @@
               <a:spcBef>
                 <a:spcPts val="500"/>
               </a:spcBef>
-              <a:buFont typeface="Arial" panose="020B0604020202090204" pitchFamily="34" charset="0"/>
+              <a:buFont typeface="Arial" panose="020B0604020202020204" pitchFamily="34" charset="0"/>
               <a:buChar char="•"/>
               <a:defRPr sz="2000" b="0" i="0" kern="1200">
                 <a:solidFill>
@@ -7574,7 +7591,7 @@
               <a:spcBef>
                 <a:spcPts val="500"/>
               </a:spcBef>
-              <a:buFont typeface="Arial" panose="020B0604020202090204" pitchFamily="34" charset="0"/>
+              <a:buFont typeface="Arial" panose="020B0604020202020204" pitchFamily="34" charset="0"/>
               <a:buChar char="•"/>
               <a:defRPr sz="1800" b="0" i="0" kern="1200">
                 <a:solidFill>
@@ -7592,7 +7609,7 @@
               <a:spcBef>
                 <a:spcPts val="500"/>
               </a:spcBef>
-              <a:buFont typeface="Arial" panose="020B0604020202090204" pitchFamily="34" charset="0"/>
+              <a:buFont typeface="Arial" panose="020B0604020202020204" pitchFamily="34" charset="0"/>
               <a:buChar char="•"/>
               <a:defRPr sz="1800" b="0" i="0" kern="1200">
                 <a:solidFill>
@@ -7610,7 +7627,7 @@
               <a:spcBef>
                 <a:spcPts val="500"/>
               </a:spcBef>
-              <a:buFont typeface="Arial" panose="020B0604020202090204" pitchFamily="34" charset="0"/>
+              <a:buFont typeface="Arial" panose="020B0604020202020204" pitchFamily="34" charset="0"/>
               <a:buChar char="•"/>
               <a:defRPr sz="1800" kern="1200">
                 <a:solidFill>
@@ -7628,7 +7645,7 @@
               <a:spcBef>
                 <a:spcPts val="500"/>
               </a:spcBef>
-              <a:buFont typeface="Arial" panose="020B0604020202090204" pitchFamily="34" charset="0"/>
+              <a:buFont typeface="Arial" panose="020B0604020202020204" pitchFamily="34" charset="0"/>
               <a:buChar char="•"/>
               <a:defRPr sz="1800" kern="1200">
                 <a:solidFill>
@@ -7646,7 +7663,7 @@
               <a:spcBef>
                 <a:spcPts val="500"/>
               </a:spcBef>
-              <a:buFont typeface="Arial" panose="020B0604020202090204" pitchFamily="34" charset="0"/>
+              <a:buFont typeface="Arial" panose="020B0604020202020204" pitchFamily="34" charset="0"/>
               <a:buChar char="•"/>
               <a:defRPr sz="1800" kern="1200">
                 <a:solidFill>
@@ -7664,7 +7681,7 @@
               <a:spcBef>
                 <a:spcPts val="500"/>
               </a:spcBef>
-              <a:buFont typeface="Arial" panose="020B0604020202090204" pitchFamily="34" charset="0"/>
+              <a:buFont typeface="Arial" panose="020B0604020202020204" pitchFamily="34" charset="0"/>
               <a:buChar char="•"/>
               <a:defRPr sz="1800" kern="1200">
                 <a:solidFill>
@@ -7777,8 +7794,8 @@
                     <a:alpha val="100000"/>
                   </a:schemeClr>
                 </a:solidFill>
-                <a:latin typeface="微软雅黑"/>
-                <a:ea typeface="微软雅黑"/>
+                <a:latin typeface="微软雅黑" panose="020B0503020204020204" pitchFamily="34" charset="-122"/>
+                <a:ea typeface="微软雅黑" panose="020B0503020204020204" pitchFamily="34" charset="-122"/>
                 <a:cs typeface="+mn-cs"/>
               </a:rPr>
               <a:t>目录</a:t>
@@ -7789,8 +7806,8 @@
                   <a:alpha val="100000"/>
                 </a:schemeClr>
               </a:solidFill>
-              <a:latin typeface="微软雅黑"/>
-              <a:ea typeface="微软雅黑"/>
+              <a:latin typeface="微软雅黑" panose="020B0503020204020204" pitchFamily="34" charset="-122"/>
+              <a:ea typeface="微软雅黑" panose="020B0503020204020204" pitchFamily="34" charset="-122"/>
               <a:cs typeface="+mn-cs"/>
             </a:endParaRPr>
           </a:p>
@@ -7889,8 +7906,8 @@
                         <a:alpha val="100000"/>
                       </a:schemeClr>
                     </a:solidFill>
-                    <a:latin typeface="微软雅黑"/>
-                    <a:ea typeface="微软雅黑"/>
+                    <a:latin typeface="微软雅黑" panose="020B0503020204020204" pitchFamily="34" charset="-122"/>
+                    <a:ea typeface="微软雅黑" panose="020B0503020204020204" pitchFamily="34" charset="-122"/>
                   </a:rPr>
                   <a:t>01</a:t>
                 </a:r>
@@ -7900,8 +7917,8 @@
                       <a:alpha val="100000"/>
                     </a:srgbClr>
                   </a:solidFill>
-                  <a:latin typeface="微软雅黑"/>
-                  <a:ea typeface="微软雅黑"/>
+                  <a:latin typeface="微软雅黑" panose="020B0503020204020204" pitchFamily="34" charset="-122"/>
+                  <a:ea typeface="微软雅黑" panose="020B0503020204020204" pitchFamily="34" charset="-122"/>
                 </a:endParaRPr>
               </a:p>
             </p:txBody>
@@ -7936,14 +7953,14 @@
                 </a:pPr>
                 <a:r>
                   <a:rPr lang="zh-CN" sz="1800" b="1">
-                    <a:latin typeface="微软雅黑"/>
-                    <a:ea typeface="微软雅黑"/>
+                    <a:latin typeface="微软雅黑" panose="020B0503020204020204" pitchFamily="34" charset="-122"/>
+                    <a:ea typeface="微软雅黑" panose="020B0503020204020204" pitchFamily="34" charset="-122"/>
                   </a:rPr>
                   <a:t>历史背景与核心脉络</a:t>
                 </a:r>
                 <a:endParaRPr lang="en-US" sz="2000" b="1">
-                  <a:latin typeface="微软雅黑"/>
-                  <a:ea typeface="微软雅黑"/>
+                  <a:latin typeface="微软雅黑" panose="020B0503020204020204" pitchFamily="34" charset="-122"/>
+                  <a:ea typeface="微软雅黑" panose="020B0503020204020204" pitchFamily="34" charset="-122"/>
                 </a:endParaRPr>
               </a:p>
             </p:txBody>
@@ -7993,8 +8010,8 @@
                         <a:alpha val="100000"/>
                       </a:schemeClr>
                     </a:solidFill>
-                    <a:latin typeface="微软雅黑"/>
-                    <a:ea typeface="微软雅黑"/>
+                    <a:latin typeface="微软雅黑" panose="020B0503020204020204" pitchFamily="34" charset="-122"/>
+                    <a:ea typeface="微软雅黑" panose="020B0503020204020204" pitchFamily="34" charset="-122"/>
                   </a:rPr>
                   <a:t>02</a:t>
                 </a:r>
@@ -8004,8 +8021,8 @@
                       <a:alpha val="100000"/>
                     </a:schemeClr>
                   </a:solidFill>
-                  <a:latin typeface="微软雅黑"/>
-                  <a:ea typeface="微软雅黑"/>
+                  <a:latin typeface="微软雅黑" panose="020B0503020204020204" pitchFamily="34" charset="-122"/>
+                  <a:ea typeface="微软雅黑" panose="020B0503020204020204" pitchFamily="34" charset="-122"/>
                 </a:endParaRPr>
               </a:p>
             </p:txBody>
@@ -8040,14 +8057,14 @@
                 </a:pPr>
                 <a:r>
                   <a:rPr lang="zh-CN" sz="1800" b="1">
-                    <a:latin typeface="微软雅黑"/>
-                    <a:ea typeface="微软雅黑"/>
+                    <a:latin typeface="微软雅黑" panose="020B0503020204020204" pitchFamily="34" charset="-122"/>
+                    <a:ea typeface="微软雅黑" panose="020B0503020204020204" pitchFamily="34" charset="-122"/>
                   </a:rPr>
                   <a:t>人物形象与现代启示</a:t>
                 </a:r>
                 <a:endParaRPr lang="en-US" sz="2000" b="1">
-                  <a:latin typeface="微软雅黑"/>
-                  <a:ea typeface="微软雅黑"/>
+                  <a:latin typeface="微软雅黑" panose="020B0503020204020204" pitchFamily="34" charset="-122"/>
+                  <a:ea typeface="微软雅黑" panose="020B0503020204020204" pitchFamily="34" charset="-122"/>
                 </a:endParaRPr>
               </a:p>
             </p:txBody>
@@ -8173,14 +8190,14 @@
           <a:p>
             <a:r>
               <a:rPr kumimoji="1" lang="en-US" altLang="zh-CN" dirty="0">
-                <a:latin typeface="Microsoft YaHei Light" panose="020B0503020204020204" pitchFamily="34" charset="-122"/>
-                <a:ea typeface="Microsoft YaHei Light" panose="020B0503020204020204" pitchFamily="34" charset="-122"/>
+                <a:latin typeface="微软雅黑 Light" panose="020B0502040204020203" pitchFamily="34" charset="-122"/>
+                <a:ea typeface="微软雅黑 Light" panose="020B0502040204020203" pitchFamily="34" charset="-122"/>
               </a:rPr>
               <a:t>01</a:t>
             </a:r>
             <a:endParaRPr kumimoji="1" lang="zh-CN" altLang="en-US" dirty="0">
-              <a:latin typeface="Microsoft YaHei Light" panose="020B0503020204020204" pitchFamily="34" charset="-122"/>
-              <a:ea typeface="Microsoft YaHei Light" panose="020B0503020204020204" pitchFamily="34" charset="-122"/>
+              <a:latin typeface="微软雅黑 Light" panose="020B0502040204020203" pitchFamily="34" charset="-122"/>
+              <a:ea typeface="微软雅黑 Light" panose="020B0502040204020203" pitchFamily="34" charset="-122"/>
             </a:endParaRPr>
           </a:p>
         </p:txBody>
@@ -8214,7 +8231,11 @@
         <p:nvSpPr>
           <p:cNvPr id="73" name="图形"/>
           <p:cNvSpPr/>
-          <p:nvPr/>
+          <p:nvPr>
+            <p:custDataLst>
+              <p:tags r:id="rId1"/>
+            </p:custDataLst>
+          </p:nvPr>
         </p:nvSpPr>
         <p:spPr bwMode="auto">
           <a:xfrm flipH="1">
@@ -8420,7 +8441,11 @@
         <p:nvSpPr>
           <p:cNvPr id="74" name="图形"/>
           <p:cNvSpPr/>
-          <p:nvPr/>
+          <p:nvPr>
+            <p:custDataLst>
+              <p:tags r:id="rId2"/>
+            </p:custDataLst>
+          </p:nvPr>
         </p:nvSpPr>
         <p:spPr bwMode="auto">
           <a:xfrm flipH="1">
@@ -8626,7 +8651,11 @@
         <p:nvSpPr>
           <p:cNvPr id="75" name="图形"/>
           <p:cNvSpPr/>
-          <p:nvPr/>
+          <p:nvPr>
+            <p:custDataLst>
+              <p:tags r:id="rId3"/>
+            </p:custDataLst>
+          </p:nvPr>
         </p:nvSpPr>
         <p:spPr bwMode="auto">
           <a:xfrm flipH="1">
@@ -9380,7 +9409,11 @@
           <p:cNvSpPr>
             <a:spLocks noEditPoints="1"/>
           </p:cNvSpPr>
-          <p:nvPr/>
+          <p:nvPr>
+            <p:custDataLst>
+              <p:tags r:id="rId4"/>
+            </p:custDataLst>
+          </p:nvPr>
         </p:nvSpPr>
         <p:spPr bwMode="auto">
           <a:xfrm>
@@ -9830,7 +9863,11 @@
           <p:cNvSpPr>
             <a:spLocks noEditPoints="1"/>
           </p:cNvSpPr>
-          <p:nvPr/>
+          <p:nvPr>
+            <p:custDataLst>
+              <p:tags r:id="rId5"/>
+            </p:custDataLst>
+          </p:nvPr>
         </p:nvSpPr>
         <p:spPr bwMode="auto">
           <a:xfrm>
@@ -10182,7 +10219,11 @@
           <p:cNvSpPr>
             <a:spLocks noEditPoints="1"/>
           </p:cNvSpPr>
-          <p:nvPr/>
+          <p:nvPr>
+            <p:custDataLst>
+              <p:tags r:id="rId6"/>
+            </p:custDataLst>
+          </p:nvPr>
         </p:nvSpPr>
         <p:spPr bwMode="auto">
           <a:xfrm>
@@ -10626,7 +10667,11 @@
         <p:nvGrpSpPr>
           <p:cNvPr id="82" name="组合 81" descr="{&quot;isTemplate&quot;:true,&quot;type&quot;:&quot;list&quot;,&quot;alignment&quot;:&quot;left&quot;,&quot;alignmentVertical&quot;:&quot;top&quot;,&quot;canOmit&quot;:false,&quot;scalable&quot;:false,&quot;minItemsCount&quot;:-1}"/>
           <p:cNvGrpSpPr/>
-          <p:nvPr/>
+          <p:nvPr>
+            <p:custDataLst>
+              <p:tags r:id="rId7"/>
+            </p:custDataLst>
+          </p:nvPr>
         </p:nvGrpSpPr>
         <p:grpSpPr>
           <a:xfrm rot="0">
@@ -10654,7 +10699,11 @@
             <p:nvSpPr>
               <p:cNvPr id="84" name="图形" descr="{&quot;isTemplate&quot;:true,&quot;type&quot;:&quot;content&quot;,&quot;canOmit&quot;:false,&quot;range&quot;:0}"/>
               <p:cNvSpPr txBox="1"/>
-              <p:nvPr/>
+              <p:nvPr>
+                <p:custDataLst>
+                  <p:tags r:id="rId8"/>
+                </p:custDataLst>
+              </p:nvPr>
             </p:nvSpPr>
             <p:spPr>
               <a:xfrm>
@@ -10709,7 +10758,11 @@
             <p:nvSpPr>
               <p:cNvPr id="85" name="图形" descr="{&quot;isTemplate&quot;:true,&quot;type&quot;:&quot;title&quot;,&quot;canOmit&quot;:false,&quot;range&quot;:0}"/>
               <p:cNvSpPr txBox="1"/>
-              <p:nvPr/>
+              <p:nvPr>
+                <p:custDataLst>
+                  <p:tags r:id="rId9"/>
+                </p:custDataLst>
+              </p:nvPr>
             </p:nvSpPr>
             <p:spPr>
               <a:xfrm>
@@ -10781,7 +10834,11 @@
             <p:nvSpPr>
               <p:cNvPr id="87" name="图形" descr="{&quot;isTemplate&quot;:true,&quot;type&quot;:&quot;content&quot;,&quot;canOmit&quot;:false,&quot;range&quot;:0}"/>
               <p:cNvSpPr txBox="1"/>
-              <p:nvPr/>
+              <p:nvPr>
+                <p:custDataLst>
+                  <p:tags r:id="rId10"/>
+                </p:custDataLst>
+              </p:nvPr>
             </p:nvSpPr>
             <p:spPr>
               <a:xfrm>
@@ -10836,7 +10893,11 @@
             <p:nvSpPr>
               <p:cNvPr id="88" name="图形" descr="{&quot;isTemplate&quot;:true,&quot;type&quot;:&quot;title&quot;,&quot;canOmit&quot;:false,&quot;range&quot;:0}"/>
               <p:cNvSpPr txBox="1"/>
-              <p:nvPr/>
+              <p:nvPr>
+                <p:custDataLst>
+                  <p:tags r:id="rId11"/>
+                </p:custDataLst>
+              </p:nvPr>
             </p:nvSpPr>
             <p:spPr>
               <a:xfrm>
@@ -10908,7 +10969,11 @@
             <p:nvSpPr>
               <p:cNvPr id="90" name="图形" descr="{&quot;isTemplate&quot;:true,&quot;type&quot;:&quot;content&quot;,&quot;canOmit&quot;:false,&quot;range&quot;:0}"/>
               <p:cNvSpPr txBox="1"/>
-              <p:nvPr/>
+              <p:nvPr>
+                <p:custDataLst>
+                  <p:tags r:id="rId12"/>
+                </p:custDataLst>
+              </p:nvPr>
             </p:nvSpPr>
             <p:spPr>
               <a:xfrm>
@@ -10963,7 +11028,11 @@
             <p:nvSpPr>
               <p:cNvPr id="91" name="图形" descr="{&quot;isTemplate&quot;:true,&quot;type&quot;:&quot;title&quot;,&quot;canOmit&quot;:false,&quot;range&quot;:0}"/>
               <p:cNvSpPr txBox="1"/>
-              <p:nvPr/>
+              <p:nvPr>
+                <p:custDataLst>
+                  <p:tags r:id="rId13"/>
+                </p:custDataLst>
+              </p:nvPr>
             </p:nvSpPr>
             <p:spPr>
               <a:xfrm>
@@ -12666,7 +12735,7 @@
                   </a:solidFill>
                   <a:latin typeface="默认字体"/>
                   <a:ea typeface="默认字体"/>
-                  <a:cs typeface="等线"/>
+                  <a:cs typeface="等线" panose="02010600030101010101" charset="-122"/>
                   <a:sym typeface="思源黑体 CN Normal"/>
                 </a:endParaRPr>
               </a:p>
@@ -12909,7 +12978,7 @@
                     <a:rPr lang="zh-CN" sz="1600">
                       <a:latin typeface="默认字体"/>
                       <a:ea typeface="默认字体"/>
-                      <a:cs typeface="等线"/>
+                      <a:cs typeface="等线" panose="02010600030101010101" charset="-122"/>
                       <a:sym typeface="思源黑体 CN Normal"/>
                     </a:rPr>
                     <a:t>起义背景与爆发</a:t>
@@ -13225,7 +13294,7 @@
                   </a:solidFill>
                   <a:latin typeface="默认字体"/>
                   <a:ea typeface="默认字体"/>
-                  <a:cs typeface="等线"/>
+                  <a:cs typeface="等线" panose="02010600030101010101" charset="-122"/>
                   <a:sym typeface="思源黑体 CN Normal"/>
                 </a:endParaRPr>
               </a:p>
@@ -13468,7 +13537,7 @@
                     <a:rPr lang="zh-CN" sz="1600">
                       <a:latin typeface="默认字体"/>
                       <a:ea typeface="默认字体"/>
-                      <a:cs typeface="等线"/>
+                      <a:cs typeface="等线" panose="02010600030101010101" charset="-122"/>
                       <a:sym typeface="思源黑体 CN Normal"/>
                     </a:rPr>
                     <a:t>起义的扩散与影响</a:t>
@@ -13784,7 +13853,7 @@
                   </a:solidFill>
                   <a:latin typeface="默认字体"/>
                   <a:ea typeface="默认字体"/>
-                  <a:cs typeface="等线"/>
+                  <a:cs typeface="等线" panose="02010600030101010101" charset="-122"/>
                   <a:sym typeface="思源黑体 CN Normal"/>
                 </a:endParaRPr>
               </a:p>
@@ -14027,7 +14096,7 @@
                     <a:rPr lang="zh-CN" sz="1600">
                       <a:latin typeface="默认字体"/>
                       <a:ea typeface="默认字体"/>
-                      <a:cs typeface="等线"/>
+                      <a:cs typeface="等线" panose="02010600030101010101" charset="-122"/>
                       <a:sym typeface="思源黑体 CN Normal"/>
                     </a:rPr>
                     <a:t>群雄割据的形成</a:t>
@@ -15547,14 +15616,14 @@
           <a:p>
             <a:r>
               <a:rPr kumimoji="1" lang="en-US" altLang="zh-CN" dirty="0">
-                <a:latin typeface="Microsoft YaHei Light" panose="020B0503020204020204" pitchFamily="34" charset="-122"/>
-                <a:ea typeface="Microsoft YaHei Light" panose="020B0503020204020204" pitchFamily="34" charset="-122"/>
+                <a:latin typeface="微软雅黑 Light" panose="020B0502040204020203" pitchFamily="34" charset="-122"/>
+                <a:ea typeface="微软雅黑 Light" panose="020B0502040204020203" pitchFamily="34" charset="-122"/>
               </a:rPr>
               <a:t>02</a:t>
             </a:r>
             <a:endParaRPr kumimoji="1" lang="zh-CN" altLang="en-US" dirty="0">
-              <a:latin typeface="Microsoft YaHei Light" panose="020B0503020204020204" pitchFamily="34" charset="-122"/>
-              <a:ea typeface="Microsoft YaHei Light" panose="020B0503020204020204" pitchFamily="34" charset="-122"/>
+              <a:latin typeface="微软雅黑 Light" panose="020B0502040204020203" pitchFamily="34" charset="-122"/>
+              <a:ea typeface="微软雅黑 Light" panose="020B0502040204020203" pitchFamily="34" charset="-122"/>
             </a:endParaRPr>
           </a:p>
         </p:txBody>
@@ -15679,7 +15748,7 @@
                     </a:solidFill>
                     <a:latin typeface="默认字体"/>
                     <a:ea typeface="默认字体"/>
-                    <a:cs typeface="等线"/>
+                    <a:cs typeface="等线" panose="02010600030101010101" charset="-122"/>
                     <a:sym typeface="思源宋体 CN"/>
                   </a:endParaRPr>
                 </a:p>
@@ -15990,7 +16059,7 @@
                     </a:solidFill>
                     <a:latin typeface="默认字体"/>
                     <a:ea typeface="默认字体"/>
-                    <a:cs typeface="等线"/>
+                    <a:cs typeface="等线" panose="02010600030101010101" charset="-122"/>
                     <a:sym typeface="思源宋体 CN"/>
                   </a:endParaRPr>
                 </a:p>
@@ -16048,7 +16117,7 @@
                       </a:solidFill>
                       <a:latin typeface="默认字体"/>
                       <a:ea typeface="默认字体"/>
-                      <a:cs typeface="等线"/>
+                      <a:cs typeface="等线" panose="02010600030101010101" charset="-122"/>
                       <a:sym typeface="思源宋体 CN"/>
                     </a:rPr>
                     <a:t>仁德治国的理念</a:t>
@@ -16098,7 +16167,7 @@
                       </a:solidFill>
                       <a:latin typeface="默认字体"/>
                       <a:ea typeface="默认字体"/>
-                      <a:cs typeface="等线"/>
+                      <a:cs typeface="等线" panose="02010600030101010101" charset="-122"/>
                       <a:sym typeface="思源宋体 CN"/>
                     </a:rPr>
                     <a:t>刘备以“仁”为核心治国理政，注重民生，赢得了百姓的爱戴和支持，这种以人为本的理念对我具有重要的借鉴意义。</a:t>
@@ -16111,7 +16180,7 @@
                     </a:solidFill>
                     <a:latin typeface="默认字体"/>
                     <a:ea typeface="默认字体"/>
-                    <a:cs typeface="等线"/>
+                    <a:cs typeface="等线" panose="02010600030101010101" charset="-122"/>
                     <a:sym typeface="思源宋体 CN"/>
                   </a:endParaRPr>
                 </a:p>
@@ -16200,7 +16269,7 @@
                     </a:solidFill>
                     <a:latin typeface="默认字体"/>
                     <a:ea typeface="默认字体"/>
-                    <a:cs typeface="等线"/>
+                    <a:cs typeface="等线" panose="02010600030101010101" charset="-122"/>
                     <a:sym typeface="思源宋体 CN"/>
                   </a:endParaRPr>
                 </a:p>
@@ -16514,7 +16583,7 @@
                     </a:solidFill>
                     <a:latin typeface="默认字体"/>
                     <a:ea typeface="默认字体"/>
-                    <a:cs typeface="等线"/>
+                    <a:cs typeface="等线" panose="02010600030101010101" charset="-122"/>
                     <a:sym typeface="思源宋体 CN"/>
                   </a:endParaRPr>
                 </a:p>
@@ -16572,7 +16641,7 @@
                       </a:solidFill>
                       <a:latin typeface="默认字体"/>
                       <a:ea typeface="默认字体"/>
-                      <a:cs typeface="等线"/>
+                      <a:cs typeface="等线" panose="02010600030101010101" charset="-122"/>
                       <a:sym typeface="思源宋体 CN"/>
                     </a:rPr>
                     <a:t>政治智慧的体现</a:t>
@@ -16622,7 +16691,7 @@
                       </a:solidFill>
                       <a:latin typeface="默认字体"/>
                       <a:ea typeface="默认字体"/>
-                      <a:cs typeface="等线"/>
+                      <a:cs typeface="等线" panose="02010600030101010101" charset="-122"/>
                       <a:sym typeface="思源宋体 CN"/>
                     </a:rPr>
                     <a:t>刘备善于利用人心，通过结交贤士、广施仁政等方式，逐步壮大了自己的势力，这种政治智慧在管理和领导中同样具有重要价值。</a:t>
@@ -16635,7 +16704,7 @@
                     </a:solidFill>
                     <a:latin typeface="默认字体"/>
                     <a:ea typeface="默认字体"/>
-                    <a:cs typeface="等线"/>
+                    <a:cs typeface="等线" panose="02010600030101010101" charset="-122"/>
                     <a:sym typeface="思源宋体 CN"/>
                   </a:endParaRPr>
                 </a:p>
@@ -16724,7 +16793,7 @@
                     </a:solidFill>
                     <a:latin typeface="默认字体"/>
                     <a:ea typeface="默认字体"/>
-                    <a:cs typeface="等线"/>
+                    <a:cs typeface="等线" panose="02010600030101010101" charset="-122"/>
                     <a:sym typeface="思源宋体 CN"/>
                   </a:endParaRPr>
                 </a:p>
@@ -17384,7 +17453,7 @@
                     </a:solidFill>
                     <a:latin typeface="默认字体"/>
                     <a:ea typeface="默认字体"/>
-                    <a:cs typeface="等线"/>
+                    <a:cs typeface="等线" panose="02010600030101010101" charset="-122"/>
                     <a:sym typeface="思源宋体 CN"/>
                   </a:endParaRPr>
                 </a:p>
@@ -17442,7 +17511,7 @@
                       </a:solidFill>
                       <a:latin typeface="默认字体"/>
                       <a:ea typeface="默认字体"/>
-                      <a:cs typeface="等线"/>
+                      <a:cs typeface="等线" panose="02010600030101010101" charset="-122"/>
                       <a:sym typeface="思源宋体 CN"/>
                     </a:rPr>
                     <a:t>面对困境的坚韧</a:t>
@@ -17492,7 +17561,7 @@
                       </a:solidFill>
                       <a:latin typeface="默认字体"/>
                       <a:ea typeface="默认字体"/>
-                      <a:cs typeface="等线"/>
+                      <a:cs typeface="等线" panose="02010600030101010101" charset="-122"/>
                       <a:sym typeface="思源宋体 CN"/>
                     </a:rPr>
                     <a:t>刘备在多次失败后仍能保持坚韧不拔的精神，最终建立了蜀汉政权，这种在逆境中不放弃的精神值得我的学习和借鉴。</a:t>
@@ -17505,7 +17574,7 @@
                     </a:solidFill>
                     <a:latin typeface="默认字体"/>
                     <a:ea typeface="默认字体"/>
-                    <a:cs typeface="等线"/>
+                    <a:cs typeface="等线" panose="02010600030101010101" charset="-122"/>
                     <a:sym typeface="思源宋体 CN"/>
                   </a:endParaRPr>
                 </a:p>
@@ -18279,8 +18348,8 @@
                           <a:alpha val="100000"/>
                         </a:schemeClr>
                       </a:solidFill>
-                      <a:latin typeface="等线"/>
-                      <a:ea typeface="等线"/>
+                      <a:latin typeface="等线" panose="02010600030101010101" charset="-122"/>
+                      <a:ea typeface="等线" panose="02010600030101010101" charset="-122"/>
                       <a:cs typeface="+mn-cs"/>
                     </a:defRPr>
                   </a:pPr>
@@ -18340,8 +18409,8 @@
                           <a:alpha val="100000"/>
                         </a:schemeClr>
                       </a:solidFill>
-                      <a:latin typeface="等线"/>
-                      <a:ea typeface="等线"/>
+                      <a:latin typeface="等线" panose="02010600030101010101" charset="-122"/>
+                      <a:ea typeface="等线" panose="02010600030101010101" charset="-122"/>
                       <a:cs typeface="+mn-cs"/>
                     </a:defRPr>
                   </a:pPr>
@@ -21320,8 +21389,8 @@
                           <a:alpha val="100000"/>
                         </a:schemeClr>
                       </a:solidFill>
-                      <a:latin typeface="等线"/>
-                      <a:ea typeface="等线"/>
+                      <a:latin typeface="等线" panose="02010600030101010101" charset="-122"/>
+                      <a:ea typeface="等线" panose="02010600030101010101" charset="-122"/>
                       <a:cs typeface="+mn-cs"/>
                     </a:defRPr>
                   </a:pPr>
@@ -21381,8 +21450,8 @@
                           <a:alpha val="100000"/>
                         </a:schemeClr>
                       </a:solidFill>
-                      <a:latin typeface="等线"/>
-                      <a:ea typeface="等线"/>
+                      <a:latin typeface="等线" panose="02010600030101010101" charset="-122"/>
+                      <a:ea typeface="等线" panose="02010600030101010101" charset="-122"/>
                       <a:cs typeface="+mn-cs"/>
                     </a:defRPr>
                   </a:pPr>
@@ -22012,8 +22081,8 @@
                           <a:alpha val="100000"/>
                         </a:schemeClr>
                       </a:solidFill>
-                      <a:latin typeface="等线"/>
-                      <a:ea typeface="等线"/>
+                      <a:latin typeface="等线" panose="02010600030101010101" charset="-122"/>
+                      <a:ea typeface="等线" panose="02010600030101010101" charset="-122"/>
                       <a:cs typeface="+mn-cs"/>
                     </a:defRPr>
                   </a:pPr>
@@ -22073,8 +22142,8 @@
                           <a:alpha val="100000"/>
                         </a:schemeClr>
                       </a:solidFill>
-                      <a:latin typeface="等线"/>
-                      <a:ea typeface="等线"/>
+                      <a:latin typeface="等线" panose="02010600030101010101" charset="-122"/>
+                      <a:ea typeface="等线" panose="02010600030101010101" charset="-122"/>
                       <a:cs typeface="+mn-cs"/>
                     </a:defRPr>
                   </a:pPr>
@@ -22149,6 +22218,84 @@
     <a:masterClrMapping/>
   </p:clrMapOvr>
 </p:sld>
+</file>
+
+<file path=ppt/tags/tag1.xml><?xml version="1.0" encoding="utf-8"?>
+<p:tagLst xmlns:p="http://schemas.openxmlformats.org/presentationml/2006/main">
+  <p:tag name="KSO_WM_DIAGRAM_VIRTUALLY_FRAME" val="{&quot;height&quot;:238.41976377952756,&quot;left&quot;:84.61370078740157,&quot;top&quot;:188.38125984251968,&quot;width&quot;:767.0457480314961}"/>
+</p:tagLst>
+</file>
+
+<file path=ppt/tags/tag10.xml><?xml version="1.0" encoding="utf-8"?>
+<p:tagLst xmlns:p="http://schemas.openxmlformats.org/presentationml/2006/main">
+  <p:tag name="KSO_WM_DIAGRAM_VIRTUALLY_FRAME" val="{&quot;height&quot;:238.41976377952756,&quot;left&quot;:84.61370078740157,&quot;top&quot;:188.38125984251968,&quot;width&quot;:767.0457480314961}"/>
+</p:tagLst>
+</file>
+
+<file path=ppt/tags/tag11.xml><?xml version="1.0" encoding="utf-8"?>
+<p:tagLst xmlns:p="http://schemas.openxmlformats.org/presentationml/2006/main">
+  <p:tag name="KSO_WM_DIAGRAM_VIRTUALLY_FRAME" val="{&quot;height&quot;:238.41976377952756,&quot;left&quot;:84.61370078740157,&quot;top&quot;:188.38125984251968,&quot;width&quot;:767.0457480314961}"/>
+</p:tagLst>
+</file>
+
+<file path=ppt/tags/tag12.xml><?xml version="1.0" encoding="utf-8"?>
+<p:tagLst xmlns:p="http://schemas.openxmlformats.org/presentationml/2006/main">
+  <p:tag name="KSO_WM_DIAGRAM_VIRTUALLY_FRAME" val="{&quot;height&quot;:238.41976377952756,&quot;left&quot;:84.61370078740157,&quot;top&quot;:188.38125984251968,&quot;width&quot;:767.0457480314961}"/>
+</p:tagLst>
+</file>
+
+<file path=ppt/tags/tag13.xml><?xml version="1.0" encoding="utf-8"?>
+<p:tagLst xmlns:p="http://schemas.openxmlformats.org/presentationml/2006/main">
+  <p:tag name="KSO_WM_DIAGRAM_VIRTUALLY_FRAME" val="{&quot;height&quot;:238.41976377952756,&quot;left&quot;:84.61370078740157,&quot;top&quot;:188.38125984251968,&quot;width&quot;:767.0457480314961}"/>
+</p:tagLst>
+</file>
+
+<file path=ppt/tags/tag2.xml><?xml version="1.0" encoding="utf-8"?>
+<p:tagLst xmlns:p="http://schemas.openxmlformats.org/presentationml/2006/main">
+  <p:tag name="KSO_WM_DIAGRAM_VIRTUALLY_FRAME" val="{&quot;height&quot;:238.41976377952756,&quot;left&quot;:84.61370078740157,&quot;top&quot;:188.38125984251968,&quot;width&quot;:767.0457480314961}"/>
+</p:tagLst>
+</file>
+
+<file path=ppt/tags/tag3.xml><?xml version="1.0" encoding="utf-8"?>
+<p:tagLst xmlns:p="http://schemas.openxmlformats.org/presentationml/2006/main">
+  <p:tag name="KSO_WM_DIAGRAM_VIRTUALLY_FRAME" val="{&quot;height&quot;:238.41976377952756,&quot;left&quot;:84.61370078740157,&quot;top&quot;:188.38125984251968,&quot;width&quot;:767.0457480314961}"/>
+</p:tagLst>
+</file>
+
+<file path=ppt/tags/tag4.xml><?xml version="1.0" encoding="utf-8"?>
+<p:tagLst xmlns:p="http://schemas.openxmlformats.org/presentationml/2006/main">
+  <p:tag name="KSO_WM_DIAGRAM_VIRTUALLY_FRAME" val="{&quot;height&quot;:238.41976377952756,&quot;left&quot;:84.61370078740157,&quot;top&quot;:188.38125984251968,&quot;width&quot;:767.0457480314961}"/>
+</p:tagLst>
+</file>
+
+<file path=ppt/tags/tag5.xml><?xml version="1.0" encoding="utf-8"?>
+<p:tagLst xmlns:p="http://schemas.openxmlformats.org/presentationml/2006/main">
+  <p:tag name="KSO_WM_DIAGRAM_VIRTUALLY_FRAME" val="{&quot;height&quot;:238.41976377952756,&quot;left&quot;:84.61370078740157,&quot;top&quot;:188.38125984251968,&quot;width&quot;:767.0457480314961}"/>
+</p:tagLst>
+</file>
+
+<file path=ppt/tags/tag6.xml><?xml version="1.0" encoding="utf-8"?>
+<p:tagLst xmlns:p="http://schemas.openxmlformats.org/presentationml/2006/main">
+  <p:tag name="KSO_WM_DIAGRAM_VIRTUALLY_FRAME" val="{&quot;height&quot;:238.41976377952756,&quot;left&quot;:84.61370078740157,&quot;top&quot;:188.38125984251968,&quot;width&quot;:767.0457480314961}"/>
+</p:tagLst>
+</file>
+
+<file path=ppt/tags/tag7.xml><?xml version="1.0" encoding="utf-8"?>
+<p:tagLst xmlns:p="http://schemas.openxmlformats.org/presentationml/2006/main">
+  <p:tag name="KSO_WM_DIAGRAM_VIRTUALLY_FRAME" val="{&quot;height&quot;:238.41976377952756,&quot;left&quot;:84.61370078740157,&quot;top&quot;:188.38125984251968,&quot;width&quot;:767.0457480314961}"/>
+</p:tagLst>
+</file>
+
+<file path=ppt/tags/tag8.xml><?xml version="1.0" encoding="utf-8"?>
+<p:tagLst xmlns:p="http://schemas.openxmlformats.org/presentationml/2006/main">
+  <p:tag name="KSO_WM_DIAGRAM_VIRTUALLY_FRAME" val="{&quot;height&quot;:238.41976377952756,&quot;left&quot;:84.61370078740157,&quot;top&quot;:188.38125984251968,&quot;width&quot;:767.0457480314961}"/>
+</p:tagLst>
+</file>
+
+<file path=ppt/tags/tag9.xml><?xml version="1.0" encoding="utf-8"?>
+<p:tagLst xmlns:p="http://schemas.openxmlformats.org/presentationml/2006/main">
+  <p:tag name="KSO_WM_DIAGRAM_VIRTUALLY_FRAME" val="{&quot;height&quot;:238.41976377952756,&quot;left&quot;:84.61370078740157,&quot;top&quot;:188.38125984251968,&quot;width&quot;:767.0457480314961}"/>
+</p:tagLst>
 </file>
 
 <file path=ppt/theme/theme1.xml><?xml version="1.0" encoding="utf-8"?>
